--- a/talks/src/class00.pptx
+++ b/talks/src/class00.pptx
@@ -6,10 +6,10 @@
     <p:sldMasterId id="2147483660" r:id="rId2"/>
   </p:sldMasterIdLst>
   <p:notesMasterIdLst>
-    <p:notesMasterId r:id="rId30"/>
+    <p:notesMasterId r:id="rId41"/>
   </p:notesMasterIdLst>
   <p:handoutMasterIdLst>
-    <p:handoutMasterId r:id="rId31"/>
+    <p:handoutMasterId r:id="rId42"/>
   </p:handoutMasterIdLst>
   <p:sldIdLst>
     <p:sldId id="280" r:id="rId3"/>
@@ -25,20 +25,31 @@
     <p:sldId id="277" r:id="rId13"/>
     <p:sldId id="276" r:id="rId14"/>
     <p:sldId id="268" r:id="rId15"/>
-    <p:sldId id="278" r:id="rId16"/>
-    <p:sldId id="272" r:id="rId17"/>
-    <p:sldId id="279" r:id="rId18"/>
-    <p:sldId id="283" r:id="rId19"/>
-    <p:sldId id="282" r:id="rId20"/>
-    <p:sldId id="281" r:id="rId21"/>
-    <p:sldId id="259" r:id="rId22"/>
-    <p:sldId id="270" r:id="rId23"/>
-    <p:sldId id="275" r:id="rId24"/>
-    <p:sldId id="274" r:id="rId25"/>
-    <p:sldId id="273" r:id="rId26"/>
-    <p:sldId id="286" r:id="rId27"/>
-    <p:sldId id="285" r:id="rId28"/>
-    <p:sldId id="284" r:id="rId29"/>
+    <p:sldId id="296" r:id="rId16"/>
+    <p:sldId id="297" r:id="rId17"/>
+    <p:sldId id="278" r:id="rId18"/>
+    <p:sldId id="272" r:id="rId19"/>
+    <p:sldId id="279" r:id="rId20"/>
+    <p:sldId id="283" r:id="rId21"/>
+    <p:sldId id="282" r:id="rId22"/>
+    <p:sldId id="281" r:id="rId23"/>
+    <p:sldId id="259" r:id="rId24"/>
+    <p:sldId id="270" r:id="rId25"/>
+    <p:sldId id="275" r:id="rId26"/>
+    <p:sldId id="274" r:id="rId27"/>
+    <p:sldId id="273" r:id="rId28"/>
+    <p:sldId id="286" r:id="rId29"/>
+    <p:sldId id="285" r:id="rId30"/>
+    <p:sldId id="287" r:id="rId31"/>
+    <p:sldId id="288" r:id="rId32"/>
+    <p:sldId id="289" r:id="rId33"/>
+    <p:sldId id="290" r:id="rId34"/>
+    <p:sldId id="291" r:id="rId35"/>
+    <p:sldId id="292" r:id="rId36"/>
+    <p:sldId id="293" r:id="rId37"/>
+    <p:sldId id="294" r:id="rId38"/>
+    <p:sldId id="295" r:id="rId39"/>
+    <p:sldId id="284" r:id="rId40"/>
   </p:sldIdLst>
   <p:sldSz cx="12192000" cy="6858000"/>
   <p:notesSz cx="6858000" cy="9144000"/>
@@ -137,6 +148,11 @@
       </a:defRPr>
     </a:lvl9pPr>
   </p:defaultTextStyle>
+  <p:extLst>
+    <p:ext uri="{EFAFB233-063F-42B5-8137-9DF3F51BA10A}">
+      <p15:sldGuideLst xmlns:p15="http://schemas.microsoft.com/office/powerpoint/2012/main"/>
+    </p:ext>
+  </p:extLst>
 </p:presentation>
 </file>
 
@@ -226,7 +242,7 @@
           <a:p>
             <a:fld id="{56C6788E-680A-49E5-BB93-D456A9D23A29}" type="datetimeFigureOut">
               <a:rPr lang="ru-RU" smtClean="0"/>
-              <a:t>20.09.2016</a:t>
+              <a:t>18.09.2017</a:t>
             </a:fld>
             <a:endParaRPr lang="ru-RU"/>
           </a:p>
@@ -396,7 +412,7 @@
           <a:p>
             <a:fld id="{C4DF4945-C160-4CD5-B124-49B9BE14C0AB}" type="datetimeFigureOut">
               <a:rPr lang="ru-RU" smtClean="0"/>
-              <a:t>20.09.2016</a:t>
+              <a:t>18.09.2017</a:t>
             </a:fld>
             <a:endParaRPr lang="ru-RU"/>
           </a:p>
@@ -1297,7 +1313,7 @@
     </p:spTree>
     <p:extLst>
       <p:ext uri="{BB962C8B-B14F-4D97-AF65-F5344CB8AC3E}">
-        <p14:creationId xmlns:p14="http://schemas.microsoft.com/office/powerpoint/2010/main" val="4160965329"/>
+        <p14:creationId xmlns:p14="http://schemas.microsoft.com/office/powerpoint/2010/main" val="3343717634"/>
       </p:ext>
     </p:extLst>
   </p:cSld>
@@ -1404,7 +1420,7 @@
     </p:spTree>
     <p:extLst>
       <p:ext uri="{BB962C8B-B14F-4D97-AF65-F5344CB8AC3E}">
-        <p14:creationId xmlns:p14="http://schemas.microsoft.com/office/powerpoint/2010/main" val="1760124795"/>
+        <p14:creationId xmlns:p14="http://schemas.microsoft.com/office/powerpoint/2010/main" val="3488519532"/>
       </p:ext>
     </p:extLst>
   </p:cSld>
@@ -1511,7 +1527,7 @@
     </p:spTree>
     <p:extLst>
       <p:ext uri="{BB962C8B-B14F-4D97-AF65-F5344CB8AC3E}">
-        <p14:creationId xmlns:p14="http://schemas.microsoft.com/office/powerpoint/2010/main" val="2821274548"/>
+        <p14:creationId xmlns:p14="http://schemas.microsoft.com/office/powerpoint/2010/main" val="4160965329"/>
       </p:ext>
     </p:extLst>
   </p:cSld>
@@ -1618,7 +1634,7 @@
     </p:spTree>
     <p:extLst>
       <p:ext uri="{BB962C8B-B14F-4D97-AF65-F5344CB8AC3E}">
-        <p14:creationId xmlns:p14="http://schemas.microsoft.com/office/powerpoint/2010/main" val="2174760312"/>
+        <p14:creationId xmlns:p14="http://schemas.microsoft.com/office/powerpoint/2010/main" val="1760124795"/>
       </p:ext>
     </p:extLst>
   </p:cSld>
@@ -1725,7 +1741,7 @@
     </p:spTree>
     <p:extLst>
       <p:ext uri="{BB962C8B-B14F-4D97-AF65-F5344CB8AC3E}">
-        <p14:creationId xmlns:p14="http://schemas.microsoft.com/office/powerpoint/2010/main" val="260031862"/>
+        <p14:creationId xmlns:p14="http://schemas.microsoft.com/office/powerpoint/2010/main" val="2821274548"/>
       </p:ext>
     </p:extLst>
   </p:cSld>
@@ -1832,7 +1848,7 @@
     </p:spTree>
     <p:extLst>
       <p:ext uri="{BB962C8B-B14F-4D97-AF65-F5344CB8AC3E}">
-        <p14:creationId xmlns:p14="http://schemas.microsoft.com/office/powerpoint/2010/main" val="2749795524"/>
+        <p14:creationId xmlns:p14="http://schemas.microsoft.com/office/powerpoint/2010/main" val="2174760312"/>
       </p:ext>
     </p:extLst>
   </p:cSld>
@@ -2046,7 +2062,7 @@
     </p:spTree>
     <p:extLst>
       <p:ext uri="{BB962C8B-B14F-4D97-AF65-F5344CB8AC3E}">
-        <p14:creationId xmlns:p14="http://schemas.microsoft.com/office/powerpoint/2010/main" val="3471459958"/>
+        <p14:creationId xmlns:p14="http://schemas.microsoft.com/office/powerpoint/2010/main" val="260031862"/>
       </p:ext>
     </p:extLst>
   </p:cSld>
@@ -2153,7 +2169,7 @@
     </p:spTree>
     <p:extLst>
       <p:ext uri="{BB962C8B-B14F-4D97-AF65-F5344CB8AC3E}">
-        <p14:creationId xmlns:p14="http://schemas.microsoft.com/office/powerpoint/2010/main" val="3104589451"/>
+        <p14:creationId xmlns:p14="http://schemas.microsoft.com/office/powerpoint/2010/main" val="2749795524"/>
       </p:ext>
     </p:extLst>
   </p:cSld>
@@ -2260,7 +2276,7 @@
     </p:spTree>
     <p:extLst>
       <p:ext uri="{BB962C8B-B14F-4D97-AF65-F5344CB8AC3E}">
-        <p14:creationId xmlns:p14="http://schemas.microsoft.com/office/powerpoint/2010/main" val="3089647710"/>
+        <p14:creationId xmlns:p14="http://schemas.microsoft.com/office/powerpoint/2010/main" val="3471459958"/>
       </p:ext>
     </p:extLst>
   </p:cSld>
@@ -2367,7 +2383,7 @@
     </p:spTree>
     <p:extLst>
       <p:ext uri="{BB962C8B-B14F-4D97-AF65-F5344CB8AC3E}">
-        <p14:creationId xmlns:p14="http://schemas.microsoft.com/office/powerpoint/2010/main" val="477853263"/>
+        <p14:creationId xmlns:p14="http://schemas.microsoft.com/office/powerpoint/2010/main" val="3104589451"/>
       </p:ext>
     </p:extLst>
   </p:cSld>
@@ -2474,7 +2490,7 @@
     </p:spTree>
     <p:extLst>
       <p:ext uri="{BB962C8B-B14F-4D97-AF65-F5344CB8AC3E}">
-        <p14:creationId xmlns:p14="http://schemas.microsoft.com/office/powerpoint/2010/main" val="3197921926"/>
+        <p14:creationId xmlns:p14="http://schemas.microsoft.com/office/powerpoint/2010/main" val="3089647710"/>
       </p:ext>
     </p:extLst>
   </p:cSld>
@@ -2581,7 +2597,7 @@
     </p:spTree>
     <p:extLst>
       <p:ext uri="{BB962C8B-B14F-4D97-AF65-F5344CB8AC3E}">
-        <p14:creationId xmlns:p14="http://schemas.microsoft.com/office/powerpoint/2010/main" val="1856252035"/>
+        <p14:creationId xmlns:p14="http://schemas.microsoft.com/office/powerpoint/2010/main" val="477853263"/>
       </p:ext>
     </p:extLst>
   </p:cSld>
@@ -2688,7 +2704,7 @@
     </p:spTree>
     <p:extLst>
       <p:ext uri="{BB962C8B-B14F-4D97-AF65-F5344CB8AC3E}">
-        <p14:creationId xmlns:p14="http://schemas.microsoft.com/office/powerpoint/2010/main" val="2360092116"/>
+        <p14:creationId xmlns:p14="http://schemas.microsoft.com/office/powerpoint/2010/main" val="3197921926"/>
       </p:ext>
     </p:extLst>
   </p:cSld>
@@ -2795,7 +2811,221 @@
     </p:spTree>
     <p:extLst>
       <p:ext uri="{BB962C8B-B14F-4D97-AF65-F5344CB8AC3E}">
-        <p14:creationId xmlns:p14="http://schemas.microsoft.com/office/powerpoint/2010/main" val="2493948404"/>
+        <p14:creationId xmlns:p14="http://schemas.microsoft.com/office/powerpoint/2010/main" val="1856252035"/>
+      </p:ext>
+    </p:extLst>
+  </p:cSld>
+  <p:clrMapOvr>
+    <a:masterClrMapping/>
+  </p:clrMapOvr>
+</p:notes>
+</file>
+
+<file path=ppt/notesSlides/notesSlide28.xml><?xml version="1.0" encoding="utf-8"?>
+<p:notes xmlns:a="http://schemas.openxmlformats.org/drawingml/2006/main" xmlns:r="http://schemas.openxmlformats.org/officeDocument/2006/relationships" xmlns:p="http://schemas.openxmlformats.org/presentationml/2006/main">
+  <p:cSld>
+    <p:spTree>
+      <p:nvGrpSpPr>
+        <p:cNvPr id="1" name=""/>
+        <p:cNvGrpSpPr/>
+        <p:nvPr/>
+      </p:nvGrpSpPr>
+      <p:grpSpPr>
+        <a:xfrm>
+          <a:off x="0" y="0"/>
+          <a:ext cx="0" cy="0"/>
+          <a:chOff x="0" y="0"/>
+          <a:chExt cx="0" cy="0"/>
+        </a:xfrm>
+      </p:grpSpPr>
+      <p:sp>
+        <p:nvSpPr>
+          <p:cNvPr id="2" name="Slide Image Placeholder 1"/>
+          <p:cNvSpPr>
+            <a:spLocks noGrp="1" noRot="1" noChangeAspect="1"/>
+          </p:cNvSpPr>
+          <p:nvPr>
+            <p:ph type="sldImg"/>
+          </p:nvPr>
+        </p:nvSpPr>
+        <p:spPr/>
+      </p:sp>
+      <p:sp>
+        <p:nvSpPr>
+          <p:cNvPr id="3" name="Notes Placeholder 2"/>
+          <p:cNvSpPr>
+            <a:spLocks noGrp="1"/>
+          </p:cNvSpPr>
+          <p:nvPr>
+            <p:ph type="body" idx="1"/>
+          </p:nvPr>
+        </p:nvSpPr>
+        <p:spPr/>
+        <p:txBody>
+          <a:bodyPr/>
+          <a:lstStyle/>
+          <a:p>
+            <a:endParaRPr lang="ru-RU"/>
+          </a:p>
+        </p:txBody>
+      </p:sp>
+      <p:sp>
+        <p:nvSpPr>
+          <p:cNvPr id="4" name="Slide Number Placeholder 3"/>
+          <p:cNvSpPr>
+            <a:spLocks noGrp="1"/>
+          </p:cNvSpPr>
+          <p:nvPr>
+            <p:ph type="sldNum" sz="quarter" idx="10"/>
+          </p:nvPr>
+        </p:nvSpPr>
+        <p:spPr/>
+        <p:txBody>
+          <a:bodyPr/>
+          <a:lstStyle/>
+          <a:p>
+            <a:fld id="{7F33120B-582B-4354-977D-A474A534F6B9}" type="slidenum">
+              <a:rPr lang="ru-RU" smtClean="0"/>
+              <a:t>28</a:t>
+            </a:fld>
+            <a:endParaRPr lang="ru-RU"/>
+          </a:p>
+        </p:txBody>
+      </p:sp>
+      <p:sp>
+        <p:nvSpPr>
+          <p:cNvPr id="5" name="Header Placeholder 4"/>
+          <p:cNvSpPr>
+            <a:spLocks noGrp="1"/>
+          </p:cNvSpPr>
+          <p:nvPr>
+            <p:ph type="hdr" sz="quarter" idx="11"/>
+          </p:nvPr>
+        </p:nvSpPr>
+        <p:spPr/>
+        <p:txBody>
+          <a:bodyPr/>
+          <a:lstStyle/>
+          <a:p>
+            <a:r>
+              <a:rPr lang="ru-RU" smtClean="0"/>
+              <a:t>Основы построения файловых систем</a:t>
+            </a:r>
+            <a:endParaRPr lang="ru-RU"/>
+          </a:p>
+        </p:txBody>
+      </p:sp>
+    </p:spTree>
+    <p:extLst>
+      <p:ext uri="{BB962C8B-B14F-4D97-AF65-F5344CB8AC3E}">
+        <p14:creationId xmlns:p14="http://schemas.microsoft.com/office/powerpoint/2010/main" val="2360092116"/>
+      </p:ext>
+    </p:extLst>
+  </p:cSld>
+  <p:clrMapOvr>
+    <a:masterClrMapping/>
+  </p:clrMapOvr>
+</p:notes>
+</file>
+
+<file path=ppt/notesSlides/notesSlide29.xml><?xml version="1.0" encoding="utf-8"?>
+<p:notes xmlns:a="http://schemas.openxmlformats.org/drawingml/2006/main" xmlns:r="http://schemas.openxmlformats.org/officeDocument/2006/relationships" xmlns:p="http://schemas.openxmlformats.org/presentationml/2006/main">
+  <p:cSld>
+    <p:spTree>
+      <p:nvGrpSpPr>
+        <p:cNvPr id="1" name=""/>
+        <p:cNvGrpSpPr/>
+        <p:nvPr/>
+      </p:nvGrpSpPr>
+      <p:grpSpPr>
+        <a:xfrm>
+          <a:off x="0" y="0"/>
+          <a:ext cx="0" cy="0"/>
+          <a:chOff x="0" y="0"/>
+          <a:chExt cx="0" cy="0"/>
+        </a:xfrm>
+      </p:grpSpPr>
+      <p:sp>
+        <p:nvSpPr>
+          <p:cNvPr id="2" name="Slide Image Placeholder 1"/>
+          <p:cNvSpPr>
+            <a:spLocks noGrp="1" noRot="1" noChangeAspect="1"/>
+          </p:cNvSpPr>
+          <p:nvPr>
+            <p:ph type="sldImg"/>
+          </p:nvPr>
+        </p:nvSpPr>
+        <p:spPr/>
+      </p:sp>
+      <p:sp>
+        <p:nvSpPr>
+          <p:cNvPr id="3" name="Notes Placeholder 2"/>
+          <p:cNvSpPr>
+            <a:spLocks noGrp="1"/>
+          </p:cNvSpPr>
+          <p:nvPr>
+            <p:ph type="body" idx="1"/>
+          </p:nvPr>
+        </p:nvSpPr>
+        <p:spPr/>
+        <p:txBody>
+          <a:bodyPr/>
+          <a:lstStyle/>
+          <a:p>
+            <a:endParaRPr lang="ru-RU"/>
+          </a:p>
+        </p:txBody>
+      </p:sp>
+      <p:sp>
+        <p:nvSpPr>
+          <p:cNvPr id="4" name="Slide Number Placeholder 3"/>
+          <p:cNvSpPr>
+            <a:spLocks noGrp="1"/>
+          </p:cNvSpPr>
+          <p:nvPr>
+            <p:ph type="sldNum" sz="quarter" idx="10"/>
+          </p:nvPr>
+        </p:nvSpPr>
+        <p:spPr/>
+        <p:txBody>
+          <a:bodyPr/>
+          <a:lstStyle/>
+          <a:p>
+            <a:fld id="{7F33120B-582B-4354-977D-A474A534F6B9}" type="slidenum">
+              <a:rPr lang="ru-RU" smtClean="0"/>
+              <a:t>29</a:t>
+            </a:fld>
+            <a:endParaRPr lang="ru-RU"/>
+          </a:p>
+        </p:txBody>
+      </p:sp>
+      <p:sp>
+        <p:nvSpPr>
+          <p:cNvPr id="5" name="Header Placeholder 4"/>
+          <p:cNvSpPr>
+            <a:spLocks noGrp="1"/>
+          </p:cNvSpPr>
+          <p:nvPr>
+            <p:ph type="hdr" sz="quarter" idx="11"/>
+          </p:nvPr>
+        </p:nvSpPr>
+        <p:spPr/>
+        <p:txBody>
+          <a:bodyPr/>
+          <a:lstStyle/>
+          <a:p>
+            <a:r>
+              <a:rPr lang="ru-RU" smtClean="0"/>
+              <a:t>Основы построения файловых систем</a:t>
+            </a:r>
+            <a:endParaRPr lang="ru-RU"/>
+          </a:p>
+        </p:txBody>
+      </p:sp>
+    </p:spTree>
+    <p:extLst>
+      <p:ext uri="{BB962C8B-B14F-4D97-AF65-F5344CB8AC3E}">
+        <p14:creationId xmlns:p14="http://schemas.microsoft.com/office/powerpoint/2010/main" val="3801623072"/>
       </p:ext>
     </p:extLst>
   </p:cSld>
@@ -2903,6 +3133,969 @@
     <p:extLst>
       <p:ext uri="{BB962C8B-B14F-4D97-AF65-F5344CB8AC3E}">
         <p14:creationId xmlns:p14="http://schemas.microsoft.com/office/powerpoint/2010/main" val="855340163"/>
+      </p:ext>
+    </p:extLst>
+  </p:cSld>
+  <p:clrMapOvr>
+    <a:masterClrMapping/>
+  </p:clrMapOvr>
+</p:notes>
+</file>
+
+<file path=ppt/notesSlides/notesSlide30.xml><?xml version="1.0" encoding="utf-8"?>
+<p:notes xmlns:a="http://schemas.openxmlformats.org/drawingml/2006/main" xmlns:r="http://schemas.openxmlformats.org/officeDocument/2006/relationships" xmlns:p="http://schemas.openxmlformats.org/presentationml/2006/main">
+  <p:cSld>
+    <p:spTree>
+      <p:nvGrpSpPr>
+        <p:cNvPr id="1" name=""/>
+        <p:cNvGrpSpPr/>
+        <p:nvPr/>
+      </p:nvGrpSpPr>
+      <p:grpSpPr>
+        <a:xfrm>
+          <a:off x="0" y="0"/>
+          <a:ext cx="0" cy="0"/>
+          <a:chOff x="0" y="0"/>
+          <a:chExt cx="0" cy="0"/>
+        </a:xfrm>
+      </p:grpSpPr>
+      <p:sp>
+        <p:nvSpPr>
+          <p:cNvPr id="2" name="Slide Image Placeholder 1"/>
+          <p:cNvSpPr>
+            <a:spLocks noGrp="1" noRot="1" noChangeAspect="1"/>
+          </p:cNvSpPr>
+          <p:nvPr>
+            <p:ph type="sldImg"/>
+          </p:nvPr>
+        </p:nvSpPr>
+        <p:spPr/>
+      </p:sp>
+      <p:sp>
+        <p:nvSpPr>
+          <p:cNvPr id="3" name="Notes Placeholder 2"/>
+          <p:cNvSpPr>
+            <a:spLocks noGrp="1"/>
+          </p:cNvSpPr>
+          <p:nvPr>
+            <p:ph type="body" idx="1"/>
+          </p:nvPr>
+        </p:nvSpPr>
+        <p:spPr/>
+        <p:txBody>
+          <a:bodyPr/>
+          <a:lstStyle/>
+          <a:p>
+            <a:endParaRPr lang="ru-RU"/>
+          </a:p>
+        </p:txBody>
+      </p:sp>
+      <p:sp>
+        <p:nvSpPr>
+          <p:cNvPr id="4" name="Slide Number Placeholder 3"/>
+          <p:cNvSpPr>
+            <a:spLocks noGrp="1"/>
+          </p:cNvSpPr>
+          <p:nvPr>
+            <p:ph type="sldNum" sz="quarter" idx="10"/>
+          </p:nvPr>
+        </p:nvSpPr>
+        <p:spPr/>
+        <p:txBody>
+          <a:bodyPr/>
+          <a:lstStyle/>
+          <a:p>
+            <a:fld id="{7F33120B-582B-4354-977D-A474A534F6B9}" type="slidenum">
+              <a:rPr lang="ru-RU" smtClean="0"/>
+              <a:t>30</a:t>
+            </a:fld>
+            <a:endParaRPr lang="ru-RU"/>
+          </a:p>
+        </p:txBody>
+      </p:sp>
+      <p:sp>
+        <p:nvSpPr>
+          <p:cNvPr id="5" name="Header Placeholder 4"/>
+          <p:cNvSpPr>
+            <a:spLocks noGrp="1"/>
+          </p:cNvSpPr>
+          <p:nvPr>
+            <p:ph type="hdr" sz="quarter" idx="11"/>
+          </p:nvPr>
+        </p:nvSpPr>
+        <p:spPr/>
+        <p:txBody>
+          <a:bodyPr/>
+          <a:lstStyle/>
+          <a:p>
+            <a:r>
+              <a:rPr lang="ru-RU" smtClean="0"/>
+              <a:t>Основы построения файловых систем</a:t>
+            </a:r>
+            <a:endParaRPr lang="ru-RU"/>
+          </a:p>
+        </p:txBody>
+      </p:sp>
+    </p:spTree>
+    <p:extLst>
+      <p:ext uri="{BB962C8B-B14F-4D97-AF65-F5344CB8AC3E}">
+        <p14:creationId xmlns:p14="http://schemas.microsoft.com/office/powerpoint/2010/main" val="3103056123"/>
+      </p:ext>
+    </p:extLst>
+  </p:cSld>
+  <p:clrMapOvr>
+    <a:masterClrMapping/>
+  </p:clrMapOvr>
+</p:notes>
+</file>
+
+<file path=ppt/notesSlides/notesSlide31.xml><?xml version="1.0" encoding="utf-8"?>
+<p:notes xmlns:a="http://schemas.openxmlformats.org/drawingml/2006/main" xmlns:r="http://schemas.openxmlformats.org/officeDocument/2006/relationships" xmlns:p="http://schemas.openxmlformats.org/presentationml/2006/main">
+  <p:cSld>
+    <p:spTree>
+      <p:nvGrpSpPr>
+        <p:cNvPr id="1" name=""/>
+        <p:cNvGrpSpPr/>
+        <p:nvPr/>
+      </p:nvGrpSpPr>
+      <p:grpSpPr>
+        <a:xfrm>
+          <a:off x="0" y="0"/>
+          <a:ext cx="0" cy="0"/>
+          <a:chOff x="0" y="0"/>
+          <a:chExt cx="0" cy="0"/>
+        </a:xfrm>
+      </p:grpSpPr>
+      <p:sp>
+        <p:nvSpPr>
+          <p:cNvPr id="2" name="Slide Image Placeholder 1"/>
+          <p:cNvSpPr>
+            <a:spLocks noGrp="1" noRot="1" noChangeAspect="1"/>
+          </p:cNvSpPr>
+          <p:nvPr>
+            <p:ph type="sldImg"/>
+          </p:nvPr>
+        </p:nvSpPr>
+        <p:spPr/>
+      </p:sp>
+      <p:sp>
+        <p:nvSpPr>
+          <p:cNvPr id="3" name="Notes Placeholder 2"/>
+          <p:cNvSpPr>
+            <a:spLocks noGrp="1"/>
+          </p:cNvSpPr>
+          <p:nvPr>
+            <p:ph type="body" idx="1"/>
+          </p:nvPr>
+        </p:nvSpPr>
+        <p:spPr/>
+        <p:txBody>
+          <a:bodyPr/>
+          <a:lstStyle/>
+          <a:p>
+            <a:endParaRPr lang="ru-RU"/>
+          </a:p>
+        </p:txBody>
+      </p:sp>
+      <p:sp>
+        <p:nvSpPr>
+          <p:cNvPr id="4" name="Slide Number Placeholder 3"/>
+          <p:cNvSpPr>
+            <a:spLocks noGrp="1"/>
+          </p:cNvSpPr>
+          <p:nvPr>
+            <p:ph type="sldNum" sz="quarter" idx="10"/>
+          </p:nvPr>
+        </p:nvSpPr>
+        <p:spPr/>
+        <p:txBody>
+          <a:bodyPr/>
+          <a:lstStyle/>
+          <a:p>
+            <a:fld id="{7F33120B-582B-4354-977D-A474A534F6B9}" type="slidenum">
+              <a:rPr lang="ru-RU" smtClean="0"/>
+              <a:t>31</a:t>
+            </a:fld>
+            <a:endParaRPr lang="ru-RU"/>
+          </a:p>
+        </p:txBody>
+      </p:sp>
+      <p:sp>
+        <p:nvSpPr>
+          <p:cNvPr id="5" name="Header Placeholder 4"/>
+          <p:cNvSpPr>
+            <a:spLocks noGrp="1"/>
+          </p:cNvSpPr>
+          <p:nvPr>
+            <p:ph type="hdr" sz="quarter" idx="11"/>
+          </p:nvPr>
+        </p:nvSpPr>
+        <p:spPr/>
+        <p:txBody>
+          <a:bodyPr/>
+          <a:lstStyle/>
+          <a:p>
+            <a:r>
+              <a:rPr lang="ru-RU" smtClean="0"/>
+              <a:t>Основы построения файловых систем</a:t>
+            </a:r>
+            <a:endParaRPr lang="ru-RU"/>
+          </a:p>
+        </p:txBody>
+      </p:sp>
+    </p:spTree>
+    <p:extLst>
+      <p:ext uri="{BB962C8B-B14F-4D97-AF65-F5344CB8AC3E}">
+        <p14:creationId xmlns:p14="http://schemas.microsoft.com/office/powerpoint/2010/main" val="3544247710"/>
+      </p:ext>
+    </p:extLst>
+  </p:cSld>
+  <p:clrMapOvr>
+    <a:masterClrMapping/>
+  </p:clrMapOvr>
+</p:notes>
+</file>
+
+<file path=ppt/notesSlides/notesSlide32.xml><?xml version="1.0" encoding="utf-8"?>
+<p:notes xmlns:a="http://schemas.openxmlformats.org/drawingml/2006/main" xmlns:r="http://schemas.openxmlformats.org/officeDocument/2006/relationships" xmlns:p="http://schemas.openxmlformats.org/presentationml/2006/main">
+  <p:cSld>
+    <p:spTree>
+      <p:nvGrpSpPr>
+        <p:cNvPr id="1" name=""/>
+        <p:cNvGrpSpPr/>
+        <p:nvPr/>
+      </p:nvGrpSpPr>
+      <p:grpSpPr>
+        <a:xfrm>
+          <a:off x="0" y="0"/>
+          <a:ext cx="0" cy="0"/>
+          <a:chOff x="0" y="0"/>
+          <a:chExt cx="0" cy="0"/>
+        </a:xfrm>
+      </p:grpSpPr>
+      <p:sp>
+        <p:nvSpPr>
+          <p:cNvPr id="2" name="Slide Image Placeholder 1"/>
+          <p:cNvSpPr>
+            <a:spLocks noGrp="1" noRot="1" noChangeAspect="1"/>
+          </p:cNvSpPr>
+          <p:nvPr>
+            <p:ph type="sldImg"/>
+          </p:nvPr>
+        </p:nvSpPr>
+        <p:spPr/>
+      </p:sp>
+      <p:sp>
+        <p:nvSpPr>
+          <p:cNvPr id="3" name="Notes Placeholder 2"/>
+          <p:cNvSpPr>
+            <a:spLocks noGrp="1"/>
+          </p:cNvSpPr>
+          <p:nvPr>
+            <p:ph type="body" idx="1"/>
+          </p:nvPr>
+        </p:nvSpPr>
+        <p:spPr/>
+        <p:txBody>
+          <a:bodyPr/>
+          <a:lstStyle/>
+          <a:p>
+            <a:endParaRPr lang="ru-RU"/>
+          </a:p>
+        </p:txBody>
+      </p:sp>
+      <p:sp>
+        <p:nvSpPr>
+          <p:cNvPr id="4" name="Slide Number Placeholder 3"/>
+          <p:cNvSpPr>
+            <a:spLocks noGrp="1"/>
+          </p:cNvSpPr>
+          <p:nvPr>
+            <p:ph type="sldNum" sz="quarter" idx="10"/>
+          </p:nvPr>
+        </p:nvSpPr>
+        <p:spPr/>
+        <p:txBody>
+          <a:bodyPr/>
+          <a:lstStyle/>
+          <a:p>
+            <a:fld id="{7F33120B-582B-4354-977D-A474A534F6B9}" type="slidenum">
+              <a:rPr lang="ru-RU" smtClean="0"/>
+              <a:t>32</a:t>
+            </a:fld>
+            <a:endParaRPr lang="ru-RU"/>
+          </a:p>
+        </p:txBody>
+      </p:sp>
+      <p:sp>
+        <p:nvSpPr>
+          <p:cNvPr id="5" name="Header Placeholder 4"/>
+          <p:cNvSpPr>
+            <a:spLocks noGrp="1"/>
+          </p:cNvSpPr>
+          <p:nvPr>
+            <p:ph type="hdr" sz="quarter" idx="11"/>
+          </p:nvPr>
+        </p:nvSpPr>
+        <p:spPr/>
+        <p:txBody>
+          <a:bodyPr/>
+          <a:lstStyle/>
+          <a:p>
+            <a:r>
+              <a:rPr lang="ru-RU" smtClean="0"/>
+              <a:t>Основы построения файловых систем</a:t>
+            </a:r>
+            <a:endParaRPr lang="ru-RU"/>
+          </a:p>
+        </p:txBody>
+      </p:sp>
+    </p:spTree>
+    <p:extLst>
+      <p:ext uri="{BB962C8B-B14F-4D97-AF65-F5344CB8AC3E}">
+        <p14:creationId xmlns:p14="http://schemas.microsoft.com/office/powerpoint/2010/main" val="3322041196"/>
+      </p:ext>
+    </p:extLst>
+  </p:cSld>
+  <p:clrMapOvr>
+    <a:masterClrMapping/>
+  </p:clrMapOvr>
+</p:notes>
+</file>
+
+<file path=ppt/notesSlides/notesSlide33.xml><?xml version="1.0" encoding="utf-8"?>
+<p:notes xmlns:a="http://schemas.openxmlformats.org/drawingml/2006/main" xmlns:r="http://schemas.openxmlformats.org/officeDocument/2006/relationships" xmlns:p="http://schemas.openxmlformats.org/presentationml/2006/main">
+  <p:cSld>
+    <p:spTree>
+      <p:nvGrpSpPr>
+        <p:cNvPr id="1" name=""/>
+        <p:cNvGrpSpPr/>
+        <p:nvPr/>
+      </p:nvGrpSpPr>
+      <p:grpSpPr>
+        <a:xfrm>
+          <a:off x="0" y="0"/>
+          <a:ext cx="0" cy="0"/>
+          <a:chOff x="0" y="0"/>
+          <a:chExt cx="0" cy="0"/>
+        </a:xfrm>
+      </p:grpSpPr>
+      <p:sp>
+        <p:nvSpPr>
+          <p:cNvPr id="2" name="Slide Image Placeholder 1"/>
+          <p:cNvSpPr>
+            <a:spLocks noGrp="1" noRot="1" noChangeAspect="1"/>
+          </p:cNvSpPr>
+          <p:nvPr>
+            <p:ph type="sldImg"/>
+          </p:nvPr>
+        </p:nvSpPr>
+        <p:spPr/>
+      </p:sp>
+      <p:sp>
+        <p:nvSpPr>
+          <p:cNvPr id="3" name="Notes Placeholder 2"/>
+          <p:cNvSpPr>
+            <a:spLocks noGrp="1"/>
+          </p:cNvSpPr>
+          <p:nvPr>
+            <p:ph type="body" idx="1"/>
+          </p:nvPr>
+        </p:nvSpPr>
+        <p:spPr/>
+        <p:txBody>
+          <a:bodyPr/>
+          <a:lstStyle/>
+          <a:p>
+            <a:endParaRPr lang="ru-RU"/>
+          </a:p>
+        </p:txBody>
+      </p:sp>
+      <p:sp>
+        <p:nvSpPr>
+          <p:cNvPr id="4" name="Slide Number Placeholder 3"/>
+          <p:cNvSpPr>
+            <a:spLocks noGrp="1"/>
+          </p:cNvSpPr>
+          <p:nvPr>
+            <p:ph type="sldNum" sz="quarter" idx="10"/>
+          </p:nvPr>
+        </p:nvSpPr>
+        <p:spPr/>
+        <p:txBody>
+          <a:bodyPr/>
+          <a:lstStyle/>
+          <a:p>
+            <a:fld id="{7F33120B-582B-4354-977D-A474A534F6B9}" type="slidenum">
+              <a:rPr lang="ru-RU" smtClean="0"/>
+              <a:t>33</a:t>
+            </a:fld>
+            <a:endParaRPr lang="ru-RU"/>
+          </a:p>
+        </p:txBody>
+      </p:sp>
+      <p:sp>
+        <p:nvSpPr>
+          <p:cNvPr id="5" name="Header Placeholder 4"/>
+          <p:cNvSpPr>
+            <a:spLocks noGrp="1"/>
+          </p:cNvSpPr>
+          <p:nvPr>
+            <p:ph type="hdr" sz="quarter" idx="11"/>
+          </p:nvPr>
+        </p:nvSpPr>
+        <p:spPr/>
+        <p:txBody>
+          <a:bodyPr/>
+          <a:lstStyle/>
+          <a:p>
+            <a:r>
+              <a:rPr lang="ru-RU" smtClean="0"/>
+              <a:t>Основы построения файловых систем</a:t>
+            </a:r>
+            <a:endParaRPr lang="ru-RU"/>
+          </a:p>
+        </p:txBody>
+      </p:sp>
+    </p:spTree>
+    <p:extLst>
+      <p:ext uri="{BB962C8B-B14F-4D97-AF65-F5344CB8AC3E}">
+        <p14:creationId xmlns:p14="http://schemas.microsoft.com/office/powerpoint/2010/main" val="3785205728"/>
+      </p:ext>
+    </p:extLst>
+  </p:cSld>
+  <p:clrMapOvr>
+    <a:masterClrMapping/>
+  </p:clrMapOvr>
+</p:notes>
+</file>
+
+<file path=ppt/notesSlides/notesSlide34.xml><?xml version="1.0" encoding="utf-8"?>
+<p:notes xmlns:a="http://schemas.openxmlformats.org/drawingml/2006/main" xmlns:r="http://schemas.openxmlformats.org/officeDocument/2006/relationships" xmlns:p="http://schemas.openxmlformats.org/presentationml/2006/main">
+  <p:cSld>
+    <p:spTree>
+      <p:nvGrpSpPr>
+        <p:cNvPr id="1" name=""/>
+        <p:cNvGrpSpPr/>
+        <p:nvPr/>
+      </p:nvGrpSpPr>
+      <p:grpSpPr>
+        <a:xfrm>
+          <a:off x="0" y="0"/>
+          <a:ext cx="0" cy="0"/>
+          <a:chOff x="0" y="0"/>
+          <a:chExt cx="0" cy="0"/>
+        </a:xfrm>
+      </p:grpSpPr>
+      <p:sp>
+        <p:nvSpPr>
+          <p:cNvPr id="2" name="Slide Image Placeholder 1"/>
+          <p:cNvSpPr>
+            <a:spLocks noGrp="1" noRot="1" noChangeAspect="1"/>
+          </p:cNvSpPr>
+          <p:nvPr>
+            <p:ph type="sldImg"/>
+          </p:nvPr>
+        </p:nvSpPr>
+        <p:spPr/>
+      </p:sp>
+      <p:sp>
+        <p:nvSpPr>
+          <p:cNvPr id="3" name="Notes Placeholder 2"/>
+          <p:cNvSpPr>
+            <a:spLocks noGrp="1"/>
+          </p:cNvSpPr>
+          <p:nvPr>
+            <p:ph type="body" idx="1"/>
+          </p:nvPr>
+        </p:nvSpPr>
+        <p:spPr/>
+        <p:txBody>
+          <a:bodyPr/>
+          <a:lstStyle/>
+          <a:p>
+            <a:endParaRPr lang="ru-RU"/>
+          </a:p>
+        </p:txBody>
+      </p:sp>
+      <p:sp>
+        <p:nvSpPr>
+          <p:cNvPr id="4" name="Slide Number Placeholder 3"/>
+          <p:cNvSpPr>
+            <a:spLocks noGrp="1"/>
+          </p:cNvSpPr>
+          <p:nvPr>
+            <p:ph type="sldNum" sz="quarter" idx="10"/>
+          </p:nvPr>
+        </p:nvSpPr>
+        <p:spPr/>
+        <p:txBody>
+          <a:bodyPr/>
+          <a:lstStyle/>
+          <a:p>
+            <a:fld id="{7F33120B-582B-4354-977D-A474A534F6B9}" type="slidenum">
+              <a:rPr lang="ru-RU" smtClean="0"/>
+              <a:t>34</a:t>
+            </a:fld>
+            <a:endParaRPr lang="ru-RU"/>
+          </a:p>
+        </p:txBody>
+      </p:sp>
+      <p:sp>
+        <p:nvSpPr>
+          <p:cNvPr id="5" name="Header Placeholder 4"/>
+          <p:cNvSpPr>
+            <a:spLocks noGrp="1"/>
+          </p:cNvSpPr>
+          <p:nvPr>
+            <p:ph type="hdr" sz="quarter" idx="11"/>
+          </p:nvPr>
+        </p:nvSpPr>
+        <p:spPr/>
+        <p:txBody>
+          <a:bodyPr/>
+          <a:lstStyle/>
+          <a:p>
+            <a:r>
+              <a:rPr lang="ru-RU" smtClean="0"/>
+              <a:t>Основы построения файловых систем</a:t>
+            </a:r>
+            <a:endParaRPr lang="ru-RU"/>
+          </a:p>
+        </p:txBody>
+      </p:sp>
+    </p:spTree>
+    <p:extLst>
+      <p:ext uri="{BB962C8B-B14F-4D97-AF65-F5344CB8AC3E}">
+        <p14:creationId xmlns:p14="http://schemas.microsoft.com/office/powerpoint/2010/main" val="4086434289"/>
+      </p:ext>
+    </p:extLst>
+  </p:cSld>
+  <p:clrMapOvr>
+    <a:masterClrMapping/>
+  </p:clrMapOvr>
+</p:notes>
+</file>
+
+<file path=ppt/notesSlides/notesSlide35.xml><?xml version="1.0" encoding="utf-8"?>
+<p:notes xmlns:a="http://schemas.openxmlformats.org/drawingml/2006/main" xmlns:r="http://schemas.openxmlformats.org/officeDocument/2006/relationships" xmlns:p="http://schemas.openxmlformats.org/presentationml/2006/main">
+  <p:cSld>
+    <p:spTree>
+      <p:nvGrpSpPr>
+        <p:cNvPr id="1" name=""/>
+        <p:cNvGrpSpPr/>
+        <p:nvPr/>
+      </p:nvGrpSpPr>
+      <p:grpSpPr>
+        <a:xfrm>
+          <a:off x="0" y="0"/>
+          <a:ext cx="0" cy="0"/>
+          <a:chOff x="0" y="0"/>
+          <a:chExt cx="0" cy="0"/>
+        </a:xfrm>
+      </p:grpSpPr>
+      <p:sp>
+        <p:nvSpPr>
+          <p:cNvPr id="2" name="Slide Image Placeholder 1"/>
+          <p:cNvSpPr>
+            <a:spLocks noGrp="1" noRot="1" noChangeAspect="1"/>
+          </p:cNvSpPr>
+          <p:nvPr>
+            <p:ph type="sldImg"/>
+          </p:nvPr>
+        </p:nvSpPr>
+        <p:spPr/>
+      </p:sp>
+      <p:sp>
+        <p:nvSpPr>
+          <p:cNvPr id="3" name="Notes Placeholder 2"/>
+          <p:cNvSpPr>
+            <a:spLocks noGrp="1"/>
+          </p:cNvSpPr>
+          <p:nvPr>
+            <p:ph type="body" idx="1"/>
+          </p:nvPr>
+        </p:nvSpPr>
+        <p:spPr/>
+        <p:txBody>
+          <a:bodyPr/>
+          <a:lstStyle/>
+          <a:p>
+            <a:endParaRPr lang="ru-RU"/>
+          </a:p>
+        </p:txBody>
+      </p:sp>
+      <p:sp>
+        <p:nvSpPr>
+          <p:cNvPr id="4" name="Slide Number Placeholder 3"/>
+          <p:cNvSpPr>
+            <a:spLocks noGrp="1"/>
+          </p:cNvSpPr>
+          <p:nvPr>
+            <p:ph type="sldNum" sz="quarter" idx="10"/>
+          </p:nvPr>
+        </p:nvSpPr>
+        <p:spPr/>
+        <p:txBody>
+          <a:bodyPr/>
+          <a:lstStyle/>
+          <a:p>
+            <a:fld id="{7F33120B-582B-4354-977D-A474A534F6B9}" type="slidenum">
+              <a:rPr lang="ru-RU" smtClean="0"/>
+              <a:t>35</a:t>
+            </a:fld>
+            <a:endParaRPr lang="ru-RU"/>
+          </a:p>
+        </p:txBody>
+      </p:sp>
+      <p:sp>
+        <p:nvSpPr>
+          <p:cNvPr id="5" name="Header Placeholder 4"/>
+          <p:cNvSpPr>
+            <a:spLocks noGrp="1"/>
+          </p:cNvSpPr>
+          <p:nvPr>
+            <p:ph type="hdr" sz="quarter" idx="11"/>
+          </p:nvPr>
+        </p:nvSpPr>
+        <p:spPr/>
+        <p:txBody>
+          <a:bodyPr/>
+          <a:lstStyle/>
+          <a:p>
+            <a:r>
+              <a:rPr lang="ru-RU" smtClean="0"/>
+              <a:t>Основы построения файловых систем</a:t>
+            </a:r>
+            <a:endParaRPr lang="ru-RU"/>
+          </a:p>
+        </p:txBody>
+      </p:sp>
+    </p:spTree>
+    <p:extLst>
+      <p:ext uri="{BB962C8B-B14F-4D97-AF65-F5344CB8AC3E}">
+        <p14:creationId xmlns:p14="http://schemas.microsoft.com/office/powerpoint/2010/main" val="4006915539"/>
+      </p:ext>
+    </p:extLst>
+  </p:cSld>
+  <p:clrMapOvr>
+    <a:masterClrMapping/>
+  </p:clrMapOvr>
+</p:notes>
+</file>
+
+<file path=ppt/notesSlides/notesSlide36.xml><?xml version="1.0" encoding="utf-8"?>
+<p:notes xmlns:a="http://schemas.openxmlformats.org/drawingml/2006/main" xmlns:r="http://schemas.openxmlformats.org/officeDocument/2006/relationships" xmlns:p="http://schemas.openxmlformats.org/presentationml/2006/main">
+  <p:cSld>
+    <p:spTree>
+      <p:nvGrpSpPr>
+        <p:cNvPr id="1" name=""/>
+        <p:cNvGrpSpPr/>
+        <p:nvPr/>
+      </p:nvGrpSpPr>
+      <p:grpSpPr>
+        <a:xfrm>
+          <a:off x="0" y="0"/>
+          <a:ext cx="0" cy="0"/>
+          <a:chOff x="0" y="0"/>
+          <a:chExt cx="0" cy="0"/>
+        </a:xfrm>
+      </p:grpSpPr>
+      <p:sp>
+        <p:nvSpPr>
+          <p:cNvPr id="2" name="Slide Image Placeholder 1"/>
+          <p:cNvSpPr>
+            <a:spLocks noGrp="1" noRot="1" noChangeAspect="1"/>
+          </p:cNvSpPr>
+          <p:nvPr>
+            <p:ph type="sldImg"/>
+          </p:nvPr>
+        </p:nvSpPr>
+        <p:spPr/>
+      </p:sp>
+      <p:sp>
+        <p:nvSpPr>
+          <p:cNvPr id="3" name="Notes Placeholder 2"/>
+          <p:cNvSpPr>
+            <a:spLocks noGrp="1"/>
+          </p:cNvSpPr>
+          <p:nvPr>
+            <p:ph type="body" idx="1"/>
+          </p:nvPr>
+        </p:nvSpPr>
+        <p:spPr/>
+        <p:txBody>
+          <a:bodyPr/>
+          <a:lstStyle/>
+          <a:p>
+            <a:endParaRPr lang="ru-RU"/>
+          </a:p>
+        </p:txBody>
+      </p:sp>
+      <p:sp>
+        <p:nvSpPr>
+          <p:cNvPr id="4" name="Slide Number Placeholder 3"/>
+          <p:cNvSpPr>
+            <a:spLocks noGrp="1"/>
+          </p:cNvSpPr>
+          <p:nvPr>
+            <p:ph type="sldNum" sz="quarter" idx="10"/>
+          </p:nvPr>
+        </p:nvSpPr>
+        <p:spPr/>
+        <p:txBody>
+          <a:bodyPr/>
+          <a:lstStyle/>
+          <a:p>
+            <a:fld id="{7F33120B-582B-4354-977D-A474A534F6B9}" type="slidenum">
+              <a:rPr lang="ru-RU" smtClean="0"/>
+              <a:t>36</a:t>
+            </a:fld>
+            <a:endParaRPr lang="ru-RU"/>
+          </a:p>
+        </p:txBody>
+      </p:sp>
+      <p:sp>
+        <p:nvSpPr>
+          <p:cNvPr id="5" name="Header Placeholder 4"/>
+          <p:cNvSpPr>
+            <a:spLocks noGrp="1"/>
+          </p:cNvSpPr>
+          <p:nvPr>
+            <p:ph type="hdr" sz="quarter" idx="11"/>
+          </p:nvPr>
+        </p:nvSpPr>
+        <p:spPr/>
+        <p:txBody>
+          <a:bodyPr/>
+          <a:lstStyle/>
+          <a:p>
+            <a:r>
+              <a:rPr lang="ru-RU" smtClean="0"/>
+              <a:t>Основы построения файловых систем</a:t>
+            </a:r>
+            <a:endParaRPr lang="ru-RU"/>
+          </a:p>
+        </p:txBody>
+      </p:sp>
+    </p:spTree>
+    <p:extLst>
+      <p:ext uri="{BB962C8B-B14F-4D97-AF65-F5344CB8AC3E}">
+        <p14:creationId xmlns:p14="http://schemas.microsoft.com/office/powerpoint/2010/main" val="2532074372"/>
+      </p:ext>
+    </p:extLst>
+  </p:cSld>
+  <p:clrMapOvr>
+    <a:masterClrMapping/>
+  </p:clrMapOvr>
+</p:notes>
+</file>
+
+<file path=ppt/notesSlides/notesSlide37.xml><?xml version="1.0" encoding="utf-8"?>
+<p:notes xmlns:a="http://schemas.openxmlformats.org/drawingml/2006/main" xmlns:r="http://schemas.openxmlformats.org/officeDocument/2006/relationships" xmlns:p="http://schemas.openxmlformats.org/presentationml/2006/main">
+  <p:cSld>
+    <p:spTree>
+      <p:nvGrpSpPr>
+        <p:cNvPr id="1" name=""/>
+        <p:cNvGrpSpPr/>
+        <p:nvPr/>
+      </p:nvGrpSpPr>
+      <p:grpSpPr>
+        <a:xfrm>
+          <a:off x="0" y="0"/>
+          <a:ext cx="0" cy="0"/>
+          <a:chOff x="0" y="0"/>
+          <a:chExt cx="0" cy="0"/>
+        </a:xfrm>
+      </p:grpSpPr>
+      <p:sp>
+        <p:nvSpPr>
+          <p:cNvPr id="2" name="Slide Image Placeholder 1"/>
+          <p:cNvSpPr>
+            <a:spLocks noGrp="1" noRot="1" noChangeAspect="1"/>
+          </p:cNvSpPr>
+          <p:nvPr>
+            <p:ph type="sldImg"/>
+          </p:nvPr>
+        </p:nvSpPr>
+        <p:spPr/>
+      </p:sp>
+      <p:sp>
+        <p:nvSpPr>
+          <p:cNvPr id="3" name="Notes Placeholder 2"/>
+          <p:cNvSpPr>
+            <a:spLocks noGrp="1"/>
+          </p:cNvSpPr>
+          <p:nvPr>
+            <p:ph type="body" idx="1"/>
+          </p:nvPr>
+        </p:nvSpPr>
+        <p:spPr/>
+        <p:txBody>
+          <a:bodyPr/>
+          <a:lstStyle/>
+          <a:p>
+            <a:endParaRPr lang="ru-RU"/>
+          </a:p>
+        </p:txBody>
+      </p:sp>
+      <p:sp>
+        <p:nvSpPr>
+          <p:cNvPr id="4" name="Slide Number Placeholder 3"/>
+          <p:cNvSpPr>
+            <a:spLocks noGrp="1"/>
+          </p:cNvSpPr>
+          <p:nvPr>
+            <p:ph type="sldNum" sz="quarter" idx="10"/>
+          </p:nvPr>
+        </p:nvSpPr>
+        <p:spPr/>
+        <p:txBody>
+          <a:bodyPr/>
+          <a:lstStyle/>
+          <a:p>
+            <a:fld id="{7F33120B-582B-4354-977D-A474A534F6B9}" type="slidenum">
+              <a:rPr lang="ru-RU" smtClean="0"/>
+              <a:t>37</a:t>
+            </a:fld>
+            <a:endParaRPr lang="ru-RU"/>
+          </a:p>
+        </p:txBody>
+      </p:sp>
+      <p:sp>
+        <p:nvSpPr>
+          <p:cNvPr id="5" name="Header Placeholder 4"/>
+          <p:cNvSpPr>
+            <a:spLocks noGrp="1"/>
+          </p:cNvSpPr>
+          <p:nvPr>
+            <p:ph type="hdr" sz="quarter" idx="11"/>
+          </p:nvPr>
+        </p:nvSpPr>
+        <p:spPr/>
+        <p:txBody>
+          <a:bodyPr/>
+          <a:lstStyle/>
+          <a:p>
+            <a:r>
+              <a:rPr lang="ru-RU" smtClean="0"/>
+              <a:t>Основы построения файловых систем</a:t>
+            </a:r>
+            <a:endParaRPr lang="ru-RU"/>
+          </a:p>
+        </p:txBody>
+      </p:sp>
+    </p:spTree>
+    <p:extLst>
+      <p:ext uri="{BB962C8B-B14F-4D97-AF65-F5344CB8AC3E}">
+        <p14:creationId xmlns:p14="http://schemas.microsoft.com/office/powerpoint/2010/main" val="3979752268"/>
+      </p:ext>
+    </p:extLst>
+  </p:cSld>
+  <p:clrMapOvr>
+    <a:masterClrMapping/>
+  </p:clrMapOvr>
+</p:notes>
+</file>
+
+<file path=ppt/notesSlides/notesSlide38.xml><?xml version="1.0" encoding="utf-8"?>
+<p:notes xmlns:a="http://schemas.openxmlformats.org/drawingml/2006/main" xmlns:r="http://schemas.openxmlformats.org/officeDocument/2006/relationships" xmlns:p="http://schemas.openxmlformats.org/presentationml/2006/main">
+  <p:cSld>
+    <p:spTree>
+      <p:nvGrpSpPr>
+        <p:cNvPr id="1" name=""/>
+        <p:cNvGrpSpPr/>
+        <p:nvPr/>
+      </p:nvGrpSpPr>
+      <p:grpSpPr>
+        <a:xfrm>
+          <a:off x="0" y="0"/>
+          <a:ext cx="0" cy="0"/>
+          <a:chOff x="0" y="0"/>
+          <a:chExt cx="0" cy="0"/>
+        </a:xfrm>
+      </p:grpSpPr>
+      <p:sp>
+        <p:nvSpPr>
+          <p:cNvPr id="2" name="Slide Image Placeholder 1"/>
+          <p:cNvSpPr>
+            <a:spLocks noGrp="1" noRot="1" noChangeAspect="1"/>
+          </p:cNvSpPr>
+          <p:nvPr>
+            <p:ph type="sldImg"/>
+          </p:nvPr>
+        </p:nvSpPr>
+        <p:spPr/>
+      </p:sp>
+      <p:sp>
+        <p:nvSpPr>
+          <p:cNvPr id="3" name="Notes Placeholder 2"/>
+          <p:cNvSpPr>
+            <a:spLocks noGrp="1"/>
+          </p:cNvSpPr>
+          <p:nvPr>
+            <p:ph type="body" idx="1"/>
+          </p:nvPr>
+        </p:nvSpPr>
+        <p:spPr/>
+        <p:txBody>
+          <a:bodyPr/>
+          <a:lstStyle/>
+          <a:p>
+            <a:endParaRPr lang="ru-RU"/>
+          </a:p>
+        </p:txBody>
+      </p:sp>
+      <p:sp>
+        <p:nvSpPr>
+          <p:cNvPr id="4" name="Slide Number Placeholder 3"/>
+          <p:cNvSpPr>
+            <a:spLocks noGrp="1"/>
+          </p:cNvSpPr>
+          <p:nvPr>
+            <p:ph type="sldNum" sz="quarter" idx="10"/>
+          </p:nvPr>
+        </p:nvSpPr>
+        <p:spPr/>
+        <p:txBody>
+          <a:bodyPr/>
+          <a:lstStyle/>
+          <a:p>
+            <a:fld id="{7F33120B-582B-4354-977D-A474A534F6B9}" type="slidenum">
+              <a:rPr lang="ru-RU" smtClean="0"/>
+              <a:t>38</a:t>
+            </a:fld>
+            <a:endParaRPr lang="ru-RU"/>
+          </a:p>
+        </p:txBody>
+      </p:sp>
+      <p:sp>
+        <p:nvSpPr>
+          <p:cNvPr id="5" name="Header Placeholder 4"/>
+          <p:cNvSpPr>
+            <a:spLocks noGrp="1"/>
+          </p:cNvSpPr>
+          <p:nvPr>
+            <p:ph type="hdr" sz="quarter" idx="11"/>
+          </p:nvPr>
+        </p:nvSpPr>
+        <p:spPr/>
+        <p:txBody>
+          <a:bodyPr/>
+          <a:lstStyle/>
+          <a:p>
+            <a:r>
+              <a:rPr lang="ru-RU" smtClean="0"/>
+              <a:t>Основы построения файловых систем</a:t>
+            </a:r>
+            <a:endParaRPr lang="ru-RU"/>
+          </a:p>
+        </p:txBody>
+      </p:sp>
+    </p:spTree>
+    <p:extLst>
+      <p:ext uri="{BB962C8B-B14F-4D97-AF65-F5344CB8AC3E}">
+        <p14:creationId xmlns:p14="http://schemas.microsoft.com/office/powerpoint/2010/main" val="2493948404"/>
       </p:ext>
     </p:extLst>
   </p:cSld>
@@ -3685,7 +4878,7 @@
           <a:p>
             <a:fld id="{12C63722-5D9F-4E99-9720-9B6A0C7BB1C9}" type="datetimeFigureOut">
               <a:rPr lang="ru-RU" smtClean="0"/>
-              <a:t>20.09.2016</a:t>
+              <a:t>18.09.2017</a:t>
             </a:fld>
             <a:endParaRPr lang="ru-RU"/>
           </a:p>
@@ -3855,7 +5048,7 @@
           <a:p>
             <a:fld id="{12C63722-5D9F-4E99-9720-9B6A0C7BB1C9}" type="datetimeFigureOut">
               <a:rPr lang="ru-RU" smtClean="0"/>
-              <a:t>20.09.2016</a:t>
+              <a:t>18.09.2017</a:t>
             </a:fld>
             <a:endParaRPr lang="ru-RU"/>
           </a:p>
@@ -4035,7 +5228,7 @@
           <a:p>
             <a:fld id="{12C63722-5D9F-4E99-9720-9B6A0C7BB1C9}" type="datetimeFigureOut">
               <a:rPr lang="ru-RU" smtClean="0"/>
-              <a:t>20.09.2016</a:t>
+              <a:t>18.09.2017</a:t>
             </a:fld>
             <a:endParaRPr lang="ru-RU"/>
           </a:p>
@@ -4227,7 +5420,7 @@
           <a:p>
             <a:fld id="{8C218C88-2408-4CFC-B25C-07450930B282}" type="datetimeFigureOut">
               <a:rPr lang="ru-RU" smtClean="0"/>
-              <a:t>20.09.2016</a:t>
+              <a:t>18.09.2017</a:t>
             </a:fld>
             <a:endParaRPr lang="ru-RU"/>
           </a:p>
@@ -4397,7 +5590,7 @@
           <a:p>
             <a:fld id="{8C218C88-2408-4CFC-B25C-07450930B282}" type="datetimeFigureOut">
               <a:rPr lang="ru-RU" smtClean="0"/>
-              <a:t>20.09.2016</a:t>
+              <a:t>18.09.2017</a:t>
             </a:fld>
             <a:endParaRPr lang="ru-RU"/>
           </a:p>
@@ -4643,7 +5836,7 @@
           <a:p>
             <a:fld id="{8C218C88-2408-4CFC-B25C-07450930B282}" type="datetimeFigureOut">
               <a:rPr lang="ru-RU" smtClean="0"/>
-              <a:t>20.09.2016</a:t>
+              <a:t>18.09.2017</a:t>
             </a:fld>
             <a:endParaRPr lang="ru-RU"/>
           </a:p>
@@ -4875,7 +6068,7 @@
           <a:p>
             <a:fld id="{8C218C88-2408-4CFC-B25C-07450930B282}" type="datetimeFigureOut">
               <a:rPr lang="ru-RU" smtClean="0"/>
-              <a:t>20.09.2016</a:t>
+              <a:t>18.09.2017</a:t>
             </a:fld>
             <a:endParaRPr lang="ru-RU"/>
           </a:p>
@@ -5242,7 +6435,7 @@
           <a:p>
             <a:fld id="{8C218C88-2408-4CFC-B25C-07450930B282}" type="datetimeFigureOut">
               <a:rPr lang="ru-RU" smtClean="0"/>
-              <a:t>20.09.2016</a:t>
+              <a:t>18.09.2017</a:t>
             </a:fld>
             <a:endParaRPr lang="ru-RU"/>
           </a:p>
@@ -5360,7 +6553,7 @@
           <a:p>
             <a:fld id="{8C218C88-2408-4CFC-B25C-07450930B282}" type="datetimeFigureOut">
               <a:rPr lang="ru-RU" smtClean="0"/>
-              <a:t>20.09.2016</a:t>
+              <a:t>18.09.2017</a:t>
             </a:fld>
             <a:endParaRPr lang="ru-RU"/>
           </a:p>
@@ -5455,7 +6648,7 @@
           <a:p>
             <a:fld id="{8C218C88-2408-4CFC-B25C-07450930B282}" type="datetimeFigureOut">
               <a:rPr lang="ru-RU" smtClean="0"/>
-              <a:t>20.09.2016</a:t>
+              <a:t>18.09.2017</a:t>
             </a:fld>
             <a:endParaRPr lang="ru-RU"/>
           </a:p>
@@ -5732,7 +6925,7 @@
           <a:p>
             <a:fld id="{8C218C88-2408-4CFC-B25C-07450930B282}" type="datetimeFigureOut">
               <a:rPr lang="ru-RU" smtClean="0"/>
-              <a:t>20.09.2016</a:t>
+              <a:t>18.09.2017</a:t>
             </a:fld>
             <a:endParaRPr lang="ru-RU"/>
           </a:p>
@@ -5902,7 +7095,7 @@
           <a:p>
             <a:fld id="{12C63722-5D9F-4E99-9720-9B6A0C7BB1C9}" type="datetimeFigureOut">
               <a:rPr lang="ru-RU" smtClean="0"/>
-              <a:t>20.09.2016</a:t>
+              <a:t>18.09.2017</a:t>
             </a:fld>
             <a:endParaRPr lang="ru-RU"/>
           </a:p>
@@ -6155,7 +7348,7 @@
           <a:p>
             <a:fld id="{8C218C88-2408-4CFC-B25C-07450930B282}" type="datetimeFigureOut">
               <a:rPr lang="ru-RU" smtClean="0"/>
-              <a:t>20.09.2016</a:t>
+              <a:t>18.09.2017</a:t>
             </a:fld>
             <a:endParaRPr lang="ru-RU"/>
           </a:p>
@@ -6325,7 +7518,7 @@
           <a:p>
             <a:fld id="{8C218C88-2408-4CFC-B25C-07450930B282}" type="datetimeFigureOut">
               <a:rPr lang="ru-RU" smtClean="0"/>
-              <a:t>20.09.2016</a:t>
+              <a:t>18.09.2017</a:t>
             </a:fld>
             <a:endParaRPr lang="ru-RU"/>
           </a:p>
@@ -6505,7 +7698,7 @@
           <a:p>
             <a:fld id="{8C218C88-2408-4CFC-B25C-07450930B282}" type="datetimeFigureOut">
               <a:rPr lang="ru-RU" smtClean="0"/>
-              <a:t>20.09.2016</a:t>
+              <a:t>18.09.2017</a:t>
             </a:fld>
             <a:endParaRPr lang="ru-RU"/>
           </a:p>
@@ -6751,7 +7944,7 @@
           <a:p>
             <a:fld id="{12C63722-5D9F-4E99-9720-9B6A0C7BB1C9}" type="datetimeFigureOut">
               <a:rPr lang="ru-RU" smtClean="0"/>
-              <a:t>20.09.2016</a:t>
+              <a:t>18.09.2017</a:t>
             </a:fld>
             <a:endParaRPr lang="ru-RU"/>
           </a:p>
@@ -6992,7 +8185,7 @@
           <a:p>
             <a:fld id="{12C63722-5D9F-4E99-9720-9B6A0C7BB1C9}" type="datetimeFigureOut">
               <a:rPr lang="ru-RU" smtClean="0"/>
-              <a:t>20.09.2016</a:t>
+              <a:t>18.09.2017</a:t>
             </a:fld>
             <a:endParaRPr lang="ru-RU"/>
           </a:p>
@@ -7359,7 +8552,7 @@
           <a:p>
             <a:fld id="{12C63722-5D9F-4E99-9720-9B6A0C7BB1C9}" type="datetimeFigureOut">
               <a:rPr lang="ru-RU" smtClean="0"/>
-              <a:t>20.09.2016</a:t>
+              <a:t>18.09.2017</a:t>
             </a:fld>
             <a:endParaRPr lang="ru-RU"/>
           </a:p>
@@ -7477,7 +8670,7 @@
           <a:p>
             <a:fld id="{12C63722-5D9F-4E99-9720-9B6A0C7BB1C9}" type="datetimeFigureOut">
               <a:rPr lang="ru-RU" smtClean="0"/>
-              <a:t>20.09.2016</a:t>
+              <a:t>18.09.2017</a:t>
             </a:fld>
             <a:endParaRPr lang="ru-RU"/>
           </a:p>
@@ -7572,7 +8765,7 @@
           <a:p>
             <a:fld id="{12C63722-5D9F-4E99-9720-9B6A0C7BB1C9}" type="datetimeFigureOut">
               <a:rPr lang="ru-RU" smtClean="0"/>
-              <a:t>20.09.2016</a:t>
+              <a:t>18.09.2017</a:t>
             </a:fld>
             <a:endParaRPr lang="ru-RU"/>
           </a:p>
@@ -7849,7 +9042,7 @@
           <a:p>
             <a:fld id="{12C63722-5D9F-4E99-9720-9B6A0C7BB1C9}" type="datetimeFigureOut">
               <a:rPr lang="ru-RU" smtClean="0"/>
-              <a:t>20.09.2016</a:t>
+              <a:t>18.09.2017</a:t>
             </a:fld>
             <a:endParaRPr lang="ru-RU"/>
           </a:p>
@@ -8102,7 +9295,7 @@
           <a:p>
             <a:fld id="{12C63722-5D9F-4E99-9720-9B6A0C7BB1C9}" type="datetimeFigureOut">
               <a:rPr lang="ru-RU" smtClean="0"/>
-              <a:t>20.09.2016</a:t>
+              <a:t>18.09.2017</a:t>
             </a:fld>
             <a:endParaRPr lang="ru-RU"/>
           </a:p>
@@ -8315,7 +9508,7 @@
           <a:p>
             <a:fld id="{12C63722-5D9F-4E99-9720-9B6A0C7BB1C9}" type="datetimeFigureOut">
               <a:rPr lang="ru-RU" smtClean="0"/>
-              <a:t>20.09.2016</a:t>
+              <a:t>18.09.2017</a:t>
             </a:fld>
             <a:endParaRPr lang="ru-RU"/>
           </a:p>
@@ -8855,7 +10048,7 @@
           <a:p>
             <a:fld id="{8C218C88-2408-4CFC-B25C-07450930B282}" type="datetimeFigureOut">
               <a:rPr lang="ru-RU" smtClean="0"/>
-              <a:t>20.09.2016</a:t>
+              <a:t>18.09.2017</a:t>
             </a:fld>
             <a:endParaRPr lang="ru-RU"/>
           </a:p>
@@ -9312,7 +10505,7 @@
           <p:nvPr>
             <p:extLst>
               <p:ext uri="{D42A27DB-BD31-4B8C-83A1-F6EECF244321}">
-                <p14:modId xmlns:p14="http://schemas.microsoft.com/office/powerpoint/2010/main" val="4164474727"/>
+                <p14:modId xmlns:p14="http://schemas.microsoft.com/office/powerpoint/2010/main" val="84033989"/>
               </p:ext>
             </p:extLst>
           </p:nvPr>
@@ -9342,11 +10535,7 @@
                       </a:r>
                       <a:r>
                         <a:rPr lang="ru-RU" dirty="0" smtClean="0"/>
-                        <a:t>МФТИ,</a:t>
-                      </a:r>
-                      <a:r>
-                        <a:rPr lang="ru-RU" baseline="0" dirty="0" smtClean="0"/>
-                        <a:t> 2016</a:t>
+                        <a:t>МФТИ</a:t>
                       </a:r>
                       <a:endParaRPr lang="ru-RU" dirty="0"/>
                     </a:p>
@@ -9590,11 +10779,7 @@
                       </a:r>
                       <a:r>
                         <a:rPr lang="ru-RU" dirty="0" smtClean="0"/>
-                        <a:t>МФТИ,</a:t>
-                      </a:r>
-                      <a:r>
-                        <a:rPr lang="ru-RU" baseline="0" dirty="0" smtClean="0"/>
-                        <a:t> 2016</a:t>
+                        <a:t>МФТИ</a:t>
                       </a:r>
                       <a:endParaRPr lang="ru-RU" dirty="0"/>
                     </a:p>
@@ -10768,11 +11953,7 @@
                       </a:r>
                       <a:r>
                         <a:rPr lang="ru-RU" dirty="0" smtClean="0"/>
-                        <a:t>МФТИ,</a:t>
-                      </a:r>
-                      <a:r>
-                        <a:rPr lang="ru-RU" baseline="0" dirty="0" smtClean="0"/>
-                        <a:t> 2016</a:t>
+                        <a:t>МФТИ</a:t>
                       </a:r>
                       <a:endParaRPr lang="ru-RU" dirty="0"/>
                     </a:p>
@@ -11988,11 +13169,7 @@
                       </a:r>
                       <a:r>
                         <a:rPr lang="ru-RU" dirty="0" smtClean="0"/>
-                        <a:t>МФТИ,</a:t>
-                      </a:r>
-                      <a:r>
-                        <a:rPr lang="ru-RU" baseline="0" dirty="0" smtClean="0"/>
-                        <a:t> 2016</a:t>
+                        <a:t>МФТИ</a:t>
                       </a:r>
                       <a:endParaRPr lang="ru-RU" dirty="0"/>
                     </a:p>
@@ -13232,11 +14409,7 @@
                       </a:r>
                       <a:r>
                         <a:rPr lang="ru-RU" dirty="0" smtClean="0"/>
-                        <a:t>МФТИ,</a:t>
-                      </a:r>
-                      <a:r>
-                        <a:rPr lang="ru-RU" baseline="0" dirty="0" smtClean="0"/>
-                        <a:t> 2016</a:t>
+                        <a:t>МФТИ</a:t>
                       </a:r>
                       <a:endParaRPr lang="ru-RU" dirty="0"/>
                     </a:p>
@@ -13337,11 +14510,7 @@
             </a:r>
             <a:r>
               <a:rPr lang="ru-RU" dirty="0" smtClean="0"/>
-              <a:t>т.е. </a:t>
-            </a:r>
-            <a:r>
-              <a:rPr lang="ru-RU" dirty="0" smtClean="0"/>
-              <a:t>≈</a:t>
+              <a:t>т.е. ≈</a:t>
             </a:r>
             <a:r>
               <a:rPr lang="en-US" dirty="0" smtClean="0"/>
@@ -13520,11 +14689,1027 @@
                       </a:r>
                       <a:r>
                         <a:rPr lang="ru-RU" dirty="0" smtClean="0"/>
-                        <a:t>МФТИ,</a:t>
+                        <a:t>МФТИ</a:t>
+                      </a:r>
+                      <a:endParaRPr lang="ru-RU" dirty="0"/>
+                    </a:p>
+                  </a:txBody>
+                  <a:tcPr/>
+                </a:tc>
+              </a:tr>
+            </a:tbl>
+          </a:graphicData>
+        </a:graphic>
+      </p:graphicFrame>
+      <p:pic>
+        <p:nvPicPr>
+          <p:cNvPr id="2050" name="Picture 2" descr="Image result for hdd heads"/>
+          <p:cNvPicPr>
+            <a:picLocks noChangeAspect="1" noChangeArrowheads="1"/>
+          </p:cNvPicPr>
+          <p:nvPr/>
+        </p:nvPicPr>
+        <p:blipFill>
+          <a:blip r:embed="rId3">
+            <a:extLst>
+              <a:ext uri="{28A0092B-C50C-407E-A947-70E740481C1C}">
+                <a14:useLocalDpi xmlns:a14="http://schemas.microsoft.com/office/drawing/2010/main" val="0"/>
+              </a:ext>
+            </a:extLst>
+          </a:blip>
+          <a:srcRect/>
+          <a:stretch>
+            <a:fillRect/>
+          </a:stretch>
+        </p:blipFill>
+        <p:spPr bwMode="auto">
+          <a:xfrm>
+            <a:off x="8492" y="2227303"/>
+            <a:ext cx="6457950" cy="4305301"/>
+          </a:xfrm>
+          <a:prstGeom prst="rect">
+            <a:avLst/>
+          </a:prstGeom>
+          <a:noFill/>
+          <a:extLst>
+            <a:ext uri="{909E8E84-426E-40DD-AFC4-6F175D3DCCD1}">
+              <a14:hiddenFill xmlns:a14="http://schemas.microsoft.com/office/drawing/2010/main">
+                <a:solidFill>
+                  <a:srgbClr val="FFFFFF"/>
+                </a:solidFill>
+              </a14:hiddenFill>
+            </a:ext>
+          </a:extLst>
+        </p:spPr>
+      </p:pic>
+      <p:sp>
+        <p:nvSpPr>
+          <p:cNvPr id="2" name="TextBox 1"/>
+          <p:cNvSpPr txBox="1"/>
+          <p:nvPr/>
+        </p:nvSpPr>
+        <p:spPr>
+          <a:xfrm>
+            <a:off x="1850272" y="560173"/>
+            <a:ext cx="9234772" cy="1200329"/>
+          </a:xfrm>
+          <a:prstGeom prst="rect">
+            <a:avLst/>
+          </a:prstGeom>
+          <a:noFill/>
+        </p:spPr>
+        <p:txBody>
+          <a:bodyPr wrap="none" rtlCol="0">
+            <a:spAutoFit/>
+          </a:bodyPr>
+          <a:lstStyle/>
+          <a:p>
+            <a:r>
+              <a:rPr lang="ru-RU" dirty="0" smtClean="0"/>
+              <a:t>Читающая головка диска двигается медленно, случайные чтения у диска получаются плохо.</a:t>
+            </a:r>
+          </a:p>
+          <a:p>
+            <a:r>
+              <a:rPr lang="ru-RU" dirty="0" smtClean="0"/>
+              <a:t>Для сравнения:</a:t>
+            </a:r>
+          </a:p>
+          <a:p>
+            <a:pPr marL="285750" indent="-285750">
+              <a:buFont typeface="Arial" panose="020B0604020202020204" pitchFamily="34" charset="0"/>
+              <a:buChar char="•"/>
+            </a:pPr>
+            <a:r>
+              <a:rPr lang="ru-RU" dirty="0" smtClean="0"/>
+              <a:t>Скорость линейного чтения ≈100 </a:t>
+            </a:r>
+            <a:r>
+              <a:rPr lang="en-US" dirty="0" smtClean="0"/>
+              <a:t>MB/sec, </a:t>
+            </a:r>
+            <a:r>
+              <a:rPr lang="ru-RU" dirty="0" smtClean="0"/>
+              <a:t>т.е. ≈</a:t>
+            </a:r>
+            <a:r>
+              <a:rPr lang="en-US" dirty="0" smtClean="0"/>
+              <a:t>10 </a:t>
+            </a:r>
+            <a:r>
+              <a:rPr lang="en-US" dirty="0" err="1" smtClean="0"/>
+              <a:t>msec</a:t>
+            </a:r>
+            <a:r>
+              <a:rPr lang="en-US" dirty="0" smtClean="0"/>
+              <a:t> </a:t>
+            </a:r>
+            <a:r>
+              <a:rPr lang="ru-RU" dirty="0" smtClean="0"/>
+              <a:t>на 1 </a:t>
+            </a:r>
+            <a:r>
+              <a:rPr lang="en-US" dirty="0" smtClean="0"/>
+              <a:t>MB</a:t>
+            </a:r>
+            <a:r>
+              <a:rPr lang="ru-RU" dirty="0" smtClean="0"/>
+              <a:t>,</a:t>
+            </a:r>
+          </a:p>
+          <a:p>
+            <a:pPr marL="285750" indent="-285750">
+              <a:buFont typeface="Arial" panose="020B0604020202020204" pitchFamily="34" charset="0"/>
+              <a:buChar char="•"/>
+            </a:pPr>
+            <a:r>
+              <a:rPr lang="ru-RU" dirty="0" smtClean="0"/>
+              <a:t>Время позиционирования головки</a:t>
+            </a:r>
+            <a:r>
+              <a:rPr lang="en-US" dirty="0" smtClean="0"/>
+              <a:t> </a:t>
+            </a:r>
+            <a:r>
+              <a:rPr lang="ru-RU" dirty="0" smtClean="0"/>
+              <a:t>≈</a:t>
+            </a:r>
+            <a:r>
+              <a:rPr lang="en-US" dirty="0" smtClean="0"/>
+              <a:t>10 </a:t>
+            </a:r>
+            <a:r>
+              <a:rPr lang="en-US" dirty="0" err="1" smtClean="0"/>
+              <a:t>msec</a:t>
+            </a:r>
+            <a:r>
+              <a:rPr lang="ru-RU" dirty="0"/>
+              <a:t>.</a:t>
+            </a:r>
+          </a:p>
+        </p:txBody>
+      </p:sp>
+      <p:sp>
+        <p:nvSpPr>
+          <p:cNvPr id="3" name="TextBox 2"/>
+          <p:cNvSpPr txBox="1"/>
+          <p:nvPr/>
+        </p:nvSpPr>
+        <p:spPr>
+          <a:xfrm>
+            <a:off x="6722076" y="2227303"/>
+            <a:ext cx="5338119" cy="923330"/>
+          </a:xfrm>
+          <a:prstGeom prst="rect">
+            <a:avLst/>
+          </a:prstGeom>
+          <a:noFill/>
+        </p:spPr>
+        <p:txBody>
+          <a:bodyPr wrap="square" rtlCol="0">
+            <a:spAutoFit/>
+          </a:bodyPr>
+          <a:lstStyle/>
+          <a:p>
+            <a:r>
+              <a:rPr lang="ru-RU" dirty="0" smtClean="0"/>
+              <a:t>Для большей ясности отмасштабируем величины до привычных нам:</a:t>
+            </a:r>
+          </a:p>
+          <a:p>
+            <a:r>
+              <a:rPr lang="ru-RU" dirty="0" smtClean="0"/>
+              <a:t>1</a:t>
+            </a:r>
+            <a:r>
+              <a:rPr lang="en-US" dirty="0" smtClean="0"/>
+              <a:t>ns </a:t>
+            </a:r>
+            <a:r>
+              <a:rPr lang="en-US" dirty="0" smtClean="0">
+                <a:sym typeface="Wingdings" panose="05000000000000000000" pitchFamily="2" charset="2"/>
+              </a:rPr>
+              <a:t>---&gt; 1s</a:t>
+            </a:r>
+          </a:p>
+        </p:txBody>
+      </p:sp>
+      <p:graphicFrame>
+        <p:nvGraphicFramePr>
+          <p:cNvPr id="4" name="Table 3"/>
+          <p:cNvGraphicFramePr>
+            <a:graphicFrameLocks noGrp="1"/>
+          </p:cNvGraphicFramePr>
+          <p:nvPr>
+            <p:extLst>
+              <p:ext uri="{D42A27DB-BD31-4B8C-83A1-F6EECF244321}">
+                <p14:modId xmlns:p14="http://schemas.microsoft.com/office/powerpoint/2010/main" val="2437337712"/>
+              </p:ext>
+            </p:extLst>
+          </p:nvPr>
+        </p:nvGraphicFramePr>
+        <p:xfrm>
+          <a:off x="6722076" y="3382763"/>
+          <a:ext cx="5338120" cy="1483360"/>
+        </p:xfrm>
+        <a:graphic>
+          <a:graphicData uri="http://schemas.openxmlformats.org/drawingml/2006/table">
+            <a:tbl>
+              <a:tblPr firstRow="1" bandRow="1">
+                <a:tableStyleId>{BC89EF96-8CEA-46FF-86C4-4CE0E7609802}</a:tableStyleId>
+              </a:tblPr>
+              <a:tblGrid>
+                <a:gridCol w="3039762"/>
+                <a:gridCol w="2298358"/>
+              </a:tblGrid>
+              <a:tr h="370840">
+                <a:tc>
+                  <a:txBody>
+                    <a:bodyPr/>
+                    <a:lstStyle/>
+                    <a:p>
+                      <a:r>
+                        <a:rPr lang="ru-RU" b="0" dirty="0" smtClean="0"/>
+                        <a:t>Чтение из </a:t>
+                      </a:r>
+                      <a:r>
+                        <a:rPr lang="en-US" b="0" dirty="0" smtClean="0"/>
+                        <a:t>L1 (Haswell, 4Ghz)</a:t>
+                      </a:r>
+                      <a:endParaRPr lang="ru-RU" b="0" dirty="0"/>
+                    </a:p>
+                  </a:txBody>
+                  <a:tcPr/>
+                </a:tc>
+                <a:tc>
+                  <a:txBody>
+                    <a:bodyPr/>
+                    <a:lstStyle/>
+                    <a:p>
+                      <a:r>
+                        <a:rPr lang="en-US" dirty="0" smtClean="0"/>
+                        <a:t>1s</a:t>
+                      </a:r>
+                      <a:endParaRPr lang="ru-RU" dirty="0"/>
+                    </a:p>
+                  </a:txBody>
+                  <a:tcPr/>
+                </a:tc>
+              </a:tr>
+              <a:tr h="370840">
+                <a:tc>
+                  <a:txBody>
+                    <a:bodyPr/>
+                    <a:lstStyle/>
+                    <a:p>
+                      <a:r>
+                        <a:rPr lang="ru-RU" dirty="0" smtClean="0"/>
+                        <a:t>Чтение из </a:t>
+                      </a:r>
+                      <a:r>
+                        <a:rPr lang="en-US" dirty="0" smtClean="0"/>
+                        <a:t>L2</a:t>
+                      </a:r>
+                      <a:endParaRPr lang="ru-RU" dirty="0"/>
+                    </a:p>
+                  </a:txBody>
+                  <a:tcPr/>
+                </a:tc>
+                <a:tc>
+                  <a:txBody>
+                    <a:bodyPr/>
+                    <a:lstStyle/>
+                    <a:p>
+                      <a:r>
+                        <a:rPr lang="en-US" b="1" dirty="0" smtClean="0"/>
+                        <a:t>3s</a:t>
+                      </a:r>
+                      <a:endParaRPr lang="ru-RU" b="1" dirty="0"/>
+                    </a:p>
+                  </a:txBody>
+                  <a:tcPr/>
+                </a:tc>
+              </a:tr>
+              <a:tr h="370840">
+                <a:tc>
+                  <a:txBody>
+                    <a:bodyPr/>
+                    <a:lstStyle/>
+                    <a:p>
+                      <a:r>
+                        <a:rPr lang="ru-RU" dirty="0" smtClean="0"/>
+                        <a:t>Чтение из </a:t>
+                      </a:r>
+                      <a:r>
+                        <a:rPr lang="en-US" dirty="0" smtClean="0"/>
+                        <a:t>L3</a:t>
+                      </a:r>
+                      <a:endParaRPr lang="ru-RU" dirty="0"/>
+                    </a:p>
+                  </a:txBody>
+                  <a:tcPr/>
+                </a:tc>
+                <a:tc>
+                  <a:txBody>
+                    <a:bodyPr/>
+                    <a:lstStyle/>
+                    <a:p>
+                      <a:r>
+                        <a:rPr lang="en-US" b="1" dirty="0" smtClean="0"/>
+                        <a:t>9s</a:t>
+                      </a:r>
+                      <a:endParaRPr lang="ru-RU" b="1" dirty="0"/>
+                    </a:p>
+                  </a:txBody>
+                  <a:tcPr/>
+                </a:tc>
+              </a:tr>
+              <a:tr h="370840">
+                <a:tc>
+                  <a:txBody>
+                    <a:bodyPr/>
+                    <a:lstStyle/>
+                    <a:p>
+                      <a:r>
+                        <a:rPr lang="ru-RU" dirty="0" smtClean="0"/>
+                        <a:t>Чтение из </a:t>
+                      </a:r>
+                      <a:r>
+                        <a:rPr lang="en-US" dirty="0" smtClean="0"/>
+                        <a:t>RAM</a:t>
+                      </a:r>
+                      <a:endParaRPr lang="ru-RU" dirty="0"/>
+                    </a:p>
+                  </a:txBody>
+                  <a:tcPr/>
+                </a:tc>
+                <a:tc>
+                  <a:txBody>
+                    <a:bodyPr/>
+                    <a:lstStyle/>
+                    <a:p>
+                      <a:r>
+                        <a:rPr lang="en-US" b="1" dirty="0" smtClean="0"/>
+                        <a:t>9s + 57s</a:t>
+                      </a:r>
+                      <a:endParaRPr lang="ru-RU" b="1" dirty="0"/>
+                    </a:p>
+                  </a:txBody>
+                  <a:tcPr/>
+                </a:tc>
+              </a:tr>
+            </a:tbl>
+          </a:graphicData>
+        </a:graphic>
+      </p:graphicFrame>
+    </p:spTree>
+    <p:extLst>
+      <p:ext uri="{BB962C8B-B14F-4D97-AF65-F5344CB8AC3E}">
+        <p14:creationId xmlns:p14="http://schemas.microsoft.com/office/powerpoint/2010/main" val="3448512071"/>
+      </p:ext>
+    </p:extLst>
+  </p:cSld>
+  <p:clrMapOvr>
+    <a:masterClrMapping/>
+  </p:clrMapOvr>
+</p:sld>
+</file>
+
+<file path=ppt/slides/slide15.xml><?xml version="1.0" encoding="utf-8"?>
+<p:sld xmlns:a="http://schemas.openxmlformats.org/drawingml/2006/main" xmlns:r="http://schemas.openxmlformats.org/officeDocument/2006/relationships" xmlns:p="http://schemas.openxmlformats.org/presentationml/2006/main">
+  <p:cSld>
+    <p:spTree>
+      <p:nvGrpSpPr>
+        <p:cNvPr id="1" name=""/>
+        <p:cNvGrpSpPr/>
+        <p:nvPr/>
+      </p:nvGrpSpPr>
+      <p:grpSpPr>
+        <a:xfrm>
+          <a:off x="0" y="0"/>
+          <a:ext cx="0" cy="0"/>
+          <a:chOff x="0" y="0"/>
+          <a:chExt cx="0" cy="0"/>
+        </a:xfrm>
+      </p:grpSpPr>
+      <p:graphicFrame>
+        <p:nvGraphicFramePr>
+          <p:cNvPr id="5" name="Table 4"/>
+          <p:cNvGraphicFramePr>
+            <a:graphicFrameLocks noGrp="1"/>
+          </p:cNvGraphicFramePr>
+          <p:nvPr>
+            <p:extLst>
+              <p:ext uri="{D42A27DB-BD31-4B8C-83A1-F6EECF244321}">
+                <p14:modId xmlns:p14="http://schemas.microsoft.com/office/powerpoint/2010/main" val="2281224332"/>
+              </p:ext>
+            </p:extLst>
+          </p:nvPr>
+        </p:nvGraphicFramePr>
+        <p:xfrm>
+          <a:off x="0" y="1"/>
+          <a:ext cx="12192000" cy="365760"/>
+        </p:xfrm>
+        <a:graphic>
+          <a:graphicData uri="http://schemas.openxmlformats.org/drawingml/2006/table">
+            <a:tbl>
+              <a:tblPr firstRow="1" bandRow="1">
+                <a:tableStyleId>{5C22544A-7EE6-4342-B048-85BDC9FD1C3A}</a:tableStyleId>
+              </a:tblPr>
+              <a:tblGrid>
+                <a:gridCol w="12192000"/>
+              </a:tblGrid>
+              <a:tr h="321276">
+                <a:tc>
+                  <a:txBody>
+                    <a:bodyPr/>
+                    <a:lstStyle/>
+                    <a:p>
+                      <a:r>
+                        <a:rPr lang="ru-RU" dirty="0" smtClean="0"/>
+                        <a:t>Основы</a:t>
                       </a:r>
                       <a:r>
                         <a:rPr lang="ru-RU" baseline="0" dirty="0" smtClean="0"/>
-                        <a:t> 2016</a:t>
+                        <a:t> построения файловых систем</a:t>
+                      </a:r>
+                      <a:endParaRPr lang="ru-RU" dirty="0"/>
+                    </a:p>
+                  </a:txBody>
+                  <a:tcPr/>
+                </a:tc>
+              </a:tr>
+            </a:tbl>
+          </a:graphicData>
+        </a:graphic>
+      </p:graphicFrame>
+      <p:graphicFrame>
+        <p:nvGraphicFramePr>
+          <p:cNvPr id="6" name="Table 5"/>
+          <p:cNvGraphicFramePr>
+            <a:graphicFrameLocks noGrp="1"/>
+          </p:cNvGraphicFramePr>
+          <p:nvPr>
+            <p:extLst>
+              <p:ext uri="{D42A27DB-BD31-4B8C-83A1-F6EECF244321}">
+                <p14:modId xmlns:p14="http://schemas.microsoft.com/office/powerpoint/2010/main" val="4164474727"/>
+              </p:ext>
+            </p:extLst>
+          </p:nvPr>
+        </p:nvGraphicFramePr>
+        <p:xfrm>
+          <a:off x="0" y="6532604"/>
+          <a:ext cx="12192000" cy="365760"/>
+        </p:xfrm>
+        <a:graphic>
+          <a:graphicData uri="http://schemas.openxmlformats.org/drawingml/2006/table">
+            <a:tbl>
+              <a:tblPr firstRow="1" bandRow="1">
+                <a:tableStyleId>{5C22544A-7EE6-4342-B048-85BDC9FD1C3A}</a:tableStyleId>
+              </a:tblPr>
+              <a:tblGrid>
+                <a:gridCol w="12192000"/>
+              </a:tblGrid>
+              <a:tr h="308094">
+                <a:tc>
+                  <a:txBody>
+                    <a:bodyPr/>
+                    <a:lstStyle/>
+                    <a:p>
+                      <a:r>
+                        <a:rPr lang="en-US" dirty="0" smtClean="0"/>
+                        <a:t>Acronis @ </a:t>
+                      </a:r>
+                      <a:r>
+                        <a:rPr lang="ru-RU" dirty="0" smtClean="0"/>
+                        <a:t>МФТИ</a:t>
+                      </a:r>
+                      <a:endParaRPr lang="ru-RU" dirty="0"/>
+                    </a:p>
+                  </a:txBody>
+                  <a:tcPr/>
+                </a:tc>
+              </a:tr>
+            </a:tbl>
+          </a:graphicData>
+        </a:graphic>
+      </p:graphicFrame>
+      <p:pic>
+        <p:nvPicPr>
+          <p:cNvPr id="2050" name="Picture 2" descr="Image result for hdd heads"/>
+          <p:cNvPicPr>
+            <a:picLocks noChangeAspect="1" noChangeArrowheads="1"/>
+          </p:cNvPicPr>
+          <p:nvPr/>
+        </p:nvPicPr>
+        <p:blipFill>
+          <a:blip r:embed="rId3">
+            <a:extLst>
+              <a:ext uri="{28A0092B-C50C-407E-A947-70E740481C1C}">
+                <a14:useLocalDpi xmlns:a14="http://schemas.microsoft.com/office/drawing/2010/main" val="0"/>
+              </a:ext>
+            </a:extLst>
+          </a:blip>
+          <a:srcRect/>
+          <a:stretch>
+            <a:fillRect/>
+          </a:stretch>
+        </p:blipFill>
+        <p:spPr bwMode="auto">
+          <a:xfrm>
+            <a:off x="8492" y="2227303"/>
+            <a:ext cx="6457950" cy="4305301"/>
+          </a:xfrm>
+          <a:prstGeom prst="rect">
+            <a:avLst/>
+          </a:prstGeom>
+          <a:noFill/>
+          <a:extLst>
+            <a:ext uri="{909E8E84-426E-40DD-AFC4-6F175D3DCCD1}">
+              <a14:hiddenFill xmlns:a14="http://schemas.microsoft.com/office/drawing/2010/main">
+                <a:solidFill>
+                  <a:srgbClr val="FFFFFF"/>
+                </a:solidFill>
+              </a14:hiddenFill>
+            </a:ext>
+          </a:extLst>
+        </p:spPr>
+      </p:pic>
+      <p:sp>
+        <p:nvSpPr>
+          <p:cNvPr id="2" name="TextBox 1"/>
+          <p:cNvSpPr txBox="1"/>
+          <p:nvPr/>
+        </p:nvSpPr>
+        <p:spPr>
+          <a:xfrm>
+            <a:off x="1850272" y="560173"/>
+            <a:ext cx="9234772" cy="1200329"/>
+          </a:xfrm>
+          <a:prstGeom prst="rect">
+            <a:avLst/>
+          </a:prstGeom>
+          <a:noFill/>
+        </p:spPr>
+        <p:txBody>
+          <a:bodyPr wrap="none" rtlCol="0">
+            <a:spAutoFit/>
+          </a:bodyPr>
+          <a:lstStyle/>
+          <a:p>
+            <a:r>
+              <a:rPr lang="ru-RU" dirty="0" smtClean="0"/>
+              <a:t>Читающая головка диска двигается медленно, случайные чтения у диска получаются плохо.</a:t>
+            </a:r>
+          </a:p>
+          <a:p>
+            <a:r>
+              <a:rPr lang="ru-RU" dirty="0" smtClean="0"/>
+              <a:t>Для сравнения:</a:t>
+            </a:r>
+          </a:p>
+          <a:p>
+            <a:pPr marL="285750" indent="-285750">
+              <a:buFont typeface="Arial" panose="020B0604020202020204" pitchFamily="34" charset="0"/>
+              <a:buChar char="•"/>
+            </a:pPr>
+            <a:r>
+              <a:rPr lang="ru-RU" dirty="0" smtClean="0"/>
+              <a:t>Скорость линейного чтения ≈100 </a:t>
+            </a:r>
+            <a:r>
+              <a:rPr lang="en-US" dirty="0" smtClean="0"/>
+              <a:t>MB/sec, </a:t>
+            </a:r>
+            <a:r>
+              <a:rPr lang="ru-RU" dirty="0" smtClean="0"/>
+              <a:t>т.е. ≈</a:t>
+            </a:r>
+            <a:r>
+              <a:rPr lang="en-US" dirty="0" smtClean="0"/>
+              <a:t>10 </a:t>
+            </a:r>
+            <a:r>
+              <a:rPr lang="en-US" dirty="0" err="1" smtClean="0"/>
+              <a:t>msec</a:t>
+            </a:r>
+            <a:r>
+              <a:rPr lang="en-US" dirty="0" smtClean="0"/>
+              <a:t> </a:t>
+            </a:r>
+            <a:r>
+              <a:rPr lang="ru-RU" dirty="0" smtClean="0"/>
+              <a:t>на 1 </a:t>
+            </a:r>
+            <a:r>
+              <a:rPr lang="en-US" dirty="0" smtClean="0"/>
+              <a:t>MB</a:t>
+            </a:r>
+            <a:r>
+              <a:rPr lang="ru-RU" dirty="0" smtClean="0"/>
+              <a:t>,</a:t>
+            </a:r>
+          </a:p>
+          <a:p>
+            <a:pPr marL="285750" indent="-285750">
+              <a:buFont typeface="Arial" panose="020B0604020202020204" pitchFamily="34" charset="0"/>
+              <a:buChar char="•"/>
+            </a:pPr>
+            <a:r>
+              <a:rPr lang="ru-RU" dirty="0" smtClean="0"/>
+              <a:t>Время позиционирования головки</a:t>
+            </a:r>
+            <a:r>
+              <a:rPr lang="en-US" dirty="0" smtClean="0"/>
+              <a:t> </a:t>
+            </a:r>
+            <a:r>
+              <a:rPr lang="ru-RU" dirty="0" smtClean="0"/>
+              <a:t>≈</a:t>
+            </a:r>
+            <a:r>
+              <a:rPr lang="en-US" dirty="0" smtClean="0"/>
+              <a:t>10 </a:t>
+            </a:r>
+            <a:r>
+              <a:rPr lang="en-US" dirty="0" err="1" smtClean="0"/>
+              <a:t>msec</a:t>
+            </a:r>
+            <a:r>
+              <a:rPr lang="ru-RU" dirty="0"/>
+              <a:t>.</a:t>
+            </a:r>
+          </a:p>
+        </p:txBody>
+      </p:sp>
+      <p:sp>
+        <p:nvSpPr>
+          <p:cNvPr id="3" name="TextBox 2"/>
+          <p:cNvSpPr txBox="1"/>
+          <p:nvPr/>
+        </p:nvSpPr>
+        <p:spPr>
+          <a:xfrm>
+            <a:off x="6722076" y="2227303"/>
+            <a:ext cx="5338119" cy="923330"/>
+          </a:xfrm>
+          <a:prstGeom prst="rect">
+            <a:avLst/>
+          </a:prstGeom>
+          <a:noFill/>
+        </p:spPr>
+        <p:txBody>
+          <a:bodyPr wrap="square" rtlCol="0">
+            <a:spAutoFit/>
+          </a:bodyPr>
+          <a:lstStyle/>
+          <a:p>
+            <a:r>
+              <a:rPr lang="ru-RU" dirty="0" smtClean="0"/>
+              <a:t>Для большей ясности отмасштабируем величины до привычных нам:</a:t>
+            </a:r>
+          </a:p>
+          <a:p>
+            <a:r>
+              <a:rPr lang="ru-RU" dirty="0" smtClean="0"/>
+              <a:t>1</a:t>
+            </a:r>
+            <a:r>
+              <a:rPr lang="en-US" dirty="0" smtClean="0"/>
+              <a:t>ns </a:t>
+            </a:r>
+            <a:r>
+              <a:rPr lang="en-US" dirty="0" smtClean="0">
+                <a:sym typeface="Wingdings" panose="05000000000000000000" pitchFamily="2" charset="2"/>
+              </a:rPr>
+              <a:t>---&gt; 1s</a:t>
+            </a:r>
+          </a:p>
+        </p:txBody>
+      </p:sp>
+      <p:graphicFrame>
+        <p:nvGraphicFramePr>
+          <p:cNvPr id="4" name="Table 3"/>
+          <p:cNvGraphicFramePr>
+            <a:graphicFrameLocks noGrp="1"/>
+          </p:cNvGraphicFramePr>
+          <p:nvPr>
+            <p:extLst>
+              <p:ext uri="{D42A27DB-BD31-4B8C-83A1-F6EECF244321}">
+                <p14:modId xmlns:p14="http://schemas.microsoft.com/office/powerpoint/2010/main" val="2789584515"/>
+              </p:ext>
+            </p:extLst>
+          </p:nvPr>
+        </p:nvGraphicFramePr>
+        <p:xfrm>
+          <a:off x="6722076" y="3382763"/>
+          <a:ext cx="5338120" cy="2397760"/>
+        </p:xfrm>
+        <a:graphic>
+          <a:graphicData uri="http://schemas.openxmlformats.org/drawingml/2006/table">
+            <a:tbl>
+              <a:tblPr firstRow="1" bandRow="1">
+                <a:tableStyleId>{BC89EF96-8CEA-46FF-86C4-4CE0E7609802}</a:tableStyleId>
+              </a:tblPr>
+              <a:tblGrid>
+                <a:gridCol w="3039762"/>
+                <a:gridCol w="2298358"/>
+              </a:tblGrid>
+              <a:tr h="370840">
+                <a:tc>
+                  <a:txBody>
+                    <a:bodyPr/>
+                    <a:lstStyle/>
+                    <a:p>
+                      <a:r>
+                        <a:rPr lang="ru-RU" b="0" dirty="0" smtClean="0"/>
+                        <a:t>Чтение из </a:t>
+                      </a:r>
+                      <a:r>
+                        <a:rPr lang="en-US" b="0" dirty="0" smtClean="0"/>
+                        <a:t>L1 (Haswell, 4Ghz)</a:t>
+                      </a:r>
+                      <a:endParaRPr lang="ru-RU" b="0" dirty="0"/>
+                    </a:p>
+                  </a:txBody>
+                  <a:tcPr/>
+                </a:tc>
+                <a:tc>
+                  <a:txBody>
+                    <a:bodyPr/>
+                    <a:lstStyle/>
+                    <a:p>
+                      <a:r>
+                        <a:rPr lang="en-US" dirty="0" smtClean="0"/>
+                        <a:t>1s</a:t>
+                      </a:r>
+                      <a:endParaRPr lang="ru-RU" dirty="0"/>
+                    </a:p>
+                  </a:txBody>
+                  <a:tcPr/>
+                </a:tc>
+              </a:tr>
+              <a:tr h="370840">
+                <a:tc>
+                  <a:txBody>
+                    <a:bodyPr/>
+                    <a:lstStyle/>
+                    <a:p>
+                      <a:r>
+                        <a:rPr lang="ru-RU" dirty="0" smtClean="0"/>
+                        <a:t>Чтение из </a:t>
+                      </a:r>
+                      <a:r>
+                        <a:rPr lang="en-US" dirty="0" smtClean="0"/>
+                        <a:t>L2</a:t>
+                      </a:r>
+                      <a:endParaRPr lang="ru-RU" dirty="0"/>
+                    </a:p>
+                  </a:txBody>
+                  <a:tcPr/>
+                </a:tc>
+                <a:tc>
+                  <a:txBody>
+                    <a:bodyPr/>
+                    <a:lstStyle/>
+                    <a:p>
+                      <a:r>
+                        <a:rPr lang="en-US" b="1" dirty="0" smtClean="0"/>
+                        <a:t>3s</a:t>
+                      </a:r>
+                      <a:endParaRPr lang="ru-RU" b="1" dirty="0"/>
+                    </a:p>
+                  </a:txBody>
+                  <a:tcPr/>
+                </a:tc>
+              </a:tr>
+              <a:tr h="370840">
+                <a:tc>
+                  <a:txBody>
+                    <a:bodyPr/>
+                    <a:lstStyle/>
+                    <a:p>
+                      <a:r>
+                        <a:rPr lang="ru-RU" dirty="0" smtClean="0"/>
+                        <a:t>Чтение из </a:t>
+                      </a:r>
+                      <a:r>
+                        <a:rPr lang="en-US" dirty="0" smtClean="0"/>
+                        <a:t>L3</a:t>
+                      </a:r>
+                      <a:endParaRPr lang="ru-RU" dirty="0"/>
+                    </a:p>
+                  </a:txBody>
+                  <a:tcPr/>
+                </a:tc>
+                <a:tc>
+                  <a:txBody>
+                    <a:bodyPr/>
+                    <a:lstStyle/>
+                    <a:p>
+                      <a:r>
+                        <a:rPr lang="en-US" b="1" dirty="0" smtClean="0"/>
+                        <a:t>9s</a:t>
+                      </a:r>
+                      <a:endParaRPr lang="ru-RU" b="1" dirty="0"/>
+                    </a:p>
+                  </a:txBody>
+                  <a:tcPr/>
+                </a:tc>
+              </a:tr>
+              <a:tr h="370840">
+                <a:tc>
+                  <a:txBody>
+                    <a:bodyPr/>
+                    <a:lstStyle/>
+                    <a:p>
+                      <a:r>
+                        <a:rPr lang="ru-RU" dirty="0" smtClean="0"/>
+                        <a:t>Чтение из </a:t>
+                      </a:r>
+                      <a:r>
+                        <a:rPr lang="en-US" dirty="0" smtClean="0"/>
+                        <a:t>RAM</a:t>
+                      </a:r>
+                      <a:endParaRPr lang="ru-RU" dirty="0"/>
+                    </a:p>
+                  </a:txBody>
+                  <a:tcPr/>
+                </a:tc>
+                <a:tc>
+                  <a:txBody>
+                    <a:bodyPr/>
+                    <a:lstStyle/>
+                    <a:p>
+                      <a:r>
+                        <a:rPr lang="en-US" b="1" dirty="0" smtClean="0"/>
+                        <a:t>9s + 57s</a:t>
+                      </a:r>
+                      <a:endParaRPr lang="ru-RU" b="1" dirty="0"/>
+                    </a:p>
+                  </a:txBody>
+                  <a:tcPr/>
+                </a:tc>
+              </a:tr>
+              <a:tr h="370840">
+                <a:tc>
+                  <a:txBody>
+                    <a:bodyPr/>
+                    <a:lstStyle/>
+                    <a:p>
+                      <a:r>
+                        <a:rPr lang="ru-RU" dirty="0" smtClean="0"/>
+                        <a:t>Чтение с диска</a:t>
+                      </a:r>
+                      <a:endParaRPr lang="ru-RU" dirty="0"/>
+                    </a:p>
+                  </a:txBody>
+                  <a:tcPr/>
+                </a:tc>
+                <a:tc>
+                  <a:txBody>
+                    <a:bodyPr/>
+                    <a:lstStyle/>
+                    <a:p>
+                      <a:r>
+                        <a:rPr lang="en-US" b="1" dirty="0" smtClean="0"/>
+                        <a:t>116 </a:t>
+                      </a:r>
+                      <a:r>
+                        <a:rPr lang="ru-RU" b="1" dirty="0" smtClean="0"/>
+                        <a:t>дней только на позиционирование читающей головки</a:t>
+                      </a:r>
+                      <a:endParaRPr lang="ru-RU" b="1" dirty="0"/>
+                    </a:p>
+                  </a:txBody>
+                  <a:tcPr/>
+                </a:tc>
+              </a:tr>
+            </a:tbl>
+          </a:graphicData>
+        </a:graphic>
+      </p:graphicFrame>
+    </p:spTree>
+    <p:extLst>
+      <p:ext uri="{BB962C8B-B14F-4D97-AF65-F5344CB8AC3E}">
+        <p14:creationId xmlns:p14="http://schemas.microsoft.com/office/powerpoint/2010/main" val="3215561578"/>
+      </p:ext>
+    </p:extLst>
+  </p:cSld>
+  <p:clrMapOvr>
+    <a:masterClrMapping/>
+  </p:clrMapOvr>
+</p:sld>
+</file>
+
+<file path=ppt/slides/slide16.xml><?xml version="1.0" encoding="utf-8"?>
+<p:sld xmlns:a="http://schemas.openxmlformats.org/drawingml/2006/main" xmlns:r="http://schemas.openxmlformats.org/officeDocument/2006/relationships" xmlns:p="http://schemas.openxmlformats.org/presentationml/2006/main">
+  <p:cSld>
+    <p:spTree>
+      <p:nvGrpSpPr>
+        <p:cNvPr id="1" name=""/>
+        <p:cNvGrpSpPr/>
+        <p:nvPr/>
+      </p:nvGrpSpPr>
+      <p:grpSpPr>
+        <a:xfrm>
+          <a:off x="0" y="0"/>
+          <a:ext cx="0" cy="0"/>
+          <a:chOff x="0" y="0"/>
+          <a:chExt cx="0" cy="0"/>
+        </a:xfrm>
+      </p:grpSpPr>
+      <p:graphicFrame>
+        <p:nvGraphicFramePr>
+          <p:cNvPr id="5" name="Table 4"/>
+          <p:cNvGraphicFramePr>
+            <a:graphicFrameLocks noGrp="1"/>
+          </p:cNvGraphicFramePr>
+          <p:nvPr>
+            <p:extLst>
+              <p:ext uri="{D42A27DB-BD31-4B8C-83A1-F6EECF244321}">
+                <p14:modId xmlns:p14="http://schemas.microsoft.com/office/powerpoint/2010/main" val="2281224332"/>
+              </p:ext>
+            </p:extLst>
+          </p:nvPr>
+        </p:nvGraphicFramePr>
+        <p:xfrm>
+          <a:off x="0" y="1"/>
+          <a:ext cx="12192000" cy="365760"/>
+        </p:xfrm>
+        <a:graphic>
+          <a:graphicData uri="http://schemas.openxmlformats.org/drawingml/2006/table">
+            <a:tbl>
+              <a:tblPr firstRow="1" bandRow="1">
+                <a:tableStyleId>{5C22544A-7EE6-4342-B048-85BDC9FD1C3A}</a:tableStyleId>
+              </a:tblPr>
+              <a:tblGrid>
+                <a:gridCol w="12192000"/>
+              </a:tblGrid>
+              <a:tr h="321276">
+                <a:tc>
+                  <a:txBody>
+                    <a:bodyPr/>
+                    <a:lstStyle/>
+                    <a:p>
+                      <a:r>
+                        <a:rPr lang="ru-RU" dirty="0" smtClean="0"/>
+                        <a:t>Основы</a:t>
+                      </a:r>
+                      <a:r>
+                        <a:rPr lang="ru-RU" baseline="0" dirty="0" smtClean="0"/>
+                        <a:t> построения файловых систем</a:t>
+                      </a:r>
+                      <a:endParaRPr lang="ru-RU" dirty="0"/>
+                    </a:p>
+                  </a:txBody>
+                  <a:tcPr/>
+                </a:tc>
+              </a:tr>
+            </a:tbl>
+          </a:graphicData>
+        </a:graphic>
+      </p:graphicFrame>
+      <p:graphicFrame>
+        <p:nvGraphicFramePr>
+          <p:cNvPr id="6" name="Table 5"/>
+          <p:cNvGraphicFramePr>
+            <a:graphicFrameLocks noGrp="1"/>
+          </p:cNvGraphicFramePr>
+          <p:nvPr>
+            <p:extLst>
+              <p:ext uri="{D42A27DB-BD31-4B8C-83A1-F6EECF244321}">
+                <p14:modId xmlns:p14="http://schemas.microsoft.com/office/powerpoint/2010/main" val="4164474727"/>
+              </p:ext>
+            </p:extLst>
+          </p:nvPr>
+        </p:nvGraphicFramePr>
+        <p:xfrm>
+          <a:off x="0" y="6532604"/>
+          <a:ext cx="12192000" cy="365760"/>
+        </p:xfrm>
+        <a:graphic>
+          <a:graphicData uri="http://schemas.openxmlformats.org/drawingml/2006/table">
+            <a:tbl>
+              <a:tblPr firstRow="1" bandRow="1">
+                <a:tableStyleId>{5C22544A-7EE6-4342-B048-85BDC9FD1C3A}</a:tableStyleId>
+              </a:tblPr>
+              <a:tblGrid>
+                <a:gridCol w="12192000"/>
+              </a:tblGrid>
+              <a:tr h="308094">
+                <a:tc>
+                  <a:txBody>
+                    <a:bodyPr/>
+                    <a:lstStyle/>
+                    <a:p>
+                      <a:r>
+                        <a:rPr lang="en-US" dirty="0" smtClean="0"/>
+                        <a:t>Acronis @ </a:t>
+                      </a:r>
+                      <a:r>
+                        <a:rPr lang="ru-RU" dirty="0" smtClean="0"/>
+                        <a:t>МФТИ</a:t>
                       </a:r>
                       <a:endParaRPr lang="ru-RU" dirty="0"/>
                     </a:p>
@@ -14730,7 +16915,7 @@
 </p:sld>
 </file>
 
-<file path=ppt/slides/slide15.xml><?xml version="1.0" encoding="utf-8"?>
+<file path=ppt/slides/slide17.xml><?xml version="1.0" encoding="utf-8"?>
 <p:sld xmlns:a="http://schemas.openxmlformats.org/drawingml/2006/main" xmlns:r="http://schemas.openxmlformats.org/officeDocument/2006/relationships" xmlns:p="http://schemas.openxmlformats.org/presentationml/2006/main">
   <p:cSld>
     <p:spTree>
@@ -14837,11 +17022,7 @@
                       </a:r>
                       <a:r>
                         <a:rPr lang="ru-RU" dirty="0" smtClean="0"/>
-                        <a:t>МФТИ,</a:t>
-                      </a:r>
-                      <a:r>
-                        <a:rPr lang="ru-RU" baseline="0" dirty="0" smtClean="0"/>
-                        <a:t> 2016</a:t>
+                        <a:t>МФТИ</a:t>
                       </a:r>
                       <a:endParaRPr lang="ru-RU" dirty="0"/>
                     </a:p>
@@ -14958,855 +17139,6 @@
 </p:sld>
 </file>
 
-<file path=ppt/slides/slide16.xml><?xml version="1.0" encoding="utf-8"?>
-<p:sld xmlns:a="http://schemas.openxmlformats.org/drawingml/2006/main" xmlns:r="http://schemas.openxmlformats.org/officeDocument/2006/relationships" xmlns:p="http://schemas.openxmlformats.org/presentationml/2006/main">
-  <p:cSld>
-    <p:spTree>
-      <p:nvGrpSpPr>
-        <p:cNvPr id="1" name=""/>
-        <p:cNvGrpSpPr/>
-        <p:nvPr/>
-      </p:nvGrpSpPr>
-      <p:grpSpPr>
-        <a:xfrm>
-          <a:off x="0" y="0"/>
-          <a:ext cx="0" cy="0"/>
-          <a:chOff x="0" y="0"/>
-          <a:chExt cx="0" cy="0"/>
-        </a:xfrm>
-      </p:grpSpPr>
-      <p:graphicFrame>
-        <p:nvGraphicFramePr>
-          <p:cNvPr id="5" name="Table 4"/>
-          <p:cNvGraphicFramePr>
-            <a:graphicFrameLocks noGrp="1"/>
-          </p:cNvGraphicFramePr>
-          <p:nvPr>
-            <p:extLst>
-              <p:ext uri="{D42A27DB-BD31-4B8C-83A1-F6EECF244321}">
-                <p14:modId xmlns:p14="http://schemas.microsoft.com/office/powerpoint/2010/main" val="2281224332"/>
-              </p:ext>
-            </p:extLst>
-          </p:nvPr>
-        </p:nvGraphicFramePr>
-        <p:xfrm>
-          <a:off x="0" y="1"/>
-          <a:ext cx="12192000" cy="365760"/>
-        </p:xfrm>
-        <a:graphic>
-          <a:graphicData uri="http://schemas.openxmlformats.org/drawingml/2006/table">
-            <a:tbl>
-              <a:tblPr firstRow="1" bandRow="1">
-                <a:tableStyleId>{5C22544A-7EE6-4342-B048-85BDC9FD1C3A}</a:tableStyleId>
-              </a:tblPr>
-              <a:tblGrid>
-                <a:gridCol w="12192000"/>
-              </a:tblGrid>
-              <a:tr h="321276">
-                <a:tc>
-                  <a:txBody>
-                    <a:bodyPr/>
-                    <a:lstStyle/>
-                    <a:p>
-                      <a:r>
-                        <a:rPr lang="ru-RU" dirty="0" smtClean="0"/>
-                        <a:t>Основы</a:t>
-                      </a:r>
-                      <a:r>
-                        <a:rPr lang="ru-RU" baseline="0" dirty="0" smtClean="0"/>
-                        <a:t> построения файловых систем</a:t>
-                      </a:r>
-                      <a:endParaRPr lang="ru-RU" dirty="0"/>
-                    </a:p>
-                  </a:txBody>
-                  <a:tcPr/>
-                </a:tc>
-              </a:tr>
-            </a:tbl>
-          </a:graphicData>
-        </a:graphic>
-      </p:graphicFrame>
-      <p:graphicFrame>
-        <p:nvGraphicFramePr>
-          <p:cNvPr id="6" name="Table 5"/>
-          <p:cNvGraphicFramePr>
-            <a:graphicFrameLocks noGrp="1"/>
-          </p:cNvGraphicFramePr>
-          <p:nvPr>
-            <p:extLst>
-              <p:ext uri="{D42A27DB-BD31-4B8C-83A1-F6EECF244321}">
-                <p14:modId xmlns:p14="http://schemas.microsoft.com/office/powerpoint/2010/main" val="4164474727"/>
-              </p:ext>
-            </p:extLst>
-          </p:nvPr>
-        </p:nvGraphicFramePr>
-        <p:xfrm>
-          <a:off x="0" y="6532604"/>
-          <a:ext cx="12192000" cy="365760"/>
-        </p:xfrm>
-        <a:graphic>
-          <a:graphicData uri="http://schemas.openxmlformats.org/drawingml/2006/table">
-            <a:tbl>
-              <a:tblPr firstRow="1" bandRow="1">
-                <a:tableStyleId>{5C22544A-7EE6-4342-B048-85BDC9FD1C3A}</a:tableStyleId>
-              </a:tblPr>
-              <a:tblGrid>
-                <a:gridCol w="12192000"/>
-              </a:tblGrid>
-              <a:tr h="308094">
-                <a:tc>
-                  <a:txBody>
-                    <a:bodyPr/>
-                    <a:lstStyle/>
-                    <a:p>
-                      <a:r>
-                        <a:rPr lang="en-US" dirty="0" smtClean="0"/>
-                        <a:t>Acronis @ </a:t>
-                      </a:r>
-                      <a:r>
-                        <a:rPr lang="ru-RU" dirty="0" smtClean="0"/>
-                        <a:t>МФТИ,</a:t>
-                      </a:r>
-                      <a:r>
-                        <a:rPr lang="ru-RU" baseline="0" dirty="0" smtClean="0"/>
-                        <a:t> 2016</a:t>
-                      </a:r>
-                      <a:endParaRPr lang="ru-RU" dirty="0"/>
-                    </a:p>
-                  </a:txBody>
-                  <a:tcPr/>
-                </a:tc>
-              </a:tr>
-            </a:tbl>
-          </a:graphicData>
-        </a:graphic>
-      </p:graphicFrame>
-      <p:graphicFrame>
-        <p:nvGraphicFramePr>
-          <p:cNvPr id="2" name="Table 1"/>
-          <p:cNvGraphicFramePr>
-            <a:graphicFrameLocks noGrp="1"/>
-          </p:cNvGraphicFramePr>
-          <p:nvPr>
-            <p:extLst>
-              <p:ext uri="{D42A27DB-BD31-4B8C-83A1-F6EECF244321}">
-                <p14:modId xmlns:p14="http://schemas.microsoft.com/office/powerpoint/2010/main" val="398340185"/>
-              </p:ext>
-            </p:extLst>
-          </p:nvPr>
-        </p:nvGraphicFramePr>
-        <p:xfrm>
-          <a:off x="0" y="365760"/>
-          <a:ext cx="12192000" cy="1187873"/>
-        </p:xfrm>
-        <a:graphic>
-          <a:graphicData uri="http://schemas.openxmlformats.org/drawingml/2006/table">
-            <a:tbl>
-              <a:tblPr firstRow="1" bandRow="1">
-                <a:tableStyleId>{3B4B98B0-60AC-42C2-AFA5-B58CD77FA1E5}</a:tableStyleId>
-              </a:tblPr>
-              <a:tblGrid>
-                <a:gridCol w="4300151"/>
-                <a:gridCol w="7891849"/>
-              </a:tblGrid>
-              <a:tr h="547793">
-                <a:tc>
-                  <a:txBody>
-                    <a:bodyPr/>
-                    <a:lstStyle/>
-                    <a:p>
-                      <a:r>
-                        <a:rPr lang="ru-RU" sz="2400" dirty="0" smtClean="0"/>
-                        <a:t>Устройства хранения данных</a:t>
-                      </a:r>
-                      <a:r>
-                        <a:rPr lang="en-US" sz="2400" dirty="0" smtClean="0"/>
-                        <a:t>:</a:t>
-                      </a:r>
-                      <a:endParaRPr lang="ru-RU" sz="2400" dirty="0"/>
-                    </a:p>
-                  </a:txBody>
-                  <a:tcPr/>
-                </a:tc>
-                <a:tc>
-                  <a:txBody>
-                    <a:bodyPr/>
-                    <a:lstStyle/>
-                    <a:p>
-                      <a:endParaRPr lang="ru-RU" dirty="0"/>
-                    </a:p>
-                  </a:txBody>
-                  <a:tcPr/>
-                </a:tc>
-              </a:tr>
-              <a:tr h="547793">
-                <a:tc>
-                  <a:txBody>
-                    <a:bodyPr/>
-                    <a:lstStyle/>
-                    <a:p>
-                      <a:r>
-                        <a:rPr lang="en-US" dirty="0" smtClean="0"/>
-                        <a:t>HDD (Hard Disk Drive, </a:t>
-                      </a:r>
-                      <a:r>
-                        <a:rPr lang="en-US" dirty="0" err="1" smtClean="0"/>
-                        <a:t>a.k.a</a:t>
-                      </a:r>
-                      <a:r>
-                        <a:rPr lang="en-US" baseline="0" dirty="0" smtClean="0"/>
-                        <a:t> Rotating drive,</a:t>
-                      </a:r>
-                      <a:br>
-                        <a:rPr lang="en-US" baseline="0" dirty="0" smtClean="0"/>
-                      </a:br>
-                      <a:r>
-                        <a:rPr lang="en-US" baseline="0" dirty="0" err="1" smtClean="0"/>
-                        <a:t>a.k.a</a:t>
-                      </a:r>
-                      <a:r>
-                        <a:rPr lang="en-US" baseline="0" dirty="0" smtClean="0"/>
-                        <a:t> Spinning rust)</a:t>
-                      </a:r>
-                      <a:endParaRPr lang="ru-RU" dirty="0"/>
-                    </a:p>
-                  </a:txBody>
-                  <a:tcPr/>
-                </a:tc>
-                <a:tc>
-                  <a:txBody>
-                    <a:bodyPr/>
-                    <a:lstStyle/>
-                    <a:p>
-                      <a:r>
-                        <a:rPr lang="en-US" dirty="0" smtClean="0"/>
-                        <a:t>+ </a:t>
-                      </a:r>
-                      <a:r>
-                        <a:rPr lang="ru-RU" dirty="0" smtClean="0"/>
-                        <a:t>достаточно</a:t>
-                      </a:r>
-                      <a:r>
-                        <a:rPr lang="ru-RU" baseline="0" dirty="0" smtClean="0"/>
-                        <a:t> быстрое линейное чтение</a:t>
-                      </a:r>
-                      <a:r>
-                        <a:rPr lang="en-US" baseline="0" dirty="0" smtClean="0"/>
-                        <a:t> (</a:t>
-                      </a:r>
-                      <a:r>
-                        <a:rPr lang="ru-RU" dirty="0" smtClean="0"/>
-                        <a:t>≈</a:t>
-                      </a:r>
-                      <a:r>
-                        <a:rPr lang="en-US" dirty="0" smtClean="0"/>
-                        <a:t>100 MB/sec</a:t>
-                      </a:r>
-                      <a:r>
-                        <a:rPr lang="en-US" baseline="0" dirty="0" smtClean="0"/>
-                        <a:t>)</a:t>
-                      </a:r>
-                      <a:endParaRPr lang="ru-RU" baseline="0" dirty="0" smtClean="0"/>
-                    </a:p>
-                    <a:p>
-                      <a:r>
-                        <a:rPr lang="ru-RU" baseline="0" dirty="0" smtClean="0"/>
-                        <a:t>- очень медленный случайный доступ</a:t>
-                      </a:r>
-                      <a:r>
-                        <a:rPr lang="en-US" baseline="0" dirty="0" smtClean="0"/>
-                        <a:t> (</a:t>
-                      </a:r>
-                      <a:r>
-                        <a:rPr lang="ru-RU" dirty="0" smtClean="0"/>
-                        <a:t>≈</a:t>
-                      </a:r>
-                      <a:r>
-                        <a:rPr lang="en-US" dirty="0" smtClean="0"/>
-                        <a:t>100 IOPS</a:t>
-                      </a:r>
-                      <a:r>
-                        <a:rPr lang="en-US" baseline="0" dirty="0" smtClean="0"/>
-                        <a:t>)</a:t>
-                      </a:r>
-                      <a:endParaRPr lang="ru-RU" dirty="0"/>
-                    </a:p>
-                  </a:txBody>
-                  <a:tcPr/>
-                </a:tc>
-              </a:tr>
-            </a:tbl>
-          </a:graphicData>
-        </a:graphic>
-      </p:graphicFrame>
-      <p:sp>
-        <p:nvSpPr>
-          <p:cNvPr id="3" name="TextBox 2"/>
-          <p:cNvSpPr txBox="1"/>
-          <p:nvPr/>
-        </p:nvSpPr>
-        <p:spPr>
-          <a:xfrm>
-            <a:off x="65903" y="5947829"/>
-            <a:ext cx="3947427" cy="584775"/>
-          </a:xfrm>
-          <a:prstGeom prst="rect">
-            <a:avLst/>
-          </a:prstGeom>
-          <a:noFill/>
-        </p:spPr>
-        <p:txBody>
-          <a:bodyPr wrap="none" rtlCol="0">
-            <a:spAutoFit/>
-          </a:bodyPr>
-          <a:lstStyle/>
-          <a:p>
-            <a:r>
-              <a:rPr lang="en-US" sz="1600" i="1" dirty="0" smtClean="0">
-                <a:solidFill>
-                  <a:schemeClr val="tx1">
-                    <a:lumMod val="50000"/>
-                    <a:lumOff val="50000"/>
-                  </a:schemeClr>
-                </a:solidFill>
-              </a:rPr>
-              <a:t>* IOPS – Input/output Operations Per Second</a:t>
-            </a:r>
-          </a:p>
-          <a:p>
-            <a:r>
-              <a:rPr lang="en-US" sz="1600" i="1" dirty="0" smtClean="0">
-                <a:solidFill>
-                  <a:schemeClr val="tx1">
-                    <a:lumMod val="50000"/>
-                    <a:lumOff val="50000"/>
-                  </a:schemeClr>
-                </a:solidFill>
-              </a:rPr>
-              <a:t>* </a:t>
-            </a:r>
-            <a:r>
-              <a:rPr lang="ru-RU" sz="1600" i="1" dirty="0" smtClean="0">
-                <a:solidFill>
-                  <a:schemeClr val="tx1">
-                    <a:lumMod val="50000"/>
-                    <a:lumOff val="50000"/>
-                  </a:schemeClr>
-                </a:solidFill>
-              </a:rPr>
-              <a:t>Данные для </a:t>
-            </a:r>
-            <a:r>
-              <a:rPr lang="en-US" sz="1600" i="1" baseline="0" dirty="0" smtClean="0">
-                <a:solidFill>
-                  <a:schemeClr val="tx1">
-                    <a:lumMod val="50000"/>
-                    <a:lumOff val="50000"/>
-                  </a:schemeClr>
-                </a:solidFill>
-              </a:rPr>
-              <a:t>Intel SSD DC S3700</a:t>
-            </a:r>
-            <a:endParaRPr lang="ru-RU" sz="1600" i="1" dirty="0">
-              <a:solidFill>
-                <a:schemeClr val="tx1">
-                  <a:lumMod val="50000"/>
-                  <a:lumOff val="50000"/>
-                </a:schemeClr>
-              </a:solidFill>
-            </a:endParaRPr>
-          </a:p>
-        </p:txBody>
-      </p:sp>
-    </p:spTree>
-    <p:extLst>
-      <p:ext uri="{BB962C8B-B14F-4D97-AF65-F5344CB8AC3E}">
-        <p14:creationId xmlns:p14="http://schemas.microsoft.com/office/powerpoint/2010/main" val="1472841451"/>
-      </p:ext>
-    </p:extLst>
-  </p:cSld>
-  <p:clrMapOvr>
-    <a:masterClrMapping/>
-  </p:clrMapOvr>
-</p:sld>
-</file>
-
-<file path=ppt/slides/slide17.xml><?xml version="1.0" encoding="utf-8"?>
-<p:sld xmlns:a="http://schemas.openxmlformats.org/drawingml/2006/main" xmlns:r="http://schemas.openxmlformats.org/officeDocument/2006/relationships" xmlns:p="http://schemas.openxmlformats.org/presentationml/2006/main">
-  <p:cSld>
-    <p:spTree>
-      <p:nvGrpSpPr>
-        <p:cNvPr id="1" name=""/>
-        <p:cNvGrpSpPr/>
-        <p:nvPr/>
-      </p:nvGrpSpPr>
-      <p:grpSpPr>
-        <a:xfrm>
-          <a:off x="0" y="0"/>
-          <a:ext cx="0" cy="0"/>
-          <a:chOff x="0" y="0"/>
-          <a:chExt cx="0" cy="0"/>
-        </a:xfrm>
-      </p:grpSpPr>
-      <p:graphicFrame>
-        <p:nvGraphicFramePr>
-          <p:cNvPr id="5" name="Table 4"/>
-          <p:cNvGraphicFramePr>
-            <a:graphicFrameLocks noGrp="1"/>
-          </p:cNvGraphicFramePr>
-          <p:nvPr>
-            <p:extLst>
-              <p:ext uri="{D42A27DB-BD31-4B8C-83A1-F6EECF244321}">
-                <p14:modId xmlns:p14="http://schemas.microsoft.com/office/powerpoint/2010/main" val="2281224332"/>
-              </p:ext>
-            </p:extLst>
-          </p:nvPr>
-        </p:nvGraphicFramePr>
-        <p:xfrm>
-          <a:off x="0" y="1"/>
-          <a:ext cx="12192000" cy="365760"/>
-        </p:xfrm>
-        <a:graphic>
-          <a:graphicData uri="http://schemas.openxmlformats.org/drawingml/2006/table">
-            <a:tbl>
-              <a:tblPr firstRow="1" bandRow="1">
-                <a:tableStyleId>{5C22544A-7EE6-4342-B048-85BDC9FD1C3A}</a:tableStyleId>
-              </a:tblPr>
-              <a:tblGrid>
-                <a:gridCol w="12192000"/>
-              </a:tblGrid>
-              <a:tr h="321276">
-                <a:tc>
-                  <a:txBody>
-                    <a:bodyPr/>
-                    <a:lstStyle/>
-                    <a:p>
-                      <a:r>
-                        <a:rPr lang="ru-RU" dirty="0" smtClean="0"/>
-                        <a:t>Основы</a:t>
-                      </a:r>
-                      <a:r>
-                        <a:rPr lang="ru-RU" baseline="0" dirty="0" smtClean="0"/>
-                        <a:t> построения файловых систем</a:t>
-                      </a:r>
-                      <a:endParaRPr lang="ru-RU" dirty="0"/>
-                    </a:p>
-                  </a:txBody>
-                  <a:tcPr/>
-                </a:tc>
-              </a:tr>
-            </a:tbl>
-          </a:graphicData>
-        </a:graphic>
-      </p:graphicFrame>
-      <p:graphicFrame>
-        <p:nvGraphicFramePr>
-          <p:cNvPr id="6" name="Table 5"/>
-          <p:cNvGraphicFramePr>
-            <a:graphicFrameLocks noGrp="1"/>
-          </p:cNvGraphicFramePr>
-          <p:nvPr>
-            <p:extLst>
-              <p:ext uri="{D42A27DB-BD31-4B8C-83A1-F6EECF244321}">
-                <p14:modId xmlns:p14="http://schemas.microsoft.com/office/powerpoint/2010/main" val="4164474727"/>
-              </p:ext>
-            </p:extLst>
-          </p:nvPr>
-        </p:nvGraphicFramePr>
-        <p:xfrm>
-          <a:off x="0" y="6532604"/>
-          <a:ext cx="12192000" cy="365760"/>
-        </p:xfrm>
-        <a:graphic>
-          <a:graphicData uri="http://schemas.openxmlformats.org/drawingml/2006/table">
-            <a:tbl>
-              <a:tblPr firstRow="1" bandRow="1">
-                <a:tableStyleId>{5C22544A-7EE6-4342-B048-85BDC9FD1C3A}</a:tableStyleId>
-              </a:tblPr>
-              <a:tblGrid>
-                <a:gridCol w="12192000"/>
-              </a:tblGrid>
-              <a:tr h="308094">
-                <a:tc>
-                  <a:txBody>
-                    <a:bodyPr/>
-                    <a:lstStyle/>
-                    <a:p>
-                      <a:r>
-                        <a:rPr lang="en-US" dirty="0" smtClean="0"/>
-                        <a:t>Acronis @ </a:t>
-                      </a:r>
-                      <a:r>
-                        <a:rPr lang="ru-RU" dirty="0" smtClean="0"/>
-                        <a:t>МФТИ,</a:t>
-                      </a:r>
-                      <a:r>
-                        <a:rPr lang="ru-RU" baseline="0" dirty="0" smtClean="0"/>
-                        <a:t> 2016</a:t>
-                      </a:r>
-                      <a:endParaRPr lang="ru-RU" dirty="0"/>
-                    </a:p>
-                  </a:txBody>
-                  <a:tcPr/>
-                </a:tc>
-              </a:tr>
-            </a:tbl>
-          </a:graphicData>
-        </a:graphic>
-      </p:graphicFrame>
-      <p:graphicFrame>
-        <p:nvGraphicFramePr>
-          <p:cNvPr id="2" name="Table 1"/>
-          <p:cNvGraphicFramePr>
-            <a:graphicFrameLocks noGrp="1"/>
-          </p:cNvGraphicFramePr>
-          <p:nvPr>
-            <p:extLst>
-              <p:ext uri="{D42A27DB-BD31-4B8C-83A1-F6EECF244321}">
-                <p14:modId xmlns:p14="http://schemas.microsoft.com/office/powerpoint/2010/main" val="1077370961"/>
-              </p:ext>
-            </p:extLst>
-          </p:nvPr>
-        </p:nvGraphicFramePr>
-        <p:xfrm>
-          <a:off x="0" y="365760"/>
-          <a:ext cx="12192000" cy="2650913"/>
-        </p:xfrm>
-        <a:graphic>
-          <a:graphicData uri="http://schemas.openxmlformats.org/drawingml/2006/table">
-            <a:tbl>
-              <a:tblPr firstRow="1" bandRow="1">
-                <a:tableStyleId>{3B4B98B0-60AC-42C2-AFA5-B58CD77FA1E5}</a:tableStyleId>
-              </a:tblPr>
-              <a:tblGrid>
-                <a:gridCol w="4300151"/>
-                <a:gridCol w="7891849"/>
-              </a:tblGrid>
-              <a:tr h="547793">
-                <a:tc>
-                  <a:txBody>
-                    <a:bodyPr/>
-                    <a:lstStyle/>
-                    <a:p>
-                      <a:r>
-                        <a:rPr lang="ru-RU" sz="2400" dirty="0" smtClean="0"/>
-                        <a:t>Устройства хранения данных</a:t>
-                      </a:r>
-                      <a:r>
-                        <a:rPr lang="en-US" sz="2400" dirty="0" smtClean="0"/>
-                        <a:t>:</a:t>
-                      </a:r>
-                      <a:endParaRPr lang="ru-RU" sz="2400" dirty="0"/>
-                    </a:p>
-                  </a:txBody>
-                  <a:tcPr/>
-                </a:tc>
-                <a:tc>
-                  <a:txBody>
-                    <a:bodyPr/>
-                    <a:lstStyle/>
-                    <a:p>
-                      <a:endParaRPr lang="ru-RU" dirty="0"/>
-                    </a:p>
-                  </a:txBody>
-                  <a:tcPr/>
-                </a:tc>
-              </a:tr>
-              <a:tr h="547793">
-                <a:tc>
-                  <a:txBody>
-                    <a:bodyPr/>
-                    <a:lstStyle/>
-                    <a:p>
-                      <a:r>
-                        <a:rPr lang="en-US" dirty="0" smtClean="0"/>
-                        <a:t>HDD (Hard Disk Drive, </a:t>
-                      </a:r>
-                      <a:r>
-                        <a:rPr lang="en-US" dirty="0" err="1" smtClean="0"/>
-                        <a:t>a.k.a</a:t>
-                      </a:r>
-                      <a:r>
-                        <a:rPr lang="en-US" baseline="0" dirty="0" smtClean="0"/>
-                        <a:t> Rotating drive,</a:t>
-                      </a:r>
-                      <a:br>
-                        <a:rPr lang="en-US" baseline="0" dirty="0" smtClean="0"/>
-                      </a:br>
-                      <a:r>
-                        <a:rPr lang="en-US" baseline="0" dirty="0" err="1" smtClean="0"/>
-                        <a:t>a.k.a</a:t>
-                      </a:r>
-                      <a:r>
-                        <a:rPr lang="en-US" baseline="0" dirty="0" smtClean="0"/>
-                        <a:t> Spinning rust)</a:t>
-                      </a:r>
-                      <a:endParaRPr lang="ru-RU" dirty="0"/>
-                    </a:p>
-                  </a:txBody>
-                  <a:tcPr/>
-                </a:tc>
-                <a:tc>
-                  <a:txBody>
-                    <a:bodyPr/>
-                    <a:lstStyle/>
-                    <a:p>
-                      <a:r>
-                        <a:rPr lang="en-US" dirty="0" smtClean="0"/>
-                        <a:t>+ </a:t>
-                      </a:r>
-                      <a:r>
-                        <a:rPr lang="ru-RU" dirty="0" smtClean="0"/>
-                        <a:t>достаточно</a:t>
-                      </a:r>
-                      <a:r>
-                        <a:rPr lang="ru-RU" baseline="0" dirty="0" smtClean="0"/>
-                        <a:t> быстрое линейное чтение</a:t>
-                      </a:r>
-                      <a:r>
-                        <a:rPr lang="en-US" baseline="0" dirty="0" smtClean="0"/>
-                        <a:t> (</a:t>
-                      </a:r>
-                      <a:r>
-                        <a:rPr lang="ru-RU" dirty="0" smtClean="0"/>
-                        <a:t>≈</a:t>
-                      </a:r>
-                      <a:r>
-                        <a:rPr lang="en-US" dirty="0" smtClean="0"/>
-                        <a:t>100 MB/sec</a:t>
-                      </a:r>
-                      <a:r>
-                        <a:rPr lang="en-US" baseline="0" dirty="0" smtClean="0"/>
-                        <a:t>),</a:t>
-                      </a:r>
-                      <a:endParaRPr lang="ru-RU" baseline="0" dirty="0" smtClean="0"/>
-                    </a:p>
-                    <a:p>
-                      <a:r>
-                        <a:rPr lang="ru-RU" baseline="0" dirty="0" smtClean="0"/>
-                        <a:t>- очень медленный случайный доступ</a:t>
-                      </a:r>
-                      <a:r>
-                        <a:rPr lang="en-US" baseline="0" dirty="0" smtClean="0"/>
-                        <a:t> (</a:t>
-                      </a:r>
-                      <a:r>
-                        <a:rPr lang="ru-RU" dirty="0" smtClean="0"/>
-                        <a:t>≈</a:t>
-                      </a:r>
-                      <a:r>
-                        <a:rPr lang="en-US" dirty="0" smtClean="0"/>
-                        <a:t>100 IOPS</a:t>
-                      </a:r>
-                      <a:r>
-                        <a:rPr lang="en-US" baseline="0" dirty="0" smtClean="0"/>
-                        <a:t>).</a:t>
-                      </a:r>
-                      <a:endParaRPr lang="ru-RU" dirty="0"/>
-                    </a:p>
-                  </a:txBody>
-                  <a:tcPr/>
-                </a:tc>
-              </a:tr>
-              <a:tr h="547793">
-                <a:tc>
-                  <a:txBody>
-                    <a:bodyPr/>
-                    <a:lstStyle/>
-                    <a:p>
-                      <a:r>
-                        <a:rPr lang="en-US" dirty="0" smtClean="0"/>
-                        <a:t>Flash</a:t>
-                      </a:r>
-                      <a:r>
-                        <a:rPr lang="en-US" baseline="0" dirty="0" smtClean="0"/>
-                        <a:t> memory</a:t>
-                      </a:r>
-                      <a:endParaRPr lang="ru-RU" dirty="0"/>
-                    </a:p>
-                  </a:txBody>
-                  <a:tcPr/>
-                </a:tc>
-                <a:tc>
-                  <a:txBody>
-                    <a:bodyPr/>
-                    <a:lstStyle/>
-                    <a:p>
-                      <a:r>
-                        <a:rPr lang="en-US" dirty="0" smtClean="0"/>
-                        <a:t>+ </a:t>
-                      </a:r>
-                      <a:r>
-                        <a:rPr lang="ru-RU" dirty="0" smtClean="0"/>
-                        <a:t>быстрое линейное чтение</a:t>
-                      </a:r>
-                      <a:r>
-                        <a:rPr lang="en-US" dirty="0" smtClean="0"/>
-                        <a:t>,</a:t>
-                      </a:r>
-                      <a:endParaRPr lang="ru-RU" dirty="0" smtClean="0"/>
-                    </a:p>
-                    <a:p>
-                      <a:r>
-                        <a:rPr lang="ru-RU" dirty="0" smtClean="0"/>
-                        <a:t>+ нет времени</a:t>
-                      </a:r>
-                      <a:r>
-                        <a:rPr lang="ru-RU" baseline="0" dirty="0" smtClean="0"/>
-                        <a:t> «позиционирования головок»</a:t>
-                      </a:r>
-                      <a:r>
-                        <a:rPr lang="en-US" baseline="0" dirty="0" smtClean="0"/>
-                        <a:t>,</a:t>
-                      </a:r>
-                      <a:endParaRPr lang="ru-RU" baseline="0" dirty="0" smtClean="0"/>
-                    </a:p>
-                    <a:p>
-                      <a:pPr marL="285750" indent="-285750">
-                        <a:buFontTx/>
-                        <a:buChar char="-"/>
-                      </a:pPr>
-                      <a:r>
-                        <a:rPr lang="ru-RU" baseline="0" dirty="0" smtClean="0"/>
-                        <a:t>перезаписывать можно только </a:t>
-                      </a:r>
-                      <a:r>
-                        <a:rPr lang="en-US" baseline="0" dirty="0" smtClean="0"/>
-                        <a:t>“rewrite block”</a:t>
-                      </a:r>
-                      <a:r>
-                        <a:rPr lang="ru-RU" baseline="0" dirty="0" smtClean="0"/>
-                        <a:t> целиком, а он несколько </a:t>
-                      </a:r>
-                      <a:r>
-                        <a:rPr lang="en-US" baseline="0" dirty="0" smtClean="0"/>
-                        <a:t>MB </a:t>
-                      </a:r>
-                      <a:r>
-                        <a:rPr lang="ru-RU" baseline="0" dirty="0" smtClean="0"/>
-                        <a:t>в размере</a:t>
-                      </a:r>
-                      <a:r>
-                        <a:rPr lang="en-US" baseline="0" dirty="0" smtClean="0"/>
-                        <a:t>,</a:t>
-                      </a:r>
-                      <a:endParaRPr lang="ru-RU" baseline="0" dirty="0" smtClean="0"/>
-                    </a:p>
-                    <a:p>
-                      <a:pPr marL="285750" indent="-285750">
-                        <a:buFontTx/>
-                        <a:buChar char="-"/>
-                      </a:pPr>
-                      <a:r>
-                        <a:rPr lang="ru-RU" baseline="0" dirty="0" smtClean="0"/>
-                        <a:t>небольшое число циклов перезаписи</a:t>
-                      </a:r>
-                      <a:r>
-                        <a:rPr lang="en-US" baseline="0" dirty="0" smtClean="0"/>
-                        <a:t>.</a:t>
-                      </a:r>
-                      <a:endParaRPr lang="ru-RU" dirty="0"/>
-                    </a:p>
-                  </a:txBody>
-                  <a:tcPr/>
-                </a:tc>
-              </a:tr>
-            </a:tbl>
-          </a:graphicData>
-        </a:graphic>
-      </p:graphicFrame>
-      <p:sp>
-        <p:nvSpPr>
-          <p:cNvPr id="3" name="TextBox 2"/>
-          <p:cNvSpPr txBox="1"/>
-          <p:nvPr/>
-        </p:nvSpPr>
-        <p:spPr>
-          <a:xfrm>
-            <a:off x="65903" y="5947829"/>
-            <a:ext cx="3947427" cy="584775"/>
-          </a:xfrm>
-          <a:prstGeom prst="rect">
-            <a:avLst/>
-          </a:prstGeom>
-          <a:noFill/>
-        </p:spPr>
-        <p:txBody>
-          <a:bodyPr wrap="none" rtlCol="0">
-            <a:spAutoFit/>
-          </a:bodyPr>
-          <a:lstStyle/>
-          <a:p>
-            <a:r>
-              <a:rPr lang="en-US" sz="1600" i="1" dirty="0" smtClean="0">
-                <a:solidFill>
-                  <a:schemeClr val="tx1">
-                    <a:lumMod val="50000"/>
-                    <a:lumOff val="50000"/>
-                  </a:schemeClr>
-                </a:solidFill>
-              </a:rPr>
-              <a:t>* IOPS – Input/output Operations Per Second</a:t>
-            </a:r>
-          </a:p>
-          <a:p>
-            <a:r>
-              <a:rPr lang="en-US" sz="1600" i="1" dirty="0" smtClean="0">
-                <a:solidFill>
-                  <a:schemeClr val="tx1">
-                    <a:lumMod val="50000"/>
-                    <a:lumOff val="50000"/>
-                  </a:schemeClr>
-                </a:solidFill>
-              </a:rPr>
-              <a:t>* </a:t>
-            </a:r>
-            <a:r>
-              <a:rPr lang="ru-RU" sz="1600" i="1" dirty="0" smtClean="0">
-                <a:solidFill>
-                  <a:schemeClr val="tx1">
-                    <a:lumMod val="50000"/>
-                    <a:lumOff val="50000"/>
-                  </a:schemeClr>
-                </a:solidFill>
-              </a:rPr>
-              <a:t>Данные для </a:t>
-            </a:r>
-            <a:r>
-              <a:rPr lang="en-US" sz="1600" i="1" baseline="0" dirty="0" smtClean="0">
-                <a:solidFill>
-                  <a:schemeClr val="tx1">
-                    <a:lumMod val="50000"/>
-                    <a:lumOff val="50000"/>
-                  </a:schemeClr>
-                </a:solidFill>
-              </a:rPr>
-              <a:t>Intel SSD DC S3700</a:t>
-            </a:r>
-            <a:endParaRPr lang="ru-RU" sz="1600" i="1" dirty="0">
-              <a:solidFill>
-                <a:schemeClr val="tx1">
-                  <a:lumMod val="50000"/>
-                  <a:lumOff val="50000"/>
-                </a:schemeClr>
-              </a:solidFill>
-            </a:endParaRPr>
-          </a:p>
-        </p:txBody>
-      </p:sp>
-    </p:spTree>
-    <p:extLst>
-      <p:ext uri="{BB962C8B-B14F-4D97-AF65-F5344CB8AC3E}">
-        <p14:creationId xmlns:p14="http://schemas.microsoft.com/office/powerpoint/2010/main" val="549669502"/>
-      </p:ext>
-    </p:extLst>
-  </p:cSld>
-  <p:clrMapOvr>
-    <a:masterClrMapping/>
-  </p:clrMapOvr>
-</p:sld>
-</file>
-
 <file path=ppt/slides/slide18.xml><?xml version="1.0" encoding="utf-8"?>
 <p:sld xmlns:a="http://schemas.openxmlformats.org/drawingml/2006/main" xmlns:r="http://schemas.openxmlformats.org/officeDocument/2006/relationships" xmlns:p="http://schemas.openxmlformats.org/presentationml/2006/main">
   <p:cSld>
@@ -15914,11 +17246,7 @@
                       </a:r>
                       <a:r>
                         <a:rPr lang="ru-RU" dirty="0" smtClean="0"/>
-                        <a:t>МФТИ,</a:t>
-                      </a:r>
-                      <a:r>
-                        <a:rPr lang="ru-RU" baseline="0" dirty="0" smtClean="0"/>
-                        <a:t> 2016</a:t>
+                        <a:t>МФТИ</a:t>
                       </a:r>
                       <a:endParaRPr lang="ru-RU" dirty="0"/>
                     </a:p>
@@ -15939,14 +17267,14 @@
           <p:nvPr>
             <p:extLst>
               <p:ext uri="{D42A27DB-BD31-4B8C-83A1-F6EECF244321}">
-                <p14:modId xmlns:p14="http://schemas.microsoft.com/office/powerpoint/2010/main" val="49585423"/>
+                <p14:modId xmlns:p14="http://schemas.microsoft.com/office/powerpoint/2010/main" val="398340185"/>
               </p:ext>
             </p:extLst>
           </p:nvPr>
         </p:nvGraphicFramePr>
         <p:xfrm>
           <a:off x="0" y="365760"/>
-          <a:ext cx="12192000" cy="4113953"/>
+          <a:ext cx="12192000" cy="1187873"/>
         </p:xfrm>
         <a:graphic>
           <a:graphicData uri="http://schemas.openxmlformats.org/drawingml/2006/table">
@@ -16053,7 +17381,7 @@
                       </a:r>
                       <a:r>
                         <a:rPr lang="en-US" baseline="0" dirty="0" smtClean="0"/>
-                        <a:t>),</a:t>
+                        <a:t>)</a:t>
                       </a:r>
                       <a:endParaRPr lang="ru-RU" baseline="0" dirty="0" smtClean="0"/>
                     </a:p>
@@ -16076,280 +17404,7 @@
                       </a:r>
                       <a:r>
                         <a:rPr lang="en-US" baseline="0" dirty="0" smtClean="0"/>
-                        <a:t>).</a:t>
-                      </a:r>
-                      <a:endParaRPr lang="ru-RU" dirty="0"/>
-                    </a:p>
-                  </a:txBody>
-                  <a:tcPr/>
-                </a:tc>
-              </a:tr>
-              <a:tr h="547793">
-                <a:tc>
-                  <a:txBody>
-                    <a:bodyPr/>
-                    <a:lstStyle/>
-                    <a:p>
-                      <a:r>
-                        <a:rPr lang="en-US" dirty="0" smtClean="0"/>
-                        <a:t>Flash</a:t>
-                      </a:r>
-                      <a:r>
-                        <a:rPr lang="en-US" baseline="0" dirty="0" smtClean="0"/>
-                        <a:t> memory</a:t>
-                      </a:r>
-                      <a:endParaRPr lang="ru-RU" dirty="0"/>
-                    </a:p>
-                  </a:txBody>
-                  <a:tcPr/>
-                </a:tc>
-                <a:tc>
-                  <a:txBody>
-                    <a:bodyPr/>
-                    <a:lstStyle/>
-                    <a:p>
-                      <a:r>
-                        <a:rPr lang="en-US" dirty="0" smtClean="0"/>
-                        <a:t>+ </a:t>
-                      </a:r>
-                      <a:r>
-                        <a:rPr lang="ru-RU" dirty="0" smtClean="0"/>
-                        <a:t>быстрое линейное чтение</a:t>
-                      </a:r>
-                      <a:r>
-                        <a:rPr lang="en-US" dirty="0" smtClean="0"/>
-                        <a:t>,</a:t>
-                      </a:r>
-                      <a:endParaRPr lang="ru-RU" dirty="0" smtClean="0"/>
-                    </a:p>
-                    <a:p>
-                      <a:r>
-                        <a:rPr lang="ru-RU" dirty="0" smtClean="0"/>
-                        <a:t>+ нет времени</a:t>
-                      </a:r>
-                      <a:r>
-                        <a:rPr lang="ru-RU" baseline="0" dirty="0" smtClean="0"/>
-                        <a:t> «позиционирования головок»</a:t>
-                      </a:r>
-                      <a:r>
-                        <a:rPr lang="en-US" baseline="0" dirty="0" smtClean="0"/>
-                        <a:t>,</a:t>
-                      </a:r>
-                      <a:endParaRPr lang="ru-RU" baseline="0" dirty="0" smtClean="0"/>
-                    </a:p>
-                    <a:p>
-                      <a:pPr marL="285750" indent="-285750">
-                        <a:buFontTx/>
-                        <a:buChar char="-"/>
-                      </a:pPr>
-                      <a:r>
-                        <a:rPr lang="ru-RU" baseline="0" dirty="0" smtClean="0"/>
-                        <a:t>перезаписывать можно только </a:t>
-                      </a:r>
-                      <a:r>
-                        <a:rPr lang="en-US" baseline="0" dirty="0" smtClean="0"/>
-                        <a:t>“rewrite block”</a:t>
-                      </a:r>
-                      <a:r>
-                        <a:rPr lang="ru-RU" baseline="0" dirty="0" smtClean="0"/>
-                        <a:t> целиком, а он несколько </a:t>
-                      </a:r>
-                      <a:r>
-                        <a:rPr lang="en-US" baseline="0" dirty="0" smtClean="0"/>
-                        <a:t>MB </a:t>
-                      </a:r>
-                      <a:r>
-                        <a:rPr lang="ru-RU" baseline="0" dirty="0" smtClean="0"/>
-                        <a:t>в размере</a:t>
-                      </a:r>
-                      <a:r>
-                        <a:rPr lang="en-US" baseline="0" dirty="0" smtClean="0"/>
-                        <a:t>,</a:t>
-                      </a:r>
-                      <a:endParaRPr lang="ru-RU" baseline="0" dirty="0" smtClean="0"/>
-                    </a:p>
-                    <a:p>
-                      <a:pPr marL="285750" indent="-285750">
-                        <a:buFontTx/>
-                        <a:buChar char="-"/>
-                      </a:pPr>
-                      <a:r>
-                        <a:rPr lang="ru-RU" baseline="0" dirty="0" smtClean="0"/>
-                        <a:t>небольшое число циклов перезаписи</a:t>
-                      </a:r>
-                      <a:r>
-                        <a:rPr lang="en-US" baseline="0" dirty="0" smtClean="0"/>
-                        <a:t>.</a:t>
-                      </a:r>
-                      <a:endParaRPr lang="ru-RU" dirty="0"/>
-                    </a:p>
-                  </a:txBody>
-                  <a:tcPr/>
-                </a:tc>
-              </a:tr>
-              <a:tr h="547793">
-                <a:tc>
-                  <a:txBody>
-                    <a:bodyPr/>
-                    <a:lstStyle/>
-                    <a:p>
-                      <a:r>
-                        <a:rPr lang="en-US" dirty="0" smtClean="0"/>
-                        <a:t>SSD</a:t>
-                      </a:r>
-                      <a:r>
-                        <a:rPr lang="en-US" baseline="0" dirty="0" smtClean="0"/>
-                        <a:t> (Solid State Drive)</a:t>
-                      </a:r>
-                      <a:endParaRPr lang="ru-RU" dirty="0"/>
-                    </a:p>
-                  </a:txBody>
-                  <a:tcPr/>
-                </a:tc>
-                <a:tc>
-                  <a:txBody>
-                    <a:bodyPr/>
-                    <a:lstStyle/>
-                    <a:p>
-                      <a:r>
-                        <a:rPr lang="en-US" dirty="0" smtClean="0"/>
-                        <a:t>Flash + </a:t>
-                      </a:r>
-                      <a:r>
-                        <a:rPr lang="ru-RU" baseline="0" dirty="0" smtClean="0"/>
-                        <a:t>компьютер, который прячет сложность работы с </a:t>
-                      </a:r>
-                      <a:r>
-                        <a:rPr lang="en-US" baseline="0" dirty="0" smtClean="0"/>
-                        <a:t>“rewrite blocks”.</a:t>
-                      </a:r>
-                      <a:endParaRPr lang="ru-RU" baseline="0" dirty="0" smtClean="0"/>
-                    </a:p>
-                    <a:p>
-                      <a:r>
-                        <a:rPr lang="ru-RU" baseline="0" dirty="0" smtClean="0"/>
-                        <a:t>+ быстрый линейный доступ (</a:t>
-                      </a:r>
-                      <a:r>
-                        <a:rPr lang="ru-RU" dirty="0" smtClean="0"/>
-                        <a:t>≈</a:t>
-                      </a:r>
-                      <a:r>
-                        <a:rPr lang="ru-RU" baseline="0" dirty="0" smtClean="0"/>
-                        <a:t>500</a:t>
-                      </a:r>
-                      <a:r>
-                        <a:rPr lang="en-US" baseline="0" dirty="0" smtClean="0"/>
-                        <a:t> MB/sec sequential read</a:t>
-                      </a:r>
-                      <a:r>
-                        <a:rPr lang="en-US" baseline="30000" dirty="0" smtClean="0"/>
-                        <a:t>*</a:t>
-                      </a:r>
-                      <a:r>
-                        <a:rPr lang="ru-RU" baseline="0" dirty="0" smtClean="0"/>
                         <a:t>)</a:t>
-                      </a:r>
-                      <a:r>
-                        <a:rPr lang="en-US" baseline="0" dirty="0" smtClean="0"/>
-                        <a:t>,</a:t>
-                      </a:r>
-                    </a:p>
-                    <a:p>
-                      <a:pPr marL="0" marR="0" lvl="0" indent="0" algn="l" defTabSz="914400" rtl="0" eaLnBrk="1" fontAlgn="auto" latinLnBrk="0" hangingPunct="1">
-                        <a:lnSpc>
-                          <a:spcPct val="100000"/>
-                        </a:lnSpc>
-                        <a:spcBef>
-                          <a:spcPts val="0"/>
-                        </a:spcBef>
-                        <a:spcAft>
-                          <a:spcPts val="0"/>
-                        </a:spcAft>
-                        <a:buClrTx/>
-                        <a:buSzTx/>
-                        <a:buFontTx/>
-                        <a:buNone/>
-                        <a:tabLst/>
-                        <a:defRPr/>
-                      </a:pPr>
-                      <a:r>
-                        <a:rPr lang="en-US" baseline="0" dirty="0" smtClean="0"/>
-                        <a:t>+ </a:t>
-                      </a:r>
-                      <a:r>
-                        <a:rPr lang="ru-RU" baseline="0" dirty="0" smtClean="0"/>
-                        <a:t>быстрый</a:t>
-                      </a:r>
-                      <a:r>
-                        <a:rPr lang="en-US" baseline="0" dirty="0" smtClean="0"/>
-                        <a:t> </a:t>
-                      </a:r>
-                      <a:r>
-                        <a:rPr lang="ru-RU" baseline="0" dirty="0" smtClean="0"/>
-                        <a:t>произвольный доступ (</a:t>
-                      </a:r>
-                      <a:r>
-                        <a:rPr lang="ru-RU" dirty="0" smtClean="0"/>
-                        <a:t>≈</a:t>
-                      </a:r>
-                      <a:r>
-                        <a:rPr lang="en-US" baseline="0" dirty="0" smtClean="0"/>
-                        <a:t>75.000 IOPS),</a:t>
-                      </a:r>
-                    </a:p>
-                    <a:p>
-                      <a:pPr marL="285750" marR="0" lvl="0" indent="-285750" algn="l" defTabSz="914400" rtl="0" eaLnBrk="1" fontAlgn="auto" latinLnBrk="0" hangingPunct="1">
-                        <a:lnSpc>
-                          <a:spcPct val="100000"/>
-                        </a:lnSpc>
-                        <a:spcBef>
-                          <a:spcPts val="0"/>
-                        </a:spcBef>
-                        <a:spcAft>
-                          <a:spcPts val="0"/>
-                        </a:spcAft>
-                        <a:buClrTx/>
-                        <a:buSzTx/>
-                        <a:buFontTx/>
-                        <a:buChar char="-"/>
-                        <a:tabLst/>
-                        <a:defRPr/>
-                      </a:pPr>
-                      <a:r>
-                        <a:rPr lang="ru-RU" baseline="0" dirty="0" smtClean="0"/>
-                        <a:t>деградация производительности со временем</a:t>
-                      </a:r>
-                      <a:r>
-                        <a:rPr lang="en-US" baseline="0" dirty="0" smtClean="0"/>
-                        <a:t>,</a:t>
-                      </a:r>
-                    </a:p>
-                    <a:p>
-                      <a:pPr marL="285750" marR="0" lvl="0" indent="-285750" algn="l" defTabSz="914400" rtl="0" eaLnBrk="1" fontAlgn="auto" latinLnBrk="0" hangingPunct="1">
-                        <a:lnSpc>
-                          <a:spcPct val="100000"/>
-                        </a:lnSpc>
-                        <a:spcBef>
-                          <a:spcPts val="0"/>
-                        </a:spcBef>
-                        <a:spcAft>
-                          <a:spcPts val="0"/>
-                        </a:spcAft>
-                        <a:buClrTx/>
-                        <a:buSzTx/>
-                        <a:buFontTx/>
-                        <a:buChar char="-"/>
-                        <a:tabLst/>
-                        <a:defRPr/>
-                      </a:pPr>
-                      <a:r>
-                        <a:rPr lang="ru-RU" baseline="0" dirty="0" smtClean="0"/>
-                        <a:t>желательна специальной поддержки со стороны ОС, например, </a:t>
-                      </a:r>
-                      <a:r>
-                        <a:rPr lang="en-US" baseline="0" dirty="0" smtClean="0"/>
-                        <a:t>ATA TRIM.</a:t>
                       </a:r>
                       <a:endParaRPr lang="ru-RU" dirty="0"/>
                     </a:p>
@@ -16443,7 +17498,7 @@
     </p:spTree>
     <p:extLst>
       <p:ext uri="{BB962C8B-B14F-4D97-AF65-F5344CB8AC3E}">
-        <p14:creationId xmlns:p14="http://schemas.microsoft.com/office/powerpoint/2010/main" val="1461535599"/>
+        <p14:creationId xmlns:p14="http://schemas.microsoft.com/office/powerpoint/2010/main" val="1472841451"/>
       </p:ext>
     </p:extLst>
   </p:cSld>
@@ -16560,11 +17615,7 @@
                       </a:r>
                       <a:r>
                         <a:rPr lang="ru-RU" dirty="0" smtClean="0"/>
-                        <a:t>МФТИ,</a:t>
-                      </a:r>
-                      <a:r>
-                        <a:rPr lang="ru-RU" baseline="0" dirty="0" smtClean="0"/>
-                        <a:t> 2016</a:t>
+                        <a:t>МФТИ</a:t>
                       </a:r>
                       <a:endParaRPr lang="ru-RU" dirty="0"/>
                     </a:p>
@@ -16585,14 +17636,14 @@
           <p:nvPr>
             <p:extLst>
               <p:ext uri="{D42A27DB-BD31-4B8C-83A1-F6EECF244321}">
-                <p14:modId xmlns:p14="http://schemas.microsoft.com/office/powerpoint/2010/main" val="2776151575"/>
+                <p14:modId xmlns:p14="http://schemas.microsoft.com/office/powerpoint/2010/main" val="1077370961"/>
               </p:ext>
             </p:extLst>
           </p:nvPr>
         </p:nvGraphicFramePr>
         <p:xfrm>
           <a:off x="0" y="365760"/>
-          <a:ext cx="12192000" cy="5576993"/>
+          <a:ext cx="12192000" cy="2650913"/>
         </p:xfrm>
         <a:graphic>
           <a:graphicData uri="http://schemas.openxmlformats.org/drawingml/2006/table">
@@ -16833,272 +17884,6 @@
                   <a:tcPr/>
                 </a:tc>
               </a:tr>
-              <a:tr h="547793">
-                <a:tc>
-                  <a:txBody>
-                    <a:bodyPr/>
-                    <a:lstStyle/>
-                    <a:p>
-                      <a:r>
-                        <a:rPr lang="en-US" dirty="0" smtClean="0"/>
-                        <a:t>SSD</a:t>
-                      </a:r>
-                      <a:r>
-                        <a:rPr lang="en-US" baseline="0" dirty="0" smtClean="0"/>
-                        <a:t> (Solid State Drive)</a:t>
-                      </a:r>
-                      <a:endParaRPr lang="ru-RU" dirty="0"/>
-                    </a:p>
-                  </a:txBody>
-                  <a:tcPr/>
-                </a:tc>
-                <a:tc>
-                  <a:txBody>
-                    <a:bodyPr/>
-                    <a:lstStyle/>
-                    <a:p>
-                      <a:r>
-                        <a:rPr lang="en-US" dirty="0" smtClean="0"/>
-                        <a:t>Flash + </a:t>
-                      </a:r>
-                      <a:r>
-                        <a:rPr lang="ru-RU" baseline="0" dirty="0" smtClean="0"/>
-                        <a:t>компьютер, который прячет сложность работы с </a:t>
-                      </a:r>
-                      <a:r>
-                        <a:rPr lang="en-US" baseline="0" dirty="0" smtClean="0"/>
-                        <a:t>“rewrite blocks”.</a:t>
-                      </a:r>
-                      <a:endParaRPr lang="ru-RU" baseline="0" dirty="0" smtClean="0"/>
-                    </a:p>
-                    <a:p>
-                      <a:r>
-                        <a:rPr lang="ru-RU" baseline="0" dirty="0" smtClean="0"/>
-                        <a:t>+ быстрый линейный доступ (</a:t>
-                      </a:r>
-                      <a:r>
-                        <a:rPr lang="ru-RU" dirty="0" smtClean="0"/>
-                        <a:t>≈</a:t>
-                      </a:r>
-                      <a:r>
-                        <a:rPr lang="ru-RU" baseline="0" dirty="0" smtClean="0"/>
-                        <a:t>500</a:t>
-                      </a:r>
-                      <a:r>
-                        <a:rPr lang="en-US" baseline="0" dirty="0" smtClean="0"/>
-                        <a:t> MB/sec sequential read</a:t>
-                      </a:r>
-                      <a:r>
-                        <a:rPr lang="en-US" baseline="30000" dirty="0" smtClean="0"/>
-                        <a:t>*</a:t>
-                      </a:r>
-                      <a:r>
-                        <a:rPr lang="ru-RU" baseline="0" dirty="0" smtClean="0"/>
-                        <a:t>)</a:t>
-                      </a:r>
-                      <a:r>
-                        <a:rPr lang="en-US" baseline="0" dirty="0" smtClean="0"/>
-                        <a:t>,</a:t>
-                      </a:r>
-                    </a:p>
-                    <a:p>
-                      <a:pPr marL="0" marR="0" lvl="0" indent="0" algn="l" defTabSz="914400" rtl="0" eaLnBrk="1" fontAlgn="auto" latinLnBrk="0" hangingPunct="1">
-                        <a:lnSpc>
-                          <a:spcPct val="100000"/>
-                        </a:lnSpc>
-                        <a:spcBef>
-                          <a:spcPts val="0"/>
-                        </a:spcBef>
-                        <a:spcAft>
-                          <a:spcPts val="0"/>
-                        </a:spcAft>
-                        <a:buClrTx/>
-                        <a:buSzTx/>
-                        <a:buFontTx/>
-                        <a:buNone/>
-                        <a:tabLst/>
-                        <a:defRPr/>
-                      </a:pPr>
-                      <a:r>
-                        <a:rPr lang="en-US" baseline="0" dirty="0" smtClean="0"/>
-                        <a:t>+ </a:t>
-                      </a:r>
-                      <a:r>
-                        <a:rPr lang="ru-RU" baseline="0" dirty="0" smtClean="0"/>
-                        <a:t>быстрый</a:t>
-                      </a:r>
-                      <a:r>
-                        <a:rPr lang="en-US" baseline="0" dirty="0" smtClean="0"/>
-                        <a:t> </a:t>
-                      </a:r>
-                      <a:r>
-                        <a:rPr lang="ru-RU" baseline="0" dirty="0" smtClean="0"/>
-                        <a:t>произвольный доступ (</a:t>
-                      </a:r>
-                      <a:r>
-                        <a:rPr lang="ru-RU" dirty="0" smtClean="0"/>
-                        <a:t>≈</a:t>
-                      </a:r>
-                      <a:r>
-                        <a:rPr lang="en-US" baseline="0" dirty="0" smtClean="0"/>
-                        <a:t>75.000 IOPS),</a:t>
-                      </a:r>
-                    </a:p>
-                    <a:p>
-                      <a:pPr marL="285750" marR="0" lvl="0" indent="-285750" algn="l" defTabSz="914400" rtl="0" eaLnBrk="1" fontAlgn="auto" latinLnBrk="0" hangingPunct="1">
-                        <a:lnSpc>
-                          <a:spcPct val="100000"/>
-                        </a:lnSpc>
-                        <a:spcBef>
-                          <a:spcPts val="0"/>
-                        </a:spcBef>
-                        <a:spcAft>
-                          <a:spcPts val="0"/>
-                        </a:spcAft>
-                        <a:buClrTx/>
-                        <a:buSzTx/>
-                        <a:buFontTx/>
-                        <a:buChar char="-"/>
-                        <a:tabLst/>
-                        <a:defRPr/>
-                      </a:pPr>
-                      <a:r>
-                        <a:rPr lang="ru-RU" baseline="0" dirty="0" smtClean="0"/>
-                        <a:t>деградация производительности со временем</a:t>
-                      </a:r>
-                      <a:r>
-                        <a:rPr lang="en-US" baseline="0" dirty="0" smtClean="0"/>
-                        <a:t>,</a:t>
-                      </a:r>
-                    </a:p>
-                    <a:p>
-                      <a:pPr marL="285750" marR="0" lvl="0" indent="-285750" algn="l" defTabSz="914400" rtl="0" eaLnBrk="1" fontAlgn="auto" latinLnBrk="0" hangingPunct="1">
-                        <a:lnSpc>
-                          <a:spcPct val="100000"/>
-                        </a:lnSpc>
-                        <a:spcBef>
-                          <a:spcPts val="0"/>
-                        </a:spcBef>
-                        <a:spcAft>
-                          <a:spcPts val="0"/>
-                        </a:spcAft>
-                        <a:buClrTx/>
-                        <a:buSzTx/>
-                        <a:buFontTx/>
-                        <a:buChar char="-"/>
-                        <a:tabLst/>
-                        <a:defRPr/>
-                      </a:pPr>
-                      <a:r>
-                        <a:rPr lang="ru-RU" baseline="0" dirty="0" smtClean="0"/>
-                        <a:t>желательна специальной поддержки со стороны ОС, например, </a:t>
-                      </a:r>
-                      <a:r>
-                        <a:rPr lang="en-US" baseline="0" dirty="0" smtClean="0"/>
-                        <a:t>ATA TRIM.</a:t>
-                      </a:r>
-                      <a:endParaRPr lang="ru-RU" dirty="0"/>
-                    </a:p>
-                  </a:txBody>
-                  <a:tcPr/>
-                </a:tc>
-              </a:tr>
-              <a:tr h="547793">
-                <a:tc>
-                  <a:txBody>
-                    <a:bodyPr/>
-                    <a:lstStyle/>
-                    <a:p>
-                      <a:r>
-                        <a:rPr lang="en-US" dirty="0" smtClean="0"/>
-                        <a:t>NVM</a:t>
-                      </a:r>
-                      <a:r>
-                        <a:rPr lang="en-US" baseline="0" dirty="0" smtClean="0"/>
-                        <a:t> (Non-Volatile Memory)</a:t>
-                      </a:r>
-                      <a:endParaRPr lang="ru-RU" dirty="0"/>
-                    </a:p>
-                  </a:txBody>
-                  <a:tcPr/>
-                </a:tc>
-                <a:tc>
-                  <a:txBody>
-                    <a:bodyPr/>
-                    <a:lstStyle/>
-                    <a:p>
-                      <a:r>
-                        <a:rPr lang="ru-RU" dirty="0" smtClean="0"/>
-                        <a:t>Память</a:t>
-                      </a:r>
-                      <a:r>
-                        <a:rPr lang="ru-RU" baseline="0" dirty="0" smtClean="0"/>
-                        <a:t> с произвольным доступом</a:t>
-                      </a:r>
-                      <a:r>
-                        <a:rPr lang="en-US" dirty="0" smtClean="0"/>
-                        <a:t>, </a:t>
-                      </a:r>
-                      <a:r>
-                        <a:rPr lang="ru-RU" dirty="0" smtClean="0"/>
-                        <a:t>которая</a:t>
-                      </a:r>
-                      <a:r>
-                        <a:rPr lang="ru-RU" baseline="0" dirty="0" smtClean="0"/>
-                        <a:t> не стирается при выключении питания.</a:t>
-                      </a:r>
-                    </a:p>
-                    <a:p>
-                      <a:r>
-                        <a:rPr lang="ru-RU" baseline="0" dirty="0" smtClean="0"/>
-                        <a:t>+ по скорости сопоставима с </a:t>
-                      </a:r>
-                      <a:r>
-                        <a:rPr lang="en-US" baseline="0" dirty="0" smtClean="0"/>
-                        <a:t>DRAM,</a:t>
-                      </a:r>
-                    </a:p>
-                    <a:p>
-                      <a:r>
-                        <a:rPr lang="en-US" baseline="0" dirty="0" smtClean="0"/>
-                        <a:t>+ </a:t>
-                      </a:r>
-                      <a:r>
-                        <a:rPr lang="ru-RU" baseline="0" dirty="0" smtClean="0"/>
-                        <a:t>объём – единицы терабайт,</a:t>
-                      </a:r>
-                    </a:p>
-                    <a:p>
-                      <a:r>
-                        <a:rPr lang="ru-RU" baseline="0" dirty="0" smtClean="0"/>
-                        <a:t>- пока</a:t>
-                      </a:r>
-                      <a:r>
-                        <a:rPr lang="en-US" baseline="0" dirty="0" smtClean="0"/>
-                        <a:t> </a:t>
-                      </a:r>
-                      <a:r>
-                        <a:rPr lang="ru-RU" baseline="0" dirty="0" smtClean="0"/>
-                        <a:t>разработчики не понимают, как поддержать </a:t>
-                      </a:r>
-                      <a:r>
-                        <a:rPr lang="en-US" baseline="0" dirty="0" smtClean="0"/>
-                        <a:t>NVM </a:t>
-                      </a:r>
-                      <a:r>
-                        <a:rPr lang="ru-RU" baseline="0" dirty="0" smtClean="0"/>
-                        <a:t>со стороны ОС</a:t>
-                      </a:r>
-                      <a:r>
-                        <a:rPr lang="en-US" baseline="0" dirty="0" smtClean="0"/>
-                        <a:t>.</a:t>
-                      </a:r>
-                      <a:endParaRPr lang="ru-RU" dirty="0"/>
-                    </a:p>
-                  </a:txBody>
-                  <a:tcPr/>
-                </a:tc>
-              </a:tr>
             </a:tbl>
           </a:graphicData>
         </a:graphic>
@@ -17185,7 +17970,7 @@
     </p:spTree>
     <p:extLst>
       <p:ext uri="{BB962C8B-B14F-4D97-AF65-F5344CB8AC3E}">
-        <p14:creationId xmlns:p14="http://schemas.microsoft.com/office/powerpoint/2010/main" val="3443260540"/>
+        <p14:creationId xmlns:p14="http://schemas.microsoft.com/office/powerpoint/2010/main" val="549669502"/>
       </p:ext>
     </p:extLst>
   </p:cSld>
@@ -17302,11 +18087,7 @@
                       </a:r>
                       <a:r>
                         <a:rPr lang="ru-RU" dirty="0" smtClean="0"/>
-                        <a:t>МФТИ,</a:t>
-                      </a:r>
-                      <a:r>
-                        <a:rPr lang="ru-RU" baseline="0" dirty="0" smtClean="0"/>
-                        <a:t> 2016</a:t>
+                        <a:t>МФТИ</a:t>
                       </a:r>
                       <a:endParaRPr lang="ru-RU" dirty="0"/>
                     </a:p>
@@ -17544,11 +18325,7 @@
                       </a:r>
                       <a:r>
                         <a:rPr lang="ru-RU" dirty="0" smtClean="0"/>
-                        <a:t>МФТИ,</a:t>
-                      </a:r>
-                      <a:r>
-                        <a:rPr lang="ru-RU" baseline="0" dirty="0" smtClean="0"/>
-                        <a:t> 2016</a:t>
+                        <a:t>МФТИ</a:t>
                       </a:r>
                       <a:endParaRPr lang="ru-RU" dirty="0"/>
                     </a:p>
@@ -17569,14 +18346,14 @@
           <p:nvPr>
             <p:extLst>
               <p:ext uri="{D42A27DB-BD31-4B8C-83A1-F6EECF244321}">
-                <p14:modId xmlns:p14="http://schemas.microsoft.com/office/powerpoint/2010/main" val="3503630928"/>
+                <p14:modId xmlns:p14="http://schemas.microsoft.com/office/powerpoint/2010/main" val="49585423"/>
               </p:ext>
             </p:extLst>
           </p:nvPr>
         </p:nvGraphicFramePr>
         <p:xfrm>
-          <a:off x="0" y="365762"/>
-          <a:ext cx="12192000" cy="579120"/>
+          <a:off x="0" y="365760"/>
+          <a:ext cx="12192000" cy="4113953"/>
         </p:xfrm>
         <a:graphic>
           <a:graphicData uri="http://schemas.openxmlformats.org/drawingml/2006/table">
@@ -17585,27 +18362,403 @@
                 <a:tableStyleId>{3B4B98B0-60AC-42C2-AFA5-B58CD77FA1E5}</a:tableStyleId>
               </a:tblPr>
               <a:tblGrid>
-                <a:gridCol w="12192000"/>
+                <a:gridCol w="4300151"/>
+                <a:gridCol w="7891849"/>
               </a:tblGrid>
-              <a:tr h="499212">
+              <a:tr h="547793">
                 <a:tc>
                   <a:txBody>
                     <a:bodyPr/>
                     <a:lstStyle/>
                     <a:p>
                       <a:r>
-                        <a:rPr lang="en-US" sz="3200" dirty="0" smtClean="0"/>
-                        <a:t>API </a:t>
-                      </a:r>
-                      <a:r>
-                        <a:rPr lang="ru-RU" sz="3200" dirty="0" smtClean="0"/>
-                        <a:t>для чтения/записи файлов</a:t>
-                      </a:r>
-                      <a:r>
-                        <a:rPr lang="en-US" sz="3200" dirty="0" smtClean="0"/>
+                        <a:rPr lang="ru-RU" sz="2400" dirty="0" smtClean="0"/>
+                        <a:t>Устройства хранения данных</a:t>
+                      </a:r>
+                      <a:r>
+                        <a:rPr lang="en-US" sz="2400" dirty="0" smtClean="0"/>
                         <a:t>:</a:t>
                       </a:r>
-                      <a:endParaRPr lang="ru-RU" sz="3200" dirty="0"/>
+                      <a:endParaRPr lang="ru-RU" sz="2400" dirty="0"/>
+                    </a:p>
+                  </a:txBody>
+                  <a:tcPr/>
+                </a:tc>
+                <a:tc>
+                  <a:txBody>
+                    <a:bodyPr/>
+                    <a:lstStyle/>
+                    <a:p>
+                      <a:endParaRPr lang="ru-RU" dirty="0"/>
+                    </a:p>
+                  </a:txBody>
+                  <a:tcPr/>
+                </a:tc>
+              </a:tr>
+              <a:tr h="547793">
+                <a:tc>
+                  <a:txBody>
+                    <a:bodyPr/>
+                    <a:lstStyle/>
+                    <a:p>
+                      <a:r>
+                        <a:rPr lang="en-US" dirty="0" smtClean="0"/>
+                        <a:t>HDD (Hard Disk Drive, </a:t>
+                      </a:r>
+                      <a:r>
+                        <a:rPr lang="en-US" dirty="0" err="1" smtClean="0"/>
+                        <a:t>a.k.a</a:t>
+                      </a:r>
+                      <a:r>
+                        <a:rPr lang="en-US" baseline="0" dirty="0" smtClean="0"/>
+                        <a:t> Rotating drive,</a:t>
+                      </a:r>
+                      <a:br>
+                        <a:rPr lang="en-US" baseline="0" dirty="0" smtClean="0"/>
+                      </a:br>
+                      <a:r>
+                        <a:rPr lang="en-US" baseline="0" dirty="0" err="1" smtClean="0"/>
+                        <a:t>a.k.a</a:t>
+                      </a:r>
+                      <a:r>
+                        <a:rPr lang="en-US" baseline="0" dirty="0" smtClean="0"/>
+                        <a:t> Spinning rust)</a:t>
+                      </a:r>
+                      <a:endParaRPr lang="ru-RU" dirty="0"/>
+                    </a:p>
+                  </a:txBody>
+                  <a:tcPr/>
+                </a:tc>
+                <a:tc>
+                  <a:txBody>
+                    <a:bodyPr/>
+                    <a:lstStyle/>
+                    <a:p>
+                      <a:r>
+                        <a:rPr lang="en-US" dirty="0" smtClean="0"/>
+                        <a:t>+ </a:t>
+                      </a:r>
+                      <a:r>
+                        <a:rPr lang="ru-RU" dirty="0" smtClean="0"/>
+                        <a:t>достаточно</a:t>
+                      </a:r>
+                      <a:r>
+                        <a:rPr lang="ru-RU" baseline="0" dirty="0" smtClean="0"/>
+                        <a:t> быстрое линейное чтение</a:t>
+                      </a:r>
+                      <a:r>
+                        <a:rPr lang="en-US" baseline="0" dirty="0" smtClean="0"/>
+                        <a:t> (</a:t>
+                      </a:r>
+                      <a:r>
+                        <a:rPr lang="ru-RU" dirty="0" smtClean="0"/>
+                        <a:t>≈</a:t>
+                      </a:r>
+                      <a:r>
+                        <a:rPr lang="en-US" dirty="0" smtClean="0"/>
+                        <a:t>100 MB/sec</a:t>
+                      </a:r>
+                      <a:r>
+                        <a:rPr lang="en-US" baseline="0" dirty="0" smtClean="0"/>
+                        <a:t>),</a:t>
+                      </a:r>
+                      <a:endParaRPr lang="ru-RU" baseline="0" dirty="0" smtClean="0"/>
+                    </a:p>
+                    <a:p>
+                      <a:r>
+                        <a:rPr lang="ru-RU" baseline="0" dirty="0" smtClean="0"/>
+                        <a:t>- очень медленный случайный доступ</a:t>
+                      </a:r>
+                      <a:r>
+                        <a:rPr lang="en-US" baseline="0" dirty="0" smtClean="0"/>
+                        <a:t> (</a:t>
+                      </a:r>
+                      <a:r>
+                        <a:rPr lang="ru-RU" dirty="0" smtClean="0"/>
+                        <a:t>≈</a:t>
+                      </a:r>
+                      <a:r>
+                        <a:rPr lang="en-US" dirty="0" smtClean="0"/>
+                        <a:t>100 IOPS</a:t>
+                      </a:r>
+                      <a:r>
+                        <a:rPr lang="en-US" baseline="0" dirty="0" smtClean="0"/>
+                        <a:t>).</a:t>
+                      </a:r>
+                      <a:endParaRPr lang="ru-RU" dirty="0"/>
+                    </a:p>
+                  </a:txBody>
+                  <a:tcPr/>
+                </a:tc>
+              </a:tr>
+              <a:tr h="547793">
+                <a:tc>
+                  <a:txBody>
+                    <a:bodyPr/>
+                    <a:lstStyle/>
+                    <a:p>
+                      <a:r>
+                        <a:rPr lang="en-US" dirty="0" smtClean="0"/>
+                        <a:t>Flash</a:t>
+                      </a:r>
+                      <a:r>
+                        <a:rPr lang="en-US" baseline="0" dirty="0" smtClean="0"/>
+                        <a:t> memory</a:t>
+                      </a:r>
+                      <a:endParaRPr lang="ru-RU" dirty="0"/>
+                    </a:p>
+                  </a:txBody>
+                  <a:tcPr/>
+                </a:tc>
+                <a:tc>
+                  <a:txBody>
+                    <a:bodyPr/>
+                    <a:lstStyle/>
+                    <a:p>
+                      <a:r>
+                        <a:rPr lang="en-US" dirty="0" smtClean="0"/>
+                        <a:t>+ </a:t>
+                      </a:r>
+                      <a:r>
+                        <a:rPr lang="ru-RU" dirty="0" smtClean="0"/>
+                        <a:t>быстрое линейное чтение</a:t>
+                      </a:r>
+                      <a:r>
+                        <a:rPr lang="en-US" dirty="0" smtClean="0"/>
+                        <a:t>,</a:t>
+                      </a:r>
+                      <a:endParaRPr lang="ru-RU" dirty="0" smtClean="0"/>
+                    </a:p>
+                    <a:p>
+                      <a:r>
+                        <a:rPr lang="ru-RU" dirty="0" smtClean="0"/>
+                        <a:t>+ нет времени</a:t>
+                      </a:r>
+                      <a:r>
+                        <a:rPr lang="ru-RU" baseline="0" dirty="0" smtClean="0"/>
+                        <a:t> «позиционирования головок»</a:t>
+                      </a:r>
+                      <a:r>
+                        <a:rPr lang="en-US" baseline="0" dirty="0" smtClean="0"/>
+                        <a:t>,</a:t>
+                      </a:r>
+                      <a:endParaRPr lang="ru-RU" baseline="0" dirty="0" smtClean="0"/>
+                    </a:p>
+                    <a:p>
+                      <a:pPr marL="285750" indent="-285750">
+                        <a:buFontTx/>
+                        <a:buChar char="-"/>
+                      </a:pPr>
+                      <a:r>
+                        <a:rPr lang="ru-RU" baseline="0" dirty="0" smtClean="0"/>
+                        <a:t>перезаписывать можно только </a:t>
+                      </a:r>
+                      <a:r>
+                        <a:rPr lang="en-US" baseline="0" dirty="0" smtClean="0"/>
+                        <a:t>“rewrite block”</a:t>
+                      </a:r>
+                      <a:r>
+                        <a:rPr lang="ru-RU" baseline="0" dirty="0" smtClean="0"/>
+                        <a:t> целиком, а он несколько </a:t>
+                      </a:r>
+                      <a:r>
+                        <a:rPr lang="en-US" baseline="0" dirty="0" smtClean="0"/>
+                        <a:t>MB </a:t>
+                      </a:r>
+                      <a:r>
+                        <a:rPr lang="ru-RU" baseline="0" dirty="0" smtClean="0"/>
+                        <a:t>в размере</a:t>
+                      </a:r>
+                      <a:r>
+                        <a:rPr lang="en-US" baseline="0" dirty="0" smtClean="0"/>
+                        <a:t>,</a:t>
+                      </a:r>
+                      <a:endParaRPr lang="ru-RU" baseline="0" dirty="0" smtClean="0"/>
+                    </a:p>
+                    <a:p>
+                      <a:pPr marL="285750" indent="-285750">
+                        <a:buFontTx/>
+                        <a:buChar char="-"/>
+                      </a:pPr>
+                      <a:r>
+                        <a:rPr lang="ru-RU" baseline="0" dirty="0" smtClean="0"/>
+                        <a:t>небольшое число циклов перезаписи</a:t>
+                      </a:r>
+                      <a:r>
+                        <a:rPr lang="en-US" baseline="0" dirty="0" smtClean="0"/>
+                        <a:t>.</a:t>
+                      </a:r>
+                      <a:endParaRPr lang="ru-RU" dirty="0"/>
+                    </a:p>
+                  </a:txBody>
+                  <a:tcPr/>
+                </a:tc>
+              </a:tr>
+              <a:tr h="547793">
+                <a:tc>
+                  <a:txBody>
+                    <a:bodyPr/>
+                    <a:lstStyle/>
+                    <a:p>
+                      <a:r>
+                        <a:rPr lang="en-US" dirty="0" smtClean="0"/>
+                        <a:t>SSD</a:t>
+                      </a:r>
+                      <a:r>
+                        <a:rPr lang="en-US" baseline="0" dirty="0" smtClean="0"/>
+                        <a:t> (Solid State Drive)</a:t>
+                      </a:r>
+                      <a:endParaRPr lang="ru-RU" dirty="0"/>
+                    </a:p>
+                  </a:txBody>
+                  <a:tcPr/>
+                </a:tc>
+                <a:tc>
+                  <a:txBody>
+                    <a:bodyPr/>
+                    <a:lstStyle/>
+                    <a:p>
+                      <a:r>
+                        <a:rPr lang="en-US" dirty="0" smtClean="0"/>
+                        <a:t>Flash + </a:t>
+                      </a:r>
+                      <a:r>
+                        <a:rPr lang="ru-RU" baseline="0" dirty="0" smtClean="0"/>
+                        <a:t>компьютер, который прячет сложность работы с </a:t>
+                      </a:r>
+                      <a:r>
+                        <a:rPr lang="en-US" baseline="0" dirty="0" smtClean="0"/>
+                        <a:t>“rewrite blocks”.</a:t>
+                      </a:r>
+                      <a:endParaRPr lang="ru-RU" baseline="0" dirty="0" smtClean="0"/>
+                    </a:p>
+                    <a:p>
+                      <a:r>
+                        <a:rPr lang="ru-RU" baseline="0" dirty="0" smtClean="0"/>
+                        <a:t>+ быстрый линейный доступ (</a:t>
+                      </a:r>
+                      <a:r>
+                        <a:rPr lang="ru-RU" dirty="0" smtClean="0"/>
+                        <a:t>≈</a:t>
+                      </a:r>
+                      <a:r>
+                        <a:rPr lang="ru-RU" baseline="0" dirty="0" smtClean="0"/>
+                        <a:t>500</a:t>
+                      </a:r>
+                      <a:r>
+                        <a:rPr lang="en-US" baseline="0" dirty="0" smtClean="0"/>
+                        <a:t> MB/sec sequential read</a:t>
+                      </a:r>
+                      <a:r>
+                        <a:rPr lang="en-US" baseline="30000" dirty="0" smtClean="0"/>
+                        <a:t>*</a:t>
+                      </a:r>
+                      <a:r>
+                        <a:rPr lang="ru-RU" baseline="0" dirty="0" smtClean="0"/>
+                        <a:t>)</a:t>
+                      </a:r>
+                      <a:r>
+                        <a:rPr lang="en-US" baseline="0" dirty="0" smtClean="0"/>
+                        <a:t>,</a:t>
+                      </a:r>
+                    </a:p>
+                    <a:p>
+                      <a:pPr marL="0" marR="0" lvl="0" indent="0" algn="l" defTabSz="914400" rtl="0" eaLnBrk="1" fontAlgn="auto" latinLnBrk="0" hangingPunct="1">
+                        <a:lnSpc>
+                          <a:spcPct val="100000"/>
+                        </a:lnSpc>
+                        <a:spcBef>
+                          <a:spcPts val="0"/>
+                        </a:spcBef>
+                        <a:spcAft>
+                          <a:spcPts val="0"/>
+                        </a:spcAft>
+                        <a:buClrTx/>
+                        <a:buSzTx/>
+                        <a:buFontTx/>
+                        <a:buNone/>
+                        <a:tabLst/>
+                        <a:defRPr/>
+                      </a:pPr>
+                      <a:r>
+                        <a:rPr lang="en-US" baseline="0" dirty="0" smtClean="0"/>
+                        <a:t>+ </a:t>
+                      </a:r>
+                      <a:r>
+                        <a:rPr lang="ru-RU" baseline="0" dirty="0" smtClean="0"/>
+                        <a:t>быстрый</a:t>
+                      </a:r>
+                      <a:r>
+                        <a:rPr lang="en-US" baseline="0" dirty="0" smtClean="0"/>
+                        <a:t> </a:t>
+                      </a:r>
+                      <a:r>
+                        <a:rPr lang="ru-RU" baseline="0" dirty="0" smtClean="0"/>
+                        <a:t>произвольный доступ (</a:t>
+                      </a:r>
+                      <a:r>
+                        <a:rPr lang="ru-RU" dirty="0" smtClean="0"/>
+                        <a:t>≈</a:t>
+                      </a:r>
+                      <a:r>
+                        <a:rPr lang="en-US" baseline="0" dirty="0" smtClean="0"/>
+                        <a:t>75.000 IOPS),</a:t>
+                      </a:r>
+                    </a:p>
+                    <a:p>
+                      <a:pPr marL="285750" marR="0" lvl="0" indent="-285750" algn="l" defTabSz="914400" rtl="0" eaLnBrk="1" fontAlgn="auto" latinLnBrk="0" hangingPunct="1">
+                        <a:lnSpc>
+                          <a:spcPct val="100000"/>
+                        </a:lnSpc>
+                        <a:spcBef>
+                          <a:spcPts val="0"/>
+                        </a:spcBef>
+                        <a:spcAft>
+                          <a:spcPts val="0"/>
+                        </a:spcAft>
+                        <a:buClrTx/>
+                        <a:buSzTx/>
+                        <a:buFontTx/>
+                        <a:buChar char="-"/>
+                        <a:tabLst/>
+                        <a:defRPr/>
+                      </a:pPr>
+                      <a:r>
+                        <a:rPr lang="ru-RU" baseline="0" dirty="0" smtClean="0"/>
+                        <a:t>деградация производительности со временем</a:t>
+                      </a:r>
+                      <a:r>
+                        <a:rPr lang="en-US" baseline="0" dirty="0" smtClean="0"/>
+                        <a:t>,</a:t>
+                      </a:r>
+                    </a:p>
+                    <a:p>
+                      <a:pPr marL="285750" marR="0" lvl="0" indent="-285750" algn="l" defTabSz="914400" rtl="0" eaLnBrk="1" fontAlgn="auto" latinLnBrk="0" hangingPunct="1">
+                        <a:lnSpc>
+                          <a:spcPct val="100000"/>
+                        </a:lnSpc>
+                        <a:spcBef>
+                          <a:spcPts val="0"/>
+                        </a:spcBef>
+                        <a:spcAft>
+                          <a:spcPts val="0"/>
+                        </a:spcAft>
+                        <a:buClrTx/>
+                        <a:buSzTx/>
+                        <a:buFontTx/>
+                        <a:buChar char="-"/>
+                        <a:tabLst/>
+                        <a:defRPr/>
+                      </a:pPr>
+                      <a:r>
+                        <a:rPr lang="ru-RU" baseline="0" dirty="0" smtClean="0"/>
+                        <a:t>желательна специальной поддержки со стороны ОС, например, </a:t>
+                      </a:r>
+                      <a:r>
+                        <a:rPr lang="en-US" baseline="0" dirty="0" smtClean="0"/>
+                        <a:t>ATA TRIM.</a:t>
+                      </a:r>
+                      <a:endParaRPr lang="ru-RU" dirty="0"/>
                     </a:p>
                   </a:txBody>
                   <a:tcPr/>
@@ -17623,8 +18776,8 @@
         </p:nvSpPr>
         <p:spPr>
           <a:xfrm>
-            <a:off x="2141838" y="1359128"/>
-            <a:ext cx="7908324" cy="2862322"/>
+            <a:off x="65903" y="5947829"/>
+            <a:ext cx="3947427" cy="584775"/>
           </a:xfrm>
           <a:prstGeom prst="rect">
             <a:avLst/>
@@ -17632,75 +18785,72 @@
           <a:noFill/>
         </p:spPr>
         <p:txBody>
-          <a:bodyPr wrap="square" rtlCol="0">
+          <a:bodyPr wrap="none" rtlCol="0">
             <a:spAutoFit/>
           </a:bodyPr>
           <a:lstStyle/>
           <a:p>
             <a:r>
-              <a:rPr lang="ru-RU" sz="2000" dirty="0" smtClean="0"/>
-              <a:t>Надо скрыть от пользователя особенности оборудования и предоставить единообразный способ доступа к данным на</a:t>
-            </a:r>
-            <a:br>
-              <a:rPr lang="ru-RU" sz="2000" dirty="0" smtClean="0"/>
-            </a:br>
-            <a:r>
-              <a:rPr lang="ru-RU" sz="2000" dirty="0" smtClean="0"/>
-              <a:t>разных устройствах.</a:t>
-            </a:r>
-            <a:r>
-              <a:rPr lang="ru-RU" sz="2400" dirty="0" smtClean="0"/>
-              <a:t/>
-            </a:r>
-            <a:br>
-              <a:rPr lang="ru-RU" sz="2400" dirty="0" smtClean="0"/>
-            </a:br>
-            <a:r>
-              <a:rPr lang="ru-RU" sz="2400" dirty="0" smtClean="0"/>
-              <a:t/>
-            </a:r>
-            <a:br>
-              <a:rPr lang="ru-RU" sz="2400" dirty="0" smtClean="0"/>
-            </a:br>
-            <a:endParaRPr lang="ru-RU" sz="2400" dirty="0" smtClean="0"/>
-          </a:p>
-          <a:p>
-            <a:pPr marL="285750" indent="-285750">
-              <a:buFont typeface="Arial" panose="020B0604020202020204" pitchFamily="34" charset="0"/>
-              <a:buChar char="•"/>
-            </a:pPr>
-            <a:r>
-              <a:rPr lang="en-US" sz="2400" dirty="0" smtClean="0"/>
-              <a:t>POSIX (Portable Operating System Interface),</a:t>
-            </a:r>
-          </a:p>
-          <a:p>
-            <a:pPr marL="285750" indent="-285750">
-              <a:buFont typeface="Arial" panose="020B0604020202020204" pitchFamily="34" charset="0"/>
-              <a:buChar char="•"/>
-            </a:pPr>
-            <a:r>
-              <a:rPr lang="en-US" sz="2400" dirty="0" smtClean="0"/>
-              <a:t>Windows,</a:t>
-            </a:r>
-          </a:p>
-          <a:p>
-            <a:pPr marL="285750" indent="-285750">
-              <a:buFont typeface="Arial" panose="020B0604020202020204" pitchFamily="34" charset="0"/>
-              <a:buChar char="•"/>
-            </a:pPr>
-            <a:r>
-              <a:rPr lang="en-US" sz="2400" dirty="0" smtClean="0"/>
-              <a:t>memory-mapped files.</a:t>
-            </a:r>
-            <a:endParaRPr lang="ru-RU" sz="2400" dirty="0"/>
+              <a:rPr lang="en-US" sz="1600" i="1" dirty="0" smtClean="0">
+                <a:solidFill>
+                  <a:schemeClr val="tx1">
+                    <a:lumMod val="50000"/>
+                    <a:lumOff val="50000"/>
+                  </a:schemeClr>
+                </a:solidFill>
+              </a:rPr>
+              <a:t>* IOPS – Input/output Operations Per Second</a:t>
+            </a:r>
+          </a:p>
+          <a:p>
+            <a:r>
+              <a:rPr lang="en-US" sz="1600" i="1" dirty="0" smtClean="0">
+                <a:solidFill>
+                  <a:schemeClr val="tx1">
+                    <a:lumMod val="50000"/>
+                    <a:lumOff val="50000"/>
+                  </a:schemeClr>
+                </a:solidFill>
+              </a:rPr>
+              <a:t>* </a:t>
+            </a:r>
+            <a:r>
+              <a:rPr lang="ru-RU" sz="1600" i="1" dirty="0" smtClean="0">
+                <a:solidFill>
+                  <a:schemeClr val="tx1">
+                    <a:lumMod val="50000"/>
+                    <a:lumOff val="50000"/>
+                  </a:schemeClr>
+                </a:solidFill>
+              </a:rPr>
+              <a:t>Данные для </a:t>
+            </a:r>
+            <a:r>
+              <a:rPr lang="en-US" sz="1600" i="1" baseline="0" dirty="0" smtClean="0">
+                <a:solidFill>
+                  <a:schemeClr val="tx1">
+                    <a:lumMod val="50000"/>
+                    <a:lumOff val="50000"/>
+                  </a:schemeClr>
+                </a:solidFill>
+              </a:rPr>
+              <a:t>Intel SSD DC S3700</a:t>
+            </a:r>
+            <a:endParaRPr lang="ru-RU" sz="1600" i="1" dirty="0">
+              <a:solidFill>
+                <a:schemeClr val="tx1">
+                  <a:lumMod val="50000"/>
+                  <a:lumOff val="50000"/>
+                </a:schemeClr>
+              </a:solidFill>
+            </a:endParaRPr>
           </a:p>
         </p:txBody>
       </p:sp>
     </p:spTree>
     <p:extLst>
       <p:ext uri="{BB962C8B-B14F-4D97-AF65-F5344CB8AC3E}">
-        <p14:creationId xmlns:p14="http://schemas.microsoft.com/office/powerpoint/2010/main" val="1984491276"/>
+        <p14:creationId xmlns:p14="http://schemas.microsoft.com/office/powerpoint/2010/main" val="1461535599"/>
       </p:ext>
     </p:extLst>
   </p:cSld>
@@ -17817,11 +18967,7 @@
                       </a:r>
                       <a:r>
                         <a:rPr lang="ru-RU" dirty="0" smtClean="0"/>
-                        <a:t>МФТИ,</a:t>
-                      </a:r>
-                      <a:r>
-                        <a:rPr lang="ru-RU" baseline="0" dirty="0" smtClean="0"/>
-                        <a:t> 2016</a:t>
+                        <a:t>МФТИ</a:t>
                       </a:r>
                       <a:endParaRPr lang="ru-RU" dirty="0"/>
                     </a:p>
@@ -17842,7 +18988,1014 @@
           <p:nvPr>
             <p:extLst>
               <p:ext uri="{D42A27DB-BD31-4B8C-83A1-F6EECF244321}">
-                <p14:modId xmlns:p14="http://schemas.microsoft.com/office/powerpoint/2010/main" val="3473044161"/>
+                <p14:modId xmlns:p14="http://schemas.microsoft.com/office/powerpoint/2010/main" val="2776151575"/>
+              </p:ext>
+            </p:extLst>
+          </p:nvPr>
+        </p:nvGraphicFramePr>
+        <p:xfrm>
+          <a:off x="0" y="365760"/>
+          <a:ext cx="12192000" cy="5576993"/>
+        </p:xfrm>
+        <a:graphic>
+          <a:graphicData uri="http://schemas.openxmlformats.org/drawingml/2006/table">
+            <a:tbl>
+              <a:tblPr firstRow="1" bandRow="1">
+                <a:tableStyleId>{3B4B98B0-60AC-42C2-AFA5-B58CD77FA1E5}</a:tableStyleId>
+              </a:tblPr>
+              <a:tblGrid>
+                <a:gridCol w="4300151"/>
+                <a:gridCol w="7891849"/>
+              </a:tblGrid>
+              <a:tr h="547793">
+                <a:tc>
+                  <a:txBody>
+                    <a:bodyPr/>
+                    <a:lstStyle/>
+                    <a:p>
+                      <a:r>
+                        <a:rPr lang="ru-RU" sz="2400" dirty="0" smtClean="0"/>
+                        <a:t>Устройства хранения данных</a:t>
+                      </a:r>
+                      <a:r>
+                        <a:rPr lang="en-US" sz="2400" dirty="0" smtClean="0"/>
+                        <a:t>:</a:t>
+                      </a:r>
+                      <a:endParaRPr lang="ru-RU" sz="2400" dirty="0"/>
+                    </a:p>
+                  </a:txBody>
+                  <a:tcPr/>
+                </a:tc>
+                <a:tc>
+                  <a:txBody>
+                    <a:bodyPr/>
+                    <a:lstStyle/>
+                    <a:p>
+                      <a:endParaRPr lang="ru-RU" dirty="0"/>
+                    </a:p>
+                  </a:txBody>
+                  <a:tcPr/>
+                </a:tc>
+              </a:tr>
+              <a:tr h="547793">
+                <a:tc>
+                  <a:txBody>
+                    <a:bodyPr/>
+                    <a:lstStyle/>
+                    <a:p>
+                      <a:r>
+                        <a:rPr lang="en-US" dirty="0" smtClean="0"/>
+                        <a:t>HDD (Hard Disk Drive, </a:t>
+                      </a:r>
+                      <a:r>
+                        <a:rPr lang="en-US" dirty="0" err="1" smtClean="0"/>
+                        <a:t>a.k.a</a:t>
+                      </a:r>
+                      <a:r>
+                        <a:rPr lang="en-US" baseline="0" dirty="0" smtClean="0"/>
+                        <a:t> Rotating drive,</a:t>
+                      </a:r>
+                      <a:br>
+                        <a:rPr lang="en-US" baseline="0" dirty="0" smtClean="0"/>
+                      </a:br>
+                      <a:r>
+                        <a:rPr lang="en-US" baseline="0" dirty="0" err="1" smtClean="0"/>
+                        <a:t>a.k.a</a:t>
+                      </a:r>
+                      <a:r>
+                        <a:rPr lang="en-US" baseline="0" dirty="0" smtClean="0"/>
+                        <a:t> Spinning rust)</a:t>
+                      </a:r>
+                      <a:endParaRPr lang="ru-RU" dirty="0"/>
+                    </a:p>
+                  </a:txBody>
+                  <a:tcPr/>
+                </a:tc>
+                <a:tc>
+                  <a:txBody>
+                    <a:bodyPr/>
+                    <a:lstStyle/>
+                    <a:p>
+                      <a:r>
+                        <a:rPr lang="en-US" dirty="0" smtClean="0"/>
+                        <a:t>+ </a:t>
+                      </a:r>
+                      <a:r>
+                        <a:rPr lang="ru-RU" dirty="0" smtClean="0"/>
+                        <a:t>достаточно</a:t>
+                      </a:r>
+                      <a:r>
+                        <a:rPr lang="ru-RU" baseline="0" dirty="0" smtClean="0"/>
+                        <a:t> быстрое линейное чтение</a:t>
+                      </a:r>
+                      <a:r>
+                        <a:rPr lang="en-US" baseline="0" dirty="0" smtClean="0"/>
+                        <a:t> (</a:t>
+                      </a:r>
+                      <a:r>
+                        <a:rPr lang="ru-RU" dirty="0" smtClean="0"/>
+                        <a:t>≈</a:t>
+                      </a:r>
+                      <a:r>
+                        <a:rPr lang="en-US" dirty="0" smtClean="0"/>
+                        <a:t>100 MB/sec</a:t>
+                      </a:r>
+                      <a:r>
+                        <a:rPr lang="en-US" baseline="0" dirty="0" smtClean="0"/>
+                        <a:t>),</a:t>
+                      </a:r>
+                      <a:endParaRPr lang="ru-RU" baseline="0" dirty="0" smtClean="0"/>
+                    </a:p>
+                    <a:p>
+                      <a:r>
+                        <a:rPr lang="ru-RU" baseline="0" dirty="0" smtClean="0"/>
+                        <a:t>- очень медленный случайный доступ</a:t>
+                      </a:r>
+                      <a:r>
+                        <a:rPr lang="en-US" baseline="0" dirty="0" smtClean="0"/>
+                        <a:t> (</a:t>
+                      </a:r>
+                      <a:r>
+                        <a:rPr lang="ru-RU" dirty="0" smtClean="0"/>
+                        <a:t>≈</a:t>
+                      </a:r>
+                      <a:r>
+                        <a:rPr lang="en-US" dirty="0" smtClean="0"/>
+                        <a:t>100 IOPS</a:t>
+                      </a:r>
+                      <a:r>
+                        <a:rPr lang="en-US" baseline="0" dirty="0" smtClean="0"/>
+                        <a:t>).</a:t>
+                      </a:r>
+                      <a:endParaRPr lang="ru-RU" dirty="0"/>
+                    </a:p>
+                  </a:txBody>
+                  <a:tcPr/>
+                </a:tc>
+              </a:tr>
+              <a:tr h="547793">
+                <a:tc>
+                  <a:txBody>
+                    <a:bodyPr/>
+                    <a:lstStyle/>
+                    <a:p>
+                      <a:r>
+                        <a:rPr lang="en-US" dirty="0" smtClean="0"/>
+                        <a:t>Flash</a:t>
+                      </a:r>
+                      <a:r>
+                        <a:rPr lang="en-US" baseline="0" dirty="0" smtClean="0"/>
+                        <a:t> memory</a:t>
+                      </a:r>
+                      <a:endParaRPr lang="ru-RU" dirty="0"/>
+                    </a:p>
+                  </a:txBody>
+                  <a:tcPr/>
+                </a:tc>
+                <a:tc>
+                  <a:txBody>
+                    <a:bodyPr/>
+                    <a:lstStyle/>
+                    <a:p>
+                      <a:r>
+                        <a:rPr lang="en-US" dirty="0" smtClean="0"/>
+                        <a:t>+ </a:t>
+                      </a:r>
+                      <a:r>
+                        <a:rPr lang="ru-RU" dirty="0" smtClean="0"/>
+                        <a:t>быстрое линейное чтение</a:t>
+                      </a:r>
+                      <a:r>
+                        <a:rPr lang="en-US" dirty="0" smtClean="0"/>
+                        <a:t>,</a:t>
+                      </a:r>
+                      <a:endParaRPr lang="ru-RU" dirty="0" smtClean="0"/>
+                    </a:p>
+                    <a:p>
+                      <a:r>
+                        <a:rPr lang="ru-RU" dirty="0" smtClean="0"/>
+                        <a:t>+ нет времени</a:t>
+                      </a:r>
+                      <a:r>
+                        <a:rPr lang="ru-RU" baseline="0" dirty="0" smtClean="0"/>
+                        <a:t> «позиционирования головок»</a:t>
+                      </a:r>
+                      <a:r>
+                        <a:rPr lang="en-US" baseline="0" dirty="0" smtClean="0"/>
+                        <a:t>,</a:t>
+                      </a:r>
+                      <a:endParaRPr lang="ru-RU" baseline="0" dirty="0" smtClean="0"/>
+                    </a:p>
+                    <a:p>
+                      <a:pPr marL="285750" indent="-285750">
+                        <a:buFontTx/>
+                        <a:buChar char="-"/>
+                      </a:pPr>
+                      <a:r>
+                        <a:rPr lang="ru-RU" baseline="0" dirty="0" smtClean="0"/>
+                        <a:t>перезаписывать можно только </a:t>
+                      </a:r>
+                      <a:r>
+                        <a:rPr lang="en-US" baseline="0" dirty="0" smtClean="0"/>
+                        <a:t>“rewrite block”</a:t>
+                      </a:r>
+                      <a:r>
+                        <a:rPr lang="ru-RU" baseline="0" dirty="0" smtClean="0"/>
+                        <a:t> целиком, а он несколько </a:t>
+                      </a:r>
+                      <a:r>
+                        <a:rPr lang="en-US" baseline="0" dirty="0" smtClean="0"/>
+                        <a:t>MB </a:t>
+                      </a:r>
+                      <a:r>
+                        <a:rPr lang="ru-RU" baseline="0" dirty="0" smtClean="0"/>
+                        <a:t>в размере</a:t>
+                      </a:r>
+                      <a:r>
+                        <a:rPr lang="en-US" baseline="0" dirty="0" smtClean="0"/>
+                        <a:t>,</a:t>
+                      </a:r>
+                      <a:endParaRPr lang="ru-RU" baseline="0" dirty="0" smtClean="0"/>
+                    </a:p>
+                    <a:p>
+                      <a:pPr marL="285750" indent="-285750">
+                        <a:buFontTx/>
+                        <a:buChar char="-"/>
+                      </a:pPr>
+                      <a:r>
+                        <a:rPr lang="ru-RU" baseline="0" dirty="0" smtClean="0"/>
+                        <a:t>небольшое число циклов перезаписи</a:t>
+                      </a:r>
+                      <a:r>
+                        <a:rPr lang="en-US" baseline="0" dirty="0" smtClean="0"/>
+                        <a:t>.</a:t>
+                      </a:r>
+                      <a:endParaRPr lang="ru-RU" dirty="0"/>
+                    </a:p>
+                  </a:txBody>
+                  <a:tcPr/>
+                </a:tc>
+              </a:tr>
+              <a:tr h="547793">
+                <a:tc>
+                  <a:txBody>
+                    <a:bodyPr/>
+                    <a:lstStyle/>
+                    <a:p>
+                      <a:r>
+                        <a:rPr lang="en-US" dirty="0" smtClean="0"/>
+                        <a:t>SSD</a:t>
+                      </a:r>
+                      <a:r>
+                        <a:rPr lang="en-US" baseline="0" dirty="0" smtClean="0"/>
+                        <a:t> (Solid State Drive)</a:t>
+                      </a:r>
+                      <a:endParaRPr lang="ru-RU" dirty="0"/>
+                    </a:p>
+                  </a:txBody>
+                  <a:tcPr/>
+                </a:tc>
+                <a:tc>
+                  <a:txBody>
+                    <a:bodyPr/>
+                    <a:lstStyle/>
+                    <a:p>
+                      <a:r>
+                        <a:rPr lang="en-US" dirty="0" smtClean="0"/>
+                        <a:t>Flash + </a:t>
+                      </a:r>
+                      <a:r>
+                        <a:rPr lang="ru-RU" baseline="0" dirty="0" smtClean="0"/>
+                        <a:t>компьютер, который прячет сложность работы с </a:t>
+                      </a:r>
+                      <a:r>
+                        <a:rPr lang="en-US" baseline="0" dirty="0" smtClean="0"/>
+                        <a:t>“rewrite blocks”.</a:t>
+                      </a:r>
+                      <a:endParaRPr lang="ru-RU" baseline="0" dirty="0" smtClean="0"/>
+                    </a:p>
+                    <a:p>
+                      <a:r>
+                        <a:rPr lang="ru-RU" baseline="0" dirty="0" smtClean="0"/>
+                        <a:t>+ быстрый линейный доступ (</a:t>
+                      </a:r>
+                      <a:r>
+                        <a:rPr lang="ru-RU" dirty="0" smtClean="0"/>
+                        <a:t>≈</a:t>
+                      </a:r>
+                      <a:r>
+                        <a:rPr lang="ru-RU" baseline="0" dirty="0" smtClean="0"/>
+                        <a:t>500</a:t>
+                      </a:r>
+                      <a:r>
+                        <a:rPr lang="en-US" baseline="0" dirty="0" smtClean="0"/>
+                        <a:t> MB/sec sequential read</a:t>
+                      </a:r>
+                      <a:r>
+                        <a:rPr lang="en-US" baseline="30000" dirty="0" smtClean="0"/>
+                        <a:t>*</a:t>
+                      </a:r>
+                      <a:r>
+                        <a:rPr lang="ru-RU" baseline="0" dirty="0" smtClean="0"/>
+                        <a:t>)</a:t>
+                      </a:r>
+                      <a:r>
+                        <a:rPr lang="en-US" baseline="0" dirty="0" smtClean="0"/>
+                        <a:t>,</a:t>
+                      </a:r>
+                    </a:p>
+                    <a:p>
+                      <a:pPr marL="0" marR="0" lvl="0" indent="0" algn="l" defTabSz="914400" rtl="0" eaLnBrk="1" fontAlgn="auto" latinLnBrk="0" hangingPunct="1">
+                        <a:lnSpc>
+                          <a:spcPct val="100000"/>
+                        </a:lnSpc>
+                        <a:spcBef>
+                          <a:spcPts val="0"/>
+                        </a:spcBef>
+                        <a:spcAft>
+                          <a:spcPts val="0"/>
+                        </a:spcAft>
+                        <a:buClrTx/>
+                        <a:buSzTx/>
+                        <a:buFontTx/>
+                        <a:buNone/>
+                        <a:tabLst/>
+                        <a:defRPr/>
+                      </a:pPr>
+                      <a:r>
+                        <a:rPr lang="en-US" baseline="0" dirty="0" smtClean="0"/>
+                        <a:t>+ </a:t>
+                      </a:r>
+                      <a:r>
+                        <a:rPr lang="ru-RU" baseline="0" dirty="0" smtClean="0"/>
+                        <a:t>быстрый</a:t>
+                      </a:r>
+                      <a:r>
+                        <a:rPr lang="en-US" baseline="0" dirty="0" smtClean="0"/>
+                        <a:t> </a:t>
+                      </a:r>
+                      <a:r>
+                        <a:rPr lang="ru-RU" baseline="0" dirty="0" smtClean="0"/>
+                        <a:t>произвольный доступ (</a:t>
+                      </a:r>
+                      <a:r>
+                        <a:rPr lang="ru-RU" dirty="0" smtClean="0"/>
+                        <a:t>≈</a:t>
+                      </a:r>
+                      <a:r>
+                        <a:rPr lang="en-US" baseline="0" dirty="0" smtClean="0"/>
+                        <a:t>75.000 IOPS),</a:t>
+                      </a:r>
+                    </a:p>
+                    <a:p>
+                      <a:pPr marL="285750" marR="0" lvl="0" indent="-285750" algn="l" defTabSz="914400" rtl="0" eaLnBrk="1" fontAlgn="auto" latinLnBrk="0" hangingPunct="1">
+                        <a:lnSpc>
+                          <a:spcPct val="100000"/>
+                        </a:lnSpc>
+                        <a:spcBef>
+                          <a:spcPts val="0"/>
+                        </a:spcBef>
+                        <a:spcAft>
+                          <a:spcPts val="0"/>
+                        </a:spcAft>
+                        <a:buClrTx/>
+                        <a:buSzTx/>
+                        <a:buFontTx/>
+                        <a:buChar char="-"/>
+                        <a:tabLst/>
+                        <a:defRPr/>
+                      </a:pPr>
+                      <a:r>
+                        <a:rPr lang="ru-RU" baseline="0" dirty="0" smtClean="0"/>
+                        <a:t>деградация производительности со временем</a:t>
+                      </a:r>
+                      <a:r>
+                        <a:rPr lang="en-US" baseline="0" dirty="0" smtClean="0"/>
+                        <a:t>,</a:t>
+                      </a:r>
+                    </a:p>
+                    <a:p>
+                      <a:pPr marL="285750" marR="0" lvl="0" indent="-285750" algn="l" defTabSz="914400" rtl="0" eaLnBrk="1" fontAlgn="auto" latinLnBrk="0" hangingPunct="1">
+                        <a:lnSpc>
+                          <a:spcPct val="100000"/>
+                        </a:lnSpc>
+                        <a:spcBef>
+                          <a:spcPts val="0"/>
+                        </a:spcBef>
+                        <a:spcAft>
+                          <a:spcPts val="0"/>
+                        </a:spcAft>
+                        <a:buClrTx/>
+                        <a:buSzTx/>
+                        <a:buFontTx/>
+                        <a:buChar char="-"/>
+                        <a:tabLst/>
+                        <a:defRPr/>
+                      </a:pPr>
+                      <a:r>
+                        <a:rPr lang="ru-RU" baseline="0" dirty="0" smtClean="0"/>
+                        <a:t>желательна специальной поддержки со стороны ОС, например, </a:t>
+                      </a:r>
+                      <a:r>
+                        <a:rPr lang="en-US" baseline="0" dirty="0" smtClean="0"/>
+                        <a:t>ATA TRIM.</a:t>
+                      </a:r>
+                      <a:endParaRPr lang="ru-RU" dirty="0"/>
+                    </a:p>
+                  </a:txBody>
+                  <a:tcPr/>
+                </a:tc>
+              </a:tr>
+              <a:tr h="547793">
+                <a:tc>
+                  <a:txBody>
+                    <a:bodyPr/>
+                    <a:lstStyle/>
+                    <a:p>
+                      <a:r>
+                        <a:rPr lang="en-US" dirty="0" smtClean="0"/>
+                        <a:t>NVM</a:t>
+                      </a:r>
+                      <a:r>
+                        <a:rPr lang="en-US" baseline="0" dirty="0" smtClean="0"/>
+                        <a:t> (Non-Volatile Memory)</a:t>
+                      </a:r>
+                      <a:endParaRPr lang="ru-RU" dirty="0"/>
+                    </a:p>
+                  </a:txBody>
+                  <a:tcPr/>
+                </a:tc>
+                <a:tc>
+                  <a:txBody>
+                    <a:bodyPr/>
+                    <a:lstStyle/>
+                    <a:p>
+                      <a:r>
+                        <a:rPr lang="ru-RU" dirty="0" smtClean="0"/>
+                        <a:t>Память</a:t>
+                      </a:r>
+                      <a:r>
+                        <a:rPr lang="ru-RU" baseline="0" dirty="0" smtClean="0"/>
+                        <a:t> с произвольным доступом</a:t>
+                      </a:r>
+                      <a:r>
+                        <a:rPr lang="en-US" dirty="0" smtClean="0"/>
+                        <a:t>, </a:t>
+                      </a:r>
+                      <a:r>
+                        <a:rPr lang="ru-RU" dirty="0" smtClean="0"/>
+                        <a:t>которая</a:t>
+                      </a:r>
+                      <a:r>
+                        <a:rPr lang="ru-RU" baseline="0" dirty="0" smtClean="0"/>
+                        <a:t> не стирается при выключении питания.</a:t>
+                      </a:r>
+                    </a:p>
+                    <a:p>
+                      <a:r>
+                        <a:rPr lang="ru-RU" baseline="0" dirty="0" smtClean="0"/>
+                        <a:t>+ по скорости сопоставима с </a:t>
+                      </a:r>
+                      <a:r>
+                        <a:rPr lang="en-US" baseline="0" dirty="0" smtClean="0"/>
+                        <a:t>DRAM,</a:t>
+                      </a:r>
+                    </a:p>
+                    <a:p>
+                      <a:r>
+                        <a:rPr lang="en-US" baseline="0" dirty="0" smtClean="0"/>
+                        <a:t>+ </a:t>
+                      </a:r>
+                      <a:r>
+                        <a:rPr lang="ru-RU" baseline="0" dirty="0" smtClean="0"/>
+                        <a:t>объём – единицы терабайт,</a:t>
+                      </a:r>
+                    </a:p>
+                    <a:p>
+                      <a:r>
+                        <a:rPr lang="ru-RU" baseline="0" dirty="0" smtClean="0"/>
+                        <a:t>- пока</a:t>
+                      </a:r>
+                      <a:r>
+                        <a:rPr lang="en-US" baseline="0" dirty="0" smtClean="0"/>
+                        <a:t> </a:t>
+                      </a:r>
+                      <a:r>
+                        <a:rPr lang="ru-RU" baseline="0" dirty="0" smtClean="0"/>
+                        <a:t>разработчики не понимают, как поддержать </a:t>
+                      </a:r>
+                      <a:r>
+                        <a:rPr lang="en-US" baseline="0" dirty="0" smtClean="0"/>
+                        <a:t>NVM </a:t>
+                      </a:r>
+                      <a:r>
+                        <a:rPr lang="ru-RU" baseline="0" dirty="0" smtClean="0"/>
+                        <a:t>со стороны ОС</a:t>
+                      </a:r>
+                      <a:r>
+                        <a:rPr lang="en-US" baseline="0" dirty="0" smtClean="0"/>
+                        <a:t>.</a:t>
+                      </a:r>
+                      <a:endParaRPr lang="ru-RU" dirty="0"/>
+                    </a:p>
+                  </a:txBody>
+                  <a:tcPr/>
+                </a:tc>
+              </a:tr>
+            </a:tbl>
+          </a:graphicData>
+        </a:graphic>
+      </p:graphicFrame>
+      <p:sp>
+        <p:nvSpPr>
+          <p:cNvPr id="3" name="TextBox 2"/>
+          <p:cNvSpPr txBox="1"/>
+          <p:nvPr/>
+        </p:nvSpPr>
+        <p:spPr>
+          <a:xfrm>
+            <a:off x="65903" y="5947829"/>
+            <a:ext cx="3947427" cy="584775"/>
+          </a:xfrm>
+          <a:prstGeom prst="rect">
+            <a:avLst/>
+          </a:prstGeom>
+          <a:noFill/>
+        </p:spPr>
+        <p:txBody>
+          <a:bodyPr wrap="none" rtlCol="0">
+            <a:spAutoFit/>
+          </a:bodyPr>
+          <a:lstStyle/>
+          <a:p>
+            <a:r>
+              <a:rPr lang="en-US" sz="1600" i="1" dirty="0" smtClean="0">
+                <a:solidFill>
+                  <a:schemeClr val="tx1">
+                    <a:lumMod val="50000"/>
+                    <a:lumOff val="50000"/>
+                  </a:schemeClr>
+                </a:solidFill>
+              </a:rPr>
+              <a:t>* IOPS – Input/output Operations Per Second</a:t>
+            </a:r>
+          </a:p>
+          <a:p>
+            <a:r>
+              <a:rPr lang="en-US" sz="1600" i="1" dirty="0" smtClean="0">
+                <a:solidFill>
+                  <a:schemeClr val="tx1">
+                    <a:lumMod val="50000"/>
+                    <a:lumOff val="50000"/>
+                  </a:schemeClr>
+                </a:solidFill>
+              </a:rPr>
+              <a:t>* </a:t>
+            </a:r>
+            <a:r>
+              <a:rPr lang="ru-RU" sz="1600" i="1" dirty="0" smtClean="0">
+                <a:solidFill>
+                  <a:schemeClr val="tx1">
+                    <a:lumMod val="50000"/>
+                    <a:lumOff val="50000"/>
+                  </a:schemeClr>
+                </a:solidFill>
+              </a:rPr>
+              <a:t>Данные для </a:t>
+            </a:r>
+            <a:r>
+              <a:rPr lang="en-US" sz="1600" i="1" baseline="0" dirty="0" smtClean="0">
+                <a:solidFill>
+                  <a:schemeClr val="tx1">
+                    <a:lumMod val="50000"/>
+                    <a:lumOff val="50000"/>
+                  </a:schemeClr>
+                </a:solidFill>
+              </a:rPr>
+              <a:t>Intel SSD DC S3700</a:t>
+            </a:r>
+            <a:endParaRPr lang="ru-RU" sz="1600" i="1" dirty="0">
+              <a:solidFill>
+                <a:schemeClr val="tx1">
+                  <a:lumMod val="50000"/>
+                  <a:lumOff val="50000"/>
+                </a:schemeClr>
+              </a:solidFill>
+            </a:endParaRPr>
+          </a:p>
+        </p:txBody>
+      </p:sp>
+    </p:spTree>
+    <p:extLst>
+      <p:ext uri="{BB962C8B-B14F-4D97-AF65-F5344CB8AC3E}">
+        <p14:creationId xmlns:p14="http://schemas.microsoft.com/office/powerpoint/2010/main" val="3443260540"/>
+      </p:ext>
+    </p:extLst>
+  </p:cSld>
+  <p:clrMapOvr>
+    <a:masterClrMapping/>
+  </p:clrMapOvr>
+</p:sld>
+</file>
+
+<file path=ppt/slides/slide22.xml><?xml version="1.0" encoding="utf-8"?>
+<p:sld xmlns:a="http://schemas.openxmlformats.org/drawingml/2006/main" xmlns:r="http://schemas.openxmlformats.org/officeDocument/2006/relationships" xmlns:p="http://schemas.openxmlformats.org/presentationml/2006/main">
+  <p:cSld>
+    <p:spTree>
+      <p:nvGrpSpPr>
+        <p:cNvPr id="1" name=""/>
+        <p:cNvGrpSpPr/>
+        <p:nvPr/>
+      </p:nvGrpSpPr>
+      <p:grpSpPr>
+        <a:xfrm>
+          <a:off x="0" y="0"/>
+          <a:ext cx="0" cy="0"/>
+          <a:chOff x="0" y="0"/>
+          <a:chExt cx="0" cy="0"/>
+        </a:xfrm>
+      </p:grpSpPr>
+      <p:graphicFrame>
+        <p:nvGraphicFramePr>
+          <p:cNvPr id="5" name="Table 4"/>
+          <p:cNvGraphicFramePr>
+            <a:graphicFrameLocks noGrp="1"/>
+          </p:cNvGraphicFramePr>
+          <p:nvPr>
+            <p:extLst>
+              <p:ext uri="{D42A27DB-BD31-4B8C-83A1-F6EECF244321}">
+                <p14:modId xmlns:p14="http://schemas.microsoft.com/office/powerpoint/2010/main" val="2281224332"/>
+              </p:ext>
+            </p:extLst>
+          </p:nvPr>
+        </p:nvGraphicFramePr>
+        <p:xfrm>
+          <a:off x="0" y="1"/>
+          <a:ext cx="12192000" cy="365760"/>
+        </p:xfrm>
+        <a:graphic>
+          <a:graphicData uri="http://schemas.openxmlformats.org/drawingml/2006/table">
+            <a:tbl>
+              <a:tblPr firstRow="1" bandRow="1">
+                <a:tableStyleId>{5C22544A-7EE6-4342-B048-85BDC9FD1C3A}</a:tableStyleId>
+              </a:tblPr>
+              <a:tblGrid>
+                <a:gridCol w="12192000"/>
+              </a:tblGrid>
+              <a:tr h="321276">
+                <a:tc>
+                  <a:txBody>
+                    <a:bodyPr/>
+                    <a:lstStyle/>
+                    <a:p>
+                      <a:r>
+                        <a:rPr lang="ru-RU" dirty="0" smtClean="0"/>
+                        <a:t>Основы</a:t>
+                      </a:r>
+                      <a:r>
+                        <a:rPr lang="ru-RU" baseline="0" dirty="0" smtClean="0"/>
+                        <a:t> построения файловых систем</a:t>
+                      </a:r>
+                      <a:endParaRPr lang="ru-RU" dirty="0"/>
+                    </a:p>
+                  </a:txBody>
+                  <a:tcPr/>
+                </a:tc>
+              </a:tr>
+            </a:tbl>
+          </a:graphicData>
+        </a:graphic>
+      </p:graphicFrame>
+      <p:graphicFrame>
+        <p:nvGraphicFramePr>
+          <p:cNvPr id="6" name="Table 5"/>
+          <p:cNvGraphicFramePr>
+            <a:graphicFrameLocks noGrp="1"/>
+          </p:cNvGraphicFramePr>
+          <p:nvPr>
+            <p:extLst>
+              <p:ext uri="{D42A27DB-BD31-4B8C-83A1-F6EECF244321}">
+                <p14:modId xmlns:p14="http://schemas.microsoft.com/office/powerpoint/2010/main" val="4164474727"/>
+              </p:ext>
+            </p:extLst>
+          </p:nvPr>
+        </p:nvGraphicFramePr>
+        <p:xfrm>
+          <a:off x="0" y="6532604"/>
+          <a:ext cx="12192000" cy="365760"/>
+        </p:xfrm>
+        <a:graphic>
+          <a:graphicData uri="http://schemas.openxmlformats.org/drawingml/2006/table">
+            <a:tbl>
+              <a:tblPr firstRow="1" bandRow="1">
+                <a:tableStyleId>{5C22544A-7EE6-4342-B048-85BDC9FD1C3A}</a:tableStyleId>
+              </a:tblPr>
+              <a:tblGrid>
+                <a:gridCol w="12192000"/>
+              </a:tblGrid>
+              <a:tr h="308094">
+                <a:tc>
+                  <a:txBody>
+                    <a:bodyPr/>
+                    <a:lstStyle/>
+                    <a:p>
+                      <a:r>
+                        <a:rPr lang="en-US" dirty="0" smtClean="0"/>
+                        <a:t>Acronis @ </a:t>
+                      </a:r>
+                      <a:r>
+                        <a:rPr lang="ru-RU" dirty="0" smtClean="0"/>
+                        <a:t>МФТИ</a:t>
+                      </a:r>
+                      <a:endParaRPr lang="ru-RU" dirty="0"/>
+                    </a:p>
+                  </a:txBody>
+                  <a:tcPr/>
+                </a:tc>
+              </a:tr>
+            </a:tbl>
+          </a:graphicData>
+        </a:graphic>
+      </p:graphicFrame>
+      <p:graphicFrame>
+        <p:nvGraphicFramePr>
+          <p:cNvPr id="2" name="Table 1"/>
+          <p:cNvGraphicFramePr>
+            <a:graphicFrameLocks noGrp="1"/>
+          </p:cNvGraphicFramePr>
+          <p:nvPr>
+            <p:extLst>
+              <p:ext uri="{D42A27DB-BD31-4B8C-83A1-F6EECF244321}">
+                <p14:modId xmlns:p14="http://schemas.microsoft.com/office/powerpoint/2010/main" val="3503630928"/>
+              </p:ext>
+            </p:extLst>
+          </p:nvPr>
+        </p:nvGraphicFramePr>
+        <p:xfrm>
+          <a:off x="0" y="365762"/>
+          <a:ext cx="12192000" cy="579120"/>
+        </p:xfrm>
+        <a:graphic>
+          <a:graphicData uri="http://schemas.openxmlformats.org/drawingml/2006/table">
+            <a:tbl>
+              <a:tblPr firstRow="1" bandRow="1">
+                <a:tableStyleId>{3B4B98B0-60AC-42C2-AFA5-B58CD77FA1E5}</a:tableStyleId>
+              </a:tblPr>
+              <a:tblGrid>
+                <a:gridCol w="12192000"/>
+              </a:tblGrid>
+              <a:tr h="499212">
+                <a:tc>
+                  <a:txBody>
+                    <a:bodyPr/>
+                    <a:lstStyle/>
+                    <a:p>
+                      <a:r>
+                        <a:rPr lang="en-US" sz="3200" dirty="0" smtClean="0"/>
+                        <a:t>API </a:t>
+                      </a:r>
+                      <a:r>
+                        <a:rPr lang="ru-RU" sz="3200" dirty="0" smtClean="0"/>
+                        <a:t>для чтения/записи файлов</a:t>
+                      </a:r>
+                      <a:r>
+                        <a:rPr lang="en-US" sz="3200" dirty="0" smtClean="0"/>
+                        <a:t>:</a:t>
+                      </a:r>
+                      <a:endParaRPr lang="ru-RU" sz="3200" dirty="0"/>
+                    </a:p>
+                  </a:txBody>
+                  <a:tcPr/>
+                </a:tc>
+              </a:tr>
+            </a:tbl>
+          </a:graphicData>
+        </a:graphic>
+      </p:graphicFrame>
+      <p:sp>
+        <p:nvSpPr>
+          <p:cNvPr id="3" name="TextBox 2"/>
+          <p:cNvSpPr txBox="1"/>
+          <p:nvPr/>
+        </p:nvSpPr>
+        <p:spPr>
+          <a:xfrm>
+            <a:off x="2141838" y="1359128"/>
+            <a:ext cx="7908324" cy="2862322"/>
+          </a:xfrm>
+          <a:prstGeom prst="rect">
+            <a:avLst/>
+          </a:prstGeom>
+          <a:noFill/>
+        </p:spPr>
+        <p:txBody>
+          <a:bodyPr wrap="square" rtlCol="0">
+            <a:spAutoFit/>
+          </a:bodyPr>
+          <a:lstStyle/>
+          <a:p>
+            <a:r>
+              <a:rPr lang="ru-RU" sz="2000" dirty="0" smtClean="0"/>
+              <a:t>Надо скрыть от пользователя особенности оборудования и предоставить единообразный способ доступа к данным на</a:t>
+            </a:r>
+            <a:br>
+              <a:rPr lang="ru-RU" sz="2000" dirty="0" smtClean="0"/>
+            </a:br>
+            <a:r>
+              <a:rPr lang="ru-RU" sz="2000" dirty="0" smtClean="0"/>
+              <a:t>разных устройствах.</a:t>
+            </a:r>
+            <a:r>
+              <a:rPr lang="ru-RU" sz="2400" dirty="0" smtClean="0"/>
+              <a:t/>
+            </a:r>
+            <a:br>
+              <a:rPr lang="ru-RU" sz="2400" dirty="0" smtClean="0"/>
+            </a:br>
+            <a:r>
+              <a:rPr lang="ru-RU" sz="2400" dirty="0" smtClean="0"/>
+              <a:t/>
+            </a:r>
+            <a:br>
+              <a:rPr lang="ru-RU" sz="2400" dirty="0" smtClean="0"/>
+            </a:br>
+            <a:endParaRPr lang="ru-RU" sz="2400" dirty="0" smtClean="0"/>
+          </a:p>
+          <a:p>
+            <a:pPr marL="285750" indent="-285750">
+              <a:buFont typeface="Arial" panose="020B0604020202020204" pitchFamily="34" charset="0"/>
+              <a:buChar char="•"/>
+            </a:pPr>
+            <a:r>
+              <a:rPr lang="en-US" sz="2400" dirty="0" smtClean="0"/>
+              <a:t>POSIX (Portable Operating System Interface),</a:t>
+            </a:r>
+          </a:p>
+          <a:p>
+            <a:pPr marL="285750" indent="-285750">
+              <a:buFont typeface="Arial" panose="020B0604020202020204" pitchFamily="34" charset="0"/>
+              <a:buChar char="•"/>
+            </a:pPr>
+            <a:r>
+              <a:rPr lang="en-US" sz="2400" dirty="0" smtClean="0"/>
+              <a:t>Windows,</a:t>
+            </a:r>
+          </a:p>
+          <a:p>
+            <a:pPr marL="285750" indent="-285750">
+              <a:buFont typeface="Arial" panose="020B0604020202020204" pitchFamily="34" charset="0"/>
+              <a:buChar char="•"/>
+            </a:pPr>
+            <a:r>
+              <a:rPr lang="en-US" sz="2400" dirty="0" smtClean="0"/>
+              <a:t>memory-mapped files.</a:t>
+            </a:r>
+            <a:endParaRPr lang="ru-RU" sz="2400" dirty="0"/>
+          </a:p>
+        </p:txBody>
+      </p:sp>
+    </p:spTree>
+    <p:extLst>
+      <p:ext uri="{BB962C8B-B14F-4D97-AF65-F5344CB8AC3E}">
+        <p14:creationId xmlns:p14="http://schemas.microsoft.com/office/powerpoint/2010/main" val="1984491276"/>
+      </p:ext>
+    </p:extLst>
+  </p:cSld>
+  <p:clrMapOvr>
+    <a:masterClrMapping/>
+  </p:clrMapOvr>
+</p:sld>
+</file>
+
+<file path=ppt/slides/slide23.xml><?xml version="1.0" encoding="utf-8"?>
+<p:sld xmlns:a="http://schemas.openxmlformats.org/drawingml/2006/main" xmlns:r="http://schemas.openxmlformats.org/officeDocument/2006/relationships" xmlns:p="http://schemas.openxmlformats.org/presentationml/2006/main">
+  <p:cSld>
+    <p:spTree>
+      <p:nvGrpSpPr>
+        <p:cNvPr id="1" name=""/>
+        <p:cNvGrpSpPr/>
+        <p:nvPr/>
+      </p:nvGrpSpPr>
+      <p:grpSpPr>
+        <a:xfrm>
+          <a:off x="0" y="0"/>
+          <a:ext cx="0" cy="0"/>
+          <a:chOff x="0" y="0"/>
+          <a:chExt cx="0" cy="0"/>
+        </a:xfrm>
+      </p:grpSpPr>
+      <p:graphicFrame>
+        <p:nvGraphicFramePr>
+          <p:cNvPr id="5" name="Table 4"/>
+          <p:cNvGraphicFramePr>
+            <a:graphicFrameLocks noGrp="1"/>
+          </p:cNvGraphicFramePr>
+          <p:nvPr>
+            <p:extLst>
+              <p:ext uri="{D42A27DB-BD31-4B8C-83A1-F6EECF244321}">
+                <p14:modId xmlns:p14="http://schemas.microsoft.com/office/powerpoint/2010/main" val="2281224332"/>
+              </p:ext>
+            </p:extLst>
+          </p:nvPr>
+        </p:nvGraphicFramePr>
+        <p:xfrm>
+          <a:off x="0" y="1"/>
+          <a:ext cx="12192000" cy="365760"/>
+        </p:xfrm>
+        <a:graphic>
+          <a:graphicData uri="http://schemas.openxmlformats.org/drawingml/2006/table">
+            <a:tbl>
+              <a:tblPr firstRow="1" bandRow="1">
+                <a:tableStyleId>{5C22544A-7EE6-4342-B048-85BDC9FD1C3A}</a:tableStyleId>
+              </a:tblPr>
+              <a:tblGrid>
+                <a:gridCol w="12192000"/>
+              </a:tblGrid>
+              <a:tr h="321276">
+                <a:tc>
+                  <a:txBody>
+                    <a:bodyPr/>
+                    <a:lstStyle/>
+                    <a:p>
+                      <a:r>
+                        <a:rPr lang="ru-RU" dirty="0" smtClean="0"/>
+                        <a:t>Основы</a:t>
+                      </a:r>
+                      <a:r>
+                        <a:rPr lang="ru-RU" baseline="0" dirty="0" smtClean="0"/>
+                        <a:t> построения файловых систем</a:t>
+                      </a:r>
+                      <a:endParaRPr lang="ru-RU" dirty="0"/>
+                    </a:p>
+                  </a:txBody>
+                  <a:tcPr/>
+                </a:tc>
+              </a:tr>
+            </a:tbl>
+          </a:graphicData>
+        </a:graphic>
+      </p:graphicFrame>
+      <p:graphicFrame>
+        <p:nvGraphicFramePr>
+          <p:cNvPr id="6" name="Table 5"/>
+          <p:cNvGraphicFramePr>
+            <a:graphicFrameLocks noGrp="1"/>
+          </p:cNvGraphicFramePr>
+          <p:nvPr>
+            <p:extLst>
+              <p:ext uri="{D42A27DB-BD31-4B8C-83A1-F6EECF244321}">
+                <p14:modId xmlns:p14="http://schemas.microsoft.com/office/powerpoint/2010/main" val="4164474727"/>
+              </p:ext>
+            </p:extLst>
+          </p:nvPr>
+        </p:nvGraphicFramePr>
+        <p:xfrm>
+          <a:off x="0" y="6532604"/>
+          <a:ext cx="12192000" cy="365760"/>
+        </p:xfrm>
+        <a:graphic>
+          <a:graphicData uri="http://schemas.openxmlformats.org/drawingml/2006/table">
+            <a:tbl>
+              <a:tblPr firstRow="1" bandRow="1">
+                <a:tableStyleId>{5C22544A-7EE6-4342-B048-85BDC9FD1C3A}</a:tableStyleId>
+              </a:tblPr>
+              <a:tblGrid>
+                <a:gridCol w="12192000"/>
+              </a:tblGrid>
+              <a:tr h="308094">
+                <a:tc>
+                  <a:txBody>
+                    <a:bodyPr/>
+                    <a:lstStyle/>
+                    <a:p>
+                      <a:r>
+                        <a:rPr lang="en-US" dirty="0" smtClean="0"/>
+                        <a:t>Acronis @ </a:t>
+                      </a:r>
+                      <a:r>
+                        <a:rPr lang="ru-RU" dirty="0" smtClean="0"/>
+                        <a:t>МФТИ</a:t>
+                      </a:r>
+                      <a:endParaRPr lang="ru-RU" dirty="0"/>
+                    </a:p>
+                  </a:txBody>
+                  <a:tcPr/>
+                </a:tc>
+              </a:tr>
+            </a:tbl>
+          </a:graphicData>
+        </a:graphic>
+      </p:graphicFrame>
+      <p:graphicFrame>
+        <p:nvGraphicFramePr>
+          <p:cNvPr id="2" name="Table 1"/>
+          <p:cNvGraphicFramePr>
+            <a:graphicFrameLocks noGrp="1"/>
+          </p:cNvGraphicFramePr>
+          <p:nvPr>
+            <p:extLst>
+              <p:ext uri="{D42A27DB-BD31-4B8C-83A1-F6EECF244321}">
+                <p14:modId xmlns:p14="http://schemas.microsoft.com/office/powerpoint/2010/main" val="1756788020"/>
               </p:ext>
             </p:extLst>
           </p:nvPr>
@@ -17884,7 +20037,7 @@
                     <a:p>
                       <a:r>
                         <a:rPr lang="ru-RU" dirty="0" smtClean="0"/>
-                        <a:t>Структура ФС – древовидная с одним корнем:</a:t>
+                        <a:t>Структура ФС древовидная:</a:t>
                       </a:r>
                       <a:endParaRPr lang="ru-RU" dirty="0"/>
                     </a:p>
@@ -17933,7 +20086,7 @@
 </p:sld>
 </file>
 
-<file path=ppt/slides/slide22.xml><?xml version="1.0" encoding="utf-8"?>
+<file path=ppt/slides/slide24.xml><?xml version="1.0" encoding="utf-8"?>
 <p:sld xmlns:a="http://schemas.openxmlformats.org/drawingml/2006/main" xmlns:r="http://schemas.openxmlformats.org/officeDocument/2006/relationships" xmlns:p="http://schemas.openxmlformats.org/presentationml/2006/main">
   <p:cSld>
     <p:spTree>
@@ -18040,11 +20193,7 @@
                       </a:r>
                       <a:r>
                         <a:rPr lang="ru-RU" dirty="0" smtClean="0"/>
-                        <a:t>МФТИ,</a:t>
-                      </a:r>
-                      <a:r>
-                        <a:rPr lang="ru-RU" baseline="0" dirty="0" smtClean="0"/>
-                        <a:t> 2016</a:t>
+                        <a:t>МФТИ</a:t>
                       </a:r>
                       <a:endParaRPr lang="ru-RU" dirty="0"/>
                     </a:p>
@@ -18065,7 +20214,7 @@
           <p:nvPr>
             <p:extLst>
               <p:ext uri="{D42A27DB-BD31-4B8C-83A1-F6EECF244321}">
-                <p14:modId xmlns:p14="http://schemas.microsoft.com/office/powerpoint/2010/main" val="2223824598"/>
+                <p14:modId xmlns:p14="http://schemas.microsoft.com/office/powerpoint/2010/main" val="845299261"/>
               </p:ext>
             </p:extLst>
           </p:nvPr>
@@ -18122,7 +20271,7 @@
                     <a:p>
                       <a:r>
                         <a:rPr lang="ru-RU" dirty="0" smtClean="0"/>
-                        <a:t>Структура ФС – древовидная с одним корнем:</a:t>
+                        <a:t>Структура ФС древовидная:</a:t>
                       </a:r>
                       <a:endParaRPr lang="ru-RU" dirty="0"/>
                     </a:p>
@@ -18304,7 +20453,7 @@
 </p:sld>
 </file>
 
-<file path=ppt/slides/slide23.xml><?xml version="1.0" encoding="utf-8"?>
+<file path=ppt/slides/slide25.xml><?xml version="1.0" encoding="utf-8"?>
 <p:sld xmlns:a="http://schemas.openxmlformats.org/drawingml/2006/main" xmlns:r="http://schemas.openxmlformats.org/officeDocument/2006/relationships" xmlns:p="http://schemas.openxmlformats.org/presentationml/2006/main">
   <p:cSld>
     <p:spTree>
@@ -18411,11 +20560,7 @@
                       </a:r>
                       <a:r>
                         <a:rPr lang="ru-RU" dirty="0" smtClean="0"/>
-                        <a:t>МФТИ,</a:t>
-                      </a:r>
-                      <a:r>
-                        <a:rPr lang="ru-RU" baseline="0" dirty="0" smtClean="0"/>
-                        <a:t> 2016</a:t>
+                        <a:t>МФТИ</a:t>
                       </a:r>
                       <a:endParaRPr lang="ru-RU" dirty="0"/>
                     </a:p>
@@ -18436,7 +20581,7 @@
           <p:nvPr>
             <p:extLst>
               <p:ext uri="{D42A27DB-BD31-4B8C-83A1-F6EECF244321}">
-                <p14:modId xmlns:p14="http://schemas.microsoft.com/office/powerpoint/2010/main" val="3118465297"/>
+                <p14:modId xmlns:p14="http://schemas.microsoft.com/office/powerpoint/2010/main" val="1045685682"/>
               </p:ext>
             </p:extLst>
           </p:nvPr>
@@ -18493,7 +20638,7 @@
                     <a:p>
                       <a:r>
                         <a:rPr lang="ru-RU" dirty="0" smtClean="0"/>
-                        <a:t>Структура ФС – древовидная с одним корнем:</a:t>
+                        <a:t>Структура ФС древовидная:</a:t>
                       </a:r>
                       <a:endParaRPr lang="ru-RU" dirty="0"/>
                     </a:p>
@@ -18728,7 +20873,7 @@
 </p:sld>
 </file>
 
-<file path=ppt/slides/slide24.xml><?xml version="1.0" encoding="utf-8"?>
+<file path=ppt/slides/slide26.xml><?xml version="1.0" encoding="utf-8"?>
 <p:sld xmlns:a="http://schemas.openxmlformats.org/drawingml/2006/main" xmlns:r="http://schemas.openxmlformats.org/officeDocument/2006/relationships" xmlns:p="http://schemas.openxmlformats.org/presentationml/2006/main">
   <p:cSld>
     <p:spTree>
@@ -18835,11 +20980,7 @@
                       </a:r>
                       <a:r>
                         <a:rPr lang="ru-RU" dirty="0" smtClean="0"/>
-                        <a:t>МФТИ,</a:t>
-                      </a:r>
-                      <a:r>
-                        <a:rPr lang="ru-RU" baseline="0" dirty="0" smtClean="0"/>
-                        <a:t> 2016</a:t>
+                        <a:t>МФТИ</a:t>
                       </a:r>
                       <a:endParaRPr lang="ru-RU" dirty="0"/>
                     </a:p>
@@ -18860,7 +21001,7 @@
           <p:nvPr>
             <p:extLst>
               <p:ext uri="{D42A27DB-BD31-4B8C-83A1-F6EECF244321}">
-                <p14:modId xmlns:p14="http://schemas.microsoft.com/office/powerpoint/2010/main" val="2914129648"/>
+                <p14:modId xmlns:p14="http://schemas.microsoft.com/office/powerpoint/2010/main" val="771818416"/>
               </p:ext>
             </p:extLst>
           </p:nvPr>
@@ -18917,7 +21058,7 @@
                     <a:p>
                       <a:r>
                         <a:rPr lang="ru-RU" dirty="0" smtClean="0"/>
-                        <a:t>Структура ФС – древовидная с одним корнем:</a:t>
+                        <a:t>Структура ФС древовидная:</a:t>
                       </a:r>
                       <a:endParaRPr lang="ru-RU" dirty="0"/>
                     </a:p>
@@ -19155,7 +21296,7 @@
 </p:sld>
 </file>
 
-<file path=ppt/slides/slide25.xml><?xml version="1.0" encoding="utf-8"?>
+<file path=ppt/slides/slide27.xml><?xml version="1.0" encoding="utf-8"?>
 <p:sld xmlns:a="http://schemas.openxmlformats.org/drawingml/2006/main" xmlns:r="http://schemas.openxmlformats.org/officeDocument/2006/relationships" xmlns:p="http://schemas.openxmlformats.org/presentationml/2006/main">
   <p:cSld>
     <p:spTree>
@@ -19262,11 +21403,7 @@
                       </a:r>
                       <a:r>
                         <a:rPr lang="ru-RU" dirty="0" smtClean="0"/>
-                        <a:t>МФТИ,</a:t>
-                      </a:r>
-                      <a:r>
-                        <a:rPr lang="ru-RU" baseline="0" dirty="0" smtClean="0"/>
-                        <a:t> 2016</a:t>
+                        <a:t>МФТИ</a:t>
                       </a:r>
                       <a:endParaRPr lang="ru-RU" dirty="0"/>
                     </a:p>
@@ -19967,7 +22104,7 @@
 </p:sld>
 </file>
 
-<file path=ppt/slides/slide26.xml><?xml version="1.0" encoding="utf-8"?>
+<file path=ppt/slides/slide28.xml><?xml version="1.0" encoding="utf-8"?>
 <p:sld xmlns:a="http://schemas.openxmlformats.org/drawingml/2006/main" xmlns:r="http://schemas.openxmlformats.org/officeDocument/2006/relationships" xmlns:p="http://schemas.openxmlformats.org/presentationml/2006/main">
   <p:cSld>
     <p:spTree>
@@ -20074,11 +22211,94 @@
                       </a:r>
                       <a:r>
                         <a:rPr lang="ru-RU" dirty="0" smtClean="0"/>
-                        <a:t>МФТИ,</a:t>
-                      </a:r>
-                      <a:r>
-                        <a:rPr lang="ru-RU" baseline="0" dirty="0" smtClean="0"/>
-                        <a:t> 2016</a:t>
+                        <a:t>МФТИ</a:t>
+                      </a:r>
+                      <a:endParaRPr lang="ru-RU" dirty="0"/>
+                    </a:p>
+                  </a:txBody>
+                  <a:tcPr/>
+                </a:tc>
+              </a:tr>
+            </a:tbl>
+          </a:graphicData>
+        </a:graphic>
+      </p:graphicFrame>
+      <p:graphicFrame>
+        <p:nvGraphicFramePr>
+          <p:cNvPr id="2" name="Table 1"/>
+          <p:cNvGraphicFramePr>
+            <a:graphicFrameLocks noGrp="1"/>
+          </p:cNvGraphicFramePr>
+          <p:nvPr>
+            <p:extLst>
+              <p:ext uri="{D42A27DB-BD31-4B8C-83A1-F6EECF244321}">
+                <p14:modId xmlns:p14="http://schemas.microsoft.com/office/powerpoint/2010/main" val="483353550"/>
+              </p:ext>
+            </p:extLst>
+          </p:nvPr>
+        </p:nvGraphicFramePr>
+        <p:xfrm>
+          <a:off x="0" y="365761"/>
+          <a:ext cx="12192000" cy="828040"/>
+        </p:xfrm>
+        <a:graphic>
+          <a:graphicData uri="http://schemas.openxmlformats.org/drawingml/2006/table">
+            <a:tbl>
+              <a:tblPr firstRow="1" bandRow="1">
+                <a:tableStyleId>{3B4B98B0-60AC-42C2-AFA5-B58CD77FA1E5}</a:tableStyleId>
+              </a:tblPr>
+              <a:tblGrid>
+                <a:gridCol w="12192000"/>
+              </a:tblGrid>
+              <a:tr h="370840">
+                <a:tc>
+                  <a:txBody>
+                    <a:bodyPr/>
+                    <a:lstStyle/>
+                    <a:p>
+                      <a:r>
+                        <a:rPr lang="ru-RU" sz="2400" dirty="0" smtClean="0"/>
+                        <a:t>Обзор-напоминание</a:t>
+                      </a:r>
+                      <a:r>
+                        <a:rPr lang="ru-RU" sz="2400" baseline="0" dirty="0" smtClean="0"/>
+                        <a:t> о </a:t>
+                      </a:r>
+                      <a:r>
+                        <a:rPr lang="en-US" sz="2400" baseline="0" dirty="0" smtClean="0"/>
+                        <a:t>POSIX Filesystem API</a:t>
+                      </a:r>
+                      <a:endParaRPr lang="ru-RU" sz="2400" dirty="0"/>
+                    </a:p>
+                  </a:txBody>
+                  <a:tcPr/>
+                </a:tc>
+              </a:tr>
+              <a:tr h="370840">
+                <a:tc>
+                  <a:txBody>
+                    <a:bodyPr/>
+                    <a:lstStyle/>
+                    <a:p>
+                      <a:r>
+                        <a:rPr lang="en-US" dirty="0" smtClean="0"/>
+                        <a:t>1. open(path,</a:t>
+                      </a:r>
+                      <a:r>
+                        <a:rPr lang="en-US" baseline="0" dirty="0" smtClean="0"/>
+                        <a:t> flags, mode</a:t>
+                      </a:r>
+                      <a:r>
+                        <a:rPr lang="en-US" dirty="0" smtClean="0"/>
+                        <a:t>) / close(</a:t>
+                      </a:r>
+                      <a:r>
+                        <a:rPr lang="en-US" dirty="0" err="1" smtClean="0"/>
+                        <a:t>fd</a:t>
+                      </a:r>
+                      <a:r>
+                        <a:rPr lang="en-US" dirty="0" smtClean="0"/>
+                        <a:t>)</a:t>
                       </a:r>
                       <a:endParaRPr lang="ru-RU" dirty="0"/>
                     </a:p>
@@ -20103,7 +22323,7 @@
 </p:sld>
 </file>
 
-<file path=ppt/slides/slide27.xml><?xml version="1.0" encoding="utf-8"?>
+<file path=ppt/slides/slide29.xml><?xml version="1.0" encoding="utf-8"?>
 <p:sld xmlns:a="http://schemas.openxmlformats.org/drawingml/2006/main" xmlns:r="http://schemas.openxmlformats.org/officeDocument/2006/relationships" xmlns:p="http://schemas.openxmlformats.org/presentationml/2006/main">
   <p:cSld>
     <p:spTree>
@@ -20210,11 +22430,144 @@
                       </a:r>
                       <a:r>
                         <a:rPr lang="ru-RU" dirty="0" smtClean="0"/>
-                        <a:t>МФТИ,</a:t>
-                      </a:r>
-                      <a:r>
-                        <a:rPr lang="ru-RU" baseline="0" dirty="0" smtClean="0"/>
-                        <a:t> 2016</a:t>
+                        <a:t>МФТИ</a:t>
+                      </a:r>
+                      <a:endParaRPr lang="ru-RU" dirty="0"/>
+                    </a:p>
+                  </a:txBody>
+                  <a:tcPr/>
+                </a:tc>
+              </a:tr>
+            </a:tbl>
+          </a:graphicData>
+        </a:graphic>
+      </p:graphicFrame>
+      <p:graphicFrame>
+        <p:nvGraphicFramePr>
+          <p:cNvPr id="2" name="Table 1"/>
+          <p:cNvGraphicFramePr>
+            <a:graphicFrameLocks noGrp="1"/>
+          </p:cNvGraphicFramePr>
+          <p:nvPr>
+            <p:extLst>
+              <p:ext uri="{D42A27DB-BD31-4B8C-83A1-F6EECF244321}">
+                <p14:modId xmlns:p14="http://schemas.microsoft.com/office/powerpoint/2010/main" val="2658096442"/>
+              </p:ext>
+            </p:extLst>
+          </p:nvPr>
+        </p:nvGraphicFramePr>
+        <p:xfrm>
+          <a:off x="0" y="365761"/>
+          <a:ext cx="12192000" cy="2016760"/>
+        </p:xfrm>
+        <a:graphic>
+          <a:graphicData uri="http://schemas.openxmlformats.org/drawingml/2006/table">
+            <a:tbl>
+              <a:tblPr firstRow="1" bandRow="1">
+                <a:tableStyleId>{3B4B98B0-60AC-42C2-AFA5-B58CD77FA1E5}</a:tableStyleId>
+              </a:tblPr>
+              <a:tblGrid>
+                <a:gridCol w="12192000"/>
+              </a:tblGrid>
+              <a:tr h="370840">
+                <a:tc>
+                  <a:txBody>
+                    <a:bodyPr/>
+                    <a:lstStyle/>
+                    <a:p>
+                      <a:r>
+                        <a:rPr lang="ru-RU" sz="2400" dirty="0" smtClean="0"/>
+                        <a:t>Обзор-напоминание</a:t>
+                      </a:r>
+                      <a:r>
+                        <a:rPr lang="ru-RU" sz="2400" baseline="0" dirty="0" smtClean="0"/>
+                        <a:t> о </a:t>
+                      </a:r>
+                      <a:r>
+                        <a:rPr lang="en-US" sz="2400" baseline="0" dirty="0" smtClean="0"/>
+                        <a:t>POSIX Filesystem API</a:t>
+                      </a:r>
+                      <a:endParaRPr lang="ru-RU" sz="2400" dirty="0"/>
+                    </a:p>
+                  </a:txBody>
+                  <a:tcPr/>
+                </a:tc>
+              </a:tr>
+              <a:tr h="370840">
+                <a:tc>
+                  <a:txBody>
+                    <a:bodyPr/>
+                    <a:lstStyle/>
+                    <a:p>
+                      <a:r>
+                        <a:rPr lang="en-US" dirty="0" smtClean="0"/>
+                        <a:t>1. open(path,</a:t>
+                      </a:r>
+                      <a:r>
+                        <a:rPr lang="en-US" baseline="0" dirty="0" smtClean="0"/>
+                        <a:t> flags, mode</a:t>
+                      </a:r>
+                      <a:r>
+                        <a:rPr lang="en-US" dirty="0" smtClean="0"/>
+                        <a:t>) / close(</a:t>
+                      </a:r>
+                      <a:r>
+                        <a:rPr lang="en-US" dirty="0" err="1" smtClean="0"/>
+                        <a:t>fd</a:t>
+                      </a:r>
+                      <a:r>
+                        <a:rPr lang="en-US" dirty="0" smtClean="0"/>
+                        <a:t>)</a:t>
+                      </a:r>
+                      <a:endParaRPr lang="ru-RU" dirty="0"/>
+                    </a:p>
+                  </a:txBody>
+                  <a:tcPr/>
+                </a:tc>
+              </a:tr>
+              <a:tr h="370840">
+                <a:tc>
+                  <a:txBody>
+                    <a:bodyPr/>
+                    <a:lstStyle/>
+                    <a:p>
+                      <a:pPr marL="285750" indent="-285750">
+                        <a:buFont typeface="Arial" panose="020B0604020202020204" pitchFamily="34" charset="0"/>
+                        <a:buChar char="•"/>
+                      </a:pPr>
+                      <a:r>
+                        <a:rPr lang="en-US" dirty="0" smtClean="0"/>
+                        <a:t>O_CREAT,</a:t>
+                      </a:r>
+                    </a:p>
+                    <a:p>
+                      <a:pPr marL="285750" indent="-285750">
+                        <a:buFont typeface="Arial" panose="020B0604020202020204" pitchFamily="34" charset="0"/>
+                        <a:buChar char="•"/>
+                      </a:pPr>
+                      <a:r>
+                        <a:rPr lang="en-US" baseline="0" dirty="0" smtClean="0"/>
+                        <a:t>O_EXCL,</a:t>
+                      </a:r>
+                    </a:p>
+                    <a:p>
+                      <a:pPr marL="285750" indent="-285750">
+                        <a:buFont typeface="Arial" panose="020B0604020202020204" pitchFamily="34" charset="0"/>
+                        <a:buChar char="•"/>
+                      </a:pPr>
+                      <a:r>
+                        <a:rPr lang="en-US" baseline="0" dirty="0" smtClean="0"/>
+                        <a:t>O_NOATIME,</a:t>
+                      </a:r>
+                    </a:p>
+                    <a:p>
+                      <a:pPr marL="285750" indent="-285750">
+                        <a:buFont typeface="Arial" panose="020B0604020202020204" pitchFamily="34" charset="0"/>
+                        <a:buChar char="•"/>
+                      </a:pPr>
+                      <a:r>
+                        <a:rPr lang="en-US" dirty="0" smtClean="0"/>
+                        <a:t>O_CLOEXEC.</a:t>
                       </a:r>
                       <a:endParaRPr lang="ru-RU" dirty="0"/>
                     </a:p>
@@ -20229,7 +22582,7 @@
     </p:spTree>
     <p:extLst>
       <p:ext uri="{BB962C8B-B14F-4D97-AF65-F5344CB8AC3E}">
-        <p14:creationId xmlns:p14="http://schemas.microsoft.com/office/powerpoint/2010/main" val="2228715948"/>
+        <p14:creationId xmlns:p14="http://schemas.microsoft.com/office/powerpoint/2010/main" val="646365678"/>
       </p:ext>
     </p:extLst>
   </p:cSld>
@@ -20346,11 +22699,7 @@
                       </a:r>
                       <a:r>
                         <a:rPr lang="ru-RU" dirty="0" smtClean="0"/>
-                        <a:t>МФТИ,</a:t>
-                      </a:r>
-                      <a:r>
-                        <a:rPr lang="ru-RU" baseline="0" dirty="0" smtClean="0"/>
-                        <a:t> 2016</a:t>
+                        <a:t>МФТИ</a:t>
                       </a:r>
                       <a:endParaRPr lang="ru-RU" dirty="0"/>
                     </a:p>
@@ -20583,6 +22932,3248 @@
 </p:sld>
 </file>
 
+<file path=ppt/slides/slide30.xml><?xml version="1.0" encoding="utf-8"?>
+<p:sld xmlns:a="http://schemas.openxmlformats.org/drawingml/2006/main" xmlns:r="http://schemas.openxmlformats.org/officeDocument/2006/relationships" xmlns:p="http://schemas.openxmlformats.org/presentationml/2006/main">
+  <p:cSld>
+    <p:spTree>
+      <p:nvGrpSpPr>
+        <p:cNvPr id="1" name=""/>
+        <p:cNvGrpSpPr/>
+        <p:nvPr/>
+      </p:nvGrpSpPr>
+      <p:grpSpPr>
+        <a:xfrm>
+          <a:off x="0" y="0"/>
+          <a:ext cx="0" cy="0"/>
+          <a:chOff x="0" y="0"/>
+          <a:chExt cx="0" cy="0"/>
+        </a:xfrm>
+      </p:grpSpPr>
+      <p:graphicFrame>
+        <p:nvGraphicFramePr>
+          <p:cNvPr id="5" name="Table 4"/>
+          <p:cNvGraphicFramePr>
+            <a:graphicFrameLocks noGrp="1"/>
+          </p:cNvGraphicFramePr>
+          <p:nvPr>
+            <p:extLst>
+              <p:ext uri="{D42A27DB-BD31-4B8C-83A1-F6EECF244321}">
+                <p14:modId xmlns:p14="http://schemas.microsoft.com/office/powerpoint/2010/main" val="2281224332"/>
+              </p:ext>
+            </p:extLst>
+          </p:nvPr>
+        </p:nvGraphicFramePr>
+        <p:xfrm>
+          <a:off x="0" y="1"/>
+          <a:ext cx="12192000" cy="365760"/>
+        </p:xfrm>
+        <a:graphic>
+          <a:graphicData uri="http://schemas.openxmlformats.org/drawingml/2006/table">
+            <a:tbl>
+              <a:tblPr firstRow="1" bandRow="1">
+                <a:tableStyleId>{5C22544A-7EE6-4342-B048-85BDC9FD1C3A}</a:tableStyleId>
+              </a:tblPr>
+              <a:tblGrid>
+                <a:gridCol w="12192000"/>
+              </a:tblGrid>
+              <a:tr h="321276">
+                <a:tc>
+                  <a:txBody>
+                    <a:bodyPr/>
+                    <a:lstStyle/>
+                    <a:p>
+                      <a:r>
+                        <a:rPr lang="ru-RU" dirty="0" smtClean="0"/>
+                        <a:t>Основы</a:t>
+                      </a:r>
+                      <a:r>
+                        <a:rPr lang="ru-RU" baseline="0" dirty="0" smtClean="0"/>
+                        <a:t> построения файловых систем</a:t>
+                      </a:r>
+                      <a:endParaRPr lang="ru-RU" dirty="0"/>
+                    </a:p>
+                  </a:txBody>
+                  <a:tcPr/>
+                </a:tc>
+              </a:tr>
+            </a:tbl>
+          </a:graphicData>
+        </a:graphic>
+      </p:graphicFrame>
+      <p:graphicFrame>
+        <p:nvGraphicFramePr>
+          <p:cNvPr id="6" name="Table 5"/>
+          <p:cNvGraphicFramePr>
+            <a:graphicFrameLocks noGrp="1"/>
+          </p:cNvGraphicFramePr>
+          <p:nvPr>
+            <p:extLst>
+              <p:ext uri="{D42A27DB-BD31-4B8C-83A1-F6EECF244321}">
+                <p14:modId xmlns:p14="http://schemas.microsoft.com/office/powerpoint/2010/main" val="4164474727"/>
+              </p:ext>
+            </p:extLst>
+          </p:nvPr>
+        </p:nvGraphicFramePr>
+        <p:xfrm>
+          <a:off x="0" y="6532604"/>
+          <a:ext cx="12192000" cy="365760"/>
+        </p:xfrm>
+        <a:graphic>
+          <a:graphicData uri="http://schemas.openxmlformats.org/drawingml/2006/table">
+            <a:tbl>
+              <a:tblPr firstRow="1" bandRow="1">
+                <a:tableStyleId>{5C22544A-7EE6-4342-B048-85BDC9FD1C3A}</a:tableStyleId>
+              </a:tblPr>
+              <a:tblGrid>
+                <a:gridCol w="12192000"/>
+              </a:tblGrid>
+              <a:tr h="308094">
+                <a:tc>
+                  <a:txBody>
+                    <a:bodyPr/>
+                    <a:lstStyle/>
+                    <a:p>
+                      <a:r>
+                        <a:rPr lang="en-US" dirty="0" smtClean="0"/>
+                        <a:t>Acronis @ </a:t>
+                      </a:r>
+                      <a:r>
+                        <a:rPr lang="ru-RU" dirty="0" smtClean="0"/>
+                        <a:t>МФТИ</a:t>
+                      </a:r>
+                      <a:endParaRPr lang="ru-RU" dirty="0"/>
+                    </a:p>
+                  </a:txBody>
+                  <a:tcPr/>
+                </a:tc>
+              </a:tr>
+            </a:tbl>
+          </a:graphicData>
+        </a:graphic>
+      </p:graphicFrame>
+      <p:graphicFrame>
+        <p:nvGraphicFramePr>
+          <p:cNvPr id="2" name="Table 1"/>
+          <p:cNvGraphicFramePr>
+            <a:graphicFrameLocks noGrp="1"/>
+          </p:cNvGraphicFramePr>
+          <p:nvPr>
+            <p:extLst>
+              <p:ext uri="{D42A27DB-BD31-4B8C-83A1-F6EECF244321}">
+                <p14:modId xmlns:p14="http://schemas.microsoft.com/office/powerpoint/2010/main" val="652238823"/>
+              </p:ext>
+            </p:extLst>
+          </p:nvPr>
+        </p:nvGraphicFramePr>
+        <p:xfrm>
+          <a:off x="0" y="365761"/>
+          <a:ext cx="12192000" cy="1198880"/>
+        </p:xfrm>
+        <a:graphic>
+          <a:graphicData uri="http://schemas.openxmlformats.org/drawingml/2006/table">
+            <a:tbl>
+              <a:tblPr firstRow="1" bandRow="1">
+                <a:tableStyleId>{3B4B98B0-60AC-42C2-AFA5-B58CD77FA1E5}</a:tableStyleId>
+              </a:tblPr>
+              <a:tblGrid>
+                <a:gridCol w="12192000"/>
+              </a:tblGrid>
+              <a:tr h="370840">
+                <a:tc>
+                  <a:txBody>
+                    <a:bodyPr/>
+                    <a:lstStyle/>
+                    <a:p>
+                      <a:r>
+                        <a:rPr lang="ru-RU" sz="2400" dirty="0" smtClean="0"/>
+                        <a:t>Обзор-напоминание</a:t>
+                      </a:r>
+                      <a:r>
+                        <a:rPr lang="ru-RU" sz="2400" baseline="0" dirty="0" smtClean="0"/>
+                        <a:t> о </a:t>
+                      </a:r>
+                      <a:r>
+                        <a:rPr lang="en-US" sz="2400" baseline="0" dirty="0" smtClean="0"/>
+                        <a:t>POSIX Filesystem API</a:t>
+                      </a:r>
+                      <a:endParaRPr lang="ru-RU" sz="2400" dirty="0"/>
+                    </a:p>
+                  </a:txBody>
+                  <a:tcPr/>
+                </a:tc>
+              </a:tr>
+              <a:tr h="370840">
+                <a:tc>
+                  <a:txBody>
+                    <a:bodyPr/>
+                    <a:lstStyle/>
+                    <a:p>
+                      <a:r>
+                        <a:rPr lang="en-US" dirty="0" smtClean="0"/>
+                        <a:t>1. open(path,</a:t>
+                      </a:r>
+                      <a:r>
+                        <a:rPr lang="en-US" baseline="0" dirty="0" smtClean="0"/>
+                        <a:t> flags, mode</a:t>
+                      </a:r>
+                      <a:r>
+                        <a:rPr lang="en-US" dirty="0" smtClean="0"/>
+                        <a:t>) / close(</a:t>
+                      </a:r>
+                      <a:r>
+                        <a:rPr lang="en-US" dirty="0" err="1" smtClean="0"/>
+                        <a:t>fd</a:t>
+                      </a:r>
+                      <a:r>
+                        <a:rPr lang="en-US" dirty="0" smtClean="0"/>
+                        <a:t>)</a:t>
+                      </a:r>
+                      <a:endParaRPr lang="ru-RU" dirty="0"/>
+                    </a:p>
+                  </a:txBody>
+                  <a:tcPr/>
+                </a:tc>
+              </a:tr>
+              <a:tr h="370840">
+                <a:tc>
+                  <a:txBody>
+                    <a:bodyPr/>
+                    <a:lstStyle/>
+                    <a:p>
+                      <a:r>
+                        <a:rPr lang="en-US" dirty="0" smtClean="0"/>
+                        <a:t>2. </a:t>
+                      </a:r>
+                      <a:r>
+                        <a:rPr lang="en-US" dirty="0" err="1" smtClean="0"/>
+                        <a:t>mkdir</a:t>
+                      </a:r>
+                      <a:r>
+                        <a:rPr lang="en-US" dirty="0" smtClean="0"/>
+                        <a:t>(path, flags) / </a:t>
+                      </a:r>
+                      <a:r>
+                        <a:rPr lang="en-US" dirty="0" err="1" smtClean="0"/>
+                        <a:t>rmdir</a:t>
+                      </a:r>
+                      <a:r>
+                        <a:rPr lang="en-US" dirty="0" smtClean="0"/>
+                        <a:t>(path)</a:t>
+                      </a:r>
+                      <a:endParaRPr lang="ru-RU" dirty="0"/>
+                    </a:p>
+                  </a:txBody>
+                  <a:tcPr/>
+                </a:tc>
+              </a:tr>
+            </a:tbl>
+          </a:graphicData>
+        </a:graphic>
+      </p:graphicFrame>
+    </p:spTree>
+    <p:extLst>
+      <p:ext uri="{BB962C8B-B14F-4D97-AF65-F5344CB8AC3E}">
+        <p14:creationId xmlns:p14="http://schemas.microsoft.com/office/powerpoint/2010/main" val="168796789"/>
+      </p:ext>
+    </p:extLst>
+  </p:cSld>
+  <p:clrMapOvr>
+    <a:masterClrMapping/>
+  </p:clrMapOvr>
+</p:sld>
+</file>
+
+<file path=ppt/slides/slide31.xml><?xml version="1.0" encoding="utf-8"?>
+<p:sld xmlns:a="http://schemas.openxmlformats.org/drawingml/2006/main" xmlns:r="http://schemas.openxmlformats.org/officeDocument/2006/relationships" xmlns:p="http://schemas.openxmlformats.org/presentationml/2006/main">
+  <p:cSld>
+    <p:spTree>
+      <p:nvGrpSpPr>
+        <p:cNvPr id="1" name=""/>
+        <p:cNvGrpSpPr/>
+        <p:nvPr/>
+      </p:nvGrpSpPr>
+      <p:grpSpPr>
+        <a:xfrm>
+          <a:off x="0" y="0"/>
+          <a:ext cx="0" cy="0"/>
+          <a:chOff x="0" y="0"/>
+          <a:chExt cx="0" cy="0"/>
+        </a:xfrm>
+      </p:grpSpPr>
+      <p:graphicFrame>
+        <p:nvGraphicFramePr>
+          <p:cNvPr id="5" name="Table 4"/>
+          <p:cNvGraphicFramePr>
+            <a:graphicFrameLocks noGrp="1"/>
+          </p:cNvGraphicFramePr>
+          <p:nvPr>
+            <p:extLst>
+              <p:ext uri="{D42A27DB-BD31-4B8C-83A1-F6EECF244321}">
+                <p14:modId xmlns:p14="http://schemas.microsoft.com/office/powerpoint/2010/main" val="2281224332"/>
+              </p:ext>
+            </p:extLst>
+          </p:nvPr>
+        </p:nvGraphicFramePr>
+        <p:xfrm>
+          <a:off x="0" y="1"/>
+          <a:ext cx="12192000" cy="365760"/>
+        </p:xfrm>
+        <a:graphic>
+          <a:graphicData uri="http://schemas.openxmlformats.org/drawingml/2006/table">
+            <a:tbl>
+              <a:tblPr firstRow="1" bandRow="1">
+                <a:tableStyleId>{5C22544A-7EE6-4342-B048-85BDC9FD1C3A}</a:tableStyleId>
+              </a:tblPr>
+              <a:tblGrid>
+                <a:gridCol w="12192000"/>
+              </a:tblGrid>
+              <a:tr h="321276">
+                <a:tc>
+                  <a:txBody>
+                    <a:bodyPr/>
+                    <a:lstStyle/>
+                    <a:p>
+                      <a:r>
+                        <a:rPr lang="ru-RU" dirty="0" smtClean="0"/>
+                        <a:t>Основы</a:t>
+                      </a:r>
+                      <a:r>
+                        <a:rPr lang="ru-RU" baseline="0" dirty="0" smtClean="0"/>
+                        <a:t> построения файловых систем</a:t>
+                      </a:r>
+                      <a:endParaRPr lang="ru-RU" dirty="0"/>
+                    </a:p>
+                  </a:txBody>
+                  <a:tcPr/>
+                </a:tc>
+              </a:tr>
+            </a:tbl>
+          </a:graphicData>
+        </a:graphic>
+      </p:graphicFrame>
+      <p:graphicFrame>
+        <p:nvGraphicFramePr>
+          <p:cNvPr id="6" name="Table 5"/>
+          <p:cNvGraphicFramePr>
+            <a:graphicFrameLocks noGrp="1"/>
+          </p:cNvGraphicFramePr>
+          <p:nvPr>
+            <p:extLst>
+              <p:ext uri="{D42A27DB-BD31-4B8C-83A1-F6EECF244321}">
+                <p14:modId xmlns:p14="http://schemas.microsoft.com/office/powerpoint/2010/main" val="4164474727"/>
+              </p:ext>
+            </p:extLst>
+          </p:nvPr>
+        </p:nvGraphicFramePr>
+        <p:xfrm>
+          <a:off x="0" y="6532604"/>
+          <a:ext cx="12192000" cy="365760"/>
+        </p:xfrm>
+        <a:graphic>
+          <a:graphicData uri="http://schemas.openxmlformats.org/drawingml/2006/table">
+            <a:tbl>
+              <a:tblPr firstRow="1" bandRow="1">
+                <a:tableStyleId>{5C22544A-7EE6-4342-B048-85BDC9FD1C3A}</a:tableStyleId>
+              </a:tblPr>
+              <a:tblGrid>
+                <a:gridCol w="12192000"/>
+              </a:tblGrid>
+              <a:tr h="308094">
+                <a:tc>
+                  <a:txBody>
+                    <a:bodyPr/>
+                    <a:lstStyle/>
+                    <a:p>
+                      <a:r>
+                        <a:rPr lang="en-US" dirty="0" smtClean="0"/>
+                        <a:t>Acronis @ </a:t>
+                      </a:r>
+                      <a:r>
+                        <a:rPr lang="ru-RU" dirty="0" smtClean="0"/>
+                        <a:t>МФТИ</a:t>
+                      </a:r>
+                      <a:endParaRPr lang="ru-RU" dirty="0"/>
+                    </a:p>
+                  </a:txBody>
+                  <a:tcPr/>
+                </a:tc>
+              </a:tr>
+            </a:tbl>
+          </a:graphicData>
+        </a:graphic>
+      </p:graphicFrame>
+      <p:graphicFrame>
+        <p:nvGraphicFramePr>
+          <p:cNvPr id="2" name="Table 1"/>
+          <p:cNvGraphicFramePr>
+            <a:graphicFrameLocks noGrp="1"/>
+          </p:cNvGraphicFramePr>
+          <p:nvPr>
+            <p:extLst>
+              <p:ext uri="{D42A27DB-BD31-4B8C-83A1-F6EECF244321}">
+                <p14:modId xmlns:p14="http://schemas.microsoft.com/office/powerpoint/2010/main" val="3517014689"/>
+              </p:ext>
+            </p:extLst>
+          </p:nvPr>
+        </p:nvGraphicFramePr>
+        <p:xfrm>
+          <a:off x="0" y="365761"/>
+          <a:ext cx="12192000" cy="1569720"/>
+        </p:xfrm>
+        <a:graphic>
+          <a:graphicData uri="http://schemas.openxmlformats.org/drawingml/2006/table">
+            <a:tbl>
+              <a:tblPr firstRow="1" bandRow="1">
+                <a:tableStyleId>{3B4B98B0-60AC-42C2-AFA5-B58CD77FA1E5}</a:tableStyleId>
+              </a:tblPr>
+              <a:tblGrid>
+                <a:gridCol w="12192000"/>
+              </a:tblGrid>
+              <a:tr h="370840">
+                <a:tc>
+                  <a:txBody>
+                    <a:bodyPr/>
+                    <a:lstStyle/>
+                    <a:p>
+                      <a:r>
+                        <a:rPr lang="ru-RU" sz="2400" dirty="0" smtClean="0"/>
+                        <a:t>Обзор-напоминание</a:t>
+                      </a:r>
+                      <a:r>
+                        <a:rPr lang="ru-RU" sz="2400" baseline="0" dirty="0" smtClean="0"/>
+                        <a:t> о </a:t>
+                      </a:r>
+                      <a:r>
+                        <a:rPr lang="en-US" sz="2400" baseline="0" dirty="0" smtClean="0"/>
+                        <a:t>POSIX Filesystem API</a:t>
+                      </a:r>
+                      <a:endParaRPr lang="ru-RU" sz="2400" dirty="0"/>
+                    </a:p>
+                  </a:txBody>
+                  <a:tcPr/>
+                </a:tc>
+              </a:tr>
+              <a:tr h="370840">
+                <a:tc>
+                  <a:txBody>
+                    <a:bodyPr/>
+                    <a:lstStyle/>
+                    <a:p>
+                      <a:r>
+                        <a:rPr lang="en-US" dirty="0" smtClean="0"/>
+                        <a:t>1. open(path,</a:t>
+                      </a:r>
+                      <a:r>
+                        <a:rPr lang="en-US" baseline="0" dirty="0" smtClean="0"/>
+                        <a:t> flags, mode</a:t>
+                      </a:r>
+                      <a:r>
+                        <a:rPr lang="en-US" dirty="0" smtClean="0"/>
+                        <a:t>) / close(</a:t>
+                      </a:r>
+                      <a:r>
+                        <a:rPr lang="en-US" dirty="0" err="1" smtClean="0"/>
+                        <a:t>fd</a:t>
+                      </a:r>
+                      <a:r>
+                        <a:rPr lang="en-US" dirty="0" smtClean="0"/>
+                        <a:t>)</a:t>
+                      </a:r>
+                      <a:endParaRPr lang="ru-RU" dirty="0"/>
+                    </a:p>
+                  </a:txBody>
+                  <a:tcPr/>
+                </a:tc>
+              </a:tr>
+              <a:tr h="370840">
+                <a:tc>
+                  <a:txBody>
+                    <a:bodyPr/>
+                    <a:lstStyle/>
+                    <a:p>
+                      <a:r>
+                        <a:rPr lang="en-US" dirty="0" smtClean="0"/>
+                        <a:t>2. </a:t>
+                      </a:r>
+                      <a:r>
+                        <a:rPr lang="en-US" dirty="0" err="1" smtClean="0"/>
+                        <a:t>mkdir</a:t>
+                      </a:r>
+                      <a:r>
+                        <a:rPr lang="en-US" dirty="0" smtClean="0"/>
+                        <a:t>(path, flags) / </a:t>
+                      </a:r>
+                      <a:r>
+                        <a:rPr lang="en-US" dirty="0" err="1" smtClean="0"/>
+                        <a:t>rmdir</a:t>
+                      </a:r>
+                      <a:r>
+                        <a:rPr lang="en-US" dirty="0" smtClean="0"/>
+                        <a:t>(path)</a:t>
+                      </a:r>
+                      <a:endParaRPr lang="ru-RU" dirty="0"/>
+                    </a:p>
+                  </a:txBody>
+                  <a:tcPr/>
+                </a:tc>
+              </a:tr>
+              <a:tr h="370840">
+                <a:tc>
+                  <a:txBody>
+                    <a:bodyPr/>
+                    <a:lstStyle/>
+                    <a:p>
+                      <a:r>
+                        <a:rPr lang="en-US" dirty="0" smtClean="0"/>
+                        <a:t>3.</a:t>
+                      </a:r>
+                      <a:r>
+                        <a:rPr lang="en-US" baseline="0" dirty="0" smtClean="0"/>
+                        <a:t> </a:t>
+                      </a:r>
+                      <a:r>
+                        <a:rPr lang="en-US" baseline="0" dirty="0" err="1" smtClean="0"/>
+                        <a:t>chdir</a:t>
+                      </a:r>
+                      <a:r>
+                        <a:rPr lang="en-US" baseline="0" dirty="0" smtClean="0"/>
+                        <a:t>(path), </a:t>
+                      </a:r>
+                      <a:r>
+                        <a:rPr lang="en-US" baseline="0" dirty="0" err="1" smtClean="0"/>
+                        <a:t>chroot</a:t>
+                      </a:r>
+                      <a:r>
+                        <a:rPr lang="en-US" baseline="0" dirty="0" smtClean="0"/>
+                        <a:t>(path)</a:t>
+                      </a:r>
+                      <a:endParaRPr lang="ru-RU" dirty="0"/>
+                    </a:p>
+                  </a:txBody>
+                  <a:tcPr/>
+                </a:tc>
+              </a:tr>
+            </a:tbl>
+          </a:graphicData>
+        </a:graphic>
+      </p:graphicFrame>
+    </p:spTree>
+    <p:extLst>
+      <p:ext uri="{BB962C8B-B14F-4D97-AF65-F5344CB8AC3E}">
+        <p14:creationId xmlns:p14="http://schemas.microsoft.com/office/powerpoint/2010/main" val="2813411199"/>
+      </p:ext>
+    </p:extLst>
+  </p:cSld>
+  <p:clrMapOvr>
+    <a:masterClrMapping/>
+  </p:clrMapOvr>
+</p:sld>
+</file>
+
+<file path=ppt/slides/slide32.xml><?xml version="1.0" encoding="utf-8"?>
+<p:sld xmlns:a="http://schemas.openxmlformats.org/drawingml/2006/main" xmlns:r="http://schemas.openxmlformats.org/officeDocument/2006/relationships" xmlns:p="http://schemas.openxmlformats.org/presentationml/2006/main">
+  <p:cSld>
+    <p:spTree>
+      <p:nvGrpSpPr>
+        <p:cNvPr id="1" name=""/>
+        <p:cNvGrpSpPr/>
+        <p:nvPr/>
+      </p:nvGrpSpPr>
+      <p:grpSpPr>
+        <a:xfrm>
+          <a:off x="0" y="0"/>
+          <a:ext cx="0" cy="0"/>
+          <a:chOff x="0" y="0"/>
+          <a:chExt cx="0" cy="0"/>
+        </a:xfrm>
+      </p:grpSpPr>
+      <p:graphicFrame>
+        <p:nvGraphicFramePr>
+          <p:cNvPr id="5" name="Table 4"/>
+          <p:cNvGraphicFramePr>
+            <a:graphicFrameLocks noGrp="1"/>
+          </p:cNvGraphicFramePr>
+          <p:nvPr>
+            <p:extLst>
+              <p:ext uri="{D42A27DB-BD31-4B8C-83A1-F6EECF244321}">
+                <p14:modId xmlns:p14="http://schemas.microsoft.com/office/powerpoint/2010/main" val="2281224332"/>
+              </p:ext>
+            </p:extLst>
+          </p:nvPr>
+        </p:nvGraphicFramePr>
+        <p:xfrm>
+          <a:off x="0" y="1"/>
+          <a:ext cx="12192000" cy="365760"/>
+        </p:xfrm>
+        <a:graphic>
+          <a:graphicData uri="http://schemas.openxmlformats.org/drawingml/2006/table">
+            <a:tbl>
+              <a:tblPr firstRow="1" bandRow="1">
+                <a:tableStyleId>{5C22544A-7EE6-4342-B048-85BDC9FD1C3A}</a:tableStyleId>
+              </a:tblPr>
+              <a:tblGrid>
+                <a:gridCol w="12192000"/>
+              </a:tblGrid>
+              <a:tr h="321276">
+                <a:tc>
+                  <a:txBody>
+                    <a:bodyPr/>
+                    <a:lstStyle/>
+                    <a:p>
+                      <a:r>
+                        <a:rPr lang="ru-RU" dirty="0" smtClean="0"/>
+                        <a:t>Основы</a:t>
+                      </a:r>
+                      <a:r>
+                        <a:rPr lang="ru-RU" baseline="0" dirty="0" smtClean="0"/>
+                        <a:t> построения файловых систем</a:t>
+                      </a:r>
+                      <a:endParaRPr lang="ru-RU" dirty="0"/>
+                    </a:p>
+                  </a:txBody>
+                  <a:tcPr/>
+                </a:tc>
+              </a:tr>
+            </a:tbl>
+          </a:graphicData>
+        </a:graphic>
+      </p:graphicFrame>
+      <p:graphicFrame>
+        <p:nvGraphicFramePr>
+          <p:cNvPr id="6" name="Table 5"/>
+          <p:cNvGraphicFramePr>
+            <a:graphicFrameLocks noGrp="1"/>
+          </p:cNvGraphicFramePr>
+          <p:nvPr>
+            <p:extLst>
+              <p:ext uri="{D42A27DB-BD31-4B8C-83A1-F6EECF244321}">
+                <p14:modId xmlns:p14="http://schemas.microsoft.com/office/powerpoint/2010/main" val="4164474727"/>
+              </p:ext>
+            </p:extLst>
+          </p:nvPr>
+        </p:nvGraphicFramePr>
+        <p:xfrm>
+          <a:off x="0" y="6532604"/>
+          <a:ext cx="12192000" cy="365760"/>
+        </p:xfrm>
+        <a:graphic>
+          <a:graphicData uri="http://schemas.openxmlformats.org/drawingml/2006/table">
+            <a:tbl>
+              <a:tblPr firstRow="1" bandRow="1">
+                <a:tableStyleId>{5C22544A-7EE6-4342-B048-85BDC9FD1C3A}</a:tableStyleId>
+              </a:tblPr>
+              <a:tblGrid>
+                <a:gridCol w="12192000"/>
+              </a:tblGrid>
+              <a:tr h="308094">
+                <a:tc>
+                  <a:txBody>
+                    <a:bodyPr/>
+                    <a:lstStyle/>
+                    <a:p>
+                      <a:r>
+                        <a:rPr lang="en-US" dirty="0" smtClean="0"/>
+                        <a:t>Acronis @ </a:t>
+                      </a:r>
+                      <a:r>
+                        <a:rPr lang="ru-RU" dirty="0" smtClean="0"/>
+                        <a:t>МФТИ</a:t>
+                      </a:r>
+                      <a:endParaRPr lang="ru-RU" dirty="0"/>
+                    </a:p>
+                  </a:txBody>
+                  <a:tcPr/>
+                </a:tc>
+              </a:tr>
+            </a:tbl>
+          </a:graphicData>
+        </a:graphic>
+      </p:graphicFrame>
+      <p:graphicFrame>
+        <p:nvGraphicFramePr>
+          <p:cNvPr id="2" name="Table 1"/>
+          <p:cNvGraphicFramePr>
+            <a:graphicFrameLocks noGrp="1"/>
+          </p:cNvGraphicFramePr>
+          <p:nvPr>
+            <p:extLst>
+              <p:ext uri="{D42A27DB-BD31-4B8C-83A1-F6EECF244321}">
+                <p14:modId xmlns:p14="http://schemas.microsoft.com/office/powerpoint/2010/main" val="2667799475"/>
+              </p:ext>
+            </p:extLst>
+          </p:nvPr>
+        </p:nvGraphicFramePr>
+        <p:xfrm>
+          <a:off x="0" y="365761"/>
+          <a:ext cx="12192000" cy="3307080"/>
+        </p:xfrm>
+        <a:graphic>
+          <a:graphicData uri="http://schemas.openxmlformats.org/drawingml/2006/table">
+            <a:tbl>
+              <a:tblPr firstRow="1" bandRow="1">
+                <a:tableStyleId>{3B4B98B0-60AC-42C2-AFA5-B58CD77FA1E5}</a:tableStyleId>
+              </a:tblPr>
+              <a:tblGrid>
+                <a:gridCol w="12192000"/>
+              </a:tblGrid>
+              <a:tr h="370840">
+                <a:tc>
+                  <a:txBody>
+                    <a:bodyPr/>
+                    <a:lstStyle/>
+                    <a:p>
+                      <a:r>
+                        <a:rPr lang="ru-RU" sz="2400" dirty="0" smtClean="0"/>
+                        <a:t>Обзор-напоминание</a:t>
+                      </a:r>
+                      <a:r>
+                        <a:rPr lang="ru-RU" sz="2400" baseline="0" dirty="0" smtClean="0"/>
+                        <a:t> о </a:t>
+                      </a:r>
+                      <a:r>
+                        <a:rPr lang="en-US" sz="2400" baseline="0" dirty="0" smtClean="0"/>
+                        <a:t>POSIX Filesystem API</a:t>
+                      </a:r>
+                      <a:endParaRPr lang="ru-RU" sz="2400" dirty="0"/>
+                    </a:p>
+                  </a:txBody>
+                  <a:tcPr/>
+                </a:tc>
+              </a:tr>
+              <a:tr h="370840">
+                <a:tc>
+                  <a:txBody>
+                    <a:bodyPr/>
+                    <a:lstStyle/>
+                    <a:p>
+                      <a:r>
+                        <a:rPr lang="en-US" dirty="0" smtClean="0"/>
+                        <a:t>1. open(path,</a:t>
+                      </a:r>
+                      <a:r>
+                        <a:rPr lang="en-US" baseline="0" dirty="0" smtClean="0"/>
+                        <a:t> flags, mode</a:t>
+                      </a:r>
+                      <a:r>
+                        <a:rPr lang="en-US" dirty="0" smtClean="0"/>
+                        <a:t>) / close(</a:t>
+                      </a:r>
+                      <a:r>
+                        <a:rPr lang="en-US" dirty="0" err="1" smtClean="0"/>
+                        <a:t>fd</a:t>
+                      </a:r>
+                      <a:r>
+                        <a:rPr lang="en-US" dirty="0" smtClean="0"/>
+                        <a:t>)</a:t>
+                      </a:r>
+                      <a:endParaRPr lang="ru-RU" dirty="0"/>
+                    </a:p>
+                  </a:txBody>
+                  <a:tcPr/>
+                </a:tc>
+              </a:tr>
+              <a:tr h="370840">
+                <a:tc>
+                  <a:txBody>
+                    <a:bodyPr/>
+                    <a:lstStyle/>
+                    <a:p>
+                      <a:r>
+                        <a:rPr lang="en-US" dirty="0" smtClean="0"/>
+                        <a:t>2. </a:t>
+                      </a:r>
+                      <a:r>
+                        <a:rPr lang="en-US" dirty="0" err="1" smtClean="0"/>
+                        <a:t>mkdir</a:t>
+                      </a:r>
+                      <a:r>
+                        <a:rPr lang="en-US" dirty="0" smtClean="0"/>
+                        <a:t>(path, flags) / </a:t>
+                      </a:r>
+                      <a:r>
+                        <a:rPr lang="en-US" dirty="0" err="1" smtClean="0"/>
+                        <a:t>rmdir</a:t>
+                      </a:r>
+                      <a:r>
+                        <a:rPr lang="en-US" dirty="0" smtClean="0"/>
+                        <a:t>(path)</a:t>
+                      </a:r>
+                      <a:endParaRPr lang="ru-RU" dirty="0"/>
+                    </a:p>
+                  </a:txBody>
+                  <a:tcPr/>
+                </a:tc>
+              </a:tr>
+              <a:tr h="370840">
+                <a:tc>
+                  <a:txBody>
+                    <a:bodyPr/>
+                    <a:lstStyle/>
+                    <a:p>
+                      <a:r>
+                        <a:rPr lang="en-US" dirty="0" smtClean="0"/>
+                        <a:t>3.</a:t>
+                      </a:r>
+                      <a:r>
+                        <a:rPr lang="en-US" baseline="0" dirty="0" smtClean="0"/>
+                        <a:t> </a:t>
+                      </a:r>
+                      <a:r>
+                        <a:rPr lang="en-US" baseline="0" dirty="0" err="1" smtClean="0"/>
+                        <a:t>chdir</a:t>
+                      </a:r>
+                      <a:r>
+                        <a:rPr lang="en-US" baseline="0" dirty="0" smtClean="0"/>
+                        <a:t>(path), </a:t>
+                      </a:r>
+                      <a:r>
+                        <a:rPr lang="en-US" baseline="0" dirty="0" err="1" smtClean="0"/>
+                        <a:t>chroot</a:t>
+                      </a:r>
+                      <a:r>
+                        <a:rPr lang="en-US" baseline="0" dirty="0" smtClean="0"/>
+                        <a:t>(path)</a:t>
+                      </a:r>
+                      <a:endParaRPr lang="ru-RU" dirty="0"/>
+                    </a:p>
+                  </a:txBody>
+                  <a:tcPr/>
+                </a:tc>
+              </a:tr>
+              <a:tr h="370840">
+                <a:tc>
+                  <a:txBody>
+                    <a:bodyPr/>
+                    <a:lstStyle/>
+                    <a:p>
+                      <a:r>
+                        <a:rPr lang="en-US" dirty="0" smtClean="0"/>
+                        <a:t>4. </a:t>
+                      </a:r>
+                      <a:r>
+                        <a:rPr lang="en-US" dirty="0" err="1" smtClean="0"/>
+                        <a:t>openat</a:t>
+                      </a:r>
+                      <a:r>
+                        <a:rPr lang="en-US" dirty="0" smtClean="0"/>
+                        <a:t>(</a:t>
+                      </a:r>
+                      <a:r>
+                        <a:rPr lang="en-US" dirty="0" err="1" smtClean="0"/>
+                        <a:t>dirfd</a:t>
+                      </a:r>
+                      <a:r>
+                        <a:rPr lang="en-US" dirty="0" smtClean="0"/>
+                        <a:t>, path, flags) / </a:t>
+                      </a:r>
+                      <a:r>
+                        <a:rPr lang="en-US" dirty="0" err="1" smtClean="0"/>
+                        <a:t>mkdirat</a:t>
+                      </a:r>
+                      <a:r>
+                        <a:rPr lang="en-US" dirty="0" smtClean="0"/>
+                        <a:t>() / </a:t>
+                      </a:r>
+                      <a:r>
+                        <a:rPr lang="en-US" dirty="0" err="1" smtClean="0"/>
+                        <a:t>rmdirat</a:t>
+                      </a:r>
+                      <a:r>
+                        <a:rPr lang="en-US" dirty="0" smtClean="0"/>
+                        <a:t>() / </a:t>
+                      </a:r>
+                      <a:r>
+                        <a:rPr lang="en-US" dirty="0" err="1" smtClean="0"/>
+                        <a:t>etc</a:t>
+                      </a:r>
+                      <a:endParaRPr lang="en-US" dirty="0" smtClean="0"/>
+                    </a:p>
+                    <a:p>
+                      <a:endParaRPr lang="ru-RU" dirty="0" smtClean="0"/>
+                    </a:p>
+                    <a:p>
+                      <a:r>
+                        <a:rPr lang="ru-RU" dirty="0" smtClean="0"/>
+                        <a:t>Параметр</a:t>
+                      </a:r>
+                      <a:r>
+                        <a:rPr lang="ru-RU" baseline="0" dirty="0" smtClean="0"/>
+                        <a:t> </a:t>
+                      </a:r>
+                      <a:r>
+                        <a:rPr lang="en-US" baseline="0" dirty="0" err="1" smtClean="0"/>
+                        <a:t>dirfd</a:t>
+                      </a:r>
+                      <a:r>
+                        <a:rPr lang="en-US" baseline="0" dirty="0" smtClean="0"/>
+                        <a:t> </a:t>
+                      </a:r>
+                      <a:r>
+                        <a:rPr lang="ru-RU" baseline="0" dirty="0" smtClean="0"/>
+                        <a:t>играет роль рабочего каталога для данного вызова. Выгода:</a:t>
+                      </a:r>
+                    </a:p>
+                    <a:p>
+                      <a:pPr marL="285750" indent="-285750">
+                        <a:buFont typeface="Arial" panose="020B0604020202020204" pitchFamily="34" charset="0"/>
+                        <a:buChar char="•"/>
+                      </a:pPr>
+                      <a:r>
+                        <a:rPr lang="ru-RU" baseline="0" dirty="0" smtClean="0"/>
+                        <a:t>решает проблему гонок с </a:t>
+                      </a:r>
+                      <a:r>
+                        <a:rPr lang="en-US" baseline="0" dirty="0" err="1" smtClean="0"/>
+                        <a:t>chdir</a:t>
+                      </a:r>
+                      <a:r>
+                        <a:rPr lang="en-US" baseline="0" dirty="0" smtClean="0"/>
+                        <a:t>(),</a:t>
+                      </a:r>
+                      <a:endParaRPr lang="ru-RU" baseline="0" dirty="0" smtClean="0"/>
+                    </a:p>
+                    <a:p>
+                      <a:pPr marL="285750" indent="-285750">
+                        <a:buFont typeface="Arial" panose="020B0604020202020204" pitchFamily="34" charset="0"/>
+                        <a:buChar char="•"/>
+                      </a:pPr>
+                      <a:r>
+                        <a:rPr lang="ru-RU" baseline="0" dirty="0" smtClean="0"/>
+                        <a:t>рабочие каталоги для потоков, а не всего процесса,</a:t>
+                      </a:r>
+                    </a:p>
+                    <a:p>
+                      <a:pPr marL="285750" indent="-285750">
+                        <a:buFont typeface="Arial" panose="020B0604020202020204" pitchFamily="34" charset="0"/>
+                        <a:buChar char="•"/>
+                      </a:pPr>
+                      <a:r>
+                        <a:rPr lang="ru-RU" dirty="0" smtClean="0"/>
+                        <a:t>меньше работы про обходу пути.</a:t>
+                      </a:r>
+                      <a:endParaRPr lang="ru-RU" dirty="0"/>
+                    </a:p>
+                  </a:txBody>
+                  <a:tcPr/>
+                </a:tc>
+              </a:tr>
+            </a:tbl>
+          </a:graphicData>
+        </a:graphic>
+      </p:graphicFrame>
+    </p:spTree>
+    <p:extLst>
+      <p:ext uri="{BB962C8B-B14F-4D97-AF65-F5344CB8AC3E}">
+        <p14:creationId xmlns:p14="http://schemas.microsoft.com/office/powerpoint/2010/main" val="742351979"/>
+      </p:ext>
+    </p:extLst>
+  </p:cSld>
+  <p:clrMapOvr>
+    <a:masterClrMapping/>
+  </p:clrMapOvr>
+</p:sld>
+</file>
+
+<file path=ppt/slides/slide33.xml><?xml version="1.0" encoding="utf-8"?>
+<p:sld xmlns:a="http://schemas.openxmlformats.org/drawingml/2006/main" xmlns:r="http://schemas.openxmlformats.org/officeDocument/2006/relationships" xmlns:p="http://schemas.openxmlformats.org/presentationml/2006/main">
+  <p:cSld>
+    <p:spTree>
+      <p:nvGrpSpPr>
+        <p:cNvPr id="1" name=""/>
+        <p:cNvGrpSpPr/>
+        <p:nvPr/>
+      </p:nvGrpSpPr>
+      <p:grpSpPr>
+        <a:xfrm>
+          <a:off x="0" y="0"/>
+          <a:ext cx="0" cy="0"/>
+          <a:chOff x="0" y="0"/>
+          <a:chExt cx="0" cy="0"/>
+        </a:xfrm>
+      </p:grpSpPr>
+      <p:graphicFrame>
+        <p:nvGraphicFramePr>
+          <p:cNvPr id="5" name="Table 4"/>
+          <p:cNvGraphicFramePr>
+            <a:graphicFrameLocks noGrp="1"/>
+          </p:cNvGraphicFramePr>
+          <p:nvPr>
+            <p:extLst>
+              <p:ext uri="{D42A27DB-BD31-4B8C-83A1-F6EECF244321}">
+                <p14:modId xmlns:p14="http://schemas.microsoft.com/office/powerpoint/2010/main" val="2281224332"/>
+              </p:ext>
+            </p:extLst>
+          </p:nvPr>
+        </p:nvGraphicFramePr>
+        <p:xfrm>
+          <a:off x="0" y="1"/>
+          <a:ext cx="12192000" cy="365760"/>
+        </p:xfrm>
+        <a:graphic>
+          <a:graphicData uri="http://schemas.openxmlformats.org/drawingml/2006/table">
+            <a:tbl>
+              <a:tblPr firstRow="1" bandRow="1">
+                <a:tableStyleId>{5C22544A-7EE6-4342-B048-85BDC9FD1C3A}</a:tableStyleId>
+              </a:tblPr>
+              <a:tblGrid>
+                <a:gridCol w="12192000"/>
+              </a:tblGrid>
+              <a:tr h="321276">
+                <a:tc>
+                  <a:txBody>
+                    <a:bodyPr/>
+                    <a:lstStyle/>
+                    <a:p>
+                      <a:r>
+                        <a:rPr lang="ru-RU" dirty="0" smtClean="0"/>
+                        <a:t>Основы</a:t>
+                      </a:r>
+                      <a:r>
+                        <a:rPr lang="ru-RU" baseline="0" dirty="0" smtClean="0"/>
+                        <a:t> построения файловых систем</a:t>
+                      </a:r>
+                      <a:endParaRPr lang="ru-RU" dirty="0"/>
+                    </a:p>
+                  </a:txBody>
+                  <a:tcPr/>
+                </a:tc>
+              </a:tr>
+            </a:tbl>
+          </a:graphicData>
+        </a:graphic>
+      </p:graphicFrame>
+      <p:graphicFrame>
+        <p:nvGraphicFramePr>
+          <p:cNvPr id="6" name="Table 5"/>
+          <p:cNvGraphicFramePr>
+            <a:graphicFrameLocks noGrp="1"/>
+          </p:cNvGraphicFramePr>
+          <p:nvPr>
+            <p:extLst>
+              <p:ext uri="{D42A27DB-BD31-4B8C-83A1-F6EECF244321}">
+                <p14:modId xmlns:p14="http://schemas.microsoft.com/office/powerpoint/2010/main" val="4164474727"/>
+              </p:ext>
+            </p:extLst>
+          </p:nvPr>
+        </p:nvGraphicFramePr>
+        <p:xfrm>
+          <a:off x="0" y="6532604"/>
+          <a:ext cx="12192000" cy="365760"/>
+        </p:xfrm>
+        <a:graphic>
+          <a:graphicData uri="http://schemas.openxmlformats.org/drawingml/2006/table">
+            <a:tbl>
+              <a:tblPr firstRow="1" bandRow="1">
+                <a:tableStyleId>{5C22544A-7EE6-4342-B048-85BDC9FD1C3A}</a:tableStyleId>
+              </a:tblPr>
+              <a:tblGrid>
+                <a:gridCol w="12192000"/>
+              </a:tblGrid>
+              <a:tr h="308094">
+                <a:tc>
+                  <a:txBody>
+                    <a:bodyPr/>
+                    <a:lstStyle/>
+                    <a:p>
+                      <a:r>
+                        <a:rPr lang="en-US" dirty="0" smtClean="0"/>
+                        <a:t>Acronis @ </a:t>
+                      </a:r>
+                      <a:r>
+                        <a:rPr lang="ru-RU" dirty="0" smtClean="0"/>
+                        <a:t>МФТИ</a:t>
+                      </a:r>
+                      <a:endParaRPr lang="ru-RU" dirty="0"/>
+                    </a:p>
+                  </a:txBody>
+                  <a:tcPr/>
+                </a:tc>
+              </a:tr>
+            </a:tbl>
+          </a:graphicData>
+        </a:graphic>
+      </p:graphicFrame>
+      <p:graphicFrame>
+        <p:nvGraphicFramePr>
+          <p:cNvPr id="2" name="Table 1"/>
+          <p:cNvGraphicFramePr>
+            <a:graphicFrameLocks noGrp="1"/>
+          </p:cNvGraphicFramePr>
+          <p:nvPr>
+            <p:extLst>
+              <p:ext uri="{D42A27DB-BD31-4B8C-83A1-F6EECF244321}">
+                <p14:modId xmlns:p14="http://schemas.microsoft.com/office/powerpoint/2010/main" val="1256258609"/>
+              </p:ext>
+            </p:extLst>
+          </p:nvPr>
+        </p:nvGraphicFramePr>
+        <p:xfrm>
+          <a:off x="0" y="365761"/>
+          <a:ext cx="12192000" cy="2311400"/>
+        </p:xfrm>
+        <a:graphic>
+          <a:graphicData uri="http://schemas.openxmlformats.org/drawingml/2006/table">
+            <a:tbl>
+              <a:tblPr firstRow="1" bandRow="1">
+                <a:tableStyleId>{3B4B98B0-60AC-42C2-AFA5-B58CD77FA1E5}</a:tableStyleId>
+              </a:tblPr>
+              <a:tblGrid>
+                <a:gridCol w="12192000"/>
+              </a:tblGrid>
+              <a:tr h="370840">
+                <a:tc>
+                  <a:txBody>
+                    <a:bodyPr/>
+                    <a:lstStyle/>
+                    <a:p>
+                      <a:r>
+                        <a:rPr lang="ru-RU" sz="2400" dirty="0" smtClean="0"/>
+                        <a:t>Обзор-напоминание</a:t>
+                      </a:r>
+                      <a:r>
+                        <a:rPr lang="ru-RU" sz="2400" baseline="0" dirty="0" smtClean="0"/>
+                        <a:t> о </a:t>
+                      </a:r>
+                      <a:r>
+                        <a:rPr lang="en-US" sz="2400" baseline="0" dirty="0" smtClean="0"/>
+                        <a:t>POSIX Filesystem API</a:t>
+                      </a:r>
+                      <a:endParaRPr lang="ru-RU" sz="2400" dirty="0"/>
+                    </a:p>
+                  </a:txBody>
+                  <a:tcPr/>
+                </a:tc>
+              </a:tr>
+              <a:tr h="370840">
+                <a:tc>
+                  <a:txBody>
+                    <a:bodyPr/>
+                    <a:lstStyle/>
+                    <a:p>
+                      <a:r>
+                        <a:rPr lang="en-US" dirty="0" smtClean="0"/>
+                        <a:t>1. open(path,</a:t>
+                      </a:r>
+                      <a:r>
+                        <a:rPr lang="en-US" baseline="0" dirty="0" smtClean="0"/>
+                        <a:t> flags, mode</a:t>
+                      </a:r>
+                      <a:r>
+                        <a:rPr lang="en-US" dirty="0" smtClean="0"/>
+                        <a:t>) / close(</a:t>
+                      </a:r>
+                      <a:r>
+                        <a:rPr lang="en-US" dirty="0" err="1" smtClean="0"/>
+                        <a:t>fd</a:t>
+                      </a:r>
+                      <a:r>
+                        <a:rPr lang="en-US" dirty="0" smtClean="0"/>
+                        <a:t>)</a:t>
+                      </a:r>
+                      <a:endParaRPr lang="ru-RU" dirty="0"/>
+                    </a:p>
+                  </a:txBody>
+                  <a:tcPr/>
+                </a:tc>
+              </a:tr>
+              <a:tr h="370840">
+                <a:tc>
+                  <a:txBody>
+                    <a:bodyPr/>
+                    <a:lstStyle/>
+                    <a:p>
+                      <a:r>
+                        <a:rPr lang="en-US" dirty="0" smtClean="0"/>
+                        <a:t>2. </a:t>
+                      </a:r>
+                      <a:r>
+                        <a:rPr lang="en-US" dirty="0" err="1" smtClean="0"/>
+                        <a:t>mkdir</a:t>
+                      </a:r>
+                      <a:r>
+                        <a:rPr lang="en-US" dirty="0" smtClean="0"/>
+                        <a:t>(path, flags) / </a:t>
+                      </a:r>
+                      <a:r>
+                        <a:rPr lang="en-US" dirty="0" err="1" smtClean="0"/>
+                        <a:t>rmdir</a:t>
+                      </a:r>
+                      <a:r>
+                        <a:rPr lang="en-US" dirty="0" smtClean="0"/>
+                        <a:t>(path)</a:t>
+                      </a:r>
+                      <a:endParaRPr lang="ru-RU" dirty="0"/>
+                    </a:p>
+                  </a:txBody>
+                  <a:tcPr/>
+                </a:tc>
+              </a:tr>
+              <a:tr h="370840">
+                <a:tc>
+                  <a:txBody>
+                    <a:bodyPr/>
+                    <a:lstStyle/>
+                    <a:p>
+                      <a:r>
+                        <a:rPr lang="en-US" dirty="0" smtClean="0"/>
+                        <a:t>3.</a:t>
+                      </a:r>
+                      <a:r>
+                        <a:rPr lang="en-US" baseline="0" dirty="0" smtClean="0"/>
+                        <a:t> </a:t>
+                      </a:r>
+                      <a:r>
+                        <a:rPr lang="en-US" baseline="0" dirty="0" err="1" smtClean="0"/>
+                        <a:t>chdir</a:t>
+                      </a:r>
+                      <a:r>
+                        <a:rPr lang="en-US" baseline="0" dirty="0" smtClean="0"/>
+                        <a:t>(path), </a:t>
+                      </a:r>
+                      <a:r>
+                        <a:rPr lang="en-US" baseline="0" dirty="0" err="1" smtClean="0"/>
+                        <a:t>chroot</a:t>
+                      </a:r>
+                      <a:r>
+                        <a:rPr lang="en-US" baseline="0" dirty="0" smtClean="0"/>
+                        <a:t>(path)</a:t>
+                      </a:r>
+                      <a:endParaRPr lang="ru-RU" dirty="0"/>
+                    </a:p>
+                  </a:txBody>
+                  <a:tcPr/>
+                </a:tc>
+              </a:tr>
+              <a:tr h="370840">
+                <a:tc>
+                  <a:txBody>
+                    <a:bodyPr/>
+                    <a:lstStyle/>
+                    <a:p>
+                      <a:r>
+                        <a:rPr lang="en-US" dirty="0" smtClean="0"/>
+                        <a:t>4. </a:t>
+                      </a:r>
+                      <a:r>
+                        <a:rPr lang="en-US" dirty="0" err="1" smtClean="0"/>
+                        <a:t>openat</a:t>
+                      </a:r>
+                      <a:r>
+                        <a:rPr lang="en-US" dirty="0" smtClean="0"/>
+                        <a:t>(</a:t>
+                      </a:r>
+                      <a:r>
+                        <a:rPr lang="en-US" dirty="0" err="1" smtClean="0"/>
+                        <a:t>dirfd</a:t>
+                      </a:r>
+                      <a:r>
+                        <a:rPr lang="en-US" dirty="0" smtClean="0"/>
+                        <a:t>, path, flags) / </a:t>
+                      </a:r>
+                      <a:r>
+                        <a:rPr lang="en-US" dirty="0" err="1" smtClean="0"/>
+                        <a:t>mkdirat</a:t>
+                      </a:r>
+                      <a:r>
+                        <a:rPr lang="en-US" dirty="0" smtClean="0"/>
+                        <a:t>() / </a:t>
+                      </a:r>
+                      <a:r>
+                        <a:rPr lang="en-US" dirty="0" err="1" smtClean="0"/>
+                        <a:t>rmdirat</a:t>
+                      </a:r>
+                      <a:r>
+                        <a:rPr lang="en-US" dirty="0" smtClean="0"/>
+                        <a:t>() / </a:t>
+                      </a:r>
+                      <a:r>
+                        <a:rPr lang="en-US" dirty="0" err="1" smtClean="0"/>
+                        <a:t>etc</a:t>
+                      </a:r>
+                      <a:endParaRPr lang="en-US" dirty="0" smtClean="0"/>
+                    </a:p>
+                  </a:txBody>
+                  <a:tcPr/>
+                </a:tc>
+              </a:tr>
+              <a:tr h="370840">
+                <a:tc>
+                  <a:txBody>
+                    <a:bodyPr/>
+                    <a:lstStyle/>
+                    <a:p>
+                      <a:r>
+                        <a:rPr lang="en-US" dirty="0" smtClean="0"/>
+                        <a:t>5. </a:t>
+                      </a:r>
+                      <a:r>
+                        <a:rPr lang="en-US" dirty="0" err="1" smtClean="0"/>
+                        <a:t>symlink</a:t>
+                      </a:r>
+                      <a:r>
+                        <a:rPr lang="en-US" dirty="0" smtClean="0"/>
+                        <a:t>() / </a:t>
+                      </a:r>
+                      <a:r>
+                        <a:rPr lang="en-US" dirty="0" err="1" smtClean="0"/>
+                        <a:t>readlink</a:t>
+                      </a:r>
+                      <a:r>
+                        <a:rPr lang="en-US" dirty="0" smtClean="0"/>
+                        <a:t>()</a:t>
+                      </a:r>
+                    </a:p>
+                  </a:txBody>
+                  <a:tcPr/>
+                </a:tc>
+              </a:tr>
+            </a:tbl>
+          </a:graphicData>
+        </a:graphic>
+      </p:graphicFrame>
+    </p:spTree>
+    <p:extLst>
+      <p:ext uri="{BB962C8B-B14F-4D97-AF65-F5344CB8AC3E}">
+        <p14:creationId xmlns:p14="http://schemas.microsoft.com/office/powerpoint/2010/main" val="2829276229"/>
+      </p:ext>
+    </p:extLst>
+  </p:cSld>
+  <p:clrMapOvr>
+    <a:masterClrMapping/>
+  </p:clrMapOvr>
+</p:sld>
+</file>
+
+<file path=ppt/slides/slide34.xml><?xml version="1.0" encoding="utf-8"?>
+<p:sld xmlns:a="http://schemas.openxmlformats.org/drawingml/2006/main" xmlns:r="http://schemas.openxmlformats.org/officeDocument/2006/relationships" xmlns:p="http://schemas.openxmlformats.org/presentationml/2006/main">
+  <p:cSld>
+    <p:spTree>
+      <p:nvGrpSpPr>
+        <p:cNvPr id="1" name=""/>
+        <p:cNvGrpSpPr/>
+        <p:nvPr/>
+      </p:nvGrpSpPr>
+      <p:grpSpPr>
+        <a:xfrm>
+          <a:off x="0" y="0"/>
+          <a:ext cx="0" cy="0"/>
+          <a:chOff x="0" y="0"/>
+          <a:chExt cx="0" cy="0"/>
+        </a:xfrm>
+      </p:grpSpPr>
+      <p:graphicFrame>
+        <p:nvGraphicFramePr>
+          <p:cNvPr id="5" name="Table 4"/>
+          <p:cNvGraphicFramePr>
+            <a:graphicFrameLocks noGrp="1"/>
+          </p:cNvGraphicFramePr>
+          <p:nvPr>
+            <p:extLst>
+              <p:ext uri="{D42A27DB-BD31-4B8C-83A1-F6EECF244321}">
+                <p14:modId xmlns:p14="http://schemas.microsoft.com/office/powerpoint/2010/main" val="2281224332"/>
+              </p:ext>
+            </p:extLst>
+          </p:nvPr>
+        </p:nvGraphicFramePr>
+        <p:xfrm>
+          <a:off x="0" y="1"/>
+          <a:ext cx="12192000" cy="365760"/>
+        </p:xfrm>
+        <a:graphic>
+          <a:graphicData uri="http://schemas.openxmlformats.org/drawingml/2006/table">
+            <a:tbl>
+              <a:tblPr firstRow="1" bandRow="1">
+                <a:tableStyleId>{5C22544A-7EE6-4342-B048-85BDC9FD1C3A}</a:tableStyleId>
+              </a:tblPr>
+              <a:tblGrid>
+                <a:gridCol w="12192000"/>
+              </a:tblGrid>
+              <a:tr h="321276">
+                <a:tc>
+                  <a:txBody>
+                    <a:bodyPr/>
+                    <a:lstStyle/>
+                    <a:p>
+                      <a:r>
+                        <a:rPr lang="ru-RU" dirty="0" smtClean="0"/>
+                        <a:t>Основы</a:t>
+                      </a:r>
+                      <a:r>
+                        <a:rPr lang="ru-RU" baseline="0" dirty="0" smtClean="0"/>
+                        <a:t> построения файловых систем</a:t>
+                      </a:r>
+                      <a:endParaRPr lang="ru-RU" dirty="0"/>
+                    </a:p>
+                  </a:txBody>
+                  <a:tcPr/>
+                </a:tc>
+              </a:tr>
+            </a:tbl>
+          </a:graphicData>
+        </a:graphic>
+      </p:graphicFrame>
+      <p:graphicFrame>
+        <p:nvGraphicFramePr>
+          <p:cNvPr id="6" name="Table 5"/>
+          <p:cNvGraphicFramePr>
+            <a:graphicFrameLocks noGrp="1"/>
+          </p:cNvGraphicFramePr>
+          <p:nvPr>
+            <p:extLst>
+              <p:ext uri="{D42A27DB-BD31-4B8C-83A1-F6EECF244321}">
+                <p14:modId xmlns:p14="http://schemas.microsoft.com/office/powerpoint/2010/main" val="4164474727"/>
+              </p:ext>
+            </p:extLst>
+          </p:nvPr>
+        </p:nvGraphicFramePr>
+        <p:xfrm>
+          <a:off x="0" y="6532604"/>
+          <a:ext cx="12192000" cy="365760"/>
+        </p:xfrm>
+        <a:graphic>
+          <a:graphicData uri="http://schemas.openxmlformats.org/drawingml/2006/table">
+            <a:tbl>
+              <a:tblPr firstRow="1" bandRow="1">
+                <a:tableStyleId>{5C22544A-7EE6-4342-B048-85BDC9FD1C3A}</a:tableStyleId>
+              </a:tblPr>
+              <a:tblGrid>
+                <a:gridCol w="12192000"/>
+              </a:tblGrid>
+              <a:tr h="308094">
+                <a:tc>
+                  <a:txBody>
+                    <a:bodyPr/>
+                    <a:lstStyle/>
+                    <a:p>
+                      <a:r>
+                        <a:rPr lang="en-US" dirty="0" smtClean="0"/>
+                        <a:t>Acronis @ </a:t>
+                      </a:r>
+                      <a:r>
+                        <a:rPr lang="ru-RU" dirty="0" smtClean="0"/>
+                        <a:t>МФТИ</a:t>
+                      </a:r>
+                      <a:endParaRPr lang="ru-RU" dirty="0"/>
+                    </a:p>
+                  </a:txBody>
+                  <a:tcPr/>
+                </a:tc>
+              </a:tr>
+            </a:tbl>
+          </a:graphicData>
+        </a:graphic>
+      </p:graphicFrame>
+      <p:graphicFrame>
+        <p:nvGraphicFramePr>
+          <p:cNvPr id="2" name="Table 1"/>
+          <p:cNvGraphicFramePr>
+            <a:graphicFrameLocks noGrp="1"/>
+          </p:cNvGraphicFramePr>
+          <p:nvPr>
+            <p:extLst>
+              <p:ext uri="{D42A27DB-BD31-4B8C-83A1-F6EECF244321}">
+                <p14:modId xmlns:p14="http://schemas.microsoft.com/office/powerpoint/2010/main" val="233030361"/>
+              </p:ext>
+            </p:extLst>
+          </p:nvPr>
+        </p:nvGraphicFramePr>
+        <p:xfrm>
+          <a:off x="0" y="365761"/>
+          <a:ext cx="12192000" cy="3774440"/>
+        </p:xfrm>
+        <a:graphic>
+          <a:graphicData uri="http://schemas.openxmlformats.org/drawingml/2006/table">
+            <a:tbl>
+              <a:tblPr firstRow="1" bandRow="1">
+                <a:tableStyleId>{3B4B98B0-60AC-42C2-AFA5-B58CD77FA1E5}</a:tableStyleId>
+              </a:tblPr>
+              <a:tblGrid>
+                <a:gridCol w="12192000"/>
+              </a:tblGrid>
+              <a:tr h="370840">
+                <a:tc>
+                  <a:txBody>
+                    <a:bodyPr/>
+                    <a:lstStyle/>
+                    <a:p>
+                      <a:r>
+                        <a:rPr lang="ru-RU" sz="2400" dirty="0" smtClean="0"/>
+                        <a:t>Обзор-напоминание</a:t>
+                      </a:r>
+                      <a:r>
+                        <a:rPr lang="ru-RU" sz="2400" baseline="0" dirty="0" smtClean="0"/>
+                        <a:t> о </a:t>
+                      </a:r>
+                      <a:r>
+                        <a:rPr lang="en-US" sz="2400" baseline="0" dirty="0" smtClean="0"/>
+                        <a:t>POSIX Filesystem API</a:t>
+                      </a:r>
+                      <a:endParaRPr lang="ru-RU" sz="2400" dirty="0"/>
+                    </a:p>
+                  </a:txBody>
+                  <a:tcPr/>
+                </a:tc>
+              </a:tr>
+              <a:tr h="370840">
+                <a:tc>
+                  <a:txBody>
+                    <a:bodyPr/>
+                    <a:lstStyle/>
+                    <a:p>
+                      <a:r>
+                        <a:rPr lang="en-US" dirty="0" smtClean="0"/>
+                        <a:t>1. open(path,</a:t>
+                      </a:r>
+                      <a:r>
+                        <a:rPr lang="en-US" baseline="0" dirty="0" smtClean="0"/>
+                        <a:t> flags, mode</a:t>
+                      </a:r>
+                      <a:r>
+                        <a:rPr lang="en-US" dirty="0" smtClean="0"/>
+                        <a:t>) / close(</a:t>
+                      </a:r>
+                      <a:r>
+                        <a:rPr lang="en-US" dirty="0" err="1" smtClean="0"/>
+                        <a:t>fd</a:t>
+                      </a:r>
+                      <a:r>
+                        <a:rPr lang="en-US" dirty="0" smtClean="0"/>
+                        <a:t>)</a:t>
+                      </a:r>
+                      <a:endParaRPr lang="ru-RU" dirty="0"/>
+                    </a:p>
+                  </a:txBody>
+                  <a:tcPr/>
+                </a:tc>
+              </a:tr>
+              <a:tr h="370840">
+                <a:tc>
+                  <a:txBody>
+                    <a:bodyPr/>
+                    <a:lstStyle/>
+                    <a:p>
+                      <a:r>
+                        <a:rPr lang="en-US" dirty="0" smtClean="0"/>
+                        <a:t>2. </a:t>
+                      </a:r>
+                      <a:r>
+                        <a:rPr lang="en-US" dirty="0" err="1" smtClean="0"/>
+                        <a:t>mkdir</a:t>
+                      </a:r>
+                      <a:r>
+                        <a:rPr lang="en-US" dirty="0" smtClean="0"/>
+                        <a:t>(path, flags) / </a:t>
+                      </a:r>
+                      <a:r>
+                        <a:rPr lang="en-US" dirty="0" err="1" smtClean="0"/>
+                        <a:t>rmdir</a:t>
+                      </a:r>
+                      <a:r>
+                        <a:rPr lang="en-US" dirty="0" smtClean="0"/>
+                        <a:t>(path)</a:t>
+                      </a:r>
+                      <a:endParaRPr lang="ru-RU" dirty="0"/>
+                    </a:p>
+                  </a:txBody>
+                  <a:tcPr/>
+                </a:tc>
+              </a:tr>
+              <a:tr h="370840">
+                <a:tc>
+                  <a:txBody>
+                    <a:bodyPr/>
+                    <a:lstStyle/>
+                    <a:p>
+                      <a:r>
+                        <a:rPr lang="en-US" dirty="0" smtClean="0"/>
+                        <a:t>3.</a:t>
+                      </a:r>
+                      <a:r>
+                        <a:rPr lang="en-US" baseline="0" dirty="0" smtClean="0"/>
+                        <a:t> </a:t>
+                      </a:r>
+                      <a:r>
+                        <a:rPr lang="en-US" baseline="0" dirty="0" err="1" smtClean="0"/>
+                        <a:t>chdir</a:t>
+                      </a:r>
+                      <a:r>
+                        <a:rPr lang="en-US" baseline="0" dirty="0" smtClean="0"/>
+                        <a:t>(path), </a:t>
+                      </a:r>
+                      <a:r>
+                        <a:rPr lang="en-US" baseline="0" dirty="0" err="1" smtClean="0"/>
+                        <a:t>chroot</a:t>
+                      </a:r>
+                      <a:r>
+                        <a:rPr lang="en-US" baseline="0" dirty="0" smtClean="0"/>
+                        <a:t>(path)</a:t>
+                      </a:r>
+                      <a:endParaRPr lang="ru-RU" dirty="0"/>
+                    </a:p>
+                  </a:txBody>
+                  <a:tcPr/>
+                </a:tc>
+              </a:tr>
+              <a:tr h="370840">
+                <a:tc>
+                  <a:txBody>
+                    <a:bodyPr/>
+                    <a:lstStyle/>
+                    <a:p>
+                      <a:r>
+                        <a:rPr lang="en-US" dirty="0" smtClean="0"/>
+                        <a:t>4. </a:t>
+                      </a:r>
+                      <a:r>
+                        <a:rPr lang="en-US" dirty="0" err="1" smtClean="0"/>
+                        <a:t>openat</a:t>
+                      </a:r>
+                      <a:r>
+                        <a:rPr lang="en-US" dirty="0" smtClean="0"/>
+                        <a:t>(</a:t>
+                      </a:r>
+                      <a:r>
+                        <a:rPr lang="en-US" dirty="0" err="1" smtClean="0"/>
+                        <a:t>dirfd</a:t>
+                      </a:r>
+                      <a:r>
+                        <a:rPr lang="en-US" dirty="0" smtClean="0"/>
+                        <a:t>, path, flags) / </a:t>
+                      </a:r>
+                      <a:r>
+                        <a:rPr lang="en-US" dirty="0" err="1" smtClean="0"/>
+                        <a:t>mkdirat</a:t>
+                      </a:r>
+                      <a:r>
+                        <a:rPr lang="en-US" dirty="0" smtClean="0"/>
+                        <a:t>() / </a:t>
+                      </a:r>
+                      <a:r>
+                        <a:rPr lang="en-US" dirty="0" err="1" smtClean="0"/>
+                        <a:t>rmdirat</a:t>
+                      </a:r>
+                      <a:r>
+                        <a:rPr lang="en-US" dirty="0" smtClean="0"/>
+                        <a:t>() / </a:t>
+                      </a:r>
+                      <a:r>
+                        <a:rPr lang="en-US" dirty="0" err="1" smtClean="0"/>
+                        <a:t>etc</a:t>
+                      </a:r>
+                      <a:endParaRPr lang="en-US" dirty="0" smtClean="0"/>
+                    </a:p>
+                  </a:txBody>
+                  <a:tcPr/>
+                </a:tc>
+              </a:tr>
+              <a:tr h="370840">
+                <a:tc>
+                  <a:txBody>
+                    <a:bodyPr/>
+                    <a:lstStyle/>
+                    <a:p>
+                      <a:r>
+                        <a:rPr lang="en-US" dirty="0" smtClean="0"/>
+                        <a:t>5. </a:t>
+                      </a:r>
+                      <a:r>
+                        <a:rPr lang="en-US" dirty="0" err="1" smtClean="0"/>
+                        <a:t>symlink</a:t>
+                      </a:r>
+                      <a:r>
+                        <a:rPr lang="en-US" dirty="0" smtClean="0"/>
+                        <a:t>() / </a:t>
+                      </a:r>
+                      <a:r>
+                        <a:rPr lang="en-US" dirty="0" err="1" smtClean="0"/>
+                        <a:t>readlink</a:t>
+                      </a:r>
+                      <a:r>
+                        <a:rPr lang="en-US" dirty="0" smtClean="0"/>
+                        <a:t>()</a:t>
+                      </a:r>
+                    </a:p>
+                  </a:txBody>
+                  <a:tcPr/>
+                </a:tc>
+              </a:tr>
+              <a:tr h="370840">
+                <a:tc>
+                  <a:txBody>
+                    <a:bodyPr/>
+                    <a:lstStyle/>
+                    <a:p>
+                      <a:r>
+                        <a:rPr lang="en-US" dirty="0" smtClean="0"/>
+                        <a:t>6. link() / unlink()</a:t>
+                      </a:r>
+                    </a:p>
+                    <a:p>
+                      <a:endParaRPr lang="en-US" dirty="0" smtClean="0"/>
+                    </a:p>
+                    <a:p>
+                      <a:r>
+                        <a:rPr lang="ru-RU" dirty="0" smtClean="0"/>
+                        <a:t>В </a:t>
+                      </a:r>
+                      <a:r>
+                        <a:rPr lang="en-US" dirty="0" smtClean="0"/>
+                        <a:t>POSIX </a:t>
+                      </a:r>
+                      <a:r>
+                        <a:rPr lang="ru-RU" dirty="0" smtClean="0"/>
+                        <a:t>файлы и имена существуют отдельно друг от друга. Возможны ситуации:</a:t>
+                      </a:r>
+                    </a:p>
+                    <a:p>
+                      <a:pPr marL="285750" indent="-285750">
+                        <a:buFont typeface="Arial" panose="020B0604020202020204" pitchFamily="34" charset="0"/>
+                        <a:buChar char="•"/>
+                      </a:pPr>
+                      <a:r>
+                        <a:rPr lang="ru-RU" dirty="0" smtClean="0"/>
+                        <a:t>файл имеет несколько имён,</a:t>
+                      </a:r>
+                    </a:p>
+                    <a:p>
+                      <a:pPr marL="285750" indent="-285750">
+                        <a:buFont typeface="Arial" panose="020B0604020202020204" pitchFamily="34" charset="0"/>
+                        <a:buChar char="•"/>
+                      </a:pPr>
+                      <a:r>
+                        <a:rPr lang="ru-RU" dirty="0" smtClean="0"/>
+                        <a:t>файл не имеет ни одного имени.</a:t>
+                      </a:r>
+                    </a:p>
+                  </a:txBody>
+                  <a:tcPr/>
+                </a:tc>
+              </a:tr>
+            </a:tbl>
+          </a:graphicData>
+        </a:graphic>
+      </p:graphicFrame>
+    </p:spTree>
+    <p:extLst>
+      <p:ext uri="{BB962C8B-B14F-4D97-AF65-F5344CB8AC3E}">
+        <p14:creationId xmlns:p14="http://schemas.microsoft.com/office/powerpoint/2010/main" val="4152298700"/>
+      </p:ext>
+    </p:extLst>
+  </p:cSld>
+  <p:clrMapOvr>
+    <a:masterClrMapping/>
+  </p:clrMapOvr>
+</p:sld>
+</file>
+
+<file path=ppt/slides/slide35.xml><?xml version="1.0" encoding="utf-8"?>
+<p:sld xmlns:a="http://schemas.openxmlformats.org/drawingml/2006/main" xmlns:r="http://schemas.openxmlformats.org/officeDocument/2006/relationships" xmlns:p="http://schemas.openxmlformats.org/presentationml/2006/main">
+  <p:cSld>
+    <p:spTree>
+      <p:nvGrpSpPr>
+        <p:cNvPr id="1" name=""/>
+        <p:cNvGrpSpPr/>
+        <p:nvPr/>
+      </p:nvGrpSpPr>
+      <p:grpSpPr>
+        <a:xfrm>
+          <a:off x="0" y="0"/>
+          <a:ext cx="0" cy="0"/>
+          <a:chOff x="0" y="0"/>
+          <a:chExt cx="0" cy="0"/>
+        </a:xfrm>
+      </p:grpSpPr>
+      <p:graphicFrame>
+        <p:nvGraphicFramePr>
+          <p:cNvPr id="5" name="Table 4"/>
+          <p:cNvGraphicFramePr>
+            <a:graphicFrameLocks noGrp="1"/>
+          </p:cNvGraphicFramePr>
+          <p:nvPr>
+            <p:extLst>
+              <p:ext uri="{D42A27DB-BD31-4B8C-83A1-F6EECF244321}">
+                <p14:modId xmlns:p14="http://schemas.microsoft.com/office/powerpoint/2010/main" val="2281224332"/>
+              </p:ext>
+            </p:extLst>
+          </p:nvPr>
+        </p:nvGraphicFramePr>
+        <p:xfrm>
+          <a:off x="0" y="1"/>
+          <a:ext cx="12192000" cy="365760"/>
+        </p:xfrm>
+        <a:graphic>
+          <a:graphicData uri="http://schemas.openxmlformats.org/drawingml/2006/table">
+            <a:tbl>
+              <a:tblPr firstRow="1" bandRow="1">
+                <a:tableStyleId>{5C22544A-7EE6-4342-B048-85BDC9FD1C3A}</a:tableStyleId>
+              </a:tblPr>
+              <a:tblGrid>
+                <a:gridCol w="12192000"/>
+              </a:tblGrid>
+              <a:tr h="321276">
+                <a:tc>
+                  <a:txBody>
+                    <a:bodyPr/>
+                    <a:lstStyle/>
+                    <a:p>
+                      <a:r>
+                        <a:rPr lang="ru-RU" dirty="0" smtClean="0"/>
+                        <a:t>Основы</a:t>
+                      </a:r>
+                      <a:r>
+                        <a:rPr lang="ru-RU" baseline="0" dirty="0" smtClean="0"/>
+                        <a:t> построения файловых систем</a:t>
+                      </a:r>
+                      <a:endParaRPr lang="ru-RU" dirty="0"/>
+                    </a:p>
+                  </a:txBody>
+                  <a:tcPr/>
+                </a:tc>
+              </a:tr>
+            </a:tbl>
+          </a:graphicData>
+        </a:graphic>
+      </p:graphicFrame>
+      <p:graphicFrame>
+        <p:nvGraphicFramePr>
+          <p:cNvPr id="6" name="Table 5"/>
+          <p:cNvGraphicFramePr>
+            <a:graphicFrameLocks noGrp="1"/>
+          </p:cNvGraphicFramePr>
+          <p:nvPr>
+            <p:extLst>
+              <p:ext uri="{D42A27DB-BD31-4B8C-83A1-F6EECF244321}">
+                <p14:modId xmlns:p14="http://schemas.microsoft.com/office/powerpoint/2010/main" val="4164474727"/>
+              </p:ext>
+            </p:extLst>
+          </p:nvPr>
+        </p:nvGraphicFramePr>
+        <p:xfrm>
+          <a:off x="0" y="6532604"/>
+          <a:ext cx="12192000" cy="365760"/>
+        </p:xfrm>
+        <a:graphic>
+          <a:graphicData uri="http://schemas.openxmlformats.org/drawingml/2006/table">
+            <a:tbl>
+              <a:tblPr firstRow="1" bandRow="1">
+                <a:tableStyleId>{5C22544A-7EE6-4342-B048-85BDC9FD1C3A}</a:tableStyleId>
+              </a:tblPr>
+              <a:tblGrid>
+                <a:gridCol w="12192000"/>
+              </a:tblGrid>
+              <a:tr h="308094">
+                <a:tc>
+                  <a:txBody>
+                    <a:bodyPr/>
+                    <a:lstStyle/>
+                    <a:p>
+                      <a:r>
+                        <a:rPr lang="en-US" dirty="0" smtClean="0"/>
+                        <a:t>Acronis @ </a:t>
+                      </a:r>
+                      <a:r>
+                        <a:rPr lang="ru-RU" dirty="0" smtClean="0"/>
+                        <a:t>МФТИ</a:t>
+                      </a:r>
+                      <a:endParaRPr lang="ru-RU" dirty="0"/>
+                    </a:p>
+                  </a:txBody>
+                  <a:tcPr/>
+                </a:tc>
+              </a:tr>
+            </a:tbl>
+          </a:graphicData>
+        </a:graphic>
+      </p:graphicFrame>
+      <p:graphicFrame>
+        <p:nvGraphicFramePr>
+          <p:cNvPr id="2" name="Table 1"/>
+          <p:cNvGraphicFramePr>
+            <a:graphicFrameLocks noGrp="1"/>
+          </p:cNvGraphicFramePr>
+          <p:nvPr>
+            <p:extLst>
+              <p:ext uri="{D42A27DB-BD31-4B8C-83A1-F6EECF244321}">
+                <p14:modId xmlns:p14="http://schemas.microsoft.com/office/powerpoint/2010/main" val="2492653987"/>
+              </p:ext>
+            </p:extLst>
+          </p:nvPr>
+        </p:nvGraphicFramePr>
+        <p:xfrm>
+          <a:off x="0" y="365761"/>
+          <a:ext cx="12192000" cy="4323080"/>
+        </p:xfrm>
+        <a:graphic>
+          <a:graphicData uri="http://schemas.openxmlformats.org/drawingml/2006/table">
+            <a:tbl>
+              <a:tblPr firstRow="1" bandRow="1">
+                <a:tableStyleId>{3B4B98B0-60AC-42C2-AFA5-B58CD77FA1E5}</a:tableStyleId>
+              </a:tblPr>
+              <a:tblGrid>
+                <a:gridCol w="12192000"/>
+              </a:tblGrid>
+              <a:tr h="370840">
+                <a:tc>
+                  <a:txBody>
+                    <a:bodyPr/>
+                    <a:lstStyle/>
+                    <a:p>
+                      <a:r>
+                        <a:rPr lang="ru-RU" sz="2400" dirty="0" smtClean="0"/>
+                        <a:t>Обзор-напоминание</a:t>
+                      </a:r>
+                      <a:r>
+                        <a:rPr lang="ru-RU" sz="2400" baseline="0" dirty="0" smtClean="0"/>
+                        <a:t> о </a:t>
+                      </a:r>
+                      <a:r>
+                        <a:rPr lang="en-US" sz="2400" baseline="0" dirty="0" smtClean="0"/>
+                        <a:t>POSIX Filesystem API</a:t>
+                      </a:r>
+                      <a:endParaRPr lang="ru-RU" sz="2400" dirty="0"/>
+                    </a:p>
+                  </a:txBody>
+                  <a:tcPr/>
+                </a:tc>
+              </a:tr>
+              <a:tr h="370840">
+                <a:tc>
+                  <a:txBody>
+                    <a:bodyPr/>
+                    <a:lstStyle/>
+                    <a:p>
+                      <a:r>
+                        <a:rPr lang="en-US" dirty="0" smtClean="0"/>
+                        <a:t>1. open(path,</a:t>
+                      </a:r>
+                      <a:r>
+                        <a:rPr lang="en-US" baseline="0" dirty="0" smtClean="0"/>
+                        <a:t> flags, mode</a:t>
+                      </a:r>
+                      <a:r>
+                        <a:rPr lang="en-US" dirty="0" smtClean="0"/>
+                        <a:t>) / close(</a:t>
+                      </a:r>
+                      <a:r>
+                        <a:rPr lang="en-US" dirty="0" err="1" smtClean="0"/>
+                        <a:t>fd</a:t>
+                      </a:r>
+                      <a:r>
+                        <a:rPr lang="en-US" dirty="0" smtClean="0"/>
+                        <a:t>)</a:t>
+                      </a:r>
+                      <a:endParaRPr lang="ru-RU" dirty="0"/>
+                    </a:p>
+                  </a:txBody>
+                  <a:tcPr/>
+                </a:tc>
+              </a:tr>
+              <a:tr h="370840">
+                <a:tc>
+                  <a:txBody>
+                    <a:bodyPr/>
+                    <a:lstStyle/>
+                    <a:p>
+                      <a:r>
+                        <a:rPr lang="en-US" dirty="0" smtClean="0"/>
+                        <a:t>2. </a:t>
+                      </a:r>
+                      <a:r>
+                        <a:rPr lang="en-US" dirty="0" err="1" smtClean="0"/>
+                        <a:t>mkdir</a:t>
+                      </a:r>
+                      <a:r>
+                        <a:rPr lang="en-US" dirty="0" smtClean="0"/>
+                        <a:t>(path, flags) / </a:t>
+                      </a:r>
+                      <a:r>
+                        <a:rPr lang="en-US" dirty="0" err="1" smtClean="0"/>
+                        <a:t>rmdir</a:t>
+                      </a:r>
+                      <a:r>
+                        <a:rPr lang="en-US" dirty="0" smtClean="0"/>
+                        <a:t>(path)</a:t>
+                      </a:r>
+                      <a:endParaRPr lang="ru-RU" dirty="0"/>
+                    </a:p>
+                  </a:txBody>
+                  <a:tcPr/>
+                </a:tc>
+              </a:tr>
+              <a:tr h="370840">
+                <a:tc>
+                  <a:txBody>
+                    <a:bodyPr/>
+                    <a:lstStyle/>
+                    <a:p>
+                      <a:r>
+                        <a:rPr lang="en-US" dirty="0" smtClean="0"/>
+                        <a:t>3.</a:t>
+                      </a:r>
+                      <a:r>
+                        <a:rPr lang="en-US" baseline="0" dirty="0" smtClean="0"/>
+                        <a:t> </a:t>
+                      </a:r>
+                      <a:r>
+                        <a:rPr lang="en-US" baseline="0" dirty="0" err="1" smtClean="0"/>
+                        <a:t>chdir</a:t>
+                      </a:r>
+                      <a:r>
+                        <a:rPr lang="en-US" baseline="0" dirty="0" smtClean="0"/>
+                        <a:t>(path), </a:t>
+                      </a:r>
+                      <a:r>
+                        <a:rPr lang="en-US" baseline="0" dirty="0" err="1" smtClean="0"/>
+                        <a:t>chroot</a:t>
+                      </a:r>
+                      <a:r>
+                        <a:rPr lang="en-US" baseline="0" dirty="0" smtClean="0"/>
+                        <a:t>(path)</a:t>
+                      </a:r>
+                      <a:endParaRPr lang="ru-RU" dirty="0"/>
+                    </a:p>
+                  </a:txBody>
+                  <a:tcPr/>
+                </a:tc>
+              </a:tr>
+              <a:tr h="370840">
+                <a:tc>
+                  <a:txBody>
+                    <a:bodyPr/>
+                    <a:lstStyle/>
+                    <a:p>
+                      <a:r>
+                        <a:rPr lang="en-US" dirty="0" smtClean="0"/>
+                        <a:t>4. </a:t>
+                      </a:r>
+                      <a:r>
+                        <a:rPr lang="en-US" dirty="0" err="1" smtClean="0"/>
+                        <a:t>openat</a:t>
+                      </a:r>
+                      <a:r>
+                        <a:rPr lang="en-US" dirty="0" smtClean="0"/>
+                        <a:t>(</a:t>
+                      </a:r>
+                      <a:r>
+                        <a:rPr lang="en-US" dirty="0" err="1" smtClean="0"/>
+                        <a:t>dirfd</a:t>
+                      </a:r>
+                      <a:r>
+                        <a:rPr lang="en-US" dirty="0" smtClean="0"/>
+                        <a:t>, path, flags) / </a:t>
+                      </a:r>
+                      <a:r>
+                        <a:rPr lang="en-US" dirty="0" err="1" smtClean="0"/>
+                        <a:t>mkdirat</a:t>
+                      </a:r>
+                      <a:r>
+                        <a:rPr lang="en-US" dirty="0" smtClean="0"/>
+                        <a:t>() / </a:t>
+                      </a:r>
+                      <a:r>
+                        <a:rPr lang="en-US" dirty="0" err="1" smtClean="0"/>
+                        <a:t>rmdirat</a:t>
+                      </a:r>
+                      <a:r>
+                        <a:rPr lang="en-US" dirty="0" smtClean="0"/>
+                        <a:t>() / </a:t>
+                      </a:r>
+                      <a:r>
+                        <a:rPr lang="en-US" dirty="0" err="1" smtClean="0"/>
+                        <a:t>etc</a:t>
+                      </a:r>
+                      <a:endParaRPr lang="en-US" dirty="0" smtClean="0"/>
+                    </a:p>
+                  </a:txBody>
+                  <a:tcPr/>
+                </a:tc>
+              </a:tr>
+              <a:tr h="370840">
+                <a:tc>
+                  <a:txBody>
+                    <a:bodyPr/>
+                    <a:lstStyle/>
+                    <a:p>
+                      <a:r>
+                        <a:rPr lang="en-US" dirty="0" smtClean="0"/>
+                        <a:t>5. </a:t>
+                      </a:r>
+                      <a:r>
+                        <a:rPr lang="en-US" dirty="0" err="1" smtClean="0"/>
+                        <a:t>symlink</a:t>
+                      </a:r>
+                      <a:r>
+                        <a:rPr lang="en-US" dirty="0" smtClean="0"/>
+                        <a:t>() / </a:t>
+                      </a:r>
+                      <a:r>
+                        <a:rPr lang="en-US" dirty="0" err="1" smtClean="0"/>
+                        <a:t>readlink</a:t>
+                      </a:r>
+                      <a:r>
+                        <a:rPr lang="en-US" dirty="0" smtClean="0"/>
+                        <a:t>()</a:t>
+                      </a:r>
+                    </a:p>
+                  </a:txBody>
+                  <a:tcPr/>
+                </a:tc>
+              </a:tr>
+              <a:tr h="370840">
+                <a:tc>
+                  <a:txBody>
+                    <a:bodyPr/>
+                    <a:lstStyle/>
+                    <a:p>
+                      <a:r>
+                        <a:rPr lang="en-US" dirty="0" smtClean="0"/>
+                        <a:t>6. link() / unlink()</a:t>
+                      </a:r>
+                    </a:p>
+                    <a:p>
+                      <a:endParaRPr lang="en-US" dirty="0" smtClean="0"/>
+                    </a:p>
+                    <a:p>
+                      <a:r>
+                        <a:rPr lang="ru-RU" dirty="0" smtClean="0"/>
+                        <a:t>В </a:t>
+                      </a:r>
+                      <a:r>
+                        <a:rPr lang="en-US" dirty="0" smtClean="0"/>
+                        <a:t>POSIX </a:t>
+                      </a:r>
+                      <a:r>
+                        <a:rPr lang="ru-RU" dirty="0" smtClean="0"/>
+                        <a:t>файлы и имена существуют отдельно друг от друга. Возможны ситуации:</a:t>
+                      </a:r>
+                    </a:p>
+                    <a:p>
+                      <a:pPr marL="285750" indent="-285750">
+                        <a:buFont typeface="Arial" panose="020B0604020202020204" pitchFamily="34" charset="0"/>
+                        <a:buChar char="•"/>
+                      </a:pPr>
+                      <a:r>
+                        <a:rPr lang="ru-RU" dirty="0" smtClean="0"/>
+                        <a:t>файл имеет несколько имён,</a:t>
+                      </a:r>
+                    </a:p>
+                    <a:p>
+                      <a:pPr marL="285750" indent="-285750">
+                        <a:buFont typeface="Arial" panose="020B0604020202020204" pitchFamily="34" charset="0"/>
+                        <a:buChar char="•"/>
+                      </a:pPr>
+                      <a:r>
+                        <a:rPr lang="ru-RU" dirty="0" smtClean="0"/>
+                        <a:t>файл не имеет ни одного имени</a:t>
+                      </a:r>
+                      <a:r>
+                        <a:rPr lang="en-US" dirty="0" smtClean="0"/>
+                        <a:t>.</a:t>
+                      </a:r>
+                    </a:p>
+                    <a:p>
+                      <a:pPr marL="0" indent="0">
+                        <a:buFont typeface="Arial" panose="020B0604020202020204" pitchFamily="34" charset="0"/>
+                        <a:buNone/>
+                      </a:pPr>
+                      <a:endParaRPr lang="ru-RU" dirty="0" smtClean="0"/>
+                    </a:p>
+                    <a:p>
+                      <a:pPr marL="0" indent="0">
+                        <a:buFont typeface="Arial" panose="020B0604020202020204" pitchFamily="34" charset="0"/>
+                        <a:buNone/>
+                      </a:pPr>
+                      <a:r>
+                        <a:rPr lang="en-US" dirty="0" smtClean="0"/>
+                        <a:t>open(O_TMPFILE)</a:t>
+                      </a:r>
+                      <a:r>
+                        <a:rPr lang="ru-RU" baseline="0" dirty="0" smtClean="0"/>
+                        <a:t> создаёт файл, у которого изначально нет имени</a:t>
+                      </a:r>
+                      <a:r>
+                        <a:rPr lang="en-US" dirty="0" smtClean="0"/>
+                        <a:t>.</a:t>
+                      </a:r>
+                      <a:endParaRPr lang="ru-RU" dirty="0" smtClean="0"/>
+                    </a:p>
+                  </a:txBody>
+                  <a:tcPr/>
+                </a:tc>
+              </a:tr>
+            </a:tbl>
+          </a:graphicData>
+        </a:graphic>
+      </p:graphicFrame>
+    </p:spTree>
+    <p:extLst>
+      <p:ext uri="{BB962C8B-B14F-4D97-AF65-F5344CB8AC3E}">
+        <p14:creationId xmlns:p14="http://schemas.microsoft.com/office/powerpoint/2010/main" val="3382582635"/>
+      </p:ext>
+    </p:extLst>
+  </p:cSld>
+  <p:clrMapOvr>
+    <a:masterClrMapping/>
+  </p:clrMapOvr>
+</p:sld>
+</file>
+
+<file path=ppt/slides/slide36.xml><?xml version="1.0" encoding="utf-8"?>
+<p:sld xmlns:a="http://schemas.openxmlformats.org/drawingml/2006/main" xmlns:r="http://schemas.openxmlformats.org/officeDocument/2006/relationships" xmlns:p="http://schemas.openxmlformats.org/presentationml/2006/main">
+  <p:cSld>
+    <p:spTree>
+      <p:nvGrpSpPr>
+        <p:cNvPr id="1" name=""/>
+        <p:cNvGrpSpPr/>
+        <p:nvPr/>
+      </p:nvGrpSpPr>
+      <p:grpSpPr>
+        <a:xfrm>
+          <a:off x="0" y="0"/>
+          <a:ext cx="0" cy="0"/>
+          <a:chOff x="0" y="0"/>
+          <a:chExt cx="0" cy="0"/>
+        </a:xfrm>
+      </p:grpSpPr>
+      <p:graphicFrame>
+        <p:nvGraphicFramePr>
+          <p:cNvPr id="5" name="Table 4"/>
+          <p:cNvGraphicFramePr>
+            <a:graphicFrameLocks noGrp="1"/>
+          </p:cNvGraphicFramePr>
+          <p:nvPr>
+            <p:extLst>
+              <p:ext uri="{D42A27DB-BD31-4B8C-83A1-F6EECF244321}">
+                <p14:modId xmlns:p14="http://schemas.microsoft.com/office/powerpoint/2010/main" val="2281224332"/>
+              </p:ext>
+            </p:extLst>
+          </p:nvPr>
+        </p:nvGraphicFramePr>
+        <p:xfrm>
+          <a:off x="0" y="1"/>
+          <a:ext cx="12192000" cy="365760"/>
+        </p:xfrm>
+        <a:graphic>
+          <a:graphicData uri="http://schemas.openxmlformats.org/drawingml/2006/table">
+            <a:tbl>
+              <a:tblPr firstRow="1" bandRow="1">
+                <a:tableStyleId>{5C22544A-7EE6-4342-B048-85BDC9FD1C3A}</a:tableStyleId>
+              </a:tblPr>
+              <a:tblGrid>
+                <a:gridCol w="12192000"/>
+              </a:tblGrid>
+              <a:tr h="321276">
+                <a:tc>
+                  <a:txBody>
+                    <a:bodyPr/>
+                    <a:lstStyle/>
+                    <a:p>
+                      <a:r>
+                        <a:rPr lang="ru-RU" dirty="0" smtClean="0"/>
+                        <a:t>Основы</a:t>
+                      </a:r>
+                      <a:r>
+                        <a:rPr lang="ru-RU" baseline="0" dirty="0" smtClean="0"/>
+                        <a:t> построения файловых систем</a:t>
+                      </a:r>
+                      <a:endParaRPr lang="ru-RU" dirty="0"/>
+                    </a:p>
+                  </a:txBody>
+                  <a:tcPr/>
+                </a:tc>
+              </a:tr>
+            </a:tbl>
+          </a:graphicData>
+        </a:graphic>
+      </p:graphicFrame>
+      <p:graphicFrame>
+        <p:nvGraphicFramePr>
+          <p:cNvPr id="6" name="Table 5"/>
+          <p:cNvGraphicFramePr>
+            <a:graphicFrameLocks noGrp="1"/>
+          </p:cNvGraphicFramePr>
+          <p:nvPr>
+            <p:extLst>
+              <p:ext uri="{D42A27DB-BD31-4B8C-83A1-F6EECF244321}">
+                <p14:modId xmlns:p14="http://schemas.microsoft.com/office/powerpoint/2010/main" val="4164474727"/>
+              </p:ext>
+            </p:extLst>
+          </p:nvPr>
+        </p:nvGraphicFramePr>
+        <p:xfrm>
+          <a:off x="0" y="6532604"/>
+          <a:ext cx="12192000" cy="365760"/>
+        </p:xfrm>
+        <a:graphic>
+          <a:graphicData uri="http://schemas.openxmlformats.org/drawingml/2006/table">
+            <a:tbl>
+              <a:tblPr firstRow="1" bandRow="1">
+                <a:tableStyleId>{5C22544A-7EE6-4342-B048-85BDC9FD1C3A}</a:tableStyleId>
+              </a:tblPr>
+              <a:tblGrid>
+                <a:gridCol w="12192000"/>
+              </a:tblGrid>
+              <a:tr h="308094">
+                <a:tc>
+                  <a:txBody>
+                    <a:bodyPr/>
+                    <a:lstStyle/>
+                    <a:p>
+                      <a:r>
+                        <a:rPr lang="en-US" dirty="0" smtClean="0"/>
+                        <a:t>Acronis @ </a:t>
+                      </a:r>
+                      <a:r>
+                        <a:rPr lang="ru-RU" dirty="0" smtClean="0"/>
+                        <a:t>МФТИ</a:t>
+                      </a:r>
+                      <a:endParaRPr lang="ru-RU" dirty="0"/>
+                    </a:p>
+                  </a:txBody>
+                  <a:tcPr/>
+                </a:tc>
+              </a:tr>
+            </a:tbl>
+          </a:graphicData>
+        </a:graphic>
+      </p:graphicFrame>
+      <p:graphicFrame>
+        <p:nvGraphicFramePr>
+          <p:cNvPr id="2" name="Table 1"/>
+          <p:cNvGraphicFramePr>
+            <a:graphicFrameLocks noGrp="1"/>
+          </p:cNvGraphicFramePr>
+          <p:nvPr>
+            <p:extLst>
+              <p:ext uri="{D42A27DB-BD31-4B8C-83A1-F6EECF244321}">
+                <p14:modId xmlns:p14="http://schemas.microsoft.com/office/powerpoint/2010/main" val="2326181152"/>
+              </p:ext>
+            </p:extLst>
+          </p:nvPr>
+        </p:nvGraphicFramePr>
+        <p:xfrm>
+          <a:off x="0" y="365761"/>
+          <a:ext cx="12192000" cy="4419600"/>
+        </p:xfrm>
+        <a:graphic>
+          <a:graphicData uri="http://schemas.openxmlformats.org/drawingml/2006/table">
+            <a:tbl>
+              <a:tblPr firstRow="1" bandRow="1">
+                <a:tableStyleId>{3B4B98B0-60AC-42C2-AFA5-B58CD77FA1E5}</a:tableStyleId>
+              </a:tblPr>
+              <a:tblGrid>
+                <a:gridCol w="12192000"/>
+              </a:tblGrid>
+              <a:tr h="370840">
+                <a:tc>
+                  <a:txBody>
+                    <a:bodyPr/>
+                    <a:lstStyle/>
+                    <a:p>
+                      <a:r>
+                        <a:rPr lang="ru-RU" sz="2400" dirty="0" smtClean="0"/>
+                        <a:t>Обзор-напоминание</a:t>
+                      </a:r>
+                      <a:r>
+                        <a:rPr lang="ru-RU" sz="2400" baseline="0" dirty="0" smtClean="0"/>
+                        <a:t> о </a:t>
+                      </a:r>
+                      <a:r>
+                        <a:rPr lang="en-US" sz="2400" baseline="0" dirty="0" smtClean="0"/>
+                        <a:t>POSIX Filesystem API</a:t>
+                      </a:r>
+                      <a:endParaRPr lang="ru-RU" sz="2400" dirty="0"/>
+                    </a:p>
+                  </a:txBody>
+                  <a:tcPr/>
+                </a:tc>
+              </a:tr>
+              <a:tr h="370840">
+                <a:tc>
+                  <a:txBody>
+                    <a:bodyPr/>
+                    <a:lstStyle/>
+                    <a:p>
+                      <a:r>
+                        <a:rPr lang="en-US" dirty="0" smtClean="0"/>
+                        <a:t>1. open(path,</a:t>
+                      </a:r>
+                      <a:r>
+                        <a:rPr lang="en-US" baseline="0" dirty="0" smtClean="0"/>
+                        <a:t> flags, mode</a:t>
+                      </a:r>
+                      <a:r>
+                        <a:rPr lang="en-US" dirty="0" smtClean="0"/>
+                        <a:t>) / close(</a:t>
+                      </a:r>
+                      <a:r>
+                        <a:rPr lang="en-US" dirty="0" err="1" smtClean="0"/>
+                        <a:t>fd</a:t>
+                      </a:r>
+                      <a:r>
+                        <a:rPr lang="en-US" dirty="0" smtClean="0"/>
+                        <a:t>)</a:t>
+                      </a:r>
+                      <a:endParaRPr lang="ru-RU" dirty="0"/>
+                    </a:p>
+                  </a:txBody>
+                  <a:tcPr/>
+                </a:tc>
+              </a:tr>
+              <a:tr h="370840">
+                <a:tc>
+                  <a:txBody>
+                    <a:bodyPr/>
+                    <a:lstStyle/>
+                    <a:p>
+                      <a:r>
+                        <a:rPr lang="en-US" dirty="0" smtClean="0"/>
+                        <a:t>2. </a:t>
+                      </a:r>
+                      <a:r>
+                        <a:rPr lang="en-US" dirty="0" err="1" smtClean="0"/>
+                        <a:t>mkdir</a:t>
+                      </a:r>
+                      <a:r>
+                        <a:rPr lang="en-US" dirty="0" smtClean="0"/>
+                        <a:t>(path, flags) / </a:t>
+                      </a:r>
+                      <a:r>
+                        <a:rPr lang="en-US" dirty="0" err="1" smtClean="0"/>
+                        <a:t>rmdir</a:t>
+                      </a:r>
+                      <a:r>
+                        <a:rPr lang="en-US" dirty="0" smtClean="0"/>
+                        <a:t>(path)</a:t>
+                      </a:r>
+                      <a:endParaRPr lang="ru-RU" dirty="0"/>
+                    </a:p>
+                  </a:txBody>
+                  <a:tcPr/>
+                </a:tc>
+              </a:tr>
+              <a:tr h="370840">
+                <a:tc>
+                  <a:txBody>
+                    <a:bodyPr/>
+                    <a:lstStyle/>
+                    <a:p>
+                      <a:r>
+                        <a:rPr lang="en-US" dirty="0" smtClean="0"/>
+                        <a:t>3.</a:t>
+                      </a:r>
+                      <a:r>
+                        <a:rPr lang="en-US" baseline="0" dirty="0" smtClean="0"/>
+                        <a:t> </a:t>
+                      </a:r>
+                      <a:r>
+                        <a:rPr lang="en-US" baseline="0" dirty="0" err="1" smtClean="0"/>
+                        <a:t>chdir</a:t>
+                      </a:r>
+                      <a:r>
+                        <a:rPr lang="en-US" baseline="0" dirty="0" smtClean="0"/>
+                        <a:t>(path), </a:t>
+                      </a:r>
+                      <a:r>
+                        <a:rPr lang="en-US" baseline="0" dirty="0" err="1" smtClean="0"/>
+                        <a:t>chroot</a:t>
+                      </a:r>
+                      <a:r>
+                        <a:rPr lang="en-US" baseline="0" dirty="0" smtClean="0"/>
+                        <a:t>(path)</a:t>
+                      </a:r>
+                      <a:endParaRPr lang="ru-RU" dirty="0"/>
+                    </a:p>
+                  </a:txBody>
+                  <a:tcPr/>
+                </a:tc>
+              </a:tr>
+              <a:tr h="370840">
+                <a:tc>
+                  <a:txBody>
+                    <a:bodyPr/>
+                    <a:lstStyle/>
+                    <a:p>
+                      <a:r>
+                        <a:rPr lang="en-US" dirty="0" smtClean="0"/>
+                        <a:t>4. </a:t>
+                      </a:r>
+                      <a:r>
+                        <a:rPr lang="en-US" dirty="0" err="1" smtClean="0"/>
+                        <a:t>openat</a:t>
+                      </a:r>
+                      <a:r>
+                        <a:rPr lang="en-US" dirty="0" smtClean="0"/>
+                        <a:t>(</a:t>
+                      </a:r>
+                      <a:r>
+                        <a:rPr lang="en-US" dirty="0" err="1" smtClean="0"/>
+                        <a:t>dirfd</a:t>
+                      </a:r>
+                      <a:r>
+                        <a:rPr lang="en-US" dirty="0" smtClean="0"/>
+                        <a:t>, path, flags) / </a:t>
+                      </a:r>
+                      <a:r>
+                        <a:rPr lang="en-US" dirty="0" err="1" smtClean="0"/>
+                        <a:t>mkdirat</a:t>
+                      </a:r>
+                      <a:r>
+                        <a:rPr lang="en-US" dirty="0" smtClean="0"/>
+                        <a:t>() / </a:t>
+                      </a:r>
+                      <a:r>
+                        <a:rPr lang="en-US" dirty="0" err="1" smtClean="0"/>
+                        <a:t>rmdirat</a:t>
+                      </a:r>
+                      <a:r>
+                        <a:rPr lang="en-US" dirty="0" smtClean="0"/>
+                        <a:t>() / </a:t>
+                      </a:r>
+                      <a:r>
+                        <a:rPr lang="en-US" dirty="0" err="1" smtClean="0"/>
+                        <a:t>etc</a:t>
+                      </a:r>
+                      <a:endParaRPr lang="en-US" dirty="0" smtClean="0"/>
+                    </a:p>
+                  </a:txBody>
+                  <a:tcPr/>
+                </a:tc>
+              </a:tr>
+              <a:tr h="370840">
+                <a:tc>
+                  <a:txBody>
+                    <a:bodyPr/>
+                    <a:lstStyle/>
+                    <a:p>
+                      <a:r>
+                        <a:rPr lang="en-US" dirty="0" smtClean="0"/>
+                        <a:t>5. </a:t>
+                      </a:r>
+                      <a:r>
+                        <a:rPr lang="en-US" dirty="0" err="1" smtClean="0"/>
+                        <a:t>symlink</a:t>
+                      </a:r>
+                      <a:r>
+                        <a:rPr lang="en-US" dirty="0" smtClean="0"/>
+                        <a:t>() / </a:t>
+                      </a:r>
+                      <a:r>
+                        <a:rPr lang="en-US" dirty="0" err="1" smtClean="0"/>
+                        <a:t>readlink</a:t>
+                      </a:r>
+                      <a:r>
+                        <a:rPr lang="en-US" dirty="0" smtClean="0"/>
+                        <a:t>()</a:t>
+                      </a:r>
+                    </a:p>
+                  </a:txBody>
+                  <a:tcPr/>
+                </a:tc>
+              </a:tr>
+              <a:tr h="370840">
+                <a:tc>
+                  <a:txBody>
+                    <a:bodyPr/>
+                    <a:lstStyle/>
+                    <a:p>
+                      <a:r>
+                        <a:rPr lang="en-US" dirty="0" smtClean="0"/>
+                        <a:t>6. link() / unlink()</a:t>
+                      </a:r>
+                    </a:p>
+                  </a:txBody>
+                  <a:tcPr/>
+                </a:tc>
+              </a:tr>
+              <a:tr h="370840">
+                <a:tc>
+                  <a:txBody>
+                    <a:bodyPr/>
+                    <a:lstStyle/>
+                    <a:p>
+                      <a:r>
+                        <a:rPr lang="en-US" dirty="0" smtClean="0"/>
+                        <a:t>7. </a:t>
+                      </a:r>
+                      <a:r>
+                        <a:rPr lang="ru-RU" dirty="0" smtClean="0"/>
+                        <a:t>Специальные</a:t>
+                      </a:r>
+                      <a:r>
+                        <a:rPr lang="ru-RU" baseline="0" dirty="0" smtClean="0"/>
+                        <a:t> файлы:</a:t>
+                      </a:r>
+                      <a:endParaRPr lang="en-US" baseline="0" dirty="0" smtClean="0"/>
+                    </a:p>
+                    <a:p>
+                      <a:pPr marL="285750" indent="-285750">
+                        <a:buFont typeface="Arial" panose="020B0604020202020204" pitchFamily="34" charset="0"/>
+                        <a:buChar char="•"/>
+                      </a:pPr>
+                      <a:r>
+                        <a:rPr lang="en-US" dirty="0" smtClean="0"/>
+                        <a:t>directory,</a:t>
+                      </a:r>
+                    </a:p>
+                    <a:p>
+                      <a:pPr marL="285750" indent="-285750">
+                        <a:buFont typeface="Arial" panose="020B0604020202020204" pitchFamily="34" charset="0"/>
+                        <a:buChar char="•"/>
+                      </a:pPr>
+                      <a:r>
+                        <a:rPr lang="en-US" dirty="0" smtClean="0"/>
+                        <a:t>character</a:t>
+                      </a:r>
+                      <a:r>
+                        <a:rPr lang="en-US" baseline="0" dirty="0" smtClean="0"/>
+                        <a:t> devices,</a:t>
+                      </a:r>
+                    </a:p>
+                    <a:p>
+                      <a:pPr marL="285750" indent="-285750">
+                        <a:buFont typeface="Arial" panose="020B0604020202020204" pitchFamily="34" charset="0"/>
+                        <a:buChar char="•"/>
+                      </a:pPr>
+                      <a:r>
+                        <a:rPr lang="en-US" baseline="0" dirty="0" smtClean="0"/>
+                        <a:t>block devices,</a:t>
+                      </a:r>
+                    </a:p>
+                    <a:p>
+                      <a:pPr marL="285750" indent="-285750">
+                        <a:buFont typeface="Arial" panose="020B0604020202020204" pitchFamily="34" charset="0"/>
+                        <a:buChar char="•"/>
+                      </a:pPr>
+                      <a:r>
+                        <a:rPr lang="en-US" baseline="0" dirty="0" smtClean="0"/>
+                        <a:t>pipes,</a:t>
+                      </a:r>
+                    </a:p>
+                    <a:p>
+                      <a:pPr marL="285750" indent="-285750">
+                        <a:buFont typeface="Arial" panose="020B0604020202020204" pitchFamily="34" charset="0"/>
+                        <a:buChar char="•"/>
+                      </a:pPr>
+                      <a:r>
+                        <a:rPr lang="en-US" baseline="0" dirty="0" err="1" smtClean="0"/>
+                        <a:t>unix</a:t>
+                      </a:r>
+                      <a:r>
+                        <a:rPr lang="en-US" baseline="0" dirty="0" smtClean="0"/>
+                        <a:t> domain sockets.</a:t>
+                      </a:r>
+                      <a:endParaRPr lang="en-US" dirty="0" smtClean="0"/>
+                    </a:p>
+                  </a:txBody>
+                  <a:tcPr/>
+                </a:tc>
+              </a:tr>
+            </a:tbl>
+          </a:graphicData>
+        </a:graphic>
+      </p:graphicFrame>
+    </p:spTree>
+    <p:extLst>
+      <p:ext uri="{BB962C8B-B14F-4D97-AF65-F5344CB8AC3E}">
+        <p14:creationId xmlns:p14="http://schemas.microsoft.com/office/powerpoint/2010/main" val="3429008705"/>
+      </p:ext>
+    </p:extLst>
+  </p:cSld>
+  <p:clrMapOvr>
+    <a:masterClrMapping/>
+  </p:clrMapOvr>
+</p:sld>
+</file>
+
+<file path=ppt/slides/slide37.xml><?xml version="1.0" encoding="utf-8"?>
+<p:sld xmlns:a="http://schemas.openxmlformats.org/drawingml/2006/main" xmlns:r="http://schemas.openxmlformats.org/officeDocument/2006/relationships" xmlns:p="http://schemas.openxmlformats.org/presentationml/2006/main">
+  <p:cSld>
+    <p:spTree>
+      <p:nvGrpSpPr>
+        <p:cNvPr id="1" name=""/>
+        <p:cNvGrpSpPr/>
+        <p:nvPr/>
+      </p:nvGrpSpPr>
+      <p:grpSpPr>
+        <a:xfrm>
+          <a:off x="0" y="0"/>
+          <a:ext cx="0" cy="0"/>
+          <a:chOff x="0" y="0"/>
+          <a:chExt cx="0" cy="0"/>
+        </a:xfrm>
+      </p:grpSpPr>
+      <p:graphicFrame>
+        <p:nvGraphicFramePr>
+          <p:cNvPr id="5" name="Table 4"/>
+          <p:cNvGraphicFramePr>
+            <a:graphicFrameLocks noGrp="1"/>
+          </p:cNvGraphicFramePr>
+          <p:nvPr>
+            <p:extLst>
+              <p:ext uri="{D42A27DB-BD31-4B8C-83A1-F6EECF244321}">
+                <p14:modId xmlns:p14="http://schemas.microsoft.com/office/powerpoint/2010/main" val="2281224332"/>
+              </p:ext>
+            </p:extLst>
+          </p:nvPr>
+        </p:nvGraphicFramePr>
+        <p:xfrm>
+          <a:off x="0" y="1"/>
+          <a:ext cx="12192000" cy="365760"/>
+        </p:xfrm>
+        <a:graphic>
+          <a:graphicData uri="http://schemas.openxmlformats.org/drawingml/2006/table">
+            <a:tbl>
+              <a:tblPr firstRow="1" bandRow="1">
+                <a:tableStyleId>{5C22544A-7EE6-4342-B048-85BDC9FD1C3A}</a:tableStyleId>
+              </a:tblPr>
+              <a:tblGrid>
+                <a:gridCol w="12192000"/>
+              </a:tblGrid>
+              <a:tr h="321276">
+                <a:tc>
+                  <a:txBody>
+                    <a:bodyPr/>
+                    <a:lstStyle/>
+                    <a:p>
+                      <a:r>
+                        <a:rPr lang="ru-RU" dirty="0" smtClean="0"/>
+                        <a:t>Основы</a:t>
+                      </a:r>
+                      <a:r>
+                        <a:rPr lang="ru-RU" baseline="0" dirty="0" smtClean="0"/>
+                        <a:t> построения файловых систем</a:t>
+                      </a:r>
+                      <a:endParaRPr lang="ru-RU" dirty="0"/>
+                    </a:p>
+                  </a:txBody>
+                  <a:tcPr/>
+                </a:tc>
+              </a:tr>
+            </a:tbl>
+          </a:graphicData>
+        </a:graphic>
+      </p:graphicFrame>
+      <p:graphicFrame>
+        <p:nvGraphicFramePr>
+          <p:cNvPr id="6" name="Table 5"/>
+          <p:cNvGraphicFramePr>
+            <a:graphicFrameLocks noGrp="1"/>
+          </p:cNvGraphicFramePr>
+          <p:nvPr>
+            <p:extLst>
+              <p:ext uri="{D42A27DB-BD31-4B8C-83A1-F6EECF244321}">
+                <p14:modId xmlns:p14="http://schemas.microsoft.com/office/powerpoint/2010/main" val="4164474727"/>
+              </p:ext>
+            </p:extLst>
+          </p:nvPr>
+        </p:nvGraphicFramePr>
+        <p:xfrm>
+          <a:off x="0" y="6532604"/>
+          <a:ext cx="12192000" cy="365760"/>
+        </p:xfrm>
+        <a:graphic>
+          <a:graphicData uri="http://schemas.openxmlformats.org/drawingml/2006/table">
+            <a:tbl>
+              <a:tblPr firstRow="1" bandRow="1">
+                <a:tableStyleId>{5C22544A-7EE6-4342-B048-85BDC9FD1C3A}</a:tableStyleId>
+              </a:tblPr>
+              <a:tblGrid>
+                <a:gridCol w="12192000"/>
+              </a:tblGrid>
+              <a:tr h="308094">
+                <a:tc>
+                  <a:txBody>
+                    <a:bodyPr/>
+                    <a:lstStyle/>
+                    <a:p>
+                      <a:r>
+                        <a:rPr lang="en-US" dirty="0" smtClean="0"/>
+                        <a:t>Acronis @ </a:t>
+                      </a:r>
+                      <a:r>
+                        <a:rPr lang="ru-RU" dirty="0" smtClean="0"/>
+                        <a:t>МФТИ</a:t>
+                      </a:r>
+                      <a:endParaRPr lang="ru-RU" dirty="0"/>
+                    </a:p>
+                  </a:txBody>
+                  <a:tcPr/>
+                </a:tc>
+              </a:tr>
+            </a:tbl>
+          </a:graphicData>
+        </a:graphic>
+      </p:graphicFrame>
+      <p:graphicFrame>
+        <p:nvGraphicFramePr>
+          <p:cNvPr id="2" name="Table 1"/>
+          <p:cNvGraphicFramePr>
+            <a:graphicFrameLocks noGrp="1"/>
+          </p:cNvGraphicFramePr>
+          <p:nvPr>
+            <p:extLst>
+              <p:ext uri="{D42A27DB-BD31-4B8C-83A1-F6EECF244321}">
+                <p14:modId xmlns:p14="http://schemas.microsoft.com/office/powerpoint/2010/main" val="2446614311"/>
+              </p:ext>
+            </p:extLst>
+          </p:nvPr>
+        </p:nvGraphicFramePr>
+        <p:xfrm>
+          <a:off x="0" y="365761"/>
+          <a:ext cx="12192000" cy="3423920"/>
+        </p:xfrm>
+        <a:graphic>
+          <a:graphicData uri="http://schemas.openxmlformats.org/drawingml/2006/table">
+            <a:tbl>
+              <a:tblPr firstRow="1" bandRow="1">
+                <a:tableStyleId>{3B4B98B0-60AC-42C2-AFA5-B58CD77FA1E5}</a:tableStyleId>
+              </a:tblPr>
+              <a:tblGrid>
+                <a:gridCol w="12192000"/>
+              </a:tblGrid>
+              <a:tr h="370840">
+                <a:tc>
+                  <a:txBody>
+                    <a:bodyPr/>
+                    <a:lstStyle/>
+                    <a:p>
+                      <a:r>
+                        <a:rPr lang="ru-RU" sz="2400" dirty="0" smtClean="0"/>
+                        <a:t>Обзор-напоминание</a:t>
+                      </a:r>
+                      <a:r>
+                        <a:rPr lang="ru-RU" sz="2400" baseline="0" dirty="0" smtClean="0"/>
+                        <a:t> о </a:t>
+                      </a:r>
+                      <a:r>
+                        <a:rPr lang="en-US" sz="2400" baseline="0" dirty="0" smtClean="0"/>
+                        <a:t>POSIX Filesystem API</a:t>
+                      </a:r>
+                      <a:endParaRPr lang="ru-RU" sz="2400" dirty="0"/>
+                    </a:p>
+                  </a:txBody>
+                  <a:tcPr/>
+                </a:tc>
+              </a:tr>
+              <a:tr h="370840">
+                <a:tc>
+                  <a:txBody>
+                    <a:bodyPr/>
+                    <a:lstStyle/>
+                    <a:p>
+                      <a:r>
+                        <a:rPr lang="en-US" dirty="0" smtClean="0"/>
+                        <a:t>1. open(path,</a:t>
+                      </a:r>
+                      <a:r>
+                        <a:rPr lang="en-US" baseline="0" dirty="0" smtClean="0"/>
+                        <a:t> flags, mode</a:t>
+                      </a:r>
+                      <a:r>
+                        <a:rPr lang="en-US" dirty="0" smtClean="0"/>
+                        <a:t>) / close(</a:t>
+                      </a:r>
+                      <a:r>
+                        <a:rPr lang="en-US" dirty="0" err="1" smtClean="0"/>
+                        <a:t>fd</a:t>
+                      </a:r>
+                      <a:r>
+                        <a:rPr lang="en-US" dirty="0" smtClean="0"/>
+                        <a:t>)</a:t>
+                      </a:r>
+                      <a:endParaRPr lang="ru-RU" dirty="0"/>
+                    </a:p>
+                  </a:txBody>
+                  <a:tcPr/>
+                </a:tc>
+              </a:tr>
+              <a:tr h="370840">
+                <a:tc>
+                  <a:txBody>
+                    <a:bodyPr/>
+                    <a:lstStyle/>
+                    <a:p>
+                      <a:r>
+                        <a:rPr lang="en-US" dirty="0" smtClean="0"/>
+                        <a:t>2. </a:t>
+                      </a:r>
+                      <a:r>
+                        <a:rPr lang="en-US" dirty="0" err="1" smtClean="0"/>
+                        <a:t>mkdir</a:t>
+                      </a:r>
+                      <a:r>
+                        <a:rPr lang="en-US" dirty="0" smtClean="0"/>
+                        <a:t>(path, flags) / </a:t>
+                      </a:r>
+                      <a:r>
+                        <a:rPr lang="en-US" dirty="0" err="1" smtClean="0"/>
+                        <a:t>rmdir</a:t>
+                      </a:r>
+                      <a:r>
+                        <a:rPr lang="en-US" dirty="0" smtClean="0"/>
+                        <a:t>(path)</a:t>
+                      </a:r>
+                      <a:endParaRPr lang="ru-RU" dirty="0"/>
+                    </a:p>
+                  </a:txBody>
+                  <a:tcPr/>
+                </a:tc>
+              </a:tr>
+              <a:tr h="370840">
+                <a:tc>
+                  <a:txBody>
+                    <a:bodyPr/>
+                    <a:lstStyle/>
+                    <a:p>
+                      <a:r>
+                        <a:rPr lang="en-US" dirty="0" smtClean="0"/>
+                        <a:t>3.</a:t>
+                      </a:r>
+                      <a:r>
+                        <a:rPr lang="en-US" baseline="0" dirty="0" smtClean="0"/>
+                        <a:t> </a:t>
+                      </a:r>
+                      <a:r>
+                        <a:rPr lang="en-US" baseline="0" dirty="0" err="1" smtClean="0"/>
+                        <a:t>chdir</a:t>
+                      </a:r>
+                      <a:r>
+                        <a:rPr lang="en-US" baseline="0" dirty="0" smtClean="0"/>
+                        <a:t>(path), </a:t>
+                      </a:r>
+                      <a:r>
+                        <a:rPr lang="en-US" baseline="0" dirty="0" err="1" smtClean="0"/>
+                        <a:t>chroot</a:t>
+                      </a:r>
+                      <a:r>
+                        <a:rPr lang="en-US" baseline="0" dirty="0" smtClean="0"/>
+                        <a:t>(path)</a:t>
+                      </a:r>
+                      <a:endParaRPr lang="ru-RU" dirty="0"/>
+                    </a:p>
+                  </a:txBody>
+                  <a:tcPr/>
+                </a:tc>
+              </a:tr>
+              <a:tr h="370840">
+                <a:tc>
+                  <a:txBody>
+                    <a:bodyPr/>
+                    <a:lstStyle/>
+                    <a:p>
+                      <a:r>
+                        <a:rPr lang="en-US" dirty="0" smtClean="0"/>
+                        <a:t>4. </a:t>
+                      </a:r>
+                      <a:r>
+                        <a:rPr lang="en-US" dirty="0" err="1" smtClean="0"/>
+                        <a:t>openat</a:t>
+                      </a:r>
+                      <a:r>
+                        <a:rPr lang="en-US" dirty="0" smtClean="0"/>
+                        <a:t>(</a:t>
+                      </a:r>
+                      <a:r>
+                        <a:rPr lang="en-US" dirty="0" err="1" smtClean="0"/>
+                        <a:t>dirfd</a:t>
+                      </a:r>
+                      <a:r>
+                        <a:rPr lang="en-US" dirty="0" smtClean="0"/>
+                        <a:t>, path, flags) / </a:t>
+                      </a:r>
+                      <a:r>
+                        <a:rPr lang="en-US" dirty="0" err="1" smtClean="0"/>
+                        <a:t>mkdirat</a:t>
+                      </a:r>
+                      <a:r>
+                        <a:rPr lang="en-US" dirty="0" smtClean="0"/>
+                        <a:t>() / </a:t>
+                      </a:r>
+                      <a:r>
+                        <a:rPr lang="en-US" dirty="0" err="1" smtClean="0"/>
+                        <a:t>rmdirat</a:t>
+                      </a:r>
+                      <a:r>
+                        <a:rPr lang="en-US" dirty="0" smtClean="0"/>
+                        <a:t>() / </a:t>
+                      </a:r>
+                      <a:r>
+                        <a:rPr lang="en-US" dirty="0" err="1" smtClean="0"/>
+                        <a:t>etc</a:t>
+                      </a:r>
+                      <a:endParaRPr lang="en-US" dirty="0" smtClean="0"/>
+                    </a:p>
+                  </a:txBody>
+                  <a:tcPr/>
+                </a:tc>
+              </a:tr>
+              <a:tr h="370840">
+                <a:tc>
+                  <a:txBody>
+                    <a:bodyPr/>
+                    <a:lstStyle/>
+                    <a:p>
+                      <a:r>
+                        <a:rPr lang="en-US" dirty="0" smtClean="0"/>
+                        <a:t>5. </a:t>
+                      </a:r>
+                      <a:r>
+                        <a:rPr lang="en-US" dirty="0" err="1" smtClean="0"/>
+                        <a:t>symlink</a:t>
+                      </a:r>
+                      <a:r>
+                        <a:rPr lang="en-US" dirty="0" smtClean="0"/>
+                        <a:t>() / </a:t>
+                      </a:r>
+                      <a:r>
+                        <a:rPr lang="en-US" dirty="0" err="1" smtClean="0"/>
+                        <a:t>readlink</a:t>
+                      </a:r>
+                      <a:r>
+                        <a:rPr lang="en-US" dirty="0" smtClean="0"/>
+                        <a:t>()</a:t>
+                      </a:r>
+                    </a:p>
+                  </a:txBody>
+                  <a:tcPr/>
+                </a:tc>
+              </a:tr>
+              <a:tr h="370840">
+                <a:tc>
+                  <a:txBody>
+                    <a:bodyPr/>
+                    <a:lstStyle/>
+                    <a:p>
+                      <a:r>
+                        <a:rPr lang="en-US" dirty="0" smtClean="0"/>
+                        <a:t>6. link() / unlink()</a:t>
+                      </a:r>
+                    </a:p>
+                  </a:txBody>
+                  <a:tcPr/>
+                </a:tc>
+              </a:tr>
+              <a:tr h="370840">
+                <a:tc>
+                  <a:txBody>
+                    <a:bodyPr/>
+                    <a:lstStyle/>
+                    <a:p>
+                      <a:r>
+                        <a:rPr lang="en-US" dirty="0" smtClean="0"/>
+                        <a:t>7. </a:t>
+                      </a:r>
+                      <a:r>
+                        <a:rPr lang="ru-RU" dirty="0" smtClean="0"/>
+                        <a:t>Специальные</a:t>
+                      </a:r>
+                      <a:r>
+                        <a:rPr lang="ru-RU" baseline="0" dirty="0" smtClean="0"/>
+                        <a:t> файлы</a:t>
+                      </a:r>
+                      <a:r>
+                        <a:rPr lang="en-US" baseline="0" dirty="0" smtClean="0"/>
+                        <a:t>.</a:t>
+                      </a:r>
+                    </a:p>
+                  </a:txBody>
+                  <a:tcPr/>
+                </a:tc>
+              </a:tr>
+              <a:tr h="370840">
+                <a:tc>
+                  <a:txBody>
+                    <a:bodyPr/>
+                    <a:lstStyle/>
+                    <a:p>
+                      <a:pPr marL="0" indent="0">
+                        <a:buFont typeface="Arial" panose="020B0604020202020204" pitchFamily="34" charset="0"/>
+                        <a:buNone/>
+                      </a:pPr>
+                      <a:r>
+                        <a:rPr lang="en-US" dirty="0" smtClean="0"/>
+                        <a:t>8</a:t>
+                      </a:r>
+                      <a:r>
+                        <a:rPr lang="ru-RU" dirty="0" smtClean="0"/>
+                        <a:t>.</a:t>
+                      </a:r>
+                      <a:r>
+                        <a:rPr lang="ru-RU" baseline="0" dirty="0" smtClean="0"/>
+                        <a:t> </a:t>
+                      </a:r>
+                      <a:r>
+                        <a:rPr lang="en-US" baseline="0" dirty="0" err="1" smtClean="0"/>
+                        <a:t>mmap</a:t>
+                      </a:r>
+                      <a:r>
+                        <a:rPr lang="en-US" baseline="0" dirty="0" smtClean="0"/>
+                        <a:t>() / </a:t>
+                      </a:r>
+                      <a:r>
+                        <a:rPr lang="en-US" baseline="0" dirty="0" err="1" smtClean="0"/>
+                        <a:t>munmap</a:t>
+                      </a:r>
+                      <a:r>
+                        <a:rPr lang="en-US" baseline="0" dirty="0" smtClean="0"/>
+                        <a:t>()</a:t>
+                      </a:r>
+                      <a:endParaRPr lang="en-US" dirty="0" smtClean="0"/>
+                    </a:p>
+                  </a:txBody>
+                  <a:tcPr/>
+                </a:tc>
+              </a:tr>
+            </a:tbl>
+          </a:graphicData>
+        </a:graphic>
+      </p:graphicFrame>
+    </p:spTree>
+    <p:extLst>
+      <p:ext uri="{BB962C8B-B14F-4D97-AF65-F5344CB8AC3E}">
+        <p14:creationId xmlns:p14="http://schemas.microsoft.com/office/powerpoint/2010/main" val="2928804381"/>
+      </p:ext>
+    </p:extLst>
+  </p:cSld>
+  <p:clrMapOvr>
+    <a:masterClrMapping/>
+  </p:clrMapOvr>
+</p:sld>
+</file>
+
+<file path=ppt/slides/slide38.xml><?xml version="1.0" encoding="utf-8"?>
+<p:sld xmlns:a="http://schemas.openxmlformats.org/drawingml/2006/main" xmlns:r="http://schemas.openxmlformats.org/officeDocument/2006/relationships" xmlns:p="http://schemas.openxmlformats.org/presentationml/2006/main">
+  <p:cSld>
+    <p:spTree>
+      <p:nvGrpSpPr>
+        <p:cNvPr id="1" name=""/>
+        <p:cNvGrpSpPr/>
+        <p:nvPr/>
+      </p:nvGrpSpPr>
+      <p:grpSpPr>
+        <a:xfrm>
+          <a:off x="0" y="0"/>
+          <a:ext cx="0" cy="0"/>
+          <a:chOff x="0" y="0"/>
+          <a:chExt cx="0" cy="0"/>
+        </a:xfrm>
+      </p:grpSpPr>
+      <p:graphicFrame>
+        <p:nvGraphicFramePr>
+          <p:cNvPr id="5" name="Table 4"/>
+          <p:cNvGraphicFramePr>
+            <a:graphicFrameLocks noGrp="1"/>
+          </p:cNvGraphicFramePr>
+          <p:nvPr>
+            <p:extLst>
+              <p:ext uri="{D42A27DB-BD31-4B8C-83A1-F6EECF244321}">
+                <p14:modId xmlns:p14="http://schemas.microsoft.com/office/powerpoint/2010/main" val="2281224332"/>
+              </p:ext>
+            </p:extLst>
+          </p:nvPr>
+        </p:nvGraphicFramePr>
+        <p:xfrm>
+          <a:off x="0" y="1"/>
+          <a:ext cx="12192000" cy="365760"/>
+        </p:xfrm>
+        <a:graphic>
+          <a:graphicData uri="http://schemas.openxmlformats.org/drawingml/2006/table">
+            <a:tbl>
+              <a:tblPr firstRow="1" bandRow="1">
+                <a:tableStyleId>{5C22544A-7EE6-4342-B048-85BDC9FD1C3A}</a:tableStyleId>
+              </a:tblPr>
+              <a:tblGrid>
+                <a:gridCol w="12192000"/>
+              </a:tblGrid>
+              <a:tr h="321276">
+                <a:tc>
+                  <a:txBody>
+                    <a:bodyPr/>
+                    <a:lstStyle/>
+                    <a:p>
+                      <a:r>
+                        <a:rPr lang="ru-RU" dirty="0" smtClean="0"/>
+                        <a:t>Основы</a:t>
+                      </a:r>
+                      <a:r>
+                        <a:rPr lang="ru-RU" baseline="0" dirty="0" smtClean="0"/>
+                        <a:t> построения файловых систем</a:t>
+                      </a:r>
+                      <a:endParaRPr lang="ru-RU" dirty="0"/>
+                    </a:p>
+                  </a:txBody>
+                  <a:tcPr/>
+                </a:tc>
+              </a:tr>
+            </a:tbl>
+          </a:graphicData>
+        </a:graphic>
+      </p:graphicFrame>
+      <p:graphicFrame>
+        <p:nvGraphicFramePr>
+          <p:cNvPr id="6" name="Table 5"/>
+          <p:cNvGraphicFramePr>
+            <a:graphicFrameLocks noGrp="1"/>
+          </p:cNvGraphicFramePr>
+          <p:nvPr>
+            <p:extLst>
+              <p:ext uri="{D42A27DB-BD31-4B8C-83A1-F6EECF244321}">
+                <p14:modId xmlns:p14="http://schemas.microsoft.com/office/powerpoint/2010/main" val="4164474727"/>
+              </p:ext>
+            </p:extLst>
+          </p:nvPr>
+        </p:nvGraphicFramePr>
+        <p:xfrm>
+          <a:off x="0" y="6532604"/>
+          <a:ext cx="12192000" cy="365760"/>
+        </p:xfrm>
+        <a:graphic>
+          <a:graphicData uri="http://schemas.openxmlformats.org/drawingml/2006/table">
+            <a:tbl>
+              <a:tblPr firstRow="1" bandRow="1">
+                <a:tableStyleId>{5C22544A-7EE6-4342-B048-85BDC9FD1C3A}</a:tableStyleId>
+              </a:tblPr>
+              <a:tblGrid>
+                <a:gridCol w="12192000"/>
+              </a:tblGrid>
+              <a:tr h="308094">
+                <a:tc>
+                  <a:txBody>
+                    <a:bodyPr/>
+                    <a:lstStyle/>
+                    <a:p>
+                      <a:r>
+                        <a:rPr lang="en-US" dirty="0" smtClean="0"/>
+                        <a:t>Acronis @ </a:t>
+                      </a:r>
+                      <a:r>
+                        <a:rPr lang="ru-RU" dirty="0" smtClean="0"/>
+                        <a:t>МФТИ</a:t>
+                      </a:r>
+                      <a:endParaRPr lang="ru-RU" dirty="0"/>
+                    </a:p>
+                  </a:txBody>
+                  <a:tcPr/>
+                </a:tc>
+              </a:tr>
+            </a:tbl>
+          </a:graphicData>
+        </a:graphic>
+      </p:graphicFrame>
+    </p:spTree>
+    <p:extLst>
+      <p:ext uri="{BB962C8B-B14F-4D97-AF65-F5344CB8AC3E}">
+        <p14:creationId xmlns:p14="http://schemas.microsoft.com/office/powerpoint/2010/main" val="2228715948"/>
+      </p:ext>
+    </p:extLst>
+  </p:cSld>
+  <p:clrMapOvr>
+    <a:masterClrMapping/>
+  </p:clrMapOvr>
+</p:sld>
+</file>
+
 <file path=ppt/slides/slide4.xml><?xml version="1.0" encoding="utf-8"?>
 <p:sld xmlns:a="http://schemas.openxmlformats.org/drawingml/2006/main" xmlns:r="http://schemas.openxmlformats.org/officeDocument/2006/relationships" xmlns:p="http://schemas.openxmlformats.org/presentationml/2006/main">
   <p:cSld>
@@ -20690,11 +26281,7 @@
                       </a:r>
                       <a:r>
                         <a:rPr lang="ru-RU" dirty="0" smtClean="0"/>
-                        <a:t>МФТИ,</a:t>
-                      </a:r>
-                      <a:r>
-                        <a:rPr lang="ru-RU" baseline="0" dirty="0" smtClean="0"/>
-                        <a:t> 2016</a:t>
+                        <a:t>МФТИ</a:t>
                       </a:r>
                       <a:endParaRPr lang="ru-RU" dirty="0"/>
                     </a:p>
@@ -20969,11 +26556,7 @@
                       </a:r>
                       <a:r>
                         <a:rPr lang="ru-RU" dirty="0" smtClean="0"/>
-                        <a:t>МФТИ,</a:t>
-                      </a:r>
-                      <a:r>
-                        <a:rPr lang="ru-RU" baseline="0" dirty="0" smtClean="0"/>
-                        <a:t> 2016</a:t>
+                        <a:t>МФТИ</a:t>
                       </a:r>
                       <a:endParaRPr lang="ru-RU" dirty="0"/>
                     </a:p>
@@ -21244,11 +26827,7 @@
                       </a:r>
                       <a:r>
                         <a:rPr lang="ru-RU" dirty="0" smtClean="0"/>
-                        <a:t>МФТИ,</a:t>
-                      </a:r>
-                      <a:r>
-                        <a:rPr lang="ru-RU" baseline="0" dirty="0" smtClean="0"/>
-                        <a:t> 2016</a:t>
+                        <a:t>МФТИ</a:t>
                       </a:r>
                       <a:endParaRPr lang="ru-RU" dirty="0"/>
                     </a:p>
@@ -21435,11 +27014,7 @@
                       </a:r>
                       <a:r>
                         <a:rPr lang="ru-RU" dirty="0" smtClean="0"/>
-                        <a:t>МФТИ,</a:t>
-                      </a:r>
-                      <a:r>
-                        <a:rPr lang="ru-RU" baseline="0" dirty="0" smtClean="0"/>
-                        <a:t> 2016</a:t>
+                        <a:t>МФТИ</a:t>
                       </a:r>
                       <a:endParaRPr lang="ru-RU" dirty="0"/>
                     </a:p>
@@ -21749,11 +27324,7 @@
                       </a:r>
                       <a:r>
                         <a:rPr lang="ru-RU" dirty="0" smtClean="0"/>
-                        <a:t>МФТИ,</a:t>
-                      </a:r>
-                      <a:r>
-                        <a:rPr lang="ru-RU" baseline="0" dirty="0" smtClean="0"/>
-                        <a:t> 2016</a:t>
+                        <a:t>МФТИ</a:t>
                       </a:r>
                       <a:endParaRPr lang="ru-RU" dirty="0"/>
                     </a:p>
@@ -22162,11 +27733,7 @@
                       </a:r>
                       <a:r>
                         <a:rPr lang="ru-RU" dirty="0" smtClean="0"/>
-                        <a:t>МФТИ,</a:t>
-                      </a:r>
-                      <a:r>
-                        <a:rPr lang="ru-RU" baseline="0" dirty="0" smtClean="0"/>
-                        <a:t> 2016</a:t>
+                        <a:t>МФТИ</a:t>
                       </a:r>
                       <a:endParaRPr lang="ru-RU" dirty="0"/>
                     </a:p>

--- a/talks/src/class00.pptx
+++ b/talks/src/class00.pptx
@@ -244,7 +244,7 @@
           <a:p>
             <a:fld id="{56C6788E-680A-49E5-BB93-D456A9D23A29}" type="datetimeFigureOut">
               <a:rPr lang="ru-RU" smtClean="0"/>
-              <a:t>17.09.2018</a:t>
+              <a:t>10.12.2018</a:t>
             </a:fld>
             <a:endParaRPr lang="ru-RU"/>
           </a:p>
@@ -413,7 +413,7 @@
           <a:p>
             <a:fld id="{C4DF4945-C160-4CD5-B124-49B9BE14C0AB}" type="datetimeFigureOut">
               <a:rPr lang="ru-RU" smtClean="0"/>
-              <a:t>17.09.2018</a:t>
+              <a:t>10.12.2018</a:t>
             </a:fld>
             <a:endParaRPr lang="ru-RU"/>
           </a:p>
@@ -5159,7 +5159,7 @@
           <a:p>
             <a:fld id="{12C63722-5D9F-4E99-9720-9B6A0C7BB1C9}" type="datetimeFigureOut">
               <a:rPr lang="ru-RU" smtClean="0"/>
-              <a:t>17.09.2018</a:t>
+              <a:t>10.12.2018</a:t>
             </a:fld>
             <a:endParaRPr lang="ru-RU"/>
           </a:p>
@@ -5329,7 +5329,7 @@
           <a:p>
             <a:fld id="{12C63722-5D9F-4E99-9720-9B6A0C7BB1C9}" type="datetimeFigureOut">
               <a:rPr lang="ru-RU" smtClean="0"/>
-              <a:t>17.09.2018</a:t>
+              <a:t>10.12.2018</a:t>
             </a:fld>
             <a:endParaRPr lang="ru-RU"/>
           </a:p>
@@ -5509,7 +5509,7 @@
           <a:p>
             <a:fld id="{12C63722-5D9F-4E99-9720-9B6A0C7BB1C9}" type="datetimeFigureOut">
               <a:rPr lang="ru-RU" smtClean="0"/>
-              <a:t>17.09.2018</a:t>
+              <a:t>10.12.2018</a:t>
             </a:fld>
             <a:endParaRPr lang="ru-RU"/>
           </a:p>
@@ -5701,7 +5701,7 @@
           <a:p>
             <a:fld id="{8C218C88-2408-4CFC-B25C-07450930B282}" type="datetimeFigureOut">
               <a:rPr lang="ru-RU" smtClean="0"/>
-              <a:t>17.09.2018</a:t>
+              <a:t>10.12.2018</a:t>
             </a:fld>
             <a:endParaRPr lang="ru-RU"/>
           </a:p>
@@ -5871,7 +5871,7 @@
           <a:p>
             <a:fld id="{8C218C88-2408-4CFC-B25C-07450930B282}" type="datetimeFigureOut">
               <a:rPr lang="ru-RU" smtClean="0"/>
-              <a:t>17.09.2018</a:t>
+              <a:t>10.12.2018</a:t>
             </a:fld>
             <a:endParaRPr lang="ru-RU"/>
           </a:p>
@@ -6117,7 +6117,7 @@
           <a:p>
             <a:fld id="{8C218C88-2408-4CFC-B25C-07450930B282}" type="datetimeFigureOut">
               <a:rPr lang="ru-RU" smtClean="0"/>
-              <a:t>17.09.2018</a:t>
+              <a:t>10.12.2018</a:t>
             </a:fld>
             <a:endParaRPr lang="ru-RU"/>
           </a:p>
@@ -6349,7 +6349,7 @@
           <a:p>
             <a:fld id="{8C218C88-2408-4CFC-B25C-07450930B282}" type="datetimeFigureOut">
               <a:rPr lang="ru-RU" smtClean="0"/>
-              <a:t>17.09.2018</a:t>
+              <a:t>10.12.2018</a:t>
             </a:fld>
             <a:endParaRPr lang="ru-RU"/>
           </a:p>
@@ -6716,7 +6716,7 @@
           <a:p>
             <a:fld id="{8C218C88-2408-4CFC-B25C-07450930B282}" type="datetimeFigureOut">
               <a:rPr lang="ru-RU" smtClean="0"/>
-              <a:t>17.09.2018</a:t>
+              <a:t>10.12.2018</a:t>
             </a:fld>
             <a:endParaRPr lang="ru-RU"/>
           </a:p>
@@ -6834,7 +6834,7 @@
           <a:p>
             <a:fld id="{8C218C88-2408-4CFC-B25C-07450930B282}" type="datetimeFigureOut">
               <a:rPr lang="ru-RU" smtClean="0"/>
-              <a:t>17.09.2018</a:t>
+              <a:t>10.12.2018</a:t>
             </a:fld>
             <a:endParaRPr lang="ru-RU"/>
           </a:p>
@@ -6929,7 +6929,7 @@
           <a:p>
             <a:fld id="{8C218C88-2408-4CFC-B25C-07450930B282}" type="datetimeFigureOut">
               <a:rPr lang="ru-RU" smtClean="0"/>
-              <a:t>17.09.2018</a:t>
+              <a:t>10.12.2018</a:t>
             </a:fld>
             <a:endParaRPr lang="ru-RU"/>
           </a:p>
@@ -7206,7 +7206,7 @@
           <a:p>
             <a:fld id="{8C218C88-2408-4CFC-B25C-07450930B282}" type="datetimeFigureOut">
               <a:rPr lang="ru-RU" smtClean="0"/>
-              <a:t>17.09.2018</a:t>
+              <a:t>10.12.2018</a:t>
             </a:fld>
             <a:endParaRPr lang="ru-RU"/>
           </a:p>
@@ -7376,7 +7376,7 @@
           <a:p>
             <a:fld id="{12C63722-5D9F-4E99-9720-9B6A0C7BB1C9}" type="datetimeFigureOut">
               <a:rPr lang="ru-RU" smtClean="0"/>
-              <a:t>17.09.2018</a:t>
+              <a:t>10.12.2018</a:t>
             </a:fld>
             <a:endParaRPr lang="ru-RU"/>
           </a:p>
@@ -7629,7 +7629,7 @@
           <a:p>
             <a:fld id="{8C218C88-2408-4CFC-B25C-07450930B282}" type="datetimeFigureOut">
               <a:rPr lang="ru-RU" smtClean="0"/>
-              <a:t>17.09.2018</a:t>
+              <a:t>10.12.2018</a:t>
             </a:fld>
             <a:endParaRPr lang="ru-RU"/>
           </a:p>
@@ -7799,7 +7799,7 @@
           <a:p>
             <a:fld id="{8C218C88-2408-4CFC-B25C-07450930B282}" type="datetimeFigureOut">
               <a:rPr lang="ru-RU" smtClean="0"/>
-              <a:t>17.09.2018</a:t>
+              <a:t>10.12.2018</a:t>
             </a:fld>
             <a:endParaRPr lang="ru-RU"/>
           </a:p>
@@ -7979,7 +7979,7 @@
           <a:p>
             <a:fld id="{8C218C88-2408-4CFC-B25C-07450930B282}" type="datetimeFigureOut">
               <a:rPr lang="ru-RU" smtClean="0"/>
-              <a:t>17.09.2018</a:t>
+              <a:t>10.12.2018</a:t>
             </a:fld>
             <a:endParaRPr lang="ru-RU"/>
           </a:p>
@@ -8225,7 +8225,7 @@
           <a:p>
             <a:fld id="{12C63722-5D9F-4E99-9720-9B6A0C7BB1C9}" type="datetimeFigureOut">
               <a:rPr lang="ru-RU" smtClean="0"/>
-              <a:t>17.09.2018</a:t>
+              <a:t>10.12.2018</a:t>
             </a:fld>
             <a:endParaRPr lang="ru-RU"/>
           </a:p>
@@ -8465,7 +8465,7 @@
           <a:p>
             <a:fld id="{12C63722-5D9F-4E99-9720-9B6A0C7BB1C9}" type="datetimeFigureOut">
               <a:rPr lang="ru-RU" smtClean="0"/>
-              <a:t>17.09.2018</a:t>
+              <a:t>10.12.2018</a:t>
             </a:fld>
             <a:endParaRPr lang="ru-RU"/>
           </a:p>
@@ -8832,7 +8832,7 @@
           <a:p>
             <a:fld id="{12C63722-5D9F-4E99-9720-9B6A0C7BB1C9}" type="datetimeFigureOut">
               <a:rPr lang="ru-RU" smtClean="0"/>
-              <a:t>17.09.2018</a:t>
+              <a:t>10.12.2018</a:t>
             </a:fld>
             <a:endParaRPr lang="ru-RU"/>
           </a:p>
@@ -8950,7 +8950,7 @@
           <a:p>
             <a:fld id="{12C63722-5D9F-4E99-9720-9B6A0C7BB1C9}" type="datetimeFigureOut">
               <a:rPr lang="ru-RU" smtClean="0"/>
-              <a:t>17.09.2018</a:t>
+              <a:t>10.12.2018</a:t>
             </a:fld>
             <a:endParaRPr lang="ru-RU"/>
           </a:p>
@@ -9045,7 +9045,7 @@
           <a:p>
             <a:fld id="{12C63722-5D9F-4E99-9720-9B6A0C7BB1C9}" type="datetimeFigureOut">
               <a:rPr lang="ru-RU" smtClean="0"/>
-              <a:t>17.09.2018</a:t>
+              <a:t>10.12.2018</a:t>
             </a:fld>
             <a:endParaRPr lang="ru-RU"/>
           </a:p>
@@ -9322,7 +9322,7 @@
           <a:p>
             <a:fld id="{12C63722-5D9F-4E99-9720-9B6A0C7BB1C9}" type="datetimeFigureOut">
               <a:rPr lang="ru-RU" smtClean="0"/>
-              <a:t>17.09.2018</a:t>
+              <a:t>10.12.2018</a:t>
             </a:fld>
             <a:endParaRPr lang="ru-RU"/>
           </a:p>
@@ -9575,7 +9575,7 @@
           <a:p>
             <a:fld id="{12C63722-5D9F-4E99-9720-9B6A0C7BB1C9}" type="datetimeFigureOut">
               <a:rPr lang="ru-RU" smtClean="0"/>
-              <a:t>17.09.2018</a:t>
+              <a:t>10.12.2018</a:t>
             </a:fld>
             <a:endParaRPr lang="ru-RU"/>
           </a:p>
@@ -9788,7 +9788,7 @@
           <a:p>
             <a:fld id="{12C63722-5D9F-4E99-9720-9B6A0C7BB1C9}" type="datetimeFigureOut">
               <a:rPr lang="ru-RU" smtClean="0"/>
-              <a:t>17.09.2018</a:t>
+              <a:t>10.12.2018</a:t>
             </a:fld>
             <a:endParaRPr lang="ru-RU"/>
           </a:p>
@@ -10328,7 +10328,7 @@
           <a:p>
             <a:fld id="{8C218C88-2408-4CFC-B25C-07450930B282}" type="datetimeFigureOut">
               <a:rPr lang="ru-RU" smtClean="0"/>
-              <a:t>17.09.2018</a:t>
+              <a:t>10.12.2018</a:t>
             </a:fld>
             <a:endParaRPr lang="ru-RU"/>
           </a:p>
@@ -17816,6 +17816,76 @@
           </a:fontRef>
         </p:style>
       </p:cxnSp>
+      <p:sp>
+        <p:nvSpPr>
+          <p:cNvPr id="8" name="Rounded Rectangle 7">
+            <a:extLst>
+              <a:ext uri="{FF2B5EF4-FFF2-40B4-BE49-F238E27FC236}">
+                <a16:creationId xmlns:a16="http://schemas.microsoft.com/office/drawing/2014/main" id="{6949ADF6-6F45-B448-8FCD-CDD873200D01}"/>
+              </a:ext>
+            </a:extLst>
+          </p:cNvPr>
+          <p:cNvSpPr/>
+          <p:nvPr/>
+        </p:nvSpPr>
+        <p:spPr>
+          <a:xfrm>
+            <a:off x="3283027" y="4192446"/>
+            <a:ext cx="3076584" cy="1756662"/>
+          </a:xfrm>
+          <a:prstGeom prst="roundRect">
+            <a:avLst/>
+          </a:prstGeom>
+        </p:spPr>
+        <p:style>
+          <a:lnRef idx="2">
+            <a:schemeClr val="accent1">
+              <a:shade val="50000"/>
+            </a:schemeClr>
+          </a:lnRef>
+          <a:fillRef idx="1">
+            <a:schemeClr val="accent1"/>
+          </a:fillRef>
+          <a:effectRef idx="0">
+            <a:schemeClr val="accent1"/>
+          </a:effectRef>
+          <a:fontRef idx="minor">
+            <a:schemeClr val="lt1"/>
+          </a:fontRef>
+        </p:style>
+        <p:txBody>
+          <a:bodyPr rtlCol="0" anchor="ctr"/>
+          <a:lstStyle/>
+          <a:p>
+            <a:pPr algn="ctr"/>
+            <a:r>
+              <a:rPr lang="ru-RU" dirty="0"/>
+              <a:t>Стоит рассказать о том, что </a:t>
+            </a:r>
+            <a:r>
+              <a:rPr lang="en-US" dirty="0"/>
+              <a:t>RAM – </a:t>
+            </a:r>
+            <a:r>
+              <a:rPr lang="ru-RU" dirty="0"/>
+              <a:t>это тоже не память со случайным доступом и там есть свои </a:t>
+            </a:r>
+            <a:r>
+              <a:rPr lang="en-US" dirty="0"/>
+              <a:t>”seeks” – RAS </a:t>
+            </a:r>
+            <a:r>
+              <a:rPr lang="ru-RU" dirty="0"/>
+              <a:t>и </a:t>
+            </a:r>
+            <a:r>
+              <a:rPr lang="en-US"/>
+              <a:t>CAS.</a:t>
+            </a:r>
+            <a:endParaRPr lang="ru-RU"/>
+          </a:p>
+        </p:txBody>
+      </p:sp>
     </p:spTree>
     <p:extLst>
       <p:ext uri="{BB962C8B-B14F-4D97-AF65-F5344CB8AC3E}">
@@ -26345,6 +26415,131 @@
           </a:graphicData>
         </a:graphic>
       </p:graphicFrame>
+      <p:sp>
+        <p:nvSpPr>
+          <p:cNvPr id="3" name="TextBox 2">
+            <a:extLst>
+              <a:ext uri="{FF2B5EF4-FFF2-40B4-BE49-F238E27FC236}">
+                <a16:creationId xmlns:a16="http://schemas.microsoft.com/office/drawing/2014/main" id="{2AD551B9-E397-8140-AA81-250FF7A0D662}"/>
+              </a:ext>
+            </a:extLst>
+          </p:cNvPr>
+          <p:cNvSpPr txBox="1"/>
+          <p:nvPr/>
+        </p:nvSpPr>
+        <p:spPr>
+          <a:xfrm>
+            <a:off x="2478795" y="2930487"/>
+            <a:ext cx="6444868" cy="2308324"/>
+          </a:xfrm>
+          <a:prstGeom prst="rect">
+            <a:avLst/>
+          </a:prstGeom>
+          <a:noFill/>
+        </p:spPr>
+        <p:txBody>
+          <a:bodyPr wrap="square" rtlCol="0">
+            <a:spAutoFit/>
+          </a:bodyPr>
+          <a:lstStyle/>
+          <a:p>
+            <a:r>
+              <a:rPr lang="ru-RU" dirty="0"/>
+              <a:t>Рассказать о </a:t>
+            </a:r>
+            <a:r>
+              <a:rPr lang="en-US" dirty="0"/>
+              <a:t>race conditions:</a:t>
+            </a:r>
+          </a:p>
+          <a:p>
+            <a:endParaRPr lang="en-US" dirty="0"/>
+          </a:p>
+          <a:p>
+            <a:r>
+              <a:rPr lang="en-US" dirty="0"/>
+              <a:t>if (access(path, R_OK)) {</a:t>
+            </a:r>
+          </a:p>
+          <a:p>
+            <a:r>
+              <a:rPr lang="en-US" dirty="0"/>
+              <a:t>  </a:t>
+            </a:r>
+            <a:r>
+              <a:rPr lang="en-US" dirty="0" err="1"/>
+              <a:t>int</a:t>
+            </a:r>
+            <a:r>
+              <a:rPr lang="en-US" dirty="0"/>
+              <a:t> </a:t>
+            </a:r>
+            <a:r>
+              <a:rPr lang="en-US" dirty="0" err="1"/>
+              <a:t>fd</a:t>
+            </a:r>
+            <a:r>
+              <a:rPr lang="en-US" dirty="0"/>
+              <a:t> = open(path, O_RDONLY);</a:t>
+            </a:r>
+            <a:br>
+              <a:rPr lang="en-US" dirty="0"/>
+            </a:br>
+            <a:r>
+              <a:rPr lang="en-US" dirty="0"/>
+              <a:t>}</a:t>
+            </a:r>
+          </a:p>
+          <a:p>
+            <a:endParaRPr lang="en-US" dirty="0"/>
+          </a:p>
+          <a:p>
+            <a:r>
+              <a:rPr lang="en-US" dirty="0" err="1"/>
+              <a:t>lstat</a:t>
+            </a:r>
+            <a:r>
+              <a:rPr lang="en-US" dirty="0"/>
+              <a:t>(link, &amp;</a:t>
+            </a:r>
+            <a:r>
+              <a:rPr lang="en-US" dirty="0" err="1"/>
+              <a:t>st</a:t>
+            </a:r>
+            <a:r>
+              <a:rPr lang="en-US" dirty="0"/>
+              <a:t>);</a:t>
+            </a:r>
+          </a:p>
+          <a:p>
+            <a:r>
+              <a:rPr lang="en-US" dirty="0" err="1"/>
+              <a:t>readlink</a:t>
+            </a:r>
+            <a:r>
+              <a:rPr lang="en-US" dirty="0"/>
+              <a:t>(link, </a:t>
+            </a:r>
+            <a:r>
+              <a:rPr lang="en-US" dirty="0" err="1"/>
+              <a:t>buf</a:t>
+            </a:r>
+            <a:r>
+              <a:rPr lang="en-US" dirty="0"/>
+              <a:t>, </a:t>
+            </a:r>
+            <a:r>
+              <a:rPr lang="en-US" dirty="0" err="1"/>
+              <a:t>st.st_size</a:t>
+            </a:r>
+            <a:r>
+              <a:rPr lang="en-US" dirty="0"/>
+              <a:t>);</a:t>
+            </a:r>
+            <a:endParaRPr lang="ru-RU" dirty="0"/>
+          </a:p>
+        </p:txBody>
+      </p:sp>
     </p:spTree>
     <p:extLst>
       <p:ext uri="{BB962C8B-B14F-4D97-AF65-F5344CB8AC3E}">

--- a/talks/src/class00.pptx
+++ b/talks/src/class00.pptx
@@ -6,10 +6,10 @@
     <p:sldMasterId id="2147483660" r:id="rId2"/>
   </p:sldMasterIdLst>
   <p:notesMasterIdLst>
-    <p:notesMasterId r:id="rId44"/>
+    <p:notesMasterId r:id="rId43"/>
   </p:notesMasterIdLst>
   <p:handoutMasterIdLst>
-    <p:handoutMasterId r:id="rId45"/>
+    <p:handoutMasterId r:id="rId44"/>
   </p:handoutMasterIdLst>
   <p:sldIdLst>
     <p:sldId id="280" r:id="rId3"/>
@@ -30,29 +30,28 @@
     <p:sldId id="296" r:id="rId18"/>
     <p:sldId id="297" r:id="rId19"/>
     <p:sldId id="278" r:id="rId20"/>
-    <p:sldId id="272" r:id="rId21"/>
-    <p:sldId id="279" r:id="rId22"/>
-    <p:sldId id="283" r:id="rId23"/>
-    <p:sldId id="282" r:id="rId24"/>
-    <p:sldId id="281" r:id="rId25"/>
-    <p:sldId id="259" r:id="rId26"/>
-    <p:sldId id="270" r:id="rId27"/>
-    <p:sldId id="275" r:id="rId28"/>
-    <p:sldId id="274" r:id="rId29"/>
-    <p:sldId id="273" r:id="rId30"/>
-    <p:sldId id="286" r:id="rId31"/>
-    <p:sldId id="285" r:id="rId32"/>
-    <p:sldId id="287" r:id="rId33"/>
-    <p:sldId id="288" r:id="rId34"/>
-    <p:sldId id="289" r:id="rId35"/>
-    <p:sldId id="290" r:id="rId36"/>
-    <p:sldId id="299" r:id="rId37"/>
-    <p:sldId id="291" r:id="rId38"/>
-    <p:sldId id="292" r:id="rId39"/>
-    <p:sldId id="293" r:id="rId40"/>
-    <p:sldId id="294" r:id="rId41"/>
-    <p:sldId id="295" r:id="rId42"/>
-    <p:sldId id="284" r:id="rId43"/>
+    <p:sldId id="279" r:id="rId21"/>
+    <p:sldId id="283" r:id="rId22"/>
+    <p:sldId id="282" r:id="rId23"/>
+    <p:sldId id="281" r:id="rId24"/>
+    <p:sldId id="259" r:id="rId25"/>
+    <p:sldId id="270" r:id="rId26"/>
+    <p:sldId id="275" r:id="rId27"/>
+    <p:sldId id="274" r:id="rId28"/>
+    <p:sldId id="273" r:id="rId29"/>
+    <p:sldId id="286" r:id="rId30"/>
+    <p:sldId id="285" r:id="rId31"/>
+    <p:sldId id="287" r:id="rId32"/>
+    <p:sldId id="288" r:id="rId33"/>
+    <p:sldId id="289" r:id="rId34"/>
+    <p:sldId id="290" r:id="rId35"/>
+    <p:sldId id="299" r:id="rId36"/>
+    <p:sldId id="291" r:id="rId37"/>
+    <p:sldId id="292" r:id="rId38"/>
+    <p:sldId id="293" r:id="rId39"/>
+    <p:sldId id="294" r:id="rId40"/>
+    <p:sldId id="295" r:id="rId41"/>
+    <p:sldId id="284" r:id="rId42"/>
   </p:sldIdLst>
   <p:sldSz cx="12192000" cy="6858000"/>
   <p:notesSz cx="6858000" cy="9144000"/>
@@ -244,7 +243,7 @@
           <a:p>
             <a:fld id="{56C6788E-680A-49E5-BB93-D456A9D23A29}" type="datetimeFigureOut">
               <a:rPr lang="ru-RU" smtClean="0"/>
-              <a:t>10.12.2018</a:t>
+              <a:t>04.09.2019</a:t>
             </a:fld>
             <a:endParaRPr lang="ru-RU"/>
           </a:p>
@@ -413,7 +412,7 @@
           <a:p>
             <a:fld id="{C4DF4945-C160-4CD5-B124-49B9BE14C0AB}" type="datetimeFigureOut">
               <a:rPr lang="ru-RU" smtClean="0"/>
-              <a:t>10.12.2018</a:t>
+              <a:t>04.09.2019</a:t>
             </a:fld>
             <a:endParaRPr lang="ru-RU"/>
           </a:p>
@@ -1838,7 +1837,7 @@
     </p:spTree>
     <p:extLst>
       <p:ext uri="{BB962C8B-B14F-4D97-AF65-F5344CB8AC3E}">
-        <p14:creationId xmlns:p14="http://schemas.microsoft.com/office/powerpoint/2010/main" val="1760124795"/>
+        <p14:creationId xmlns:p14="http://schemas.microsoft.com/office/powerpoint/2010/main" val="2821274548"/>
       </p:ext>
     </p:extLst>
   </p:cSld>
@@ -2050,7 +2049,7 @@
     </p:spTree>
     <p:extLst>
       <p:ext uri="{BB962C8B-B14F-4D97-AF65-F5344CB8AC3E}">
-        <p14:creationId xmlns:p14="http://schemas.microsoft.com/office/powerpoint/2010/main" val="2821274548"/>
+        <p14:creationId xmlns:p14="http://schemas.microsoft.com/office/powerpoint/2010/main" val="2174760312"/>
       </p:ext>
     </p:extLst>
   </p:cSld>
@@ -2156,7 +2155,7 @@
     </p:spTree>
     <p:extLst>
       <p:ext uri="{BB962C8B-B14F-4D97-AF65-F5344CB8AC3E}">
-        <p14:creationId xmlns:p14="http://schemas.microsoft.com/office/powerpoint/2010/main" val="2174760312"/>
+        <p14:creationId xmlns:p14="http://schemas.microsoft.com/office/powerpoint/2010/main" val="260031862"/>
       </p:ext>
     </p:extLst>
   </p:cSld>
@@ -2262,7 +2261,7 @@
     </p:spTree>
     <p:extLst>
       <p:ext uri="{BB962C8B-B14F-4D97-AF65-F5344CB8AC3E}">
-        <p14:creationId xmlns:p14="http://schemas.microsoft.com/office/powerpoint/2010/main" val="260031862"/>
+        <p14:creationId xmlns:p14="http://schemas.microsoft.com/office/powerpoint/2010/main" val="2749795524"/>
       </p:ext>
     </p:extLst>
   </p:cSld>
@@ -2368,7 +2367,7 @@
     </p:spTree>
     <p:extLst>
       <p:ext uri="{BB962C8B-B14F-4D97-AF65-F5344CB8AC3E}">
-        <p14:creationId xmlns:p14="http://schemas.microsoft.com/office/powerpoint/2010/main" val="2749795524"/>
+        <p14:creationId xmlns:p14="http://schemas.microsoft.com/office/powerpoint/2010/main" val="3471459958"/>
       </p:ext>
     </p:extLst>
   </p:cSld>
@@ -2474,7 +2473,7 @@
     </p:spTree>
     <p:extLst>
       <p:ext uri="{BB962C8B-B14F-4D97-AF65-F5344CB8AC3E}">
-        <p14:creationId xmlns:p14="http://schemas.microsoft.com/office/powerpoint/2010/main" val="3471459958"/>
+        <p14:creationId xmlns:p14="http://schemas.microsoft.com/office/powerpoint/2010/main" val="3104589451"/>
       </p:ext>
     </p:extLst>
   </p:cSld>
@@ -2580,7 +2579,7 @@
     </p:spTree>
     <p:extLst>
       <p:ext uri="{BB962C8B-B14F-4D97-AF65-F5344CB8AC3E}">
-        <p14:creationId xmlns:p14="http://schemas.microsoft.com/office/powerpoint/2010/main" val="3104589451"/>
+        <p14:creationId xmlns:p14="http://schemas.microsoft.com/office/powerpoint/2010/main" val="3089647710"/>
       </p:ext>
     </p:extLst>
   </p:cSld>
@@ -2686,7 +2685,7 @@
     </p:spTree>
     <p:extLst>
       <p:ext uri="{BB962C8B-B14F-4D97-AF65-F5344CB8AC3E}">
-        <p14:creationId xmlns:p14="http://schemas.microsoft.com/office/powerpoint/2010/main" val="3089647710"/>
+        <p14:creationId xmlns:p14="http://schemas.microsoft.com/office/powerpoint/2010/main" val="477853263"/>
       </p:ext>
     </p:extLst>
   </p:cSld>
@@ -2792,7 +2791,7 @@
     </p:spTree>
     <p:extLst>
       <p:ext uri="{BB962C8B-B14F-4D97-AF65-F5344CB8AC3E}">
-        <p14:creationId xmlns:p14="http://schemas.microsoft.com/office/powerpoint/2010/main" val="477853263"/>
+        <p14:creationId xmlns:p14="http://schemas.microsoft.com/office/powerpoint/2010/main" val="3197921926"/>
       </p:ext>
     </p:extLst>
   </p:cSld>
@@ -2898,7 +2897,7 @@
     </p:spTree>
     <p:extLst>
       <p:ext uri="{BB962C8B-B14F-4D97-AF65-F5344CB8AC3E}">
-        <p14:creationId xmlns:p14="http://schemas.microsoft.com/office/powerpoint/2010/main" val="3197921926"/>
+        <p14:creationId xmlns:p14="http://schemas.microsoft.com/office/powerpoint/2010/main" val="1856252035"/>
       </p:ext>
     </p:extLst>
   </p:cSld>
@@ -3004,7 +3003,7 @@
     </p:spTree>
     <p:extLst>
       <p:ext uri="{BB962C8B-B14F-4D97-AF65-F5344CB8AC3E}">
-        <p14:creationId xmlns:p14="http://schemas.microsoft.com/office/powerpoint/2010/main" val="1856252035"/>
+        <p14:creationId xmlns:p14="http://schemas.microsoft.com/office/powerpoint/2010/main" val="2360092116"/>
       </p:ext>
     </p:extLst>
   </p:cSld>
@@ -3216,7 +3215,7 @@
     </p:spTree>
     <p:extLst>
       <p:ext uri="{BB962C8B-B14F-4D97-AF65-F5344CB8AC3E}">
-        <p14:creationId xmlns:p14="http://schemas.microsoft.com/office/powerpoint/2010/main" val="2360092116"/>
+        <p14:creationId xmlns:p14="http://schemas.microsoft.com/office/powerpoint/2010/main" val="3801623072"/>
       </p:ext>
     </p:extLst>
   </p:cSld>
@@ -3322,7 +3321,7 @@
     </p:spTree>
     <p:extLst>
       <p:ext uri="{BB962C8B-B14F-4D97-AF65-F5344CB8AC3E}">
-        <p14:creationId xmlns:p14="http://schemas.microsoft.com/office/powerpoint/2010/main" val="3801623072"/>
+        <p14:creationId xmlns:p14="http://schemas.microsoft.com/office/powerpoint/2010/main" val="3103056123"/>
       </p:ext>
     </p:extLst>
   </p:cSld>
@@ -3428,7 +3427,7 @@
     </p:spTree>
     <p:extLst>
       <p:ext uri="{BB962C8B-B14F-4D97-AF65-F5344CB8AC3E}">
-        <p14:creationId xmlns:p14="http://schemas.microsoft.com/office/powerpoint/2010/main" val="3103056123"/>
+        <p14:creationId xmlns:p14="http://schemas.microsoft.com/office/powerpoint/2010/main" val="3544247710"/>
       </p:ext>
     </p:extLst>
   </p:cSld>
@@ -3534,7 +3533,7 @@
     </p:spTree>
     <p:extLst>
       <p:ext uri="{BB962C8B-B14F-4D97-AF65-F5344CB8AC3E}">
-        <p14:creationId xmlns:p14="http://schemas.microsoft.com/office/powerpoint/2010/main" val="3544247710"/>
+        <p14:creationId xmlns:p14="http://schemas.microsoft.com/office/powerpoint/2010/main" val="3322041196"/>
       </p:ext>
     </p:extLst>
   </p:cSld>
@@ -3640,7 +3639,7 @@
     </p:spTree>
     <p:extLst>
       <p:ext uri="{BB962C8B-B14F-4D97-AF65-F5344CB8AC3E}">
-        <p14:creationId xmlns:p14="http://schemas.microsoft.com/office/powerpoint/2010/main" val="3322041196"/>
+        <p14:creationId xmlns:p14="http://schemas.microsoft.com/office/powerpoint/2010/main" val="71045383"/>
       </p:ext>
     </p:extLst>
   </p:cSld>
@@ -3746,7 +3745,7 @@
     </p:spTree>
     <p:extLst>
       <p:ext uri="{BB962C8B-B14F-4D97-AF65-F5344CB8AC3E}">
-        <p14:creationId xmlns:p14="http://schemas.microsoft.com/office/powerpoint/2010/main" val="71045383"/>
+        <p14:creationId xmlns:p14="http://schemas.microsoft.com/office/powerpoint/2010/main" val="3785205728"/>
       </p:ext>
     </p:extLst>
   </p:cSld>
@@ -3852,7 +3851,7 @@
     </p:spTree>
     <p:extLst>
       <p:ext uri="{BB962C8B-B14F-4D97-AF65-F5344CB8AC3E}">
-        <p14:creationId xmlns:p14="http://schemas.microsoft.com/office/powerpoint/2010/main" val="3785205728"/>
+        <p14:creationId xmlns:p14="http://schemas.microsoft.com/office/powerpoint/2010/main" val="4086434289"/>
       </p:ext>
     </p:extLst>
   </p:cSld>
@@ -3958,7 +3957,7 @@
     </p:spTree>
     <p:extLst>
       <p:ext uri="{BB962C8B-B14F-4D97-AF65-F5344CB8AC3E}">
-        <p14:creationId xmlns:p14="http://schemas.microsoft.com/office/powerpoint/2010/main" val="4086434289"/>
+        <p14:creationId xmlns:p14="http://schemas.microsoft.com/office/powerpoint/2010/main" val="4006915539"/>
       </p:ext>
     </p:extLst>
   </p:cSld>
@@ -4064,7 +4063,7 @@
     </p:spTree>
     <p:extLst>
       <p:ext uri="{BB962C8B-B14F-4D97-AF65-F5344CB8AC3E}">
-        <p14:creationId xmlns:p14="http://schemas.microsoft.com/office/powerpoint/2010/main" val="4006915539"/>
+        <p14:creationId xmlns:p14="http://schemas.microsoft.com/office/powerpoint/2010/main" val="2532074372"/>
       </p:ext>
     </p:extLst>
   </p:cSld>
@@ -4170,7 +4169,7 @@
     </p:spTree>
     <p:extLst>
       <p:ext uri="{BB962C8B-B14F-4D97-AF65-F5344CB8AC3E}">
-        <p14:creationId xmlns:p14="http://schemas.microsoft.com/office/powerpoint/2010/main" val="2532074372"/>
+        <p14:creationId xmlns:p14="http://schemas.microsoft.com/office/powerpoint/2010/main" val="3979752268"/>
       </p:ext>
     </p:extLst>
   </p:cSld>
@@ -4352,112 +4351,6 @@
             <a:fld id="{7F33120B-582B-4354-977D-A474A534F6B9}" type="slidenum">
               <a:rPr lang="ru-RU" smtClean="0"/>
               <a:t>40</a:t>
-            </a:fld>
-            <a:endParaRPr lang="ru-RU"/>
-          </a:p>
-        </p:txBody>
-      </p:sp>
-      <p:sp>
-        <p:nvSpPr>
-          <p:cNvPr id="5" name="Header Placeholder 4"/>
-          <p:cNvSpPr>
-            <a:spLocks noGrp="1"/>
-          </p:cNvSpPr>
-          <p:nvPr>
-            <p:ph type="hdr" sz="quarter" idx="11"/>
-          </p:nvPr>
-        </p:nvSpPr>
-        <p:spPr/>
-        <p:txBody>
-          <a:bodyPr/>
-          <a:lstStyle/>
-          <a:p>
-            <a:r>
-              <a:rPr lang="ru-RU"/>
-              <a:t>Основы построения файловых систем</a:t>
-            </a:r>
-          </a:p>
-        </p:txBody>
-      </p:sp>
-    </p:spTree>
-    <p:extLst>
-      <p:ext uri="{BB962C8B-B14F-4D97-AF65-F5344CB8AC3E}">
-        <p14:creationId xmlns:p14="http://schemas.microsoft.com/office/powerpoint/2010/main" val="3979752268"/>
-      </p:ext>
-    </p:extLst>
-  </p:cSld>
-  <p:clrMapOvr>
-    <a:masterClrMapping/>
-  </p:clrMapOvr>
-</p:notes>
-</file>
-
-<file path=ppt/notesSlides/notesSlide41.xml><?xml version="1.0" encoding="utf-8"?>
-<p:notes xmlns:a="http://schemas.openxmlformats.org/drawingml/2006/main" xmlns:r="http://schemas.openxmlformats.org/officeDocument/2006/relationships" xmlns:p="http://schemas.openxmlformats.org/presentationml/2006/main">
-  <p:cSld>
-    <p:spTree>
-      <p:nvGrpSpPr>
-        <p:cNvPr id="1" name=""/>
-        <p:cNvGrpSpPr/>
-        <p:nvPr/>
-      </p:nvGrpSpPr>
-      <p:grpSpPr>
-        <a:xfrm>
-          <a:off x="0" y="0"/>
-          <a:ext cx="0" cy="0"/>
-          <a:chOff x="0" y="0"/>
-          <a:chExt cx="0" cy="0"/>
-        </a:xfrm>
-      </p:grpSpPr>
-      <p:sp>
-        <p:nvSpPr>
-          <p:cNvPr id="2" name="Slide Image Placeholder 1"/>
-          <p:cNvSpPr>
-            <a:spLocks noGrp="1" noRot="1" noChangeAspect="1"/>
-          </p:cNvSpPr>
-          <p:nvPr>
-            <p:ph type="sldImg"/>
-          </p:nvPr>
-        </p:nvSpPr>
-        <p:spPr/>
-      </p:sp>
-      <p:sp>
-        <p:nvSpPr>
-          <p:cNvPr id="3" name="Notes Placeholder 2"/>
-          <p:cNvSpPr>
-            <a:spLocks noGrp="1"/>
-          </p:cNvSpPr>
-          <p:nvPr>
-            <p:ph type="body" idx="1"/>
-          </p:nvPr>
-        </p:nvSpPr>
-        <p:spPr/>
-        <p:txBody>
-          <a:bodyPr/>
-          <a:lstStyle/>
-          <a:p>
-            <a:endParaRPr lang="ru-RU"/>
-          </a:p>
-        </p:txBody>
-      </p:sp>
-      <p:sp>
-        <p:nvSpPr>
-          <p:cNvPr id="4" name="Slide Number Placeholder 3"/>
-          <p:cNvSpPr>
-            <a:spLocks noGrp="1"/>
-          </p:cNvSpPr>
-          <p:nvPr>
-            <p:ph type="sldNum" sz="quarter" idx="10"/>
-          </p:nvPr>
-        </p:nvSpPr>
-        <p:spPr/>
-        <p:txBody>
-          <a:bodyPr/>
-          <a:lstStyle/>
-          <a:p>
-            <a:fld id="{7F33120B-582B-4354-977D-A474A534F6B9}" type="slidenum">
-              <a:rPr lang="ru-RU" smtClean="0"/>
-              <a:t>41</a:t>
             </a:fld>
             <a:endParaRPr lang="ru-RU"/>
           </a:p>
@@ -5159,7 +5052,7 @@
           <a:p>
             <a:fld id="{12C63722-5D9F-4E99-9720-9B6A0C7BB1C9}" type="datetimeFigureOut">
               <a:rPr lang="ru-RU" smtClean="0"/>
-              <a:t>10.12.2018</a:t>
+              <a:t>04.09.2019</a:t>
             </a:fld>
             <a:endParaRPr lang="ru-RU"/>
           </a:p>
@@ -5329,7 +5222,7 @@
           <a:p>
             <a:fld id="{12C63722-5D9F-4E99-9720-9B6A0C7BB1C9}" type="datetimeFigureOut">
               <a:rPr lang="ru-RU" smtClean="0"/>
-              <a:t>10.12.2018</a:t>
+              <a:t>04.09.2019</a:t>
             </a:fld>
             <a:endParaRPr lang="ru-RU"/>
           </a:p>
@@ -5509,7 +5402,7 @@
           <a:p>
             <a:fld id="{12C63722-5D9F-4E99-9720-9B6A0C7BB1C9}" type="datetimeFigureOut">
               <a:rPr lang="ru-RU" smtClean="0"/>
-              <a:t>10.12.2018</a:t>
+              <a:t>04.09.2019</a:t>
             </a:fld>
             <a:endParaRPr lang="ru-RU"/>
           </a:p>
@@ -5701,7 +5594,7 @@
           <a:p>
             <a:fld id="{8C218C88-2408-4CFC-B25C-07450930B282}" type="datetimeFigureOut">
               <a:rPr lang="ru-RU" smtClean="0"/>
-              <a:t>10.12.2018</a:t>
+              <a:t>04.09.2019</a:t>
             </a:fld>
             <a:endParaRPr lang="ru-RU"/>
           </a:p>
@@ -5871,7 +5764,7 @@
           <a:p>
             <a:fld id="{8C218C88-2408-4CFC-B25C-07450930B282}" type="datetimeFigureOut">
               <a:rPr lang="ru-RU" smtClean="0"/>
-              <a:t>10.12.2018</a:t>
+              <a:t>04.09.2019</a:t>
             </a:fld>
             <a:endParaRPr lang="ru-RU"/>
           </a:p>
@@ -6117,7 +6010,7 @@
           <a:p>
             <a:fld id="{8C218C88-2408-4CFC-B25C-07450930B282}" type="datetimeFigureOut">
               <a:rPr lang="ru-RU" smtClean="0"/>
-              <a:t>10.12.2018</a:t>
+              <a:t>04.09.2019</a:t>
             </a:fld>
             <a:endParaRPr lang="ru-RU"/>
           </a:p>
@@ -6349,7 +6242,7 @@
           <a:p>
             <a:fld id="{8C218C88-2408-4CFC-B25C-07450930B282}" type="datetimeFigureOut">
               <a:rPr lang="ru-RU" smtClean="0"/>
-              <a:t>10.12.2018</a:t>
+              <a:t>04.09.2019</a:t>
             </a:fld>
             <a:endParaRPr lang="ru-RU"/>
           </a:p>
@@ -6716,7 +6609,7 @@
           <a:p>
             <a:fld id="{8C218C88-2408-4CFC-B25C-07450930B282}" type="datetimeFigureOut">
               <a:rPr lang="ru-RU" smtClean="0"/>
-              <a:t>10.12.2018</a:t>
+              <a:t>04.09.2019</a:t>
             </a:fld>
             <a:endParaRPr lang="ru-RU"/>
           </a:p>
@@ -6834,7 +6727,7 @@
           <a:p>
             <a:fld id="{8C218C88-2408-4CFC-B25C-07450930B282}" type="datetimeFigureOut">
               <a:rPr lang="ru-RU" smtClean="0"/>
-              <a:t>10.12.2018</a:t>
+              <a:t>04.09.2019</a:t>
             </a:fld>
             <a:endParaRPr lang="ru-RU"/>
           </a:p>
@@ -6929,7 +6822,7 @@
           <a:p>
             <a:fld id="{8C218C88-2408-4CFC-B25C-07450930B282}" type="datetimeFigureOut">
               <a:rPr lang="ru-RU" smtClean="0"/>
-              <a:t>10.12.2018</a:t>
+              <a:t>04.09.2019</a:t>
             </a:fld>
             <a:endParaRPr lang="ru-RU"/>
           </a:p>
@@ -7206,7 +7099,7 @@
           <a:p>
             <a:fld id="{8C218C88-2408-4CFC-B25C-07450930B282}" type="datetimeFigureOut">
               <a:rPr lang="ru-RU" smtClean="0"/>
-              <a:t>10.12.2018</a:t>
+              <a:t>04.09.2019</a:t>
             </a:fld>
             <a:endParaRPr lang="ru-RU"/>
           </a:p>
@@ -7376,7 +7269,7 @@
           <a:p>
             <a:fld id="{12C63722-5D9F-4E99-9720-9B6A0C7BB1C9}" type="datetimeFigureOut">
               <a:rPr lang="ru-RU" smtClean="0"/>
-              <a:t>10.12.2018</a:t>
+              <a:t>04.09.2019</a:t>
             </a:fld>
             <a:endParaRPr lang="ru-RU"/>
           </a:p>
@@ -7629,7 +7522,7 @@
           <a:p>
             <a:fld id="{8C218C88-2408-4CFC-B25C-07450930B282}" type="datetimeFigureOut">
               <a:rPr lang="ru-RU" smtClean="0"/>
-              <a:t>10.12.2018</a:t>
+              <a:t>04.09.2019</a:t>
             </a:fld>
             <a:endParaRPr lang="ru-RU"/>
           </a:p>
@@ -7799,7 +7692,7 @@
           <a:p>
             <a:fld id="{8C218C88-2408-4CFC-B25C-07450930B282}" type="datetimeFigureOut">
               <a:rPr lang="ru-RU" smtClean="0"/>
-              <a:t>10.12.2018</a:t>
+              <a:t>04.09.2019</a:t>
             </a:fld>
             <a:endParaRPr lang="ru-RU"/>
           </a:p>
@@ -7979,7 +7872,7 @@
           <a:p>
             <a:fld id="{8C218C88-2408-4CFC-B25C-07450930B282}" type="datetimeFigureOut">
               <a:rPr lang="ru-RU" smtClean="0"/>
-              <a:t>10.12.2018</a:t>
+              <a:t>04.09.2019</a:t>
             </a:fld>
             <a:endParaRPr lang="ru-RU"/>
           </a:p>
@@ -8225,7 +8118,7 @@
           <a:p>
             <a:fld id="{12C63722-5D9F-4E99-9720-9B6A0C7BB1C9}" type="datetimeFigureOut">
               <a:rPr lang="ru-RU" smtClean="0"/>
-              <a:t>10.12.2018</a:t>
+              <a:t>04.09.2019</a:t>
             </a:fld>
             <a:endParaRPr lang="ru-RU"/>
           </a:p>
@@ -8465,7 +8358,7 @@
           <a:p>
             <a:fld id="{12C63722-5D9F-4E99-9720-9B6A0C7BB1C9}" type="datetimeFigureOut">
               <a:rPr lang="ru-RU" smtClean="0"/>
-              <a:t>10.12.2018</a:t>
+              <a:t>04.09.2019</a:t>
             </a:fld>
             <a:endParaRPr lang="ru-RU"/>
           </a:p>
@@ -8832,7 +8725,7 @@
           <a:p>
             <a:fld id="{12C63722-5D9F-4E99-9720-9B6A0C7BB1C9}" type="datetimeFigureOut">
               <a:rPr lang="ru-RU" smtClean="0"/>
-              <a:t>10.12.2018</a:t>
+              <a:t>04.09.2019</a:t>
             </a:fld>
             <a:endParaRPr lang="ru-RU"/>
           </a:p>
@@ -8950,7 +8843,7 @@
           <a:p>
             <a:fld id="{12C63722-5D9F-4E99-9720-9B6A0C7BB1C9}" type="datetimeFigureOut">
               <a:rPr lang="ru-RU" smtClean="0"/>
-              <a:t>10.12.2018</a:t>
+              <a:t>04.09.2019</a:t>
             </a:fld>
             <a:endParaRPr lang="ru-RU"/>
           </a:p>
@@ -9045,7 +8938,7 @@
           <a:p>
             <a:fld id="{12C63722-5D9F-4E99-9720-9B6A0C7BB1C9}" type="datetimeFigureOut">
               <a:rPr lang="ru-RU" smtClean="0"/>
-              <a:t>10.12.2018</a:t>
+              <a:t>04.09.2019</a:t>
             </a:fld>
             <a:endParaRPr lang="ru-RU"/>
           </a:p>
@@ -9322,7 +9215,7 @@
           <a:p>
             <a:fld id="{12C63722-5D9F-4E99-9720-9B6A0C7BB1C9}" type="datetimeFigureOut">
               <a:rPr lang="ru-RU" smtClean="0"/>
-              <a:t>10.12.2018</a:t>
+              <a:t>04.09.2019</a:t>
             </a:fld>
             <a:endParaRPr lang="ru-RU"/>
           </a:p>
@@ -9575,7 +9468,7 @@
           <a:p>
             <a:fld id="{12C63722-5D9F-4E99-9720-9B6A0C7BB1C9}" type="datetimeFigureOut">
               <a:rPr lang="ru-RU" smtClean="0"/>
-              <a:t>10.12.2018</a:t>
+              <a:t>04.09.2019</a:t>
             </a:fld>
             <a:endParaRPr lang="ru-RU"/>
           </a:p>
@@ -9788,7 +9681,7 @@
           <a:p>
             <a:fld id="{12C63722-5D9F-4E99-9720-9B6A0C7BB1C9}" type="datetimeFigureOut">
               <a:rPr lang="ru-RU" smtClean="0"/>
-              <a:t>10.12.2018</a:t>
+              <a:t>04.09.2019</a:t>
             </a:fld>
             <a:endParaRPr lang="ru-RU"/>
           </a:p>
@@ -10328,7 +10221,7 @@
           <a:p>
             <a:fld id="{8C218C88-2408-4CFC-B25C-07450930B282}" type="datetimeFigureOut">
               <a:rPr lang="ru-RU" smtClean="0"/>
-              <a:t>10.12.2018</a:t>
+              <a:t>04.09.2019</a:t>
             </a:fld>
             <a:endParaRPr lang="ru-RU"/>
           </a:p>
@@ -11121,7 +11014,7 @@
           <p:nvPr>
             <p:extLst>
               <p:ext uri="{D42A27DB-BD31-4B8C-83A1-F6EECF244321}">
-                <p14:modId xmlns:p14="http://schemas.microsoft.com/office/powerpoint/2010/main" val="2695127780"/>
+                <p14:modId xmlns:p14="http://schemas.microsoft.com/office/powerpoint/2010/main" val="1474617317"/>
               </p:ext>
             </p:extLst>
           </p:nvPr>
@@ -11555,7 +11448,15 @@
                       </a:pPr>
                       <a:r>
                         <a:rPr lang="ru-RU" sz="2000" dirty="0"/>
-                        <a:t>писать данные в файлы и читать их,</a:t>
+                        <a:t>писать данные в файлы</a:t>
+                      </a:r>
+                      <a:r>
+                        <a:rPr lang="en-US" sz="2000" dirty="0"/>
+                        <a:t> (</a:t>
+                      </a:r>
+                      <a:r>
+                        <a:rPr lang="ru-RU" sz="2000" dirty="0"/>
+                        <a:t>в произвольные позиции) и читать их,</a:t>
                       </a:r>
                       <a:endParaRPr lang="en-US" sz="2000" dirty="0"/>
                     </a:p>
@@ -12579,9 +12480,7 @@
           <p:cNvGraphicFramePr>
             <a:graphicFrameLocks noGrp="1"/>
           </p:cNvGraphicFramePr>
-          <p:nvPr>
-            <p:extLst/>
-          </p:nvPr>
+          <p:nvPr/>
         </p:nvGraphicFramePr>
         <p:xfrm>
           <a:off x="0" y="1"/>
@@ -12637,9 +12536,7 @@
           <p:cNvGraphicFramePr>
             <a:graphicFrameLocks noGrp="1"/>
           </p:cNvGraphicFramePr>
-          <p:nvPr>
-            <p:extLst/>
-          </p:nvPr>
+          <p:nvPr/>
         </p:nvGraphicFramePr>
         <p:xfrm>
           <a:off x="0" y="6532604"/>
@@ -12694,9 +12591,7 @@
           <p:cNvGraphicFramePr>
             <a:graphicFrameLocks noGrp="1"/>
           </p:cNvGraphicFramePr>
-          <p:nvPr>
-            <p:extLst/>
-          </p:nvPr>
+          <p:nvPr/>
         </p:nvGraphicFramePr>
         <p:xfrm>
           <a:off x="0" y="365760"/>
@@ -17816,76 +17711,6 @@
           </a:fontRef>
         </p:style>
       </p:cxnSp>
-      <p:sp>
-        <p:nvSpPr>
-          <p:cNvPr id="8" name="Rounded Rectangle 7">
-            <a:extLst>
-              <a:ext uri="{FF2B5EF4-FFF2-40B4-BE49-F238E27FC236}">
-                <a16:creationId xmlns:a16="http://schemas.microsoft.com/office/drawing/2014/main" id="{6949ADF6-6F45-B448-8FCD-CDD873200D01}"/>
-              </a:ext>
-            </a:extLst>
-          </p:cNvPr>
-          <p:cNvSpPr/>
-          <p:nvPr/>
-        </p:nvSpPr>
-        <p:spPr>
-          <a:xfrm>
-            <a:off x="3283027" y="4192446"/>
-            <a:ext cx="3076584" cy="1756662"/>
-          </a:xfrm>
-          <a:prstGeom prst="roundRect">
-            <a:avLst/>
-          </a:prstGeom>
-        </p:spPr>
-        <p:style>
-          <a:lnRef idx="2">
-            <a:schemeClr val="accent1">
-              <a:shade val="50000"/>
-            </a:schemeClr>
-          </a:lnRef>
-          <a:fillRef idx="1">
-            <a:schemeClr val="accent1"/>
-          </a:fillRef>
-          <a:effectRef idx="0">
-            <a:schemeClr val="accent1"/>
-          </a:effectRef>
-          <a:fontRef idx="minor">
-            <a:schemeClr val="lt1"/>
-          </a:fontRef>
-        </p:style>
-        <p:txBody>
-          <a:bodyPr rtlCol="0" anchor="ctr"/>
-          <a:lstStyle/>
-          <a:p>
-            <a:pPr algn="ctr"/>
-            <a:r>
-              <a:rPr lang="ru-RU" dirty="0"/>
-              <a:t>Стоит рассказать о том, что </a:t>
-            </a:r>
-            <a:r>
-              <a:rPr lang="en-US" dirty="0"/>
-              <a:t>RAM – </a:t>
-            </a:r>
-            <a:r>
-              <a:rPr lang="ru-RU" dirty="0"/>
-              <a:t>это тоже не память со случайным доступом и там есть свои </a:t>
-            </a:r>
-            <a:r>
-              <a:rPr lang="en-US" dirty="0"/>
-              <a:t>”seeks” – RAS </a:t>
-            </a:r>
-            <a:r>
-              <a:rPr lang="ru-RU" dirty="0"/>
-              <a:t>и </a:t>
-            </a:r>
-            <a:r>
-              <a:rPr lang="en-US"/>
-              <a:t>CAS.</a:t>
-            </a:r>
-            <a:endParaRPr lang="ru-RU"/>
-          </a:p>
-        </p:txBody>
-      </p:sp>
     </p:spTree>
     <p:extLst>
       <p:ext uri="{BB962C8B-B14F-4D97-AF65-F5344CB8AC3E}">
@@ -18039,47 +17864,6 @@
           </a:graphicData>
         </a:graphic>
       </p:graphicFrame>
-      <p:pic>
-        <p:nvPicPr>
-          <p:cNvPr id="3074" name="Picture 2" descr="Image result for disk defragmenter"/>
-          <p:cNvPicPr>
-            <a:picLocks noChangeAspect="1" noChangeArrowheads="1"/>
-          </p:cNvPicPr>
-          <p:nvPr/>
-        </p:nvPicPr>
-        <p:blipFill>
-          <a:blip r:embed="rId3">
-            <a:extLst>
-              <a:ext uri="{28A0092B-C50C-407E-A947-70E740481C1C}">
-                <a14:useLocalDpi xmlns:a14="http://schemas.microsoft.com/office/drawing/2010/main" val="0"/>
-              </a:ext>
-            </a:extLst>
-          </a:blip>
-          <a:srcRect/>
-          <a:stretch>
-            <a:fillRect/>
-          </a:stretch>
-        </p:blipFill>
-        <p:spPr bwMode="auto">
-          <a:xfrm>
-            <a:off x="2928937" y="1554481"/>
-            <a:ext cx="6334125" cy="4562476"/>
-          </a:xfrm>
-          <a:prstGeom prst="rect">
-            <a:avLst/>
-          </a:prstGeom>
-          <a:noFill/>
-          <a:extLst>
-            <a:ext uri="{909E8E84-426E-40DD-AFC4-6F175D3DCCD1}">
-              <a14:hiddenFill xmlns:a14="http://schemas.microsoft.com/office/drawing/2010/main">
-                <a:solidFill>
-                  <a:srgbClr val="FFFFFF"/>
-                </a:solidFill>
-              </a14:hiddenFill>
-            </a:ext>
-          </a:extLst>
-        </p:spPr>
-      </p:pic>
       <p:graphicFrame>
         <p:nvGraphicFramePr>
           <p:cNvPr id="2" name="Table 1"/>
@@ -18089,14 +17873,14 @@
           <p:nvPr>
             <p:extLst>
               <p:ext uri="{D42A27DB-BD31-4B8C-83A1-F6EECF244321}">
-                <p14:modId xmlns:p14="http://schemas.microsoft.com/office/powerpoint/2010/main" val="3000173849"/>
+                <p14:modId xmlns:p14="http://schemas.microsoft.com/office/powerpoint/2010/main" val="398340185"/>
               </p:ext>
             </p:extLst>
           </p:nvPr>
         </p:nvGraphicFramePr>
         <p:xfrm>
-          <a:off x="0" y="365761"/>
-          <a:ext cx="12192000" cy="822960"/>
+          <a:off x="0" y="365760"/>
+          <a:ext cx="12192000" cy="1187873"/>
         </p:xfrm>
         <a:graphic>
           <a:graphicData uri="http://schemas.openxmlformats.org/drawingml/2006/table">
@@ -18105,15 +17889,22 @@
                 <a:tableStyleId>{3B4B98B0-60AC-42C2-AFA5-B58CD77FA1E5}</a:tableStyleId>
               </a:tblPr>
               <a:tblGrid>
-                <a:gridCol w="12192000">
+                <a:gridCol w="4300151">
                   <a:extLst>
                     <a:ext uri="{9D8B030D-6E8A-4147-A177-3AD203B41FA5}">
                       <a16:colId xmlns:a16="http://schemas.microsoft.com/office/drawing/2014/main" val="20000"/>
                     </a:ext>
                   </a:extLst>
                 </a:gridCol>
+                <a:gridCol w="7891849">
+                  <a:extLst>
+                    <a:ext uri="{9D8B030D-6E8A-4147-A177-3AD203B41FA5}">
+                      <a16:colId xmlns:a16="http://schemas.microsoft.com/office/drawing/2014/main" val="20001"/>
+                    </a:ext>
+                  </a:extLst>
+                </a:gridCol>
               </a:tblGrid>
-              <a:tr h="755615">
+              <a:tr h="547793">
                 <a:tc>
                   <a:txBody>
                     <a:bodyPr/>
@@ -18121,13 +17912,23 @@
                     <a:p>
                       <a:r>
                         <a:rPr lang="ru-RU" sz="2400" dirty="0"/>
-                        <a:t>Та же проблема с</a:t>
-                      </a:r>
-                      <a:r>
-                        <a:rPr lang="ru-RU" sz="2400" baseline="0" dirty="0"/>
-                        <a:t> содержимым файлов: их надо располагать так, чтобы не создавать случайного доступа к диску.</a:t>
+                        <a:t>Устройства хранения данных</a:t>
+                      </a:r>
+                      <a:r>
+                        <a:rPr lang="en-US" sz="2400" dirty="0"/>
+                        <a:t>:</a:t>
                       </a:r>
                       <a:endParaRPr lang="ru-RU" sz="2400" dirty="0"/>
+                    </a:p>
+                  </a:txBody>
+                  <a:tcPr/>
+                </a:tc>
+                <a:tc>
+                  <a:txBody>
+                    <a:bodyPr/>
+                    <a:lstStyle/>
+                    <a:p>
+                      <a:endParaRPr lang="ru-RU" dirty="0"/>
                     </a:p>
                   </a:txBody>
                   <a:tcPr/>
@@ -18138,14 +17939,194 @@
                   </a:ext>
                 </a:extLst>
               </a:tr>
+              <a:tr h="547793">
+                <a:tc>
+                  <a:txBody>
+                    <a:bodyPr/>
+                    <a:lstStyle/>
+                    <a:p>
+                      <a:r>
+                        <a:rPr lang="en-US" dirty="0"/>
+                        <a:t>HDD (Hard Disk Drive, </a:t>
+                      </a:r>
+                      <a:r>
+                        <a:rPr lang="en-US" dirty="0" err="1"/>
+                        <a:t>a.k.a</a:t>
+                      </a:r>
+                      <a:r>
+                        <a:rPr lang="en-US" baseline="0" dirty="0"/>
+                        <a:t> Rotating drive,</a:t>
+                      </a:r>
+                      <a:br>
+                        <a:rPr lang="en-US" baseline="0" dirty="0"/>
+                      </a:br>
+                      <a:r>
+                        <a:rPr lang="en-US" baseline="0" dirty="0" err="1"/>
+                        <a:t>a.k.a</a:t>
+                      </a:r>
+                      <a:r>
+                        <a:rPr lang="en-US" baseline="0" dirty="0"/>
+                        <a:t> Spinning rust)</a:t>
+                      </a:r>
+                      <a:endParaRPr lang="ru-RU" dirty="0"/>
+                    </a:p>
+                  </a:txBody>
+                  <a:tcPr/>
+                </a:tc>
+                <a:tc>
+                  <a:txBody>
+                    <a:bodyPr/>
+                    <a:lstStyle/>
+                    <a:p>
+                      <a:r>
+                        <a:rPr lang="en-US" dirty="0"/>
+                        <a:t>+ </a:t>
+                      </a:r>
+                      <a:r>
+                        <a:rPr lang="ru-RU" dirty="0"/>
+                        <a:t>достаточно</a:t>
+                      </a:r>
+                      <a:r>
+                        <a:rPr lang="ru-RU" baseline="0" dirty="0"/>
+                        <a:t> быстрое линейное чтение</a:t>
+                      </a:r>
+                      <a:r>
+                        <a:rPr lang="en-US" baseline="0" dirty="0"/>
+                        <a:t> (</a:t>
+                      </a:r>
+                      <a:r>
+                        <a:rPr lang="ru-RU" dirty="0"/>
+                        <a:t>≈</a:t>
+                      </a:r>
+                      <a:r>
+                        <a:rPr lang="en-US" dirty="0"/>
+                        <a:t>100 MB/sec</a:t>
+                      </a:r>
+                      <a:r>
+                        <a:rPr lang="en-US" baseline="0" dirty="0"/>
+                        <a:t>)</a:t>
+                      </a:r>
+                      <a:endParaRPr lang="ru-RU" baseline="0" dirty="0"/>
+                    </a:p>
+                    <a:p>
+                      <a:r>
+                        <a:rPr lang="ru-RU" baseline="0" dirty="0"/>
+                        <a:t>- очень медленный случайный доступ</a:t>
+                      </a:r>
+                      <a:r>
+                        <a:rPr lang="en-US" baseline="0" dirty="0"/>
+                        <a:t> (</a:t>
+                      </a:r>
+                      <a:r>
+                        <a:rPr lang="ru-RU" dirty="0"/>
+                        <a:t>≈</a:t>
+                      </a:r>
+                      <a:r>
+                        <a:rPr lang="en-US" dirty="0"/>
+                        <a:t>100 IOPS</a:t>
+                      </a:r>
+                      <a:r>
+                        <a:rPr lang="en-US" baseline="0" dirty="0"/>
+                        <a:t>)</a:t>
+                      </a:r>
+                      <a:endParaRPr lang="ru-RU" dirty="0"/>
+                    </a:p>
+                  </a:txBody>
+                  <a:tcPr/>
+                </a:tc>
+                <a:extLst>
+                  <a:ext uri="{0D108BD9-81ED-4DB2-BD59-A6C34878D82A}">
+                    <a16:rowId xmlns:a16="http://schemas.microsoft.com/office/drawing/2014/main" val="10001"/>
+                  </a:ext>
+                </a:extLst>
+              </a:tr>
             </a:tbl>
           </a:graphicData>
         </a:graphic>
       </p:graphicFrame>
+      <p:sp>
+        <p:nvSpPr>
+          <p:cNvPr id="3" name="TextBox 2"/>
+          <p:cNvSpPr txBox="1"/>
+          <p:nvPr/>
+        </p:nvSpPr>
+        <p:spPr>
+          <a:xfrm>
+            <a:off x="65903" y="5947829"/>
+            <a:ext cx="3947427" cy="584775"/>
+          </a:xfrm>
+          <a:prstGeom prst="rect">
+            <a:avLst/>
+          </a:prstGeom>
+          <a:noFill/>
+        </p:spPr>
+        <p:txBody>
+          <a:bodyPr wrap="none" rtlCol="0">
+            <a:spAutoFit/>
+          </a:bodyPr>
+          <a:lstStyle/>
+          <a:p>
+            <a:r>
+              <a:rPr lang="en-US" sz="1600" i="1" dirty="0">
+                <a:solidFill>
+                  <a:schemeClr val="tx1">
+                    <a:lumMod val="50000"/>
+                    <a:lumOff val="50000"/>
+                  </a:schemeClr>
+                </a:solidFill>
+              </a:rPr>
+              <a:t>* IOPS – Input/output Operations Per Second</a:t>
+            </a:r>
+          </a:p>
+          <a:p>
+            <a:r>
+              <a:rPr lang="en-US" sz="1600" i="1" dirty="0">
+                <a:solidFill>
+                  <a:schemeClr val="tx1">
+                    <a:lumMod val="50000"/>
+                    <a:lumOff val="50000"/>
+                  </a:schemeClr>
+                </a:solidFill>
+              </a:rPr>
+              <a:t>* </a:t>
+            </a:r>
+            <a:r>
+              <a:rPr lang="ru-RU" sz="1600" i="1" dirty="0">
+                <a:solidFill>
+                  <a:schemeClr val="tx1">
+                    <a:lumMod val="50000"/>
+                    <a:lumOff val="50000"/>
+                  </a:schemeClr>
+                </a:solidFill>
+              </a:rPr>
+              <a:t>Данные для </a:t>
+            </a:r>
+            <a:r>
+              <a:rPr lang="en-US" sz="1600" i="1" baseline="0" dirty="0">
+                <a:solidFill>
+                  <a:schemeClr val="tx1">
+                    <a:lumMod val="50000"/>
+                    <a:lumOff val="50000"/>
+                  </a:schemeClr>
+                </a:solidFill>
+              </a:rPr>
+              <a:t>Intel SSD DC S3700</a:t>
+            </a:r>
+            <a:endParaRPr lang="ru-RU" sz="1600" i="1" dirty="0">
+              <a:solidFill>
+                <a:schemeClr val="tx1">
+                  <a:lumMod val="50000"/>
+                  <a:lumOff val="50000"/>
+                </a:schemeClr>
+              </a:solidFill>
+            </a:endParaRPr>
+          </a:p>
+        </p:txBody>
+      </p:sp>
     </p:spTree>
     <p:extLst>
       <p:ext uri="{BB962C8B-B14F-4D97-AF65-F5344CB8AC3E}">
-        <p14:creationId xmlns:p14="http://schemas.microsoft.com/office/powerpoint/2010/main" val="3515019960"/>
+        <p14:creationId xmlns:p14="http://schemas.microsoft.com/office/powerpoint/2010/main" val="1472841451"/>
       </p:ext>
     </p:extLst>
   </p:cSld>
@@ -18584,14 +18565,14 @@
           <p:nvPr>
             <p:extLst>
               <p:ext uri="{D42A27DB-BD31-4B8C-83A1-F6EECF244321}">
-                <p14:modId xmlns:p14="http://schemas.microsoft.com/office/powerpoint/2010/main" val="398340185"/>
+                <p14:modId xmlns:p14="http://schemas.microsoft.com/office/powerpoint/2010/main" val="1077370961"/>
               </p:ext>
             </p:extLst>
           </p:nvPr>
         </p:nvGraphicFramePr>
         <p:xfrm>
           <a:off x="0" y="365760"/>
-          <a:ext cx="12192000" cy="1187873"/>
+          <a:ext cx="12192000" cy="2650913"/>
         </p:xfrm>
         <a:graphic>
           <a:graphicData uri="http://schemas.openxmlformats.org/drawingml/2006/table">
@@ -18715,7 +18696,7 @@
                       </a:r>
                       <a:r>
                         <a:rPr lang="en-US" baseline="0" dirty="0"/>
-                        <a:t>)</a:t>
+                        <a:t>),</a:t>
                       </a:r>
                       <a:endParaRPr lang="ru-RU" baseline="0" dirty="0"/>
                     </a:p>
@@ -18738,7 +18719,7 @@
                       </a:r>
                       <a:r>
                         <a:rPr lang="en-US" baseline="0" dirty="0"/>
-                        <a:t>)</a:t>
+                        <a:t>).</a:t>
                       </a:r>
                       <a:endParaRPr lang="ru-RU" dirty="0"/>
                     </a:p>
@@ -18748,6 +18729,114 @@
                 <a:extLst>
                   <a:ext uri="{0D108BD9-81ED-4DB2-BD59-A6C34878D82A}">
                     <a16:rowId xmlns:a16="http://schemas.microsoft.com/office/drawing/2014/main" val="10001"/>
+                  </a:ext>
+                </a:extLst>
+              </a:tr>
+              <a:tr h="547793">
+                <a:tc>
+                  <a:txBody>
+                    <a:bodyPr/>
+                    <a:lstStyle/>
+                    <a:p>
+                      <a:r>
+                        <a:rPr lang="en-US" dirty="0"/>
+                        <a:t>Flash</a:t>
+                      </a:r>
+                      <a:r>
+                        <a:rPr lang="en-US" baseline="0" dirty="0"/>
+                        <a:t> memory</a:t>
+                      </a:r>
+                      <a:endParaRPr lang="ru-RU" dirty="0"/>
+                    </a:p>
+                  </a:txBody>
+                  <a:tcPr/>
+                </a:tc>
+                <a:tc>
+                  <a:txBody>
+                    <a:bodyPr/>
+                    <a:lstStyle/>
+                    <a:p>
+                      <a:r>
+                        <a:rPr lang="en-US" dirty="0"/>
+                        <a:t>+ </a:t>
+                      </a:r>
+                      <a:r>
+                        <a:rPr lang="ru-RU" dirty="0"/>
+                        <a:t>быстрое линейное чтение</a:t>
+                      </a:r>
+                      <a:r>
+                        <a:rPr lang="en-US" dirty="0"/>
+                        <a:t>,</a:t>
+                      </a:r>
+                      <a:endParaRPr lang="ru-RU" dirty="0"/>
+                    </a:p>
+                    <a:p>
+                      <a:r>
+                        <a:rPr lang="ru-RU" dirty="0"/>
+                        <a:t>+ нет времени</a:t>
+                      </a:r>
+                      <a:r>
+                        <a:rPr lang="ru-RU" baseline="0" dirty="0"/>
+                        <a:t> «позиционирования головок»</a:t>
+                      </a:r>
+                      <a:r>
+                        <a:rPr lang="en-US" baseline="0" dirty="0"/>
+                        <a:t>,</a:t>
+                      </a:r>
+                      <a:endParaRPr lang="ru-RU" baseline="0" dirty="0"/>
+                    </a:p>
+                    <a:p>
+                      <a:pPr marL="285750" indent="-285750">
+                        <a:buFontTx/>
+                        <a:buChar char="-"/>
+                      </a:pPr>
+                      <a:r>
+                        <a:rPr lang="ru-RU" baseline="0" dirty="0"/>
+                        <a:t>перезаписывать можно только </a:t>
+                      </a:r>
+                      <a:r>
+                        <a:rPr lang="en-US" baseline="0" dirty="0"/>
+                        <a:t>“rewrite block”</a:t>
+                      </a:r>
+                      <a:r>
+                        <a:rPr lang="ru-RU" baseline="0" dirty="0"/>
+                        <a:t> целиком, а он несколько </a:t>
+                      </a:r>
+                      <a:r>
+                        <a:rPr lang="en-US" baseline="0" dirty="0"/>
+                        <a:t>MB </a:t>
+                      </a:r>
+                      <a:r>
+                        <a:rPr lang="ru-RU" baseline="0" dirty="0"/>
+                        <a:t>в размере</a:t>
+                      </a:r>
+                      <a:r>
+                        <a:rPr lang="en-US" baseline="0" dirty="0"/>
+                        <a:t>,</a:t>
+                      </a:r>
+                      <a:endParaRPr lang="ru-RU" baseline="0" dirty="0"/>
+                    </a:p>
+                    <a:p>
+                      <a:pPr marL="285750" indent="-285750">
+                        <a:buFontTx/>
+                        <a:buChar char="-"/>
+                      </a:pPr>
+                      <a:r>
+                        <a:rPr lang="ru-RU" baseline="0" dirty="0"/>
+                        <a:t>небольшое число циклов перезаписи</a:t>
+                      </a:r>
+                      <a:r>
+                        <a:rPr lang="en-US" baseline="0" dirty="0"/>
+                        <a:t>.</a:t>
+                      </a:r>
+                      <a:endParaRPr lang="ru-RU" dirty="0"/>
+                    </a:p>
+                  </a:txBody>
+                  <a:tcPr/>
+                </a:tc>
+                <a:extLst>
+                  <a:ext uri="{0D108BD9-81ED-4DB2-BD59-A6C34878D82A}">
+                    <a16:rowId xmlns:a16="http://schemas.microsoft.com/office/drawing/2014/main" val="10002"/>
                   </a:ext>
                 </a:extLst>
               </a:tr>
@@ -18837,7 +18926,7 @@
     </p:spTree>
     <p:extLst>
       <p:ext uri="{BB962C8B-B14F-4D97-AF65-F5344CB8AC3E}">
-        <p14:creationId xmlns:p14="http://schemas.microsoft.com/office/powerpoint/2010/main" val="1472841451"/>
+        <p14:creationId xmlns:p14="http://schemas.microsoft.com/office/powerpoint/2010/main" val="549669502"/>
       </p:ext>
     </p:extLst>
   </p:cSld>
@@ -18996,14 +19085,14 @@
           <p:nvPr>
             <p:extLst>
               <p:ext uri="{D42A27DB-BD31-4B8C-83A1-F6EECF244321}">
-                <p14:modId xmlns:p14="http://schemas.microsoft.com/office/powerpoint/2010/main" val="1077370961"/>
+                <p14:modId xmlns:p14="http://schemas.microsoft.com/office/powerpoint/2010/main" val="380684881"/>
               </p:ext>
             </p:extLst>
           </p:nvPr>
         </p:nvGraphicFramePr>
         <p:xfrm>
           <a:off x="0" y="365760"/>
-          <a:ext cx="12192000" cy="2650913"/>
+          <a:ext cx="12192000" cy="4113953"/>
         </p:xfrm>
         <a:graphic>
           <a:graphicData uri="http://schemas.openxmlformats.org/drawingml/2006/table">
@@ -19271,6 +19360,181 @@
                   </a:ext>
                 </a:extLst>
               </a:tr>
+              <a:tr h="547793">
+                <a:tc>
+                  <a:txBody>
+                    <a:bodyPr/>
+                    <a:lstStyle/>
+                    <a:p>
+                      <a:r>
+                        <a:rPr lang="en-US" dirty="0"/>
+                        <a:t>SSD</a:t>
+                      </a:r>
+                      <a:r>
+                        <a:rPr lang="en-US" baseline="0" dirty="0"/>
+                        <a:t> (Solid State Drive)</a:t>
+                      </a:r>
+                      <a:endParaRPr lang="ru-RU" dirty="0"/>
+                    </a:p>
+                  </a:txBody>
+                  <a:tcPr/>
+                </a:tc>
+                <a:tc>
+                  <a:txBody>
+                    <a:bodyPr/>
+                    <a:lstStyle/>
+                    <a:p>
+                      <a:r>
+                        <a:rPr lang="en-US" dirty="0"/>
+                        <a:t>Flash + </a:t>
+                      </a:r>
+                      <a:r>
+                        <a:rPr lang="ru-RU" baseline="0" dirty="0"/>
+                        <a:t>компьютер, который прячет сложность работы с </a:t>
+                      </a:r>
+                      <a:r>
+                        <a:rPr lang="en-US" baseline="0" dirty="0"/>
+                        <a:t>“rewrite blocks”.</a:t>
+                      </a:r>
+                      <a:endParaRPr lang="ru-RU" baseline="0" dirty="0"/>
+                    </a:p>
+                    <a:p>
+                      <a:r>
+                        <a:rPr lang="ru-RU" baseline="0" dirty="0"/>
+                        <a:t>+ быстрый линейный доступ (</a:t>
+                      </a:r>
+                      <a:r>
+                        <a:rPr lang="ru-RU" dirty="0"/>
+                        <a:t>≈</a:t>
+                      </a:r>
+                      <a:r>
+                        <a:rPr lang="ru-RU" baseline="0" dirty="0"/>
+                        <a:t>500</a:t>
+                      </a:r>
+                      <a:r>
+                        <a:rPr lang="en-US" baseline="0" dirty="0"/>
+                        <a:t> MB/sec sequential read</a:t>
+                      </a:r>
+                      <a:r>
+                        <a:rPr lang="en-US" baseline="30000" dirty="0"/>
+                        <a:t>*</a:t>
+                      </a:r>
+                      <a:r>
+                        <a:rPr lang="ru-RU" baseline="0" dirty="0"/>
+                        <a:t>)</a:t>
+                      </a:r>
+                      <a:r>
+                        <a:rPr lang="en-US" baseline="0" dirty="0"/>
+                        <a:t>,</a:t>
+                      </a:r>
+                    </a:p>
+                    <a:p>
+                      <a:pPr marL="0" marR="0" lvl="0" indent="0" algn="l" defTabSz="914400" rtl="0" eaLnBrk="1" fontAlgn="auto" latinLnBrk="0" hangingPunct="1">
+                        <a:lnSpc>
+                          <a:spcPct val="100000"/>
+                        </a:lnSpc>
+                        <a:spcBef>
+                          <a:spcPts val="0"/>
+                        </a:spcBef>
+                        <a:spcAft>
+                          <a:spcPts val="0"/>
+                        </a:spcAft>
+                        <a:buClrTx/>
+                        <a:buSzTx/>
+                        <a:buFontTx/>
+                        <a:buNone/>
+                        <a:tabLst/>
+                        <a:defRPr/>
+                      </a:pPr>
+                      <a:r>
+                        <a:rPr lang="en-US" baseline="0" dirty="0"/>
+                        <a:t>+ </a:t>
+                      </a:r>
+                      <a:r>
+                        <a:rPr lang="ru-RU" baseline="0" dirty="0"/>
+                        <a:t>быстрый</a:t>
+                      </a:r>
+                      <a:r>
+                        <a:rPr lang="en-US" baseline="0" dirty="0"/>
+                        <a:t> </a:t>
+                      </a:r>
+                      <a:r>
+                        <a:rPr lang="ru-RU" baseline="0" dirty="0"/>
+                        <a:t>произвольный доступ (</a:t>
+                      </a:r>
+                      <a:r>
+                        <a:rPr lang="ru-RU" dirty="0"/>
+                        <a:t>≈</a:t>
+                      </a:r>
+                      <a:r>
+                        <a:rPr lang="en-US" baseline="0" dirty="0"/>
+                        <a:t>75.000 IOPS),</a:t>
+                      </a:r>
+                    </a:p>
+                    <a:p>
+                      <a:pPr marL="285750" marR="0" lvl="0" indent="-285750" algn="l" defTabSz="914400" rtl="0" eaLnBrk="1" fontAlgn="auto" latinLnBrk="0" hangingPunct="1">
+                        <a:lnSpc>
+                          <a:spcPct val="100000"/>
+                        </a:lnSpc>
+                        <a:spcBef>
+                          <a:spcPts val="0"/>
+                        </a:spcBef>
+                        <a:spcAft>
+                          <a:spcPts val="0"/>
+                        </a:spcAft>
+                        <a:buClrTx/>
+                        <a:buSzTx/>
+                        <a:buFontTx/>
+                        <a:buChar char="-"/>
+                        <a:tabLst/>
+                        <a:defRPr/>
+                      </a:pPr>
+                      <a:r>
+                        <a:rPr lang="ru-RU" baseline="0" dirty="0"/>
+                        <a:t>деградация производительности со временем</a:t>
+                      </a:r>
+                      <a:r>
+                        <a:rPr lang="en-US" baseline="0" dirty="0"/>
+                        <a:t>,</a:t>
+                      </a:r>
+                    </a:p>
+                    <a:p>
+                      <a:pPr marL="285750" marR="0" lvl="0" indent="-285750" algn="l" defTabSz="914400" rtl="0" eaLnBrk="1" fontAlgn="auto" latinLnBrk="0" hangingPunct="1">
+                        <a:lnSpc>
+                          <a:spcPct val="100000"/>
+                        </a:lnSpc>
+                        <a:spcBef>
+                          <a:spcPts val="0"/>
+                        </a:spcBef>
+                        <a:spcAft>
+                          <a:spcPts val="0"/>
+                        </a:spcAft>
+                        <a:buClrTx/>
+                        <a:buSzTx/>
+                        <a:buFontTx/>
+                        <a:buChar char="-"/>
+                        <a:tabLst/>
+                        <a:defRPr/>
+                      </a:pPr>
+                      <a:r>
+                        <a:rPr lang="ru-RU" baseline="0" dirty="0"/>
+                        <a:t>желательна специальная поддержки со стороны ОС, например, </a:t>
+                      </a:r>
+                      <a:r>
+                        <a:rPr lang="en-US" baseline="0" dirty="0"/>
+                        <a:t>ATA TRIM.</a:t>
+                      </a:r>
+                      <a:endParaRPr lang="ru-RU" dirty="0"/>
+                    </a:p>
+                  </a:txBody>
+                  <a:tcPr/>
+                </a:tc>
+                <a:extLst>
+                  <a:ext uri="{0D108BD9-81ED-4DB2-BD59-A6C34878D82A}">
+                    <a16:rowId xmlns:a16="http://schemas.microsoft.com/office/drawing/2014/main" val="10003"/>
+                  </a:ext>
+                </a:extLst>
+              </a:tr>
             </a:tbl>
           </a:graphicData>
         </a:graphic>
@@ -19357,7 +19621,7 @@
     </p:spTree>
     <p:extLst>
       <p:ext uri="{BB962C8B-B14F-4D97-AF65-F5344CB8AC3E}">
-        <p14:creationId xmlns:p14="http://schemas.microsoft.com/office/powerpoint/2010/main" val="549669502"/>
+        <p14:creationId xmlns:p14="http://schemas.microsoft.com/office/powerpoint/2010/main" val="1461535599"/>
       </p:ext>
     </p:extLst>
   </p:cSld>
@@ -19516,14 +19780,14 @@
           <p:nvPr>
             <p:extLst>
               <p:ext uri="{D42A27DB-BD31-4B8C-83A1-F6EECF244321}">
-                <p14:modId xmlns:p14="http://schemas.microsoft.com/office/powerpoint/2010/main" val="49585423"/>
+                <p14:modId xmlns:p14="http://schemas.microsoft.com/office/powerpoint/2010/main" val="2897010324"/>
               </p:ext>
             </p:extLst>
           </p:nvPr>
         </p:nvGraphicFramePr>
         <p:xfrm>
           <a:off x="0" y="365760"/>
-          <a:ext cx="12192000" cy="4113953"/>
+          <a:ext cx="12192000" cy="5302673"/>
         </p:xfrm>
         <a:graphic>
           <a:graphicData uri="http://schemas.openxmlformats.org/drawingml/2006/table">
@@ -19949,7 +20213,7 @@
                       </a:pPr>
                       <a:r>
                         <a:rPr lang="ru-RU" baseline="0" dirty="0"/>
-                        <a:t>желательна специальной поддержки со стороны ОС, например, </a:t>
+                        <a:t>желательна специальная поддержки со стороны ОС, например, </a:t>
                       </a:r>
                       <a:r>
                         <a:rPr lang="en-US" baseline="0" dirty="0"/>
@@ -19963,6 +20227,104 @@
                 <a:extLst>
                   <a:ext uri="{0D108BD9-81ED-4DB2-BD59-A6C34878D82A}">
                     <a16:rowId xmlns:a16="http://schemas.microsoft.com/office/drawing/2014/main" val="10003"/>
+                  </a:ext>
+                </a:extLst>
+              </a:tr>
+              <a:tr h="547793">
+                <a:tc>
+                  <a:txBody>
+                    <a:bodyPr/>
+                    <a:lstStyle/>
+                    <a:p>
+                      <a:r>
+                        <a:rPr lang="en-US" dirty="0"/>
+                        <a:t>Storage-class memory (3D NAND, 3DXP, etc.)</a:t>
+                      </a:r>
+                      <a:endParaRPr lang="ru-RU" dirty="0"/>
+                    </a:p>
+                  </a:txBody>
+                  <a:tcPr/>
+                </a:tc>
+                <a:tc>
+                  <a:txBody>
+                    <a:bodyPr/>
+                    <a:lstStyle/>
+                    <a:p>
+                      <a:r>
+                        <a:rPr lang="ru-RU" dirty="0"/>
+                        <a:t>Память</a:t>
+                      </a:r>
+                      <a:r>
+                        <a:rPr lang="ru-RU" baseline="0" dirty="0"/>
+                        <a:t> с произвольным доступом</a:t>
+                      </a:r>
+                      <a:r>
+                        <a:rPr lang="en-US" dirty="0"/>
+                        <a:t>, </a:t>
+                      </a:r>
+                      <a:r>
+                        <a:rPr lang="ru-RU" dirty="0"/>
+                        <a:t>которая</a:t>
+                      </a:r>
+                      <a:r>
+                        <a:rPr lang="ru-RU" baseline="0" dirty="0"/>
+                        <a:t> не стирается при выключении питания.</a:t>
+                      </a:r>
+                    </a:p>
+                    <a:p>
+                      <a:r>
+                        <a:rPr lang="ru-RU" baseline="0" dirty="0"/>
+                        <a:t>+ по скорости сопоставима с </a:t>
+                      </a:r>
+                      <a:r>
+                        <a:rPr lang="en-US" baseline="0" dirty="0"/>
+                        <a:t>DRAM (</a:t>
+                      </a:r>
+                      <a:r>
+                        <a:rPr lang="ru-RU" baseline="0" dirty="0"/>
+                        <a:t>устанавливается на </a:t>
+                      </a:r>
+                      <a:r>
+                        <a:rPr lang="en-US" baseline="0" dirty="0"/>
+                        <a:t>PCIe- </a:t>
+                      </a:r>
+                      <a:r>
+                        <a:rPr lang="ru-RU" baseline="0" dirty="0"/>
+                        <a:t>или </a:t>
+                      </a:r>
+                      <a:r>
+                        <a:rPr lang="en-US" baseline="0" dirty="0"/>
+                        <a:t>DDR-</a:t>
+                      </a:r>
+                      <a:r>
+                        <a:rPr lang="ru-RU" baseline="0" dirty="0"/>
+                        <a:t>шины)</a:t>
+                      </a:r>
+                      <a:r>
+                        <a:rPr lang="en-US" baseline="0" dirty="0"/>
+                        <a:t>,</a:t>
+                      </a:r>
+                    </a:p>
+                    <a:p>
+                      <a:r>
+                        <a:rPr lang="en-US" baseline="0" dirty="0"/>
+                        <a:t>+ </a:t>
+                      </a:r>
+                      <a:r>
+                        <a:rPr lang="ru-RU" baseline="0" dirty="0"/>
+                        <a:t>объём – единицы терабайт</a:t>
+                      </a:r>
+                      <a:r>
+                        <a:rPr lang="en-US" baseline="0" dirty="0"/>
+                        <a:t>.</a:t>
+                      </a:r>
+                    </a:p>
+                  </a:txBody>
+                  <a:tcPr/>
+                </a:tc>
+                <a:extLst>
+                  <a:ext uri="{0D108BD9-81ED-4DB2-BD59-A6C34878D82A}">
+                    <a16:rowId xmlns:a16="http://schemas.microsoft.com/office/drawing/2014/main" val="10004"/>
                   </a:ext>
                 </a:extLst>
               </a:tr>
@@ -20052,7 +20414,7 @@
     </p:spTree>
     <p:extLst>
       <p:ext uri="{BB962C8B-B14F-4D97-AF65-F5344CB8AC3E}">
-        <p14:creationId xmlns:p14="http://schemas.microsoft.com/office/powerpoint/2010/main" val="1461535599"/>
+        <p14:creationId xmlns:p14="http://schemas.microsoft.com/office/powerpoint/2010/main" val="3443260540"/>
       </p:ext>
     </p:extLst>
   </p:cSld>
@@ -20211,802 +20573,6 @@
           <p:nvPr>
             <p:extLst>
               <p:ext uri="{D42A27DB-BD31-4B8C-83A1-F6EECF244321}">
-                <p14:modId xmlns:p14="http://schemas.microsoft.com/office/powerpoint/2010/main" val="2776151575"/>
-              </p:ext>
-            </p:extLst>
-          </p:nvPr>
-        </p:nvGraphicFramePr>
-        <p:xfrm>
-          <a:off x="0" y="365760"/>
-          <a:ext cx="12192000" cy="5576993"/>
-        </p:xfrm>
-        <a:graphic>
-          <a:graphicData uri="http://schemas.openxmlformats.org/drawingml/2006/table">
-            <a:tbl>
-              <a:tblPr firstRow="1" bandRow="1">
-                <a:tableStyleId>{3B4B98B0-60AC-42C2-AFA5-B58CD77FA1E5}</a:tableStyleId>
-              </a:tblPr>
-              <a:tblGrid>
-                <a:gridCol w="4300151">
-                  <a:extLst>
-                    <a:ext uri="{9D8B030D-6E8A-4147-A177-3AD203B41FA5}">
-                      <a16:colId xmlns:a16="http://schemas.microsoft.com/office/drawing/2014/main" val="20000"/>
-                    </a:ext>
-                  </a:extLst>
-                </a:gridCol>
-                <a:gridCol w="7891849">
-                  <a:extLst>
-                    <a:ext uri="{9D8B030D-6E8A-4147-A177-3AD203B41FA5}">
-                      <a16:colId xmlns:a16="http://schemas.microsoft.com/office/drawing/2014/main" val="20001"/>
-                    </a:ext>
-                  </a:extLst>
-                </a:gridCol>
-              </a:tblGrid>
-              <a:tr h="547793">
-                <a:tc>
-                  <a:txBody>
-                    <a:bodyPr/>
-                    <a:lstStyle/>
-                    <a:p>
-                      <a:r>
-                        <a:rPr lang="ru-RU" sz="2400" dirty="0"/>
-                        <a:t>Устройства хранения данных</a:t>
-                      </a:r>
-                      <a:r>
-                        <a:rPr lang="en-US" sz="2400" dirty="0"/>
-                        <a:t>:</a:t>
-                      </a:r>
-                      <a:endParaRPr lang="ru-RU" sz="2400" dirty="0"/>
-                    </a:p>
-                  </a:txBody>
-                  <a:tcPr/>
-                </a:tc>
-                <a:tc>
-                  <a:txBody>
-                    <a:bodyPr/>
-                    <a:lstStyle/>
-                    <a:p>
-                      <a:endParaRPr lang="ru-RU" dirty="0"/>
-                    </a:p>
-                  </a:txBody>
-                  <a:tcPr/>
-                </a:tc>
-                <a:extLst>
-                  <a:ext uri="{0D108BD9-81ED-4DB2-BD59-A6C34878D82A}">
-                    <a16:rowId xmlns:a16="http://schemas.microsoft.com/office/drawing/2014/main" val="10000"/>
-                  </a:ext>
-                </a:extLst>
-              </a:tr>
-              <a:tr h="547793">
-                <a:tc>
-                  <a:txBody>
-                    <a:bodyPr/>
-                    <a:lstStyle/>
-                    <a:p>
-                      <a:r>
-                        <a:rPr lang="en-US" dirty="0"/>
-                        <a:t>HDD (Hard Disk Drive, </a:t>
-                      </a:r>
-                      <a:r>
-                        <a:rPr lang="en-US" dirty="0" err="1"/>
-                        <a:t>a.k.a</a:t>
-                      </a:r>
-                      <a:r>
-                        <a:rPr lang="en-US" baseline="0" dirty="0"/>
-                        <a:t> Rotating drive,</a:t>
-                      </a:r>
-                      <a:br>
-                        <a:rPr lang="en-US" baseline="0" dirty="0"/>
-                      </a:br>
-                      <a:r>
-                        <a:rPr lang="en-US" baseline="0" dirty="0" err="1"/>
-                        <a:t>a.k.a</a:t>
-                      </a:r>
-                      <a:r>
-                        <a:rPr lang="en-US" baseline="0" dirty="0"/>
-                        <a:t> Spinning rust)</a:t>
-                      </a:r>
-                      <a:endParaRPr lang="ru-RU" dirty="0"/>
-                    </a:p>
-                  </a:txBody>
-                  <a:tcPr/>
-                </a:tc>
-                <a:tc>
-                  <a:txBody>
-                    <a:bodyPr/>
-                    <a:lstStyle/>
-                    <a:p>
-                      <a:r>
-                        <a:rPr lang="en-US" dirty="0"/>
-                        <a:t>+ </a:t>
-                      </a:r>
-                      <a:r>
-                        <a:rPr lang="ru-RU" dirty="0"/>
-                        <a:t>достаточно</a:t>
-                      </a:r>
-                      <a:r>
-                        <a:rPr lang="ru-RU" baseline="0" dirty="0"/>
-                        <a:t> быстрое линейное чтение</a:t>
-                      </a:r>
-                      <a:r>
-                        <a:rPr lang="en-US" baseline="0" dirty="0"/>
-                        <a:t> (</a:t>
-                      </a:r>
-                      <a:r>
-                        <a:rPr lang="ru-RU" dirty="0"/>
-                        <a:t>≈</a:t>
-                      </a:r>
-                      <a:r>
-                        <a:rPr lang="en-US" dirty="0"/>
-                        <a:t>100 MB/sec</a:t>
-                      </a:r>
-                      <a:r>
-                        <a:rPr lang="en-US" baseline="0" dirty="0"/>
-                        <a:t>),</a:t>
-                      </a:r>
-                      <a:endParaRPr lang="ru-RU" baseline="0" dirty="0"/>
-                    </a:p>
-                    <a:p>
-                      <a:r>
-                        <a:rPr lang="ru-RU" baseline="0" dirty="0"/>
-                        <a:t>- очень медленный случайный доступ</a:t>
-                      </a:r>
-                      <a:r>
-                        <a:rPr lang="en-US" baseline="0" dirty="0"/>
-                        <a:t> (</a:t>
-                      </a:r>
-                      <a:r>
-                        <a:rPr lang="ru-RU" dirty="0"/>
-                        <a:t>≈</a:t>
-                      </a:r>
-                      <a:r>
-                        <a:rPr lang="en-US" dirty="0"/>
-                        <a:t>100 IOPS</a:t>
-                      </a:r>
-                      <a:r>
-                        <a:rPr lang="en-US" baseline="0" dirty="0"/>
-                        <a:t>).</a:t>
-                      </a:r>
-                      <a:endParaRPr lang="ru-RU" dirty="0"/>
-                    </a:p>
-                  </a:txBody>
-                  <a:tcPr/>
-                </a:tc>
-                <a:extLst>
-                  <a:ext uri="{0D108BD9-81ED-4DB2-BD59-A6C34878D82A}">
-                    <a16:rowId xmlns:a16="http://schemas.microsoft.com/office/drawing/2014/main" val="10001"/>
-                  </a:ext>
-                </a:extLst>
-              </a:tr>
-              <a:tr h="547793">
-                <a:tc>
-                  <a:txBody>
-                    <a:bodyPr/>
-                    <a:lstStyle/>
-                    <a:p>
-                      <a:r>
-                        <a:rPr lang="en-US" dirty="0"/>
-                        <a:t>Flash</a:t>
-                      </a:r>
-                      <a:r>
-                        <a:rPr lang="en-US" baseline="0" dirty="0"/>
-                        <a:t> memory</a:t>
-                      </a:r>
-                      <a:endParaRPr lang="ru-RU" dirty="0"/>
-                    </a:p>
-                  </a:txBody>
-                  <a:tcPr/>
-                </a:tc>
-                <a:tc>
-                  <a:txBody>
-                    <a:bodyPr/>
-                    <a:lstStyle/>
-                    <a:p>
-                      <a:r>
-                        <a:rPr lang="en-US" dirty="0"/>
-                        <a:t>+ </a:t>
-                      </a:r>
-                      <a:r>
-                        <a:rPr lang="ru-RU" dirty="0"/>
-                        <a:t>быстрое линейное чтение</a:t>
-                      </a:r>
-                      <a:r>
-                        <a:rPr lang="en-US" dirty="0"/>
-                        <a:t>,</a:t>
-                      </a:r>
-                      <a:endParaRPr lang="ru-RU" dirty="0"/>
-                    </a:p>
-                    <a:p>
-                      <a:r>
-                        <a:rPr lang="ru-RU" dirty="0"/>
-                        <a:t>+ нет времени</a:t>
-                      </a:r>
-                      <a:r>
-                        <a:rPr lang="ru-RU" baseline="0" dirty="0"/>
-                        <a:t> «позиционирования головок»</a:t>
-                      </a:r>
-                      <a:r>
-                        <a:rPr lang="en-US" baseline="0" dirty="0"/>
-                        <a:t>,</a:t>
-                      </a:r>
-                      <a:endParaRPr lang="ru-RU" baseline="0" dirty="0"/>
-                    </a:p>
-                    <a:p>
-                      <a:pPr marL="285750" indent="-285750">
-                        <a:buFontTx/>
-                        <a:buChar char="-"/>
-                      </a:pPr>
-                      <a:r>
-                        <a:rPr lang="ru-RU" baseline="0" dirty="0"/>
-                        <a:t>перезаписывать можно только </a:t>
-                      </a:r>
-                      <a:r>
-                        <a:rPr lang="en-US" baseline="0" dirty="0"/>
-                        <a:t>“rewrite block”</a:t>
-                      </a:r>
-                      <a:r>
-                        <a:rPr lang="ru-RU" baseline="0" dirty="0"/>
-                        <a:t> целиком, а он несколько </a:t>
-                      </a:r>
-                      <a:r>
-                        <a:rPr lang="en-US" baseline="0" dirty="0"/>
-                        <a:t>MB </a:t>
-                      </a:r>
-                      <a:r>
-                        <a:rPr lang="ru-RU" baseline="0" dirty="0"/>
-                        <a:t>в размере</a:t>
-                      </a:r>
-                      <a:r>
-                        <a:rPr lang="en-US" baseline="0" dirty="0"/>
-                        <a:t>,</a:t>
-                      </a:r>
-                      <a:endParaRPr lang="ru-RU" baseline="0" dirty="0"/>
-                    </a:p>
-                    <a:p>
-                      <a:pPr marL="285750" indent="-285750">
-                        <a:buFontTx/>
-                        <a:buChar char="-"/>
-                      </a:pPr>
-                      <a:r>
-                        <a:rPr lang="ru-RU" baseline="0" dirty="0"/>
-                        <a:t>небольшое число циклов перезаписи</a:t>
-                      </a:r>
-                      <a:r>
-                        <a:rPr lang="en-US" baseline="0" dirty="0"/>
-                        <a:t>.</a:t>
-                      </a:r>
-                      <a:endParaRPr lang="ru-RU" dirty="0"/>
-                    </a:p>
-                  </a:txBody>
-                  <a:tcPr/>
-                </a:tc>
-                <a:extLst>
-                  <a:ext uri="{0D108BD9-81ED-4DB2-BD59-A6C34878D82A}">
-                    <a16:rowId xmlns:a16="http://schemas.microsoft.com/office/drawing/2014/main" val="10002"/>
-                  </a:ext>
-                </a:extLst>
-              </a:tr>
-              <a:tr h="547793">
-                <a:tc>
-                  <a:txBody>
-                    <a:bodyPr/>
-                    <a:lstStyle/>
-                    <a:p>
-                      <a:r>
-                        <a:rPr lang="en-US" dirty="0"/>
-                        <a:t>SSD</a:t>
-                      </a:r>
-                      <a:r>
-                        <a:rPr lang="en-US" baseline="0" dirty="0"/>
-                        <a:t> (Solid State Drive)</a:t>
-                      </a:r>
-                      <a:endParaRPr lang="ru-RU" dirty="0"/>
-                    </a:p>
-                  </a:txBody>
-                  <a:tcPr/>
-                </a:tc>
-                <a:tc>
-                  <a:txBody>
-                    <a:bodyPr/>
-                    <a:lstStyle/>
-                    <a:p>
-                      <a:r>
-                        <a:rPr lang="en-US" dirty="0"/>
-                        <a:t>Flash + </a:t>
-                      </a:r>
-                      <a:r>
-                        <a:rPr lang="ru-RU" baseline="0" dirty="0"/>
-                        <a:t>компьютер, который прячет сложность работы с </a:t>
-                      </a:r>
-                      <a:r>
-                        <a:rPr lang="en-US" baseline="0" dirty="0"/>
-                        <a:t>“rewrite blocks”.</a:t>
-                      </a:r>
-                      <a:endParaRPr lang="ru-RU" baseline="0" dirty="0"/>
-                    </a:p>
-                    <a:p>
-                      <a:r>
-                        <a:rPr lang="ru-RU" baseline="0" dirty="0"/>
-                        <a:t>+ быстрый линейный доступ (</a:t>
-                      </a:r>
-                      <a:r>
-                        <a:rPr lang="ru-RU" dirty="0"/>
-                        <a:t>≈</a:t>
-                      </a:r>
-                      <a:r>
-                        <a:rPr lang="ru-RU" baseline="0" dirty="0"/>
-                        <a:t>500</a:t>
-                      </a:r>
-                      <a:r>
-                        <a:rPr lang="en-US" baseline="0" dirty="0"/>
-                        <a:t> MB/sec sequential read</a:t>
-                      </a:r>
-                      <a:r>
-                        <a:rPr lang="en-US" baseline="30000" dirty="0"/>
-                        <a:t>*</a:t>
-                      </a:r>
-                      <a:r>
-                        <a:rPr lang="ru-RU" baseline="0" dirty="0"/>
-                        <a:t>)</a:t>
-                      </a:r>
-                      <a:r>
-                        <a:rPr lang="en-US" baseline="0" dirty="0"/>
-                        <a:t>,</a:t>
-                      </a:r>
-                    </a:p>
-                    <a:p>
-                      <a:pPr marL="0" marR="0" lvl="0" indent="0" algn="l" defTabSz="914400" rtl="0" eaLnBrk="1" fontAlgn="auto" latinLnBrk="0" hangingPunct="1">
-                        <a:lnSpc>
-                          <a:spcPct val="100000"/>
-                        </a:lnSpc>
-                        <a:spcBef>
-                          <a:spcPts val="0"/>
-                        </a:spcBef>
-                        <a:spcAft>
-                          <a:spcPts val="0"/>
-                        </a:spcAft>
-                        <a:buClrTx/>
-                        <a:buSzTx/>
-                        <a:buFontTx/>
-                        <a:buNone/>
-                        <a:tabLst/>
-                        <a:defRPr/>
-                      </a:pPr>
-                      <a:r>
-                        <a:rPr lang="en-US" baseline="0" dirty="0"/>
-                        <a:t>+ </a:t>
-                      </a:r>
-                      <a:r>
-                        <a:rPr lang="ru-RU" baseline="0" dirty="0"/>
-                        <a:t>быстрый</a:t>
-                      </a:r>
-                      <a:r>
-                        <a:rPr lang="en-US" baseline="0" dirty="0"/>
-                        <a:t> </a:t>
-                      </a:r>
-                      <a:r>
-                        <a:rPr lang="ru-RU" baseline="0" dirty="0"/>
-                        <a:t>произвольный доступ (</a:t>
-                      </a:r>
-                      <a:r>
-                        <a:rPr lang="ru-RU" dirty="0"/>
-                        <a:t>≈</a:t>
-                      </a:r>
-                      <a:r>
-                        <a:rPr lang="en-US" baseline="0" dirty="0"/>
-                        <a:t>75.000 IOPS),</a:t>
-                      </a:r>
-                    </a:p>
-                    <a:p>
-                      <a:pPr marL="285750" marR="0" lvl="0" indent="-285750" algn="l" defTabSz="914400" rtl="0" eaLnBrk="1" fontAlgn="auto" latinLnBrk="0" hangingPunct="1">
-                        <a:lnSpc>
-                          <a:spcPct val="100000"/>
-                        </a:lnSpc>
-                        <a:spcBef>
-                          <a:spcPts val="0"/>
-                        </a:spcBef>
-                        <a:spcAft>
-                          <a:spcPts val="0"/>
-                        </a:spcAft>
-                        <a:buClrTx/>
-                        <a:buSzTx/>
-                        <a:buFontTx/>
-                        <a:buChar char="-"/>
-                        <a:tabLst/>
-                        <a:defRPr/>
-                      </a:pPr>
-                      <a:r>
-                        <a:rPr lang="ru-RU" baseline="0" dirty="0"/>
-                        <a:t>деградация производительности со временем</a:t>
-                      </a:r>
-                      <a:r>
-                        <a:rPr lang="en-US" baseline="0" dirty="0"/>
-                        <a:t>,</a:t>
-                      </a:r>
-                    </a:p>
-                    <a:p>
-                      <a:pPr marL="285750" marR="0" lvl="0" indent="-285750" algn="l" defTabSz="914400" rtl="0" eaLnBrk="1" fontAlgn="auto" latinLnBrk="0" hangingPunct="1">
-                        <a:lnSpc>
-                          <a:spcPct val="100000"/>
-                        </a:lnSpc>
-                        <a:spcBef>
-                          <a:spcPts val="0"/>
-                        </a:spcBef>
-                        <a:spcAft>
-                          <a:spcPts val="0"/>
-                        </a:spcAft>
-                        <a:buClrTx/>
-                        <a:buSzTx/>
-                        <a:buFontTx/>
-                        <a:buChar char="-"/>
-                        <a:tabLst/>
-                        <a:defRPr/>
-                      </a:pPr>
-                      <a:r>
-                        <a:rPr lang="ru-RU" baseline="0" dirty="0"/>
-                        <a:t>желательна специальной поддержки со стороны ОС, например, </a:t>
-                      </a:r>
-                      <a:r>
-                        <a:rPr lang="en-US" baseline="0" dirty="0"/>
-                        <a:t>ATA TRIM.</a:t>
-                      </a:r>
-                      <a:endParaRPr lang="ru-RU" dirty="0"/>
-                    </a:p>
-                  </a:txBody>
-                  <a:tcPr/>
-                </a:tc>
-                <a:extLst>
-                  <a:ext uri="{0D108BD9-81ED-4DB2-BD59-A6C34878D82A}">
-                    <a16:rowId xmlns:a16="http://schemas.microsoft.com/office/drawing/2014/main" val="10003"/>
-                  </a:ext>
-                </a:extLst>
-              </a:tr>
-              <a:tr h="547793">
-                <a:tc>
-                  <a:txBody>
-                    <a:bodyPr/>
-                    <a:lstStyle/>
-                    <a:p>
-                      <a:r>
-                        <a:rPr lang="en-US" dirty="0"/>
-                        <a:t>NVM</a:t>
-                      </a:r>
-                      <a:r>
-                        <a:rPr lang="en-US" baseline="0" dirty="0"/>
-                        <a:t> (Non-Volatile Memory)</a:t>
-                      </a:r>
-                      <a:endParaRPr lang="ru-RU" dirty="0"/>
-                    </a:p>
-                  </a:txBody>
-                  <a:tcPr/>
-                </a:tc>
-                <a:tc>
-                  <a:txBody>
-                    <a:bodyPr/>
-                    <a:lstStyle/>
-                    <a:p>
-                      <a:r>
-                        <a:rPr lang="ru-RU" dirty="0"/>
-                        <a:t>Память</a:t>
-                      </a:r>
-                      <a:r>
-                        <a:rPr lang="ru-RU" baseline="0" dirty="0"/>
-                        <a:t> с произвольным доступом</a:t>
-                      </a:r>
-                      <a:r>
-                        <a:rPr lang="en-US" dirty="0"/>
-                        <a:t>, </a:t>
-                      </a:r>
-                      <a:r>
-                        <a:rPr lang="ru-RU" dirty="0"/>
-                        <a:t>которая</a:t>
-                      </a:r>
-                      <a:r>
-                        <a:rPr lang="ru-RU" baseline="0" dirty="0"/>
-                        <a:t> не стирается при выключении питания.</a:t>
-                      </a:r>
-                    </a:p>
-                    <a:p>
-                      <a:r>
-                        <a:rPr lang="ru-RU" baseline="0" dirty="0"/>
-                        <a:t>+ по скорости сопоставима с </a:t>
-                      </a:r>
-                      <a:r>
-                        <a:rPr lang="en-US" baseline="0" dirty="0"/>
-                        <a:t>DRAM,</a:t>
-                      </a:r>
-                    </a:p>
-                    <a:p>
-                      <a:r>
-                        <a:rPr lang="en-US" baseline="0" dirty="0"/>
-                        <a:t>+ </a:t>
-                      </a:r>
-                      <a:r>
-                        <a:rPr lang="ru-RU" baseline="0" dirty="0"/>
-                        <a:t>объём – единицы терабайт,</a:t>
-                      </a:r>
-                    </a:p>
-                    <a:p>
-                      <a:r>
-                        <a:rPr lang="ru-RU" baseline="0" dirty="0"/>
-                        <a:t>- пока</a:t>
-                      </a:r>
-                      <a:r>
-                        <a:rPr lang="en-US" baseline="0" dirty="0"/>
-                        <a:t> </a:t>
-                      </a:r>
-                      <a:r>
-                        <a:rPr lang="ru-RU" baseline="0" dirty="0"/>
-                        <a:t>разработчики не понимают, как поддержать </a:t>
-                      </a:r>
-                      <a:r>
-                        <a:rPr lang="en-US" baseline="0" dirty="0"/>
-                        <a:t>NVM </a:t>
-                      </a:r>
-                      <a:r>
-                        <a:rPr lang="ru-RU" baseline="0" dirty="0"/>
-                        <a:t>со стороны ОС</a:t>
-                      </a:r>
-                      <a:r>
-                        <a:rPr lang="en-US" baseline="0" dirty="0"/>
-                        <a:t>.</a:t>
-                      </a:r>
-                      <a:endParaRPr lang="ru-RU" dirty="0"/>
-                    </a:p>
-                  </a:txBody>
-                  <a:tcPr/>
-                </a:tc>
-                <a:extLst>
-                  <a:ext uri="{0D108BD9-81ED-4DB2-BD59-A6C34878D82A}">
-                    <a16:rowId xmlns:a16="http://schemas.microsoft.com/office/drawing/2014/main" val="10004"/>
-                  </a:ext>
-                </a:extLst>
-              </a:tr>
-            </a:tbl>
-          </a:graphicData>
-        </a:graphic>
-      </p:graphicFrame>
-      <p:sp>
-        <p:nvSpPr>
-          <p:cNvPr id="3" name="TextBox 2"/>
-          <p:cNvSpPr txBox="1"/>
-          <p:nvPr/>
-        </p:nvSpPr>
-        <p:spPr>
-          <a:xfrm>
-            <a:off x="65903" y="5947829"/>
-            <a:ext cx="3947427" cy="584775"/>
-          </a:xfrm>
-          <a:prstGeom prst="rect">
-            <a:avLst/>
-          </a:prstGeom>
-          <a:noFill/>
-        </p:spPr>
-        <p:txBody>
-          <a:bodyPr wrap="none" rtlCol="0">
-            <a:spAutoFit/>
-          </a:bodyPr>
-          <a:lstStyle/>
-          <a:p>
-            <a:r>
-              <a:rPr lang="en-US" sz="1600" i="1" dirty="0">
-                <a:solidFill>
-                  <a:schemeClr val="tx1">
-                    <a:lumMod val="50000"/>
-                    <a:lumOff val="50000"/>
-                  </a:schemeClr>
-                </a:solidFill>
-              </a:rPr>
-              <a:t>* IOPS – Input/output Operations Per Second</a:t>
-            </a:r>
-          </a:p>
-          <a:p>
-            <a:r>
-              <a:rPr lang="en-US" sz="1600" i="1" dirty="0">
-                <a:solidFill>
-                  <a:schemeClr val="tx1">
-                    <a:lumMod val="50000"/>
-                    <a:lumOff val="50000"/>
-                  </a:schemeClr>
-                </a:solidFill>
-              </a:rPr>
-              <a:t>* </a:t>
-            </a:r>
-            <a:r>
-              <a:rPr lang="ru-RU" sz="1600" i="1" dirty="0">
-                <a:solidFill>
-                  <a:schemeClr val="tx1">
-                    <a:lumMod val="50000"/>
-                    <a:lumOff val="50000"/>
-                  </a:schemeClr>
-                </a:solidFill>
-              </a:rPr>
-              <a:t>Данные для </a:t>
-            </a:r>
-            <a:r>
-              <a:rPr lang="en-US" sz="1600" i="1" baseline="0" dirty="0">
-                <a:solidFill>
-                  <a:schemeClr val="tx1">
-                    <a:lumMod val="50000"/>
-                    <a:lumOff val="50000"/>
-                  </a:schemeClr>
-                </a:solidFill>
-              </a:rPr>
-              <a:t>Intel SSD DC S3700</a:t>
-            </a:r>
-            <a:endParaRPr lang="ru-RU" sz="1600" i="1" dirty="0">
-              <a:solidFill>
-                <a:schemeClr val="tx1">
-                  <a:lumMod val="50000"/>
-                  <a:lumOff val="50000"/>
-                </a:schemeClr>
-              </a:solidFill>
-            </a:endParaRPr>
-          </a:p>
-        </p:txBody>
-      </p:sp>
-    </p:spTree>
-    <p:extLst>
-      <p:ext uri="{BB962C8B-B14F-4D97-AF65-F5344CB8AC3E}">
-        <p14:creationId xmlns:p14="http://schemas.microsoft.com/office/powerpoint/2010/main" val="3443260540"/>
-      </p:ext>
-    </p:extLst>
-  </p:cSld>
-  <p:clrMapOvr>
-    <a:masterClrMapping/>
-  </p:clrMapOvr>
-</p:sld>
-</file>
-
-<file path=ppt/slides/slide24.xml><?xml version="1.0" encoding="utf-8"?>
-<p:sld xmlns:a="http://schemas.openxmlformats.org/drawingml/2006/main" xmlns:r="http://schemas.openxmlformats.org/officeDocument/2006/relationships" xmlns:p="http://schemas.openxmlformats.org/presentationml/2006/main">
-  <p:cSld>
-    <p:spTree>
-      <p:nvGrpSpPr>
-        <p:cNvPr id="1" name=""/>
-        <p:cNvGrpSpPr/>
-        <p:nvPr/>
-      </p:nvGrpSpPr>
-      <p:grpSpPr>
-        <a:xfrm>
-          <a:off x="0" y="0"/>
-          <a:ext cx="0" cy="0"/>
-          <a:chOff x="0" y="0"/>
-          <a:chExt cx="0" cy="0"/>
-        </a:xfrm>
-      </p:grpSpPr>
-      <p:graphicFrame>
-        <p:nvGraphicFramePr>
-          <p:cNvPr id="5" name="Table 4"/>
-          <p:cNvGraphicFramePr>
-            <a:graphicFrameLocks noGrp="1"/>
-          </p:cNvGraphicFramePr>
-          <p:nvPr>
-            <p:extLst>
-              <p:ext uri="{D42A27DB-BD31-4B8C-83A1-F6EECF244321}">
-                <p14:modId xmlns:p14="http://schemas.microsoft.com/office/powerpoint/2010/main" val="2281224332"/>
-              </p:ext>
-            </p:extLst>
-          </p:nvPr>
-        </p:nvGraphicFramePr>
-        <p:xfrm>
-          <a:off x="0" y="1"/>
-          <a:ext cx="12192000" cy="365760"/>
-        </p:xfrm>
-        <a:graphic>
-          <a:graphicData uri="http://schemas.openxmlformats.org/drawingml/2006/table">
-            <a:tbl>
-              <a:tblPr firstRow="1" bandRow="1">
-                <a:tableStyleId>{5C22544A-7EE6-4342-B048-85BDC9FD1C3A}</a:tableStyleId>
-              </a:tblPr>
-              <a:tblGrid>
-                <a:gridCol w="12192000">
-                  <a:extLst>
-                    <a:ext uri="{9D8B030D-6E8A-4147-A177-3AD203B41FA5}">
-                      <a16:colId xmlns:a16="http://schemas.microsoft.com/office/drawing/2014/main" val="20000"/>
-                    </a:ext>
-                  </a:extLst>
-                </a:gridCol>
-              </a:tblGrid>
-              <a:tr h="321276">
-                <a:tc>
-                  <a:txBody>
-                    <a:bodyPr/>
-                    <a:lstStyle/>
-                    <a:p>
-                      <a:r>
-                        <a:rPr lang="ru-RU" dirty="0"/>
-                        <a:t>Основы</a:t>
-                      </a:r>
-                      <a:r>
-                        <a:rPr lang="ru-RU" baseline="0" dirty="0"/>
-                        <a:t> построения файловых систем</a:t>
-                      </a:r>
-                      <a:endParaRPr lang="ru-RU" dirty="0"/>
-                    </a:p>
-                  </a:txBody>
-                  <a:tcPr/>
-                </a:tc>
-                <a:extLst>
-                  <a:ext uri="{0D108BD9-81ED-4DB2-BD59-A6C34878D82A}">
-                    <a16:rowId xmlns:a16="http://schemas.microsoft.com/office/drawing/2014/main" val="10000"/>
-                  </a:ext>
-                </a:extLst>
-              </a:tr>
-            </a:tbl>
-          </a:graphicData>
-        </a:graphic>
-      </p:graphicFrame>
-      <p:graphicFrame>
-        <p:nvGraphicFramePr>
-          <p:cNvPr id="6" name="Table 5"/>
-          <p:cNvGraphicFramePr>
-            <a:graphicFrameLocks noGrp="1"/>
-          </p:cNvGraphicFramePr>
-          <p:nvPr>
-            <p:extLst>
-              <p:ext uri="{D42A27DB-BD31-4B8C-83A1-F6EECF244321}">
-                <p14:modId xmlns:p14="http://schemas.microsoft.com/office/powerpoint/2010/main" val="4164474727"/>
-              </p:ext>
-            </p:extLst>
-          </p:nvPr>
-        </p:nvGraphicFramePr>
-        <p:xfrm>
-          <a:off x="0" y="6532604"/>
-          <a:ext cx="12192000" cy="365760"/>
-        </p:xfrm>
-        <a:graphic>
-          <a:graphicData uri="http://schemas.openxmlformats.org/drawingml/2006/table">
-            <a:tbl>
-              <a:tblPr firstRow="1" bandRow="1">
-                <a:tableStyleId>{5C22544A-7EE6-4342-B048-85BDC9FD1C3A}</a:tableStyleId>
-              </a:tblPr>
-              <a:tblGrid>
-                <a:gridCol w="12192000">
-                  <a:extLst>
-                    <a:ext uri="{9D8B030D-6E8A-4147-A177-3AD203B41FA5}">
-                      <a16:colId xmlns:a16="http://schemas.microsoft.com/office/drawing/2014/main" val="20000"/>
-                    </a:ext>
-                  </a:extLst>
-                </a:gridCol>
-              </a:tblGrid>
-              <a:tr h="308094">
-                <a:tc>
-                  <a:txBody>
-                    <a:bodyPr/>
-                    <a:lstStyle/>
-                    <a:p>
-                      <a:r>
-                        <a:rPr lang="en-US" dirty="0"/>
-                        <a:t>Acronis @ </a:t>
-                      </a:r>
-                      <a:r>
-                        <a:rPr lang="ru-RU" dirty="0"/>
-                        <a:t>МФТИ</a:t>
-                      </a:r>
-                    </a:p>
-                  </a:txBody>
-                  <a:tcPr/>
-                </a:tc>
-                <a:extLst>
-                  <a:ext uri="{0D108BD9-81ED-4DB2-BD59-A6C34878D82A}">
-                    <a16:rowId xmlns:a16="http://schemas.microsoft.com/office/drawing/2014/main" val="10000"/>
-                  </a:ext>
-                </a:extLst>
-              </a:tr>
-            </a:tbl>
-          </a:graphicData>
-        </a:graphic>
-      </p:graphicFrame>
-      <p:graphicFrame>
-        <p:nvGraphicFramePr>
-          <p:cNvPr id="2" name="Table 1"/>
-          <p:cNvGraphicFramePr>
-            <a:graphicFrameLocks noGrp="1"/>
-          </p:cNvGraphicFramePr>
-          <p:nvPr>
-            <p:extLst>
-              <p:ext uri="{D42A27DB-BD31-4B8C-83A1-F6EECF244321}">
                 <p14:modId xmlns:p14="http://schemas.microsoft.com/office/powerpoint/2010/main" val="3503630928"/>
               </p:ext>
             </p:extLst>
@@ -21151,7 +20717,7 @@
 </p:sld>
 </file>
 
-<file path=ppt/slides/slide25.xml><?xml version="1.0" encoding="utf-8"?>
+<file path=ppt/slides/slide24.xml><?xml version="1.0" encoding="utf-8"?>
 <p:sld xmlns:a="http://schemas.openxmlformats.org/drawingml/2006/main" xmlns:r="http://schemas.openxmlformats.org/officeDocument/2006/relationships" xmlns:p="http://schemas.openxmlformats.org/presentationml/2006/main">
   <p:cSld>
     <p:spTree>
@@ -21406,7 +20972,7 @@
 </p:sld>
 </file>
 
-<file path=ppt/slides/slide26.xml><?xml version="1.0" encoding="utf-8"?>
+<file path=ppt/slides/slide25.xml><?xml version="1.0" encoding="utf-8"?>
 <p:sld xmlns:a="http://schemas.openxmlformats.org/drawingml/2006/main" xmlns:r="http://schemas.openxmlformats.org/officeDocument/2006/relationships" xmlns:p="http://schemas.openxmlformats.org/presentationml/2006/main">
   <p:cSld>
     <p:spTree>
@@ -21803,7 +21369,7 @@
 </p:sld>
 </file>
 
-<file path=ppt/slides/slide27.xml><?xml version="1.0" encoding="utf-8"?>
+<file path=ppt/slides/slide26.xml><?xml version="1.0" encoding="utf-8"?>
 <p:sld xmlns:a="http://schemas.openxmlformats.org/drawingml/2006/main" xmlns:r="http://schemas.openxmlformats.org/officeDocument/2006/relationships" xmlns:p="http://schemas.openxmlformats.org/presentationml/2006/main">
   <p:cSld>
     <p:spTree>
@@ -22258,7 +21824,7 @@
 </p:sld>
 </file>
 
-<file path=ppt/slides/slide28.xml><?xml version="1.0" encoding="utf-8"?>
+<file path=ppt/slides/slide27.xml><?xml version="1.0" encoding="utf-8"?>
 <p:sld xmlns:a="http://schemas.openxmlformats.org/drawingml/2006/main" xmlns:r="http://schemas.openxmlformats.org/officeDocument/2006/relationships" xmlns:p="http://schemas.openxmlformats.org/presentationml/2006/main">
   <p:cSld>
     <p:spTree>
@@ -22716,7 +22282,7 @@
 </p:sld>
 </file>
 
-<file path=ppt/slides/slide29.xml><?xml version="1.0" encoding="utf-8"?>
+<file path=ppt/slides/slide28.xml><?xml version="1.0" encoding="utf-8"?>
 <p:sld xmlns:a="http://schemas.openxmlformats.org/drawingml/2006/main" xmlns:r="http://schemas.openxmlformats.org/officeDocument/2006/relationships" xmlns:p="http://schemas.openxmlformats.org/presentationml/2006/main">
   <p:cSld>
     <p:spTree>
@@ -23556,6 +23122,262 @@
 </p:sld>
 </file>
 
+<file path=ppt/slides/slide29.xml><?xml version="1.0" encoding="utf-8"?>
+<p:sld xmlns:a="http://schemas.openxmlformats.org/drawingml/2006/main" xmlns:r="http://schemas.openxmlformats.org/officeDocument/2006/relationships" xmlns:p="http://schemas.openxmlformats.org/presentationml/2006/main">
+  <p:cSld>
+    <p:spTree>
+      <p:nvGrpSpPr>
+        <p:cNvPr id="1" name=""/>
+        <p:cNvGrpSpPr/>
+        <p:nvPr/>
+      </p:nvGrpSpPr>
+      <p:grpSpPr>
+        <a:xfrm>
+          <a:off x="0" y="0"/>
+          <a:ext cx="0" cy="0"/>
+          <a:chOff x="0" y="0"/>
+          <a:chExt cx="0" cy="0"/>
+        </a:xfrm>
+      </p:grpSpPr>
+      <p:graphicFrame>
+        <p:nvGraphicFramePr>
+          <p:cNvPr id="5" name="Table 4"/>
+          <p:cNvGraphicFramePr>
+            <a:graphicFrameLocks noGrp="1"/>
+          </p:cNvGraphicFramePr>
+          <p:nvPr>
+            <p:extLst>
+              <p:ext uri="{D42A27DB-BD31-4B8C-83A1-F6EECF244321}">
+                <p14:modId xmlns:p14="http://schemas.microsoft.com/office/powerpoint/2010/main" val="2281224332"/>
+              </p:ext>
+            </p:extLst>
+          </p:nvPr>
+        </p:nvGraphicFramePr>
+        <p:xfrm>
+          <a:off x="0" y="1"/>
+          <a:ext cx="12192000" cy="365760"/>
+        </p:xfrm>
+        <a:graphic>
+          <a:graphicData uri="http://schemas.openxmlformats.org/drawingml/2006/table">
+            <a:tbl>
+              <a:tblPr firstRow="1" bandRow="1">
+                <a:tableStyleId>{5C22544A-7EE6-4342-B048-85BDC9FD1C3A}</a:tableStyleId>
+              </a:tblPr>
+              <a:tblGrid>
+                <a:gridCol w="12192000">
+                  <a:extLst>
+                    <a:ext uri="{9D8B030D-6E8A-4147-A177-3AD203B41FA5}">
+                      <a16:colId xmlns:a16="http://schemas.microsoft.com/office/drawing/2014/main" val="20000"/>
+                    </a:ext>
+                  </a:extLst>
+                </a:gridCol>
+              </a:tblGrid>
+              <a:tr h="321276">
+                <a:tc>
+                  <a:txBody>
+                    <a:bodyPr/>
+                    <a:lstStyle/>
+                    <a:p>
+                      <a:r>
+                        <a:rPr lang="ru-RU" dirty="0"/>
+                        <a:t>Основы</a:t>
+                      </a:r>
+                      <a:r>
+                        <a:rPr lang="ru-RU" baseline="0" dirty="0"/>
+                        <a:t> построения файловых систем</a:t>
+                      </a:r>
+                      <a:endParaRPr lang="ru-RU" dirty="0"/>
+                    </a:p>
+                  </a:txBody>
+                  <a:tcPr/>
+                </a:tc>
+                <a:extLst>
+                  <a:ext uri="{0D108BD9-81ED-4DB2-BD59-A6C34878D82A}">
+                    <a16:rowId xmlns:a16="http://schemas.microsoft.com/office/drawing/2014/main" val="10000"/>
+                  </a:ext>
+                </a:extLst>
+              </a:tr>
+            </a:tbl>
+          </a:graphicData>
+        </a:graphic>
+      </p:graphicFrame>
+      <p:graphicFrame>
+        <p:nvGraphicFramePr>
+          <p:cNvPr id="6" name="Table 5"/>
+          <p:cNvGraphicFramePr>
+            <a:graphicFrameLocks noGrp="1"/>
+          </p:cNvGraphicFramePr>
+          <p:nvPr>
+            <p:extLst>
+              <p:ext uri="{D42A27DB-BD31-4B8C-83A1-F6EECF244321}">
+                <p14:modId xmlns:p14="http://schemas.microsoft.com/office/powerpoint/2010/main" val="4164474727"/>
+              </p:ext>
+            </p:extLst>
+          </p:nvPr>
+        </p:nvGraphicFramePr>
+        <p:xfrm>
+          <a:off x="0" y="6532604"/>
+          <a:ext cx="12192000" cy="365760"/>
+        </p:xfrm>
+        <a:graphic>
+          <a:graphicData uri="http://schemas.openxmlformats.org/drawingml/2006/table">
+            <a:tbl>
+              <a:tblPr firstRow="1" bandRow="1">
+                <a:tableStyleId>{5C22544A-7EE6-4342-B048-85BDC9FD1C3A}</a:tableStyleId>
+              </a:tblPr>
+              <a:tblGrid>
+                <a:gridCol w="12192000">
+                  <a:extLst>
+                    <a:ext uri="{9D8B030D-6E8A-4147-A177-3AD203B41FA5}">
+                      <a16:colId xmlns:a16="http://schemas.microsoft.com/office/drawing/2014/main" val="20000"/>
+                    </a:ext>
+                  </a:extLst>
+                </a:gridCol>
+              </a:tblGrid>
+              <a:tr h="308094">
+                <a:tc>
+                  <a:txBody>
+                    <a:bodyPr/>
+                    <a:lstStyle/>
+                    <a:p>
+                      <a:r>
+                        <a:rPr lang="en-US" dirty="0"/>
+                        <a:t>Acronis @ </a:t>
+                      </a:r>
+                      <a:r>
+                        <a:rPr lang="ru-RU" dirty="0"/>
+                        <a:t>МФТИ</a:t>
+                      </a:r>
+                    </a:p>
+                  </a:txBody>
+                  <a:tcPr/>
+                </a:tc>
+                <a:extLst>
+                  <a:ext uri="{0D108BD9-81ED-4DB2-BD59-A6C34878D82A}">
+                    <a16:rowId xmlns:a16="http://schemas.microsoft.com/office/drawing/2014/main" val="10000"/>
+                  </a:ext>
+                </a:extLst>
+              </a:tr>
+            </a:tbl>
+          </a:graphicData>
+        </a:graphic>
+      </p:graphicFrame>
+      <p:graphicFrame>
+        <p:nvGraphicFramePr>
+          <p:cNvPr id="2" name="Table 1"/>
+          <p:cNvGraphicFramePr>
+            <a:graphicFrameLocks noGrp="1"/>
+          </p:cNvGraphicFramePr>
+          <p:nvPr>
+            <p:extLst>
+              <p:ext uri="{D42A27DB-BD31-4B8C-83A1-F6EECF244321}">
+                <p14:modId xmlns:p14="http://schemas.microsoft.com/office/powerpoint/2010/main" val="483353550"/>
+              </p:ext>
+            </p:extLst>
+          </p:nvPr>
+        </p:nvGraphicFramePr>
+        <p:xfrm>
+          <a:off x="0" y="365761"/>
+          <a:ext cx="12192000" cy="828040"/>
+        </p:xfrm>
+        <a:graphic>
+          <a:graphicData uri="http://schemas.openxmlformats.org/drawingml/2006/table">
+            <a:tbl>
+              <a:tblPr firstRow="1" bandRow="1">
+                <a:tableStyleId>{3B4B98B0-60AC-42C2-AFA5-B58CD77FA1E5}</a:tableStyleId>
+              </a:tblPr>
+              <a:tblGrid>
+                <a:gridCol w="12192000">
+                  <a:extLst>
+                    <a:ext uri="{9D8B030D-6E8A-4147-A177-3AD203B41FA5}">
+                      <a16:colId xmlns:a16="http://schemas.microsoft.com/office/drawing/2014/main" val="20000"/>
+                    </a:ext>
+                  </a:extLst>
+                </a:gridCol>
+              </a:tblGrid>
+              <a:tr h="370840">
+                <a:tc>
+                  <a:txBody>
+                    <a:bodyPr/>
+                    <a:lstStyle/>
+                    <a:p>
+                      <a:r>
+                        <a:rPr lang="ru-RU" sz="2400" dirty="0"/>
+                        <a:t>Обзор-напоминание</a:t>
+                      </a:r>
+                      <a:r>
+                        <a:rPr lang="ru-RU" sz="2400" baseline="0" dirty="0"/>
+                        <a:t> о </a:t>
+                      </a:r>
+                      <a:r>
+                        <a:rPr lang="en-US" sz="2400" baseline="0" dirty="0"/>
+                        <a:t>POSIX Filesystem API</a:t>
+                      </a:r>
+                      <a:endParaRPr lang="ru-RU" sz="2400" dirty="0"/>
+                    </a:p>
+                  </a:txBody>
+                  <a:tcPr/>
+                </a:tc>
+                <a:extLst>
+                  <a:ext uri="{0D108BD9-81ED-4DB2-BD59-A6C34878D82A}">
+                    <a16:rowId xmlns:a16="http://schemas.microsoft.com/office/drawing/2014/main" val="10000"/>
+                  </a:ext>
+                </a:extLst>
+              </a:tr>
+              <a:tr h="370840">
+                <a:tc>
+                  <a:txBody>
+                    <a:bodyPr/>
+                    <a:lstStyle/>
+                    <a:p>
+                      <a:r>
+                        <a:rPr lang="en-US" dirty="0"/>
+                        <a:t>1. open(path,</a:t>
+                      </a:r>
+                      <a:r>
+                        <a:rPr lang="en-US" baseline="0" dirty="0"/>
+                        <a:t> flags, mode</a:t>
+                      </a:r>
+                      <a:r>
+                        <a:rPr lang="en-US" dirty="0"/>
+                        <a:t>) / close(</a:t>
+                      </a:r>
+                      <a:r>
+                        <a:rPr lang="en-US" dirty="0" err="1"/>
+                        <a:t>fd</a:t>
+                      </a:r>
+                      <a:r>
+                        <a:rPr lang="en-US" dirty="0"/>
+                        <a:t>)</a:t>
+                      </a:r>
+                      <a:endParaRPr lang="ru-RU" dirty="0"/>
+                    </a:p>
+                  </a:txBody>
+                  <a:tcPr/>
+                </a:tc>
+                <a:extLst>
+                  <a:ext uri="{0D108BD9-81ED-4DB2-BD59-A6C34878D82A}">
+                    <a16:rowId xmlns:a16="http://schemas.microsoft.com/office/drawing/2014/main" val="10001"/>
+                  </a:ext>
+                </a:extLst>
+              </a:tr>
+            </a:tbl>
+          </a:graphicData>
+        </a:graphic>
+      </p:graphicFrame>
+    </p:spTree>
+    <p:extLst>
+      <p:ext uri="{BB962C8B-B14F-4D97-AF65-F5344CB8AC3E}">
+        <p14:creationId xmlns:p14="http://schemas.microsoft.com/office/powerpoint/2010/main" val="860865305"/>
+      </p:ext>
+    </p:extLst>
+  </p:cSld>
+  <p:clrMapOvr>
+    <a:masterClrMapping/>
+  </p:clrMapOvr>
+</p:sld>
+</file>
+
 <file path=ppt/slides/slide3.xml><?xml version="1.0" encoding="utf-8"?>
 <p:sld xmlns:a="http://schemas.openxmlformats.org/drawingml/2006/main" xmlns:r="http://schemas.openxmlformats.org/officeDocument/2006/relationships" xmlns:p="http://schemas.openxmlformats.org/presentationml/2006/main">
   <p:cSld>
@@ -24086,14 +23908,14 @@
           <p:nvPr>
             <p:extLst>
               <p:ext uri="{D42A27DB-BD31-4B8C-83A1-F6EECF244321}">
-                <p14:modId xmlns:p14="http://schemas.microsoft.com/office/powerpoint/2010/main" val="483353550"/>
+                <p14:modId xmlns:p14="http://schemas.microsoft.com/office/powerpoint/2010/main" val="2658096442"/>
               </p:ext>
             </p:extLst>
           </p:nvPr>
         </p:nvGraphicFramePr>
         <p:xfrm>
           <a:off x="0" y="365761"/>
-          <a:ext cx="12192000" cy="828040"/>
+          <a:ext cx="12192000" cy="2016760"/>
         </p:xfrm>
         <a:graphic>
           <a:graphicData uri="http://schemas.openxmlformats.org/drawingml/2006/table">
@@ -24176,6 +23998,61 @@
                   </a:ext>
                 </a:extLst>
               </a:tr>
+              <a:tr h="370840">
+                <a:tc>
+                  <a:txBody>
+                    <a:bodyPr/>
+                    <a:lstStyle/>
+                    <a:p>
+                      <a:pPr marL="285750" indent="-285750">
+                        <a:buFont typeface="Arial" panose="020B0604020202020204" pitchFamily="34" charset="0"/>
+                        <a:buChar char="•"/>
+                      </a:pPr>
+                      <a:r>
+                        <a:rPr lang="en-US" dirty="0"/>
+                        <a:t>O_CREAT,</a:t>
+                      </a:r>
+                    </a:p>
+                    <a:p>
+                      <a:pPr marL="285750" indent="-285750">
+                        <a:buFont typeface="Arial" panose="020B0604020202020204" pitchFamily="34" charset="0"/>
+                        <a:buChar char="•"/>
+                      </a:pPr>
+                      <a:r>
+                        <a:rPr lang="en-US" baseline="0" dirty="0"/>
+                        <a:t>O_EXCL,</a:t>
+                      </a:r>
+                    </a:p>
+                    <a:p>
+                      <a:pPr marL="285750" indent="-285750">
+                        <a:buFont typeface="Arial" panose="020B0604020202020204" pitchFamily="34" charset="0"/>
+                        <a:buChar char="•"/>
+                      </a:pPr>
+                      <a:r>
+                        <a:rPr lang="en-US" baseline="0" dirty="0"/>
+                        <a:t>O_NOATIME,</a:t>
+                      </a:r>
+                    </a:p>
+                    <a:p>
+                      <a:pPr marL="285750" indent="-285750">
+                        <a:buFont typeface="Arial" panose="020B0604020202020204" pitchFamily="34" charset="0"/>
+                        <a:buChar char="•"/>
+                      </a:pPr>
+                      <a:r>
+                        <a:rPr lang="en-US" dirty="0"/>
+                        <a:t>O_CLOEXEC.</a:t>
+                      </a:r>
+                      <a:endParaRPr lang="ru-RU" dirty="0"/>
+                    </a:p>
+                  </a:txBody>
+                  <a:tcPr/>
+                </a:tc>
+                <a:extLst>
+                  <a:ext uri="{0D108BD9-81ED-4DB2-BD59-A6C34878D82A}">
+                    <a16:rowId xmlns:a16="http://schemas.microsoft.com/office/drawing/2014/main" val="10002"/>
+                  </a:ext>
+                </a:extLst>
+              </a:tr>
             </a:tbl>
           </a:graphicData>
         </a:graphic>
@@ -24183,7 +24060,7 @@
     </p:spTree>
     <p:extLst>
       <p:ext uri="{BB962C8B-B14F-4D97-AF65-F5344CB8AC3E}">
-        <p14:creationId xmlns:p14="http://schemas.microsoft.com/office/powerpoint/2010/main" val="860865305"/>
+        <p14:creationId xmlns:p14="http://schemas.microsoft.com/office/powerpoint/2010/main" val="646365678"/>
       </p:ext>
     </p:extLst>
   </p:cSld>
@@ -24342,14 +24219,14 @@
           <p:nvPr>
             <p:extLst>
               <p:ext uri="{D42A27DB-BD31-4B8C-83A1-F6EECF244321}">
-                <p14:modId xmlns:p14="http://schemas.microsoft.com/office/powerpoint/2010/main" val="2658096442"/>
+                <p14:modId xmlns:p14="http://schemas.microsoft.com/office/powerpoint/2010/main" val="652238823"/>
               </p:ext>
             </p:extLst>
           </p:nvPr>
         </p:nvGraphicFramePr>
         <p:xfrm>
           <a:off x="0" y="365761"/>
-          <a:ext cx="12192000" cy="2016760"/>
+          <a:ext cx="12192000" cy="1198880"/>
         </p:xfrm>
         <a:graphic>
           <a:graphicData uri="http://schemas.openxmlformats.org/drawingml/2006/table">
@@ -24438,43 +24315,25 @@
                     <a:bodyPr/>
                     <a:lstStyle/>
                     <a:p>
-                      <a:pPr marL="285750" indent="-285750">
-                        <a:buFont typeface="Arial" panose="020B0604020202020204" pitchFamily="34" charset="0"/>
-                        <a:buChar char="•"/>
-                      </a:pPr>
                       <a:r>
                         <a:rPr lang="en-US" dirty="0"/>
-                        <a:t>O_CREAT,</a:t>
-                      </a:r>
-                    </a:p>
-                    <a:p>
-                      <a:pPr marL="285750" indent="-285750">
-                        <a:buFont typeface="Arial" panose="020B0604020202020204" pitchFamily="34" charset="0"/>
-                        <a:buChar char="•"/>
-                      </a:pPr>
-                      <a:r>
-                        <a:rPr lang="en-US" baseline="0" dirty="0"/>
-                        <a:t>O_EXCL,</a:t>
-                      </a:r>
-                    </a:p>
-                    <a:p>
-                      <a:pPr marL="285750" indent="-285750">
-                        <a:buFont typeface="Arial" panose="020B0604020202020204" pitchFamily="34" charset="0"/>
-                        <a:buChar char="•"/>
-                      </a:pPr>
-                      <a:r>
-                        <a:rPr lang="en-US" baseline="0" dirty="0"/>
-                        <a:t>O_NOATIME,</a:t>
-                      </a:r>
-                    </a:p>
-                    <a:p>
-                      <a:pPr marL="285750" indent="-285750">
-                        <a:buFont typeface="Arial" panose="020B0604020202020204" pitchFamily="34" charset="0"/>
-                        <a:buChar char="•"/>
-                      </a:pPr>
+                        <a:t>2. </a:t>
+                      </a:r>
+                      <a:r>
+                        <a:rPr lang="en-US" dirty="0" err="1"/>
+                        <a:t>mkdir</a:t>
+                      </a:r>
                       <a:r>
                         <a:rPr lang="en-US" dirty="0"/>
-                        <a:t>O_CLOEXEC.</a:t>
+                        <a:t>(path, flags) / </a:t>
+                      </a:r>
+                      <a:r>
+                        <a:rPr lang="en-US" dirty="0" err="1"/>
+                        <a:t>rmdir</a:t>
+                      </a:r>
+                      <a:r>
+                        <a:rPr lang="en-US" dirty="0"/>
+                        <a:t>(path)</a:t>
                       </a:r>
                       <a:endParaRPr lang="ru-RU" dirty="0"/>
                     </a:p>
@@ -24494,7 +24353,7 @@
     </p:spTree>
     <p:extLst>
       <p:ext uri="{BB962C8B-B14F-4D97-AF65-F5344CB8AC3E}">
-        <p14:creationId xmlns:p14="http://schemas.microsoft.com/office/powerpoint/2010/main" val="646365678"/>
+        <p14:creationId xmlns:p14="http://schemas.microsoft.com/office/powerpoint/2010/main" val="168796789"/>
       </p:ext>
     </p:extLst>
   </p:cSld>
@@ -24653,14 +24512,14 @@
           <p:nvPr>
             <p:extLst>
               <p:ext uri="{D42A27DB-BD31-4B8C-83A1-F6EECF244321}">
-                <p14:modId xmlns:p14="http://schemas.microsoft.com/office/powerpoint/2010/main" val="652238823"/>
+                <p14:modId xmlns:p14="http://schemas.microsoft.com/office/powerpoint/2010/main" val="3517014689"/>
               </p:ext>
             </p:extLst>
           </p:nvPr>
         </p:nvGraphicFramePr>
         <p:xfrm>
           <a:off x="0" y="365761"/>
-          <a:ext cx="12192000" cy="1198880"/>
+          <a:ext cx="12192000" cy="1569720"/>
         </p:xfrm>
         <a:graphic>
           <a:graphicData uri="http://schemas.openxmlformats.org/drawingml/2006/table">
@@ -24780,6 +24639,47 @@
                   </a:ext>
                 </a:extLst>
               </a:tr>
+              <a:tr h="370840">
+                <a:tc>
+                  <a:txBody>
+                    <a:bodyPr/>
+                    <a:lstStyle/>
+                    <a:p>
+                      <a:r>
+                        <a:rPr lang="en-US" dirty="0"/>
+                        <a:t>3.</a:t>
+                      </a:r>
+                      <a:r>
+                        <a:rPr lang="en-US" baseline="0" dirty="0"/>
+                        <a:t> </a:t>
+                      </a:r>
+                      <a:r>
+                        <a:rPr lang="en-US" baseline="0" dirty="0" err="1"/>
+                        <a:t>chdir</a:t>
+                      </a:r>
+                      <a:r>
+                        <a:rPr lang="en-US" baseline="0" dirty="0"/>
+                        <a:t>(path), </a:t>
+                      </a:r>
+                      <a:r>
+                        <a:rPr lang="en-US" baseline="0" dirty="0" err="1"/>
+                        <a:t>chroot</a:t>
+                      </a:r>
+                      <a:r>
+                        <a:rPr lang="en-US" baseline="0" dirty="0"/>
+                        <a:t>(path)</a:t>
+                      </a:r>
+                      <a:endParaRPr lang="ru-RU" dirty="0"/>
+                    </a:p>
+                  </a:txBody>
+                  <a:tcPr/>
+                </a:tc>
+                <a:extLst>
+                  <a:ext uri="{0D108BD9-81ED-4DB2-BD59-A6C34878D82A}">
+                    <a16:rowId xmlns:a16="http://schemas.microsoft.com/office/drawing/2014/main" val="10003"/>
+                  </a:ext>
+                </a:extLst>
+              </a:tr>
             </a:tbl>
           </a:graphicData>
         </a:graphic>
@@ -24787,7 +24687,7 @@
     </p:spTree>
     <p:extLst>
       <p:ext uri="{BB962C8B-B14F-4D97-AF65-F5344CB8AC3E}">
-        <p14:creationId xmlns:p14="http://schemas.microsoft.com/office/powerpoint/2010/main" val="168796789"/>
+        <p14:creationId xmlns:p14="http://schemas.microsoft.com/office/powerpoint/2010/main" val="2813411199"/>
       </p:ext>
     </p:extLst>
   </p:cSld>
@@ -24946,14 +24846,14 @@
           <p:nvPr>
             <p:extLst>
               <p:ext uri="{D42A27DB-BD31-4B8C-83A1-F6EECF244321}">
-                <p14:modId xmlns:p14="http://schemas.microsoft.com/office/powerpoint/2010/main" val="3517014689"/>
+                <p14:modId xmlns:p14="http://schemas.microsoft.com/office/powerpoint/2010/main" val="1806128183"/>
               </p:ext>
             </p:extLst>
           </p:nvPr>
         </p:nvGraphicFramePr>
         <p:xfrm>
           <a:off x="0" y="365761"/>
-          <a:ext cx="12192000" cy="1569720"/>
+          <a:ext cx="12192000" cy="2758440"/>
         </p:xfrm>
         <a:graphic>
           <a:graphicData uri="http://schemas.openxmlformats.org/drawingml/2006/table">
@@ -25114,6 +25014,99 @@
                   </a:ext>
                 </a:extLst>
               </a:tr>
+              <a:tr h="370840">
+                <a:tc>
+                  <a:txBody>
+                    <a:bodyPr/>
+                    <a:lstStyle/>
+                    <a:p>
+                      <a:r>
+                        <a:rPr lang="en-US" dirty="0"/>
+                        <a:t>4. </a:t>
+                      </a:r>
+                      <a:r>
+                        <a:rPr lang="en-US" dirty="0" err="1"/>
+                        <a:t>openat</a:t>
+                      </a:r>
+                      <a:r>
+                        <a:rPr lang="en-US" dirty="0"/>
+                        <a:t>(</a:t>
+                      </a:r>
+                      <a:r>
+                        <a:rPr lang="en-US" dirty="0" err="1"/>
+                        <a:t>dirfd</a:t>
+                      </a:r>
+                      <a:r>
+                        <a:rPr lang="en-US" dirty="0"/>
+                        <a:t>, path, flags) / </a:t>
+                      </a:r>
+                      <a:r>
+                        <a:rPr lang="en-US" dirty="0" err="1"/>
+                        <a:t>mkdirat</a:t>
+                      </a:r>
+                      <a:r>
+                        <a:rPr lang="en-US" dirty="0"/>
+                        <a:t>() / </a:t>
+                      </a:r>
+                      <a:r>
+                        <a:rPr lang="en-US" dirty="0" err="1"/>
+                        <a:t>rmdirat</a:t>
+                      </a:r>
+                      <a:r>
+                        <a:rPr lang="en-US" dirty="0"/>
+                        <a:t>() / </a:t>
+                      </a:r>
+                      <a:r>
+                        <a:rPr lang="en-US" dirty="0" err="1"/>
+                        <a:t>etc</a:t>
+                      </a:r>
+                      <a:endParaRPr lang="en-US" dirty="0"/>
+                    </a:p>
+                    <a:p>
+                      <a:endParaRPr lang="ru-RU" dirty="0"/>
+                    </a:p>
+                    <a:p>
+                      <a:r>
+                        <a:rPr lang="ru-RU" dirty="0"/>
+                        <a:t>Параметр</a:t>
+                      </a:r>
+                      <a:r>
+                        <a:rPr lang="ru-RU" baseline="0" dirty="0"/>
+                        <a:t> </a:t>
+                      </a:r>
+                      <a:r>
+                        <a:rPr lang="en-US" baseline="0" dirty="0" err="1"/>
+                        <a:t>dirfd</a:t>
+                      </a:r>
+                      <a:r>
+                        <a:rPr lang="en-US" baseline="0" dirty="0"/>
+                        <a:t> </a:t>
+                      </a:r>
+                      <a:r>
+                        <a:rPr lang="ru-RU" baseline="0" dirty="0"/>
+                        <a:t>играет роль рабочего каталога для данного вызова. Выгода:</a:t>
+                      </a:r>
+                    </a:p>
+                    <a:p>
+                      <a:pPr marL="285750" indent="-285750">
+                        <a:buFont typeface="Arial" panose="020B0604020202020204" pitchFamily="34" charset="0"/>
+                        <a:buChar char="•"/>
+                      </a:pPr>
+                      <a:r>
+                        <a:rPr lang="en-US" baseline="0" dirty="0"/>
+                        <a:t>???</a:t>
+                      </a:r>
+                      <a:endParaRPr lang="ru-RU" dirty="0"/>
+                    </a:p>
+                  </a:txBody>
+                  <a:tcPr/>
+                </a:tc>
+                <a:extLst>
+                  <a:ext uri="{0D108BD9-81ED-4DB2-BD59-A6C34878D82A}">
+                    <a16:rowId xmlns:a16="http://schemas.microsoft.com/office/drawing/2014/main" val="10004"/>
+                  </a:ext>
+                </a:extLst>
+              </a:tr>
             </a:tbl>
           </a:graphicData>
         </a:graphic>
@@ -25121,7 +25114,7 @@
     </p:spTree>
     <p:extLst>
       <p:ext uri="{BB962C8B-B14F-4D97-AF65-F5344CB8AC3E}">
-        <p14:creationId xmlns:p14="http://schemas.microsoft.com/office/powerpoint/2010/main" val="2813411199"/>
+        <p14:creationId xmlns:p14="http://schemas.microsoft.com/office/powerpoint/2010/main" val="742351979"/>
       </p:ext>
     </p:extLst>
   </p:cSld>
@@ -25154,13 +25147,7 @@
           <p:cNvGraphicFramePr>
             <a:graphicFrameLocks noGrp="1"/>
           </p:cNvGraphicFramePr>
-          <p:nvPr>
-            <p:extLst>
-              <p:ext uri="{D42A27DB-BD31-4B8C-83A1-F6EECF244321}">
-                <p14:modId xmlns:p14="http://schemas.microsoft.com/office/powerpoint/2010/main" val="2281224332"/>
-              </p:ext>
-            </p:extLst>
-          </p:nvPr>
+          <p:nvPr/>
         </p:nvGraphicFramePr>
         <p:xfrm>
           <a:off x="0" y="1"/>
@@ -25216,13 +25203,7 @@
           <p:cNvGraphicFramePr>
             <a:graphicFrameLocks noGrp="1"/>
           </p:cNvGraphicFramePr>
-          <p:nvPr>
-            <p:extLst>
-              <p:ext uri="{D42A27DB-BD31-4B8C-83A1-F6EECF244321}">
-                <p14:modId xmlns:p14="http://schemas.microsoft.com/office/powerpoint/2010/main" val="4164474727"/>
-              </p:ext>
-            </p:extLst>
-          </p:nvPr>
+          <p:nvPr/>
         </p:nvGraphicFramePr>
         <p:xfrm>
           <a:off x="0" y="6532604"/>
@@ -25277,17 +25258,11 @@
           <p:cNvGraphicFramePr>
             <a:graphicFrameLocks noGrp="1"/>
           </p:cNvGraphicFramePr>
-          <p:nvPr>
-            <p:extLst>
-              <p:ext uri="{D42A27DB-BD31-4B8C-83A1-F6EECF244321}">
-                <p14:modId xmlns:p14="http://schemas.microsoft.com/office/powerpoint/2010/main" val="1806128183"/>
-              </p:ext>
-            </p:extLst>
-          </p:nvPr>
+          <p:nvPr/>
         </p:nvGraphicFramePr>
         <p:xfrm>
           <a:off x="0" y="365761"/>
-          <a:ext cx="12192000" cy="2758440"/>
+          <a:ext cx="12192000" cy="3307080"/>
         </p:xfrm>
         <a:graphic>
           <a:graphicData uri="http://schemas.openxmlformats.org/drawingml/2006/table">
@@ -25527,10 +25502,38 @@
                         <a:buChar char="•"/>
                       </a:pPr>
                       <a:r>
+                        <a:rPr lang="ru-RU" baseline="0" dirty="0"/>
+                        <a:t>решает проблему гонок с </a:t>
+                      </a:r>
+                      <a:r>
+                        <a:rPr lang="en-US" baseline="0" dirty="0" err="1"/>
+                        <a:t>chdir</a:t>
+                      </a:r>
+                      <a:r>
                         <a:rPr lang="en-US" baseline="0" dirty="0"/>
-                        <a:t>???</a:t>
-                      </a:r>
-                      <a:endParaRPr lang="ru-RU" dirty="0"/>
+                        <a:t>(),</a:t>
+                      </a:r>
+                      <a:endParaRPr lang="ru-RU" baseline="0" dirty="0"/>
+                    </a:p>
+                    <a:p>
+                      <a:pPr marL="285750" indent="-285750">
+                        <a:buFont typeface="Arial" panose="020B0604020202020204" pitchFamily="34" charset="0"/>
+                        <a:buChar char="•"/>
+                      </a:pPr>
+                      <a:r>
+                        <a:rPr lang="ru-RU" baseline="0" dirty="0"/>
+                        <a:t>рабочие каталоги для потоков, а не всего процесса,</a:t>
+                      </a:r>
+                    </a:p>
+                    <a:p>
+                      <a:pPr marL="285750" indent="-285750">
+                        <a:buFont typeface="Arial" panose="020B0604020202020204" pitchFamily="34" charset="0"/>
+                        <a:buChar char="•"/>
+                      </a:pPr>
+                      <a:r>
+                        <a:rPr lang="ru-RU" dirty="0"/>
+                        <a:t>меньше работы про обходу пути.</a:t>
+                      </a:r>
                     </a:p>
                   </a:txBody>
                   <a:tcPr/>
@@ -25548,7 +25551,7 @@
     </p:spTree>
     <p:extLst>
       <p:ext uri="{BB962C8B-B14F-4D97-AF65-F5344CB8AC3E}">
-        <p14:creationId xmlns:p14="http://schemas.microsoft.com/office/powerpoint/2010/main" val="742351979"/>
+        <p14:creationId xmlns:p14="http://schemas.microsoft.com/office/powerpoint/2010/main" val="714686024"/>
       </p:ext>
     </p:extLst>
   </p:cSld>
@@ -25582,7 +25585,11 @@
             <a:graphicFrameLocks noGrp="1"/>
           </p:cNvGraphicFramePr>
           <p:nvPr>
-            <p:extLst/>
+            <p:extLst>
+              <p:ext uri="{D42A27DB-BD31-4B8C-83A1-F6EECF244321}">
+                <p14:modId xmlns:p14="http://schemas.microsoft.com/office/powerpoint/2010/main" val="2281224332"/>
+              </p:ext>
+            </p:extLst>
           </p:nvPr>
         </p:nvGraphicFramePr>
         <p:xfrm>
@@ -25640,7 +25647,11 @@
             <a:graphicFrameLocks noGrp="1"/>
           </p:cNvGraphicFramePr>
           <p:nvPr>
-            <p:extLst/>
+            <p:extLst>
+              <p:ext uri="{D42A27DB-BD31-4B8C-83A1-F6EECF244321}">
+                <p14:modId xmlns:p14="http://schemas.microsoft.com/office/powerpoint/2010/main" val="4164474727"/>
+              </p:ext>
+            </p:extLst>
           </p:nvPr>
         </p:nvGraphicFramePr>
         <p:xfrm>
@@ -25697,12 +25708,16 @@
             <a:graphicFrameLocks noGrp="1"/>
           </p:cNvGraphicFramePr>
           <p:nvPr>
-            <p:extLst/>
+            <p:extLst>
+              <p:ext uri="{D42A27DB-BD31-4B8C-83A1-F6EECF244321}">
+                <p14:modId xmlns:p14="http://schemas.microsoft.com/office/powerpoint/2010/main" val="1256258609"/>
+              </p:ext>
+            </p:extLst>
           </p:nvPr>
         </p:nvGraphicFramePr>
         <p:xfrm>
           <a:off x="0" y="365761"/>
-          <a:ext cx="12192000" cy="3307080"/>
+          <a:ext cx="12192000" cy="2311400"/>
         </p:xfrm>
         <a:graphic>
           <a:graphicData uri="http://schemas.openxmlformats.org/drawingml/2006/table">
@@ -25911,76 +25926,48 @@
                       </a:r>
                       <a:endParaRPr lang="en-US" dirty="0"/>
                     </a:p>
-                    <a:p>
-                      <a:endParaRPr lang="ru-RU" dirty="0"/>
-                    </a:p>
-                    <a:p>
-                      <a:r>
-                        <a:rPr lang="ru-RU" dirty="0"/>
-                        <a:t>Параметр</a:t>
-                      </a:r>
-                      <a:r>
-                        <a:rPr lang="ru-RU" baseline="0" dirty="0"/>
-                        <a:t> </a:t>
-                      </a:r>
-                      <a:r>
-                        <a:rPr lang="en-US" baseline="0" dirty="0" err="1"/>
-                        <a:t>dirfd</a:t>
-                      </a:r>
-                      <a:r>
-                        <a:rPr lang="en-US" baseline="0" dirty="0"/>
-                        <a:t> </a:t>
-                      </a:r>
-                      <a:r>
-                        <a:rPr lang="ru-RU" baseline="0" dirty="0"/>
-                        <a:t>играет роль рабочего каталога для данного вызова. Выгода:</a:t>
-                      </a:r>
-                    </a:p>
-                    <a:p>
-                      <a:pPr marL="285750" indent="-285750">
-                        <a:buFont typeface="Arial" panose="020B0604020202020204" pitchFamily="34" charset="0"/>
-                        <a:buChar char="•"/>
-                      </a:pPr>
-                      <a:r>
-                        <a:rPr lang="ru-RU" baseline="0" dirty="0"/>
-                        <a:t>решает проблему гонок с </a:t>
-                      </a:r>
-                      <a:r>
-                        <a:rPr lang="en-US" baseline="0" dirty="0" err="1"/>
-                        <a:t>chdir</a:t>
-                      </a:r>
-                      <a:r>
-                        <a:rPr lang="en-US" baseline="0" dirty="0"/>
-                        <a:t>(),</a:t>
-                      </a:r>
-                      <a:endParaRPr lang="ru-RU" baseline="0" dirty="0"/>
-                    </a:p>
-                    <a:p>
-                      <a:pPr marL="285750" indent="-285750">
-                        <a:buFont typeface="Arial" panose="020B0604020202020204" pitchFamily="34" charset="0"/>
-                        <a:buChar char="•"/>
-                      </a:pPr>
-                      <a:r>
-                        <a:rPr lang="ru-RU" baseline="0" dirty="0"/>
-                        <a:t>рабочие каталоги для потоков, а не всего процесса,</a:t>
-                      </a:r>
-                    </a:p>
-                    <a:p>
-                      <a:pPr marL="285750" indent="-285750">
-                        <a:buFont typeface="Arial" panose="020B0604020202020204" pitchFamily="34" charset="0"/>
-                        <a:buChar char="•"/>
-                      </a:pPr>
-                      <a:r>
-                        <a:rPr lang="ru-RU" dirty="0"/>
-                        <a:t>меньше работы про обходу пути.</a:t>
-                      </a:r>
-                    </a:p>
                   </a:txBody>
                   <a:tcPr/>
                 </a:tc>
                 <a:extLst>
                   <a:ext uri="{0D108BD9-81ED-4DB2-BD59-A6C34878D82A}">
                     <a16:rowId xmlns:a16="http://schemas.microsoft.com/office/drawing/2014/main" val="10004"/>
+                  </a:ext>
+                </a:extLst>
+              </a:tr>
+              <a:tr h="370840">
+                <a:tc>
+                  <a:txBody>
+                    <a:bodyPr/>
+                    <a:lstStyle/>
+                    <a:p>
+                      <a:r>
+                        <a:rPr lang="en-US" dirty="0"/>
+                        <a:t>5. </a:t>
+                      </a:r>
+                      <a:r>
+                        <a:rPr lang="en-US" dirty="0" err="1"/>
+                        <a:t>symlink</a:t>
+                      </a:r>
+                      <a:r>
+                        <a:rPr lang="en-US" dirty="0"/>
+                        <a:t>() / </a:t>
+                      </a:r>
+                      <a:r>
+                        <a:rPr lang="en-US" dirty="0" err="1"/>
+                        <a:t>readlink</a:t>
+                      </a:r>
+                      <a:r>
+                        <a:rPr lang="en-US" dirty="0"/>
+                        <a:t>()</a:t>
+                      </a:r>
+                    </a:p>
+                  </a:txBody>
+                  <a:tcPr/>
+                </a:tc>
+                <a:extLst>
+                  <a:ext uri="{0D108BD9-81ED-4DB2-BD59-A6C34878D82A}">
+                    <a16:rowId xmlns:a16="http://schemas.microsoft.com/office/drawing/2014/main" val="10005"/>
                   </a:ext>
                 </a:extLst>
               </a:tr>
@@ -25991,7 +25978,7 @@
     </p:spTree>
     <p:extLst>
       <p:ext uri="{BB962C8B-B14F-4D97-AF65-F5344CB8AC3E}">
-        <p14:creationId xmlns:p14="http://schemas.microsoft.com/office/powerpoint/2010/main" val="714686024"/>
+        <p14:creationId xmlns:p14="http://schemas.microsoft.com/office/powerpoint/2010/main" val="2829276229"/>
       </p:ext>
     </p:extLst>
   </p:cSld>
@@ -26150,14 +26137,14 @@
           <p:nvPr>
             <p:extLst>
               <p:ext uri="{D42A27DB-BD31-4B8C-83A1-F6EECF244321}">
-                <p14:modId xmlns:p14="http://schemas.microsoft.com/office/powerpoint/2010/main" val="1256258609"/>
+                <p14:modId xmlns:p14="http://schemas.microsoft.com/office/powerpoint/2010/main" val="233030361"/>
               </p:ext>
             </p:extLst>
           </p:nvPr>
         </p:nvGraphicFramePr>
         <p:xfrm>
           <a:off x="0" y="365761"/>
-          <a:ext cx="12192000" cy="2311400"/>
+          <a:ext cx="12192000" cy="3774440"/>
         </p:xfrm>
         <a:graphic>
           <a:graphicData uri="http://schemas.openxmlformats.org/drawingml/2006/table">
@@ -26411,139 +26398,71 @@
                   </a:ext>
                 </a:extLst>
               </a:tr>
+              <a:tr h="370840">
+                <a:tc>
+                  <a:txBody>
+                    <a:bodyPr/>
+                    <a:lstStyle/>
+                    <a:p>
+                      <a:r>
+                        <a:rPr lang="en-US" dirty="0"/>
+                        <a:t>6. link() / unlink()</a:t>
+                      </a:r>
+                    </a:p>
+                    <a:p>
+                      <a:endParaRPr lang="en-US" dirty="0"/>
+                    </a:p>
+                    <a:p>
+                      <a:r>
+                        <a:rPr lang="ru-RU" dirty="0"/>
+                        <a:t>В </a:t>
+                      </a:r>
+                      <a:r>
+                        <a:rPr lang="en-US" dirty="0"/>
+                        <a:t>POSIX </a:t>
+                      </a:r>
+                      <a:r>
+                        <a:rPr lang="ru-RU" dirty="0"/>
+                        <a:t>файлы и имена существуют отдельно друг от друга. Возможны ситуации:</a:t>
+                      </a:r>
+                    </a:p>
+                    <a:p>
+                      <a:pPr marL="285750" indent="-285750">
+                        <a:buFont typeface="Arial" panose="020B0604020202020204" pitchFamily="34" charset="0"/>
+                        <a:buChar char="•"/>
+                      </a:pPr>
+                      <a:r>
+                        <a:rPr lang="ru-RU" dirty="0"/>
+                        <a:t>файл имеет несколько имён,</a:t>
+                      </a:r>
+                    </a:p>
+                    <a:p>
+                      <a:pPr marL="285750" indent="-285750">
+                        <a:buFont typeface="Arial" panose="020B0604020202020204" pitchFamily="34" charset="0"/>
+                        <a:buChar char="•"/>
+                      </a:pPr>
+                      <a:r>
+                        <a:rPr lang="ru-RU" dirty="0"/>
+                        <a:t>файл не имеет ни одного имени.</a:t>
+                      </a:r>
+                    </a:p>
+                  </a:txBody>
+                  <a:tcPr/>
+                </a:tc>
+                <a:extLst>
+                  <a:ext uri="{0D108BD9-81ED-4DB2-BD59-A6C34878D82A}">
+                    <a16:rowId xmlns:a16="http://schemas.microsoft.com/office/drawing/2014/main" val="10006"/>
+                  </a:ext>
+                </a:extLst>
+              </a:tr>
             </a:tbl>
           </a:graphicData>
         </a:graphic>
       </p:graphicFrame>
-      <p:sp>
-        <p:nvSpPr>
-          <p:cNvPr id="3" name="TextBox 2">
-            <a:extLst>
-              <a:ext uri="{FF2B5EF4-FFF2-40B4-BE49-F238E27FC236}">
-                <a16:creationId xmlns:a16="http://schemas.microsoft.com/office/drawing/2014/main" id="{2AD551B9-E397-8140-AA81-250FF7A0D662}"/>
-              </a:ext>
-            </a:extLst>
-          </p:cNvPr>
-          <p:cNvSpPr txBox="1"/>
-          <p:nvPr/>
-        </p:nvSpPr>
-        <p:spPr>
-          <a:xfrm>
-            <a:off x="2478795" y="2930487"/>
-            <a:ext cx="6444868" cy="2308324"/>
-          </a:xfrm>
-          <a:prstGeom prst="rect">
-            <a:avLst/>
-          </a:prstGeom>
-          <a:noFill/>
-        </p:spPr>
-        <p:txBody>
-          <a:bodyPr wrap="square" rtlCol="0">
-            <a:spAutoFit/>
-          </a:bodyPr>
-          <a:lstStyle/>
-          <a:p>
-            <a:r>
-              <a:rPr lang="ru-RU" dirty="0"/>
-              <a:t>Рассказать о </a:t>
-            </a:r>
-            <a:r>
-              <a:rPr lang="en-US" dirty="0"/>
-              <a:t>race conditions:</a:t>
-            </a:r>
-          </a:p>
-          <a:p>
-            <a:endParaRPr lang="en-US" dirty="0"/>
-          </a:p>
-          <a:p>
-            <a:r>
-              <a:rPr lang="en-US" dirty="0"/>
-              <a:t>if (access(path, R_OK)) {</a:t>
-            </a:r>
-          </a:p>
-          <a:p>
-            <a:r>
-              <a:rPr lang="en-US" dirty="0"/>
-              <a:t>  </a:t>
-            </a:r>
-            <a:r>
-              <a:rPr lang="en-US" dirty="0" err="1"/>
-              <a:t>int</a:t>
-            </a:r>
-            <a:r>
-              <a:rPr lang="en-US" dirty="0"/>
-              <a:t> </a:t>
-            </a:r>
-            <a:r>
-              <a:rPr lang="en-US" dirty="0" err="1"/>
-              <a:t>fd</a:t>
-            </a:r>
-            <a:r>
-              <a:rPr lang="en-US" dirty="0"/>
-              <a:t> = open(path, O_RDONLY);</a:t>
-            </a:r>
-            <a:br>
-              <a:rPr lang="en-US" dirty="0"/>
-            </a:br>
-            <a:r>
-              <a:rPr lang="en-US" dirty="0"/>
-              <a:t>}</a:t>
-            </a:r>
-          </a:p>
-          <a:p>
-            <a:endParaRPr lang="en-US" dirty="0"/>
-          </a:p>
-          <a:p>
-            <a:r>
-              <a:rPr lang="en-US" dirty="0" err="1"/>
-              <a:t>lstat</a:t>
-            </a:r>
-            <a:r>
-              <a:rPr lang="en-US" dirty="0"/>
-              <a:t>(link, &amp;</a:t>
-            </a:r>
-            <a:r>
-              <a:rPr lang="en-US" dirty="0" err="1"/>
-              <a:t>st</a:t>
-            </a:r>
-            <a:r>
-              <a:rPr lang="en-US" dirty="0"/>
-              <a:t>);</a:t>
-            </a:r>
-          </a:p>
-          <a:p>
-            <a:r>
-              <a:rPr lang="en-US" dirty="0" err="1"/>
-              <a:t>readlink</a:t>
-            </a:r>
-            <a:r>
-              <a:rPr lang="en-US" dirty="0"/>
-              <a:t>(link, </a:t>
-            </a:r>
-            <a:r>
-              <a:rPr lang="en-US" dirty="0" err="1"/>
-              <a:t>buf</a:t>
-            </a:r>
-            <a:r>
-              <a:rPr lang="en-US" dirty="0"/>
-              <a:t>, </a:t>
-            </a:r>
-            <a:r>
-              <a:rPr lang="en-US" dirty="0" err="1"/>
-              <a:t>st.st_size</a:t>
-            </a:r>
-            <a:r>
-              <a:rPr lang="en-US" dirty="0"/>
-              <a:t>);</a:t>
-            </a:r>
-            <a:endParaRPr lang="ru-RU" dirty="0"/>
-          </a:p>
-        </p:txBody>
-      </p:sp>
     </p:spTree>
     <p:extLst>
       <p:ext uri="{BB962C8B-B14F-4D97-AF65-F5344CB8AC3E}">
-        <p14:creationId xmlns:p14="http://schemas.microsoft.com/office/powerpoint/2010/main" val="2829276229"/>
+        <p14:creationId xmlns:p14="http://schemas.microsoft.com/office/powerpoint/2010/main" val="4152298700"/>
       </p:ext>
     </p:extLst>
   </p:cSld>
@@ -26702,14 +26621,14 @@
           <p:nvPr>
             <p:extLst>
               <p:ext uri="{D42A27DB-BD31-4B8C-83A1-F6EECF244321}">
-                <p14:modId xmlns:p14="http://schemas.microsoft.com/office/powerpoint/2010/main" val="233030361"/>
+                <p14:modId xmlns:p14="http://schemas.microsoft.com/office/powerpoint/2010/main" val="2492653987"/>
               </p:ext>
             </p:extLst>
           </p:nvPr>
         </p:nvGraphicFramePr>
         <p:xfrm>
           <a:off x="0" y="365761"/>
-          <a:ext cx="12192000" cy="3774440"/>
+          <a:ext cx="12192000" cy="4323080"/>
         </p:xfrm>
         <a:graphic>
           <a:graphicData uri="http://schemas.openxmlformats.org/drawingml/2006/table">
@@ -27008,8 +26927,38 @@
                       </a:pPr>
                       <a:r>
                         <a:rPr lang="ru-RU" dirty="0"/>
-                        <a:t>файл не имеет ни одного имени.</a:t>
-                      </a:r>
+                        <a:t>файл не имеет ни одного имени</a:t>
+                      </a:r>
+                      <a:r>
+                        <a:rPr lang="en-US" dirty="0"/>
+                        <a:t>.</a:t>
+                      </a:r>
+                    </a:p>
+                    <a:p>
+                      <a:pPr marL="0" indent="0">
+                        <a:buFont typeface="Arial" panose="020B0604020202020204" pitchFamily="34" charset="0"/>
+                        <a:buNone/>
+                      </a:pPr>
+                      <a:endParaRPr lang="ru-RU" dirty="0"/>
+                    </a:p>
+                    <a:p>
+                      <a:pPr marL="0" indent="0">
+                        <a:buFont typeface="Arial" panose="020B0604020202020204" pitchFamily="34" charset="0"/>
+                        <a:buNone/>
+                      </a:pPr>
+                      <a:r>
+                        <a:rPr lang="en-US" dirty="0"/>
+                        <a:t>open(O_TMPFILE)</a:t>
+                      </a:r>
+                      <a:r>
+                        <a:rPr lang="ru-RU" baseline="0" dirty="0"/>
+                        <a:t> создаёт файл, у которого изначально нет имени</a:t>
+                      </a:r>
+                      <a:r>
+                        <a:rPr lang="en-US" dirty="0"/>
+                        <a:t>.</a:t>
+                      </a:r>
+                      <a:endParaRPr lang="ru-RU" dirty="0"/>
                     </a:p>
                   </a:txBody>
                   <a:tcPr/>
@@ -27027,7 +26976,7 @@
     </p:spTree>
     <p:extLst>
       <p:ext uri="{BB962C8B-B14F-4D97-AF65-F5344CB8AC3E}">
-        <p14:creationId xmlns:p14="http://schemas.microsoft.com/office/powerpoint/2010/main" val="4152298700"/>
+        <p14:creationId xmlns:p14="http://schemas.microsoft.com/office/powerpoint/2010/main" val="3382582635"/>
       </p:ext>
     </p:extLst>
   </p:cSld>
@@ -27186,14 +27135,14 @@
           <p:nvPr>
             <p:extLst>
               <p:ext uri="{D42A27DB-BD31-4B8C-83A1-F6EECF244321}">
-                <p14:modId xmlns:p14="http://schemas.microsoft.com/office/powerpoint/2010/main" val="2492653987"/>
+                <p14:modId xmlns:p14="http://schemas.microsoft.com/office/powerpoint/2010/main" val="2326181152"/>
               </p:ext>
             </p:extLst>
           </p:nvPr>
         </p:nvGraphicFramePr>
         <p:xfrm>
           <a:off x="0" y="365761"/>
-          <a:ext cx="12192000" cy="4323080"/>
+          <a:ext cx="12192000" cy="4419600"/>
         </p:xfrm>
         <a:graphic>
           <a:graphicData uri="http://schemas.openxmlformats.org/drawingml/2006/table">
@@ -27458,79 +27407,100 @@
                         <a:t>6. link() / unlink()</a:t>
                       </a:r>
                     </a:p>
-                    <a:p>
-                      <a:endParaRPr lang="en-US" dirty="0"/>
-                    </a:p>
-                    <a:p>
-                      <a:r>
-                        <a:rPr lang="ru-RU" dirty="0"/>
-                        <a:t>В </a:t>
-                      </a:r>
-                      <a:r>
-                        <a:rPr lang="en-US" dirty="0"/>
-                        <a:t>POSIX </a:t>
-                      </a:r>
-                      <a:r>
-                        <a:rPr lang="ru-RU" dirty="0"/>
-                        <a:t>файлы и имена существуют отдельно друг от друга. Возможны ситуации:</a:t>
-                      </a:r>
-                    </a:p>
-                    <a:p>
-                      <a:pPr marL="285750" indent="-285750">
-                        <a:buFont typeface="Arial" panose="020B0604020202020204" pitchFamily="34" charset="0"/>
-                        <a:buChar char="•"/>
-                      </a:pPr>
-                      <a:r>
-                        <a:rPr lang="ru-RU" dirty="0"/>
-                        <a:t>файл имеет несколько имён,</a:t>
-                      </a:r>
-                    </a:p>
-                    <a:p>
-                      <a:pPr marL="285750" indent="-285750">
-                        <a:buFont typeface="Arial" panose="020B0604020202020204" pitchFamily="34" charset="0"/>
-                        <a:buChar char="•"/>
-                      </a:pPr>
-                      <a:r>
-                        <a:rPr lang="ru-RU" dirty="0"/>
-                        <a:t>файл не имеет ни одного имени</a:t>
-                      </a:r>
-                      <a:r>
-                        <a:rPr lang="en-US" dirty="0"/>
-                        <a:t>.</a:t>
-                      </a:r>
-                    </a:p>
-                    <a:p>
-                      <a:pPr marL="0" indent="0">
-                        <a:buFont typeface="Arial" panose="020B0604020202020204" pitchFamily="34" charset="0"/>
-                        <a:buNone/>
-                      </a:pPr>
-                      <a:endParaRPr lang="ru-RU" dirty="0"/>
-                    </a:p>
-                    <a:p>
-                      <a:pPr marL="0" indent="0">
-                        <a:buFont typeface="Arial" panose="020B0604020202020204" pitchFamily="34" charset="0"/>
-                        <a:buNone/>
-                      </a:pPr>
-                      <a:r>
-                        <a:rPr lang="en-US" dirty="0"/>
-                        <a:t>open(O_TMPFILE)</a:t>
-                      </a:r>
-                      <a:r>
-                        <a:rPr lang="ru-RU" baseline="0" dirty="0"/>
-                        <a:t> создаёт файл, у которого изначально нет имени</a:t>
-                      </a:r>
-                      <a:r>
-                        <a:rPr lang="en-US" dirty="0"/>
-                        <a:t>.</a:t>
-                      </a:r>
-                      <a:endParaRPr lang="ru-RU" dirty="0"/>
-                    </a:p>
                   </a:txBody>
                   <a:tcPr/>
                 </a:tc>
                 <a:extLst>
                   <a:ext uri="{0D108BD9-81ED-4DB2-BD59-A6C34878D82A}">
                     <a16:rowId xmlns:a16="http://schemas.microsoft.com/office/drawing/2014/main" val="10006"/>
+                  </a:ext>
+                </a:extLst>
+              </a:tr>
+              <a:tr h="370840">
+                <a:tc>
+                  <a:txBody>
+                    <a:bodyPr/>
+                    <a:lstStyle/>
+                    <a:p>
+                      <a:r>
+                        <a:rPr lang="en-US" dirty="0"/>
+                        <a:t>7. </a:t>
+                      </a:r>
+                      <a:r>
+                        <a:rPr lang="ru-RU" dirty="0"/>
+                        <a:t>Специальные</a:t>
+                      </a:r>
+                      <a:r>
+                        <a:rPr lang="ru-RU" baseline="0" dirty="0"/>
+                        <a:t> файлы:</a:t>
+                      </a:r>
+                      <a:endParaRPr lang="en-US" baseline="0" dirty="0"/>
+                    </a:p>
+                    <a:p>
+                      <a:pPr marL="285750" indent="-285750">
+                        <a:buFont typeface="Arial" panose="020B0604020202020204" pitchFamily="34" charset="0"/>
+                        <a:buChar char="•"/>
+                      </a:pPr>
+                      <a:r>
+                        <a:rPr lang="en-US" dirty="0"/>
+                        <a:t>directory,</a:t>
+                      </a:r>
+                    </a:p>
+                    <a:p>
+                      <a:pPr marL="285750" indent="-285750">
+                        <a:buFont typeface="Arial" panose="020B0604020202020204" pitchFamily="34" charset="0"/>
+                        <a:buChar char="•"/>
+                      </a:pPr>
+                      <a:r>
+                        <a:rPr lang="en-US" dirty="0"/>
+                        <a:t>character</a:t>
+                      </a:r>
+                      <a:r>
+                        <a:rPr lang="en-US" baseline="0" dirty="0"/>
+                        <a:t> devices,</a:t>
+                      </a:r>
+                    </a:p>
+                    <a:p>
+                      <a:pPr marL="285750" indent="-285750">
+                        <a:buFont typeface="Arial" panose="020B0604020202020204" pitchFamily="34" charset="0"/>
+                        <a:buChar char="•"/>
+                      </a:pPr>
+                      <a:r>
+                        <a:rPr lang="en-US" baseline="0" dirty="0"/>
+                        <a:t>block devices,</a:t>
+                      </a:r>
+                    </a:p>
+                    <a:p>
+                      <a:pPr marL="285750" indent="-285750">
+                        <a:buFont typeface="Arial" panose="020B0604020202020204" pitchFamily="34" charset="0"/>
+                        <a:buChar char="•"/>
+                      </a:pPr>
+                      <a:r>
+                        <a:rPr lang="en-US" baseline="0" dirty="0"/>
+                        <a:t>pipes,</a:t>
+                      </a:r>
+                    </a:p>
+                    <a:p>
+                      <a:pPr marL="285750" indent="-285750">
+                        <a:buFont typeface="Arial" panose="020B0604020202020204" pitchFamily="34" charset="0"/>
+                        <a:buChar char="•"/>
+                      </a:pPr>
+                      <a:r>
+                        <a:rPr lang="en-US" baseline="0" dirty="0" err="1"/>
+                        <a:t>unix</a:t>
+                      </a:r>
+                      <a:r>
+                        <a:rPr lang="en-US" baseline="0" dirty="0"/>
+                        <a:t> domain sockets.</a:t>
+                      </a:r>
+                      <a:endParaRPr lang="en-US" dirty="0"/>
+                    </a:p>
+                  </a:txBody>
+                  <a:tcPr/>
+                </a:tc>
+                <a:extLst>
+                  <a:ext uri="{0D108BD9-81ED-4DB2-BD59-A6C34878D82A}">
+                    <a16:rowId xmlns:a16="http://schemas.microsoft.com/office/drawing/2014/main" val="10007"/>
                   </a:ext>
                 </a:extLst>
               </a:tr>
@@ -27541,7 +27511,7 @@
     </p:spTree>
     <p:extLst>
       <p:ext uri="{BB962C8B-B14F-4D97-AF65-F5344CB8AC3E}">
-        <p14:creationId xmlns:p14="http://schemas.microsoft.com/office/powerpoint/2010/main" val="3382582635"/>
+        <p14:creationId xmlns:p14="http://schemas.microsoft.com/office/powerpoint/2010/main" val="3429008705"/>
       </p:ext>
     </p:extLst>
   </p:cSld>
@@ -27700,14 +27670,14 @@
           <p:nvPr>
             <p:extLst>
               <p:ext uri="{D42A27DB-BD31-4B8C-83A1-F6EECF244321}">
-                <p14:modId xmlns:p14="http://schemas.microsoft.com/office/powerpoint/2010/main" val="2326181152"/>
+                <p14:modId xmlns:p14="http://schemas.microsoft.com/office/powerpoint/2010/main" val="2446614311"/>
               </p:ext>
             </p:extLst>
           </p:nvPr>
         </p:nvGraphicFramePr>
         <p:xfrm>
           <a:off x="0" y="365761"/>
-          <a:ext cx="12192000" cy="4419600"/>
+          <a:ext cx="12192000" cy="3423920"/>
         </p:xfrm>
         <a:graphic>
           <a:graphicData uri="http://schemas.openxmlformats.org/drawingml/2006/table">
@@ -27997,68 +27967,12 @@
                       </a:r>
                       <a:r>
                         <a:rPr lang="ru-RU" baseline="0" dirty="0"/>
-                        <a:t> файлы:</a:t>
-                      </a:r>
-                      <a:endParaRPr lang="en-US" baseline="0" dirty="0"/>
-                    </a:p>
-                    <a:p>
-                      <a:pPr marL="285750" indent="-285750">
-                        <a:buFont typeface="Arial" panose="020B0604020202020204" pitchFamily="34" charset="0"/>
-                        <a:buChar char="•"/>
-                      </a:pPr>
-                      <a:r>
-                        <a:rPr lang="en-US" dirty="0"/>
-                        <a:t>directory,</a:t>
-                      </a:r>
-                    </a:p>
-                    <a:p>
-                      <a:pPr marL="285750" indent="-285750">
-                        <a:buFont typeface="Arial" panose="020B0604020202020204" pitchFamily="34" charset="0"/>
-                        <a:buChar char="•"/>
-                      </a:pPr>
-                      <a:r>
-                        <a:rPr lang="en-US" dirty="0"/>
-                        <a:t>character</a:t>
+                        <a:t> файлы</a:t>
                       </a:r>
                       <a:r>
                         <a:rPr lang="en-US" baseline="0" dirty="0"/>
-                        <a:t> devices,</a:t>
-                      </a:r>
-                    </a:p>
-                    <a:p>
-                      <a:pPr marL="285750" indent="-285750">
-                        <a:buFont typeface="Arial" panose="020B0604020202020204" pitchFamily="34" charset="0"/>
-                        <a:buChar char="•"/>
-                      </a:pPr>
-                      <a:r>
-                        <a:rPr lang="en-US" baseline="0" dirty="0"/>
-                        <a:t>block devices,</a:t>
-                      </a:r>
-                    </a:p>
-                    <a:p>
-                      <a:pPr marL="285750" indent="-285750">
-                        <a:buFont typeface="Arial" panose="020B0604020202020204" pitchFamily="34" charset="0"/>
-                        <a:buChar char="•"/>
-                      </a:pPr>
-                      <a:r>
-                        <a:rPr lang="en-US" baseline="0" dirty="0"/>
-                        <a:t>pipes,</a:t>
-                      </a:r>
-                    </a:p>
-                    <a:p>
-                      <a:pPr marL="285750" indent="-285750">
-                        <a:buFont typeface="Arial" panose="020B0604020202020204" pitchFamily="34" charset="0"/>
-                        <a:buChar char="•"/>
-                      </a:pPr>
-                      <a:r>
-                        <a:rPr lang="en-US" baseline="0" dirty="0" err="1"/>
-                        <a:t>unix</a:t>
-                      </a:r>
-                      <a:r>
-                        <a:rPr lang="en-US" baseline="0" dirty="0"/>
-                        <a:t> domain sockets.</a:t>
-                      </a:r>
-                      <a:endParaRPr lang="en-US" dirty="0"/>
+                        <a:t>.</a:t>
+                      </a:r>
                     </a:p>
                   </a:txBody>
                   <a:tcPr/>
@@ -28066,6 +27980,55 @@
                 <a:extLst>
                   <a:ext uri="{0D108BD9-81ED-4DB2-BD59-A6C34878D82A}">
                     <a16:rowId xmlns:a16="http://schemas.microsoft.com/office/drawing/2014/main" val="10007"/>
+                  </a:ext>
+                </a:extLst>
+              </a:tr>
+              <a:tr h="370840">
+                <a:tc>
+                  <a:txBody>
+                    <a:bodyPr/>
+                    <a:lstStyle/>
+                    <a:p>
+                      <a:pPr marL="0" indent="0">
+                        <a:buFont typeface="Arial" panose="020B0604020202020204" pitchFamily="34" charset="0"/>
+                        <a:buNone/>
+                      </a:pPr>
+                      <a:r>
+                        <a:rPr lang="en-US" dirty="0"/>
+                        <a:t>8</a:t>
+                      </a:r>
+                      <a:r>
+                        <a:rPr lang="ru-RU" dirty="0"/>
+                        <a:t>.</a:t>
+                      </a:r>
+                      <a:r>
+                        <a:rPr lang="ru-RU" baseline="0" dirty="0"/>
+                        <a:t> </a:t>
+                      </a:r>
+                      <a:r>
+                        <a:rPr lang="en-US" baseline="0" dirty="0" err="1"/>
+                        <a:t>mmap</a:t>
+                      </a:r>
+                      <a:r>
+                        <a:rPr lang="en-US" baseline="0" dirty="0"/>
+                        <a:t>() / </a:t>
+                      </a:r>
+                      <a:r>
+                        <a:rPr lang="en-US" baseline="0" dirty="0" err="1"/>
+                        <a:t>munmap</a:t>
+                      </a:r>
+                      <a:r>
+                        <a:rPr lang="en-US" baseline="0" dirty="0"/>
+                        <a:t>()</a:t>
+                      </a:r>
+                      <a:endParaRPr lang="en-US" dirty="0"/>
+                    </a:p>
+                  </a:txBody>
+                  <a:tcPr/>
+                </a:tc>
+                <a:extLst>
+                  <a:ext uri="{0D108BD9-81ED-4DB2-BD59-A6C34878D82A}">
+                    <a16:rowId xmlns:a16="http://schemas.microsoft.com/office/drawing/2014/main" val="10008"/>
                   </a:ext>
                 </a:extLst>
               </a:tr>
@@ -28076,7 +28039,7 @@
     </p:spTree>
     <p:extLst>
       <p:ext uri="{BB962C8B-B14F-4D97-AF65-F5344CB8AC3E}">
-        <p14:creationId xmlns:p14="http://schemas.microsoft.com/office/powerpoint/2010/main" val="3429008705"/>
+        <p14:creationId xmlns:p14="http://schemas.microsoft.com/office/powerpoint/2010/main" val="2928804381"/>
       </p:ext>
     </p:extLst>
   </p:cSld>
@@ -28543,534 +28506,6 @@
           </a:graphicData>
         </a:graphic>
       </p:graphicFrame>
-      <p:graphicFrame>
-        <p:nvGraphicFramePr>
-          <p:cNvPr id="2" name="Table 1"/>
-          <p:cNvGraphicFramePr>
-            <a:graphicFrameLocks noGrp="1"/>
-          </p:cNvGraphicFramePr>
-          <p:nvPr>
-            <p:extLst>
-              <p:ext uri="{D42A27DB-BD31-4B8C-83A1-F6EECF244321}">
-                <p14:modId xmlns:p14="http://schemas.microsoft.com/office/powerpoint/2010/main" val="2446614311"/>
-              </p:ext>
-            </p:extLst>
-          </p:nvPr>
-        </p:nvGraphicFramePr>
-        <p:xfrm>
-          <a:off x="0" y="365761"/>
-          <a:ext cx="12192000" cy="3423920"/>
-        </p:xfrm>
-        <a:graphic>
-          <a:graphicData uri="http://schemas.openxmlformats.org/drawingml/2006/table">
-            <a:tbl>
-              <a:tblPr firstRow="1" bandRow="1">
-                <a:tableStyleId>{3B4B98B0-60AC-42C2-AFA5-B58CD77FA1E5}</a:tableStyleId>
-              </a:tblPr>
-              <a:tblGrid>
-                <a:gridCol w="12192000">
-                  <a:extLst>
-                    <a:ext uri="{9D8B030D-6E8A-4147-A177-3AD203B41FA5}">
-                      <a16:colId xmlns:a16="http://schemas.microsoft.com/office/drawing/2014/main" val="20000"/>
-                    </a:ext>
-                  </a:extLst>
-                </a:gridCol>
-              </a:tblGrid>
-              <a:tr h="370840">
-                <a:tc>
-                  <a:txBody>
-                    <a:bodyPr/>
-                    <a:lstStyle/>
-                    <a:p>
-                      <a:r>
-                        <a:rPr lang="ru-RU" sz="2400" dirty="0"/>
-                        <a:t>Обзор-напоминание</a:t>
-                      </a:r>
-                      <a:r>
-                        <a:rPr lang="ru-RU" sz="2400" baseline="0" dirty="0"/>
-                        <a:t> о </a:t>
-                      </a:r>
-                      <a:r>
-                        <a:rPr lang="en-US" sz="2400" baseline="0" dirty="0"/>
-                        <a:t>POSIX Filesystem API</a:t>
-                      </a:r>
-                      <a:endParaRPr lang="ru-RU" sz="2400" dirty="0"/>
-                    </a:p>
-                  </a:txBody>
-                  <a:tcPr/>
-                </a:tc>
-                <a:extLst>
-                  <a:ext uri="{0D108BD9-81ED-4DB2-BD59-A6C34878D82A}">
-                    <a16:rowId xmlns:a16="http://schemas.microsoft.com/office/drawing/2014/main" val="10000"/>
-                  </a:ext>
-                </a:extLst>
-              </a:tr>
-              <a:tr h="370840">
-                <a:tc>
-                  <a:txBody>
-                    <a:bodyPr/>
-                    <a:lstStyle/>
-                    <a:p>
-                      <a:r>
-                        <a:rPr lang="en-US" dirty="0"/>
-                        <a:t>1. open(path,</a:t>
-                      </a:r>
-                      <a:r>
-                        <a:rPr lang="en-US" baseline="0" dirty="0"/>
-                        <a:t> flags, mode</a:t>
-                      </a:r>
-                      <a:r>
-                        <a:rPr lang="en-US" dirty="0"/>
-                        <a:t>) / close(</a:t>
-                      </a:r>
-                      <a:r>
-                        <a:rPr lang="en-US" dirty="0" err="1"/>
-                        <a:t>fd</a:t>
-                      </a:r>
-                      <a:r>
-                        <a:rPr lang="en-US" dirty="0"/>
-                        <a:t>)</a:t>
-                      </a:r>
-                      <a:endParaRPr lang="ru-RU" dirty="0"/>
-                    </a:p>
-                  </a:txBody>
-                  <a:tcPr/>
-                </a:tc>
-                <a:extLst>
-                  <a:ext uri="{0D108BD9-81ED-4DB2-BD59-A6C34878D82A}">
-                    <a16:rowId xmlns:a16="http://schemas.microsoft.com/office/drawing/2014/main" val="10001"/>
-                  </a:ext>
-                </a:extLst>
-              </a:tr>
-              <a:tr h="370840">
-                <a:tc>
-                  <a:txBody>
-                    <a:bodyPr/>
-                    <a:lstStyle/>
-                    <a:p>
-                      <a:r>
-                        <a:rPr lang="en-US" dirty="0"/>
-                        <a:t>2. </a:t>
-                      </a:r>
-                      <a:r>
-                        <a:rPr lang="en-US" dirty="0" err="1"/>
-                        <a:t>mkdir</a:t>
-                      </a:r>
-                      <a:r>
-                        <a:rPr lang="en-US" dirty="0"/>
-                        <a:t>(path, flags) / </a:t>
-                      </a:r>
-                      <a:r>
-                        <a:rPr lang="en-US" dirty="0" err="1"/>
-                        <a:t>rmdir</a:t>
-                      </a:r>
-                      <a:r>
-                        <a:rPr lang="en-US" dirty="0"/>
-                        <a:t>(path)</a:t>
-                      </a:r>
-                      <a:endParaRPr lang="ru-RU" dirty="0"/>
-                    </a:p>
-                  </a:txBody>
-                  <a:tcPr/>
-                </a:tc>
-                <a:extLst>
-                  <a:ext uri="{0D108BD9-81ED-4DB2-BD59-A6C34878D82A}">
-                    <a16:rowId xmlns:a16="http://schemas.microsoft.com/office/drawing/2014/main" val="10002"/>
-                  </a:ext>
-                </a:extLst>
-              </a:tr>
-              <a:tr h="370840">
-                <a:tc>
-                  <a:txBody>
-                    <a:bodyPr/>
-                    <a:lstStyle/>
-                    <a:p>
-                      <a:r>
-                        <a:rPr lang="en-US" dirty="0"/>
-                        <a:t>3.</a:t>
-                      </a:r>
-                      <a:r>
-                        <a:rPr lang="en-US" baseline="0" dirty="0"/>
-                        <a:t> </a:t>
-                      </a:r>
-                      <a:r>
-                        <a:rPr lang="en-US" baseline="0" dirty="0" err="1"/>
-                        <a:t>chdir</a:t>
-                      </a:r>
-                      <a:r>
-                        <a:rPr lang="en-US" baseline="0" dirty="0"/>
-                        <a:t>(path), </a:t>
-                      </a:r>
-                      <a:r>
-                        <a:rPr lang="en-US" baseline="0" dirty="0" err="1"/>
-                        <a:t>chroot</a:t>
-                      </a:r>
-                      <a:r>
-                        <a:rPr lang="en-US" baseline="0" dirty="0"/>
-                        <a:t>(path)</a:t>
-                      </a:r>
-                      <a:endParaRPr lang="ru-RU" dirty="0"/>
-                    </a:p>
-                  </a:txBody>
-                  <a:tcPr/>
-                </a:tc>
-                <a:extLst>
-                  <a:ext uri="{0D108BD9-81ED-4DB2-BD59-A6C34878D82A}">
-                    <a16:rowId xmlns:a16="http://schemas.microsoft.com/office/drawing/2014/main" val="10003"/>
-                  </a:ext>
-                </a:extLst>
-              </a:tr>
-              <a:tr h="370840">
-                <a:tc>
-                  <a:txBody>
-                    <a:bodyPr/>
-                    <a:lstStyle/>
-                    <a:p>
-                      <a:r>
-                        <a:rPr lang="en-US" dirty="0"/>
-                        <a:t>4. </a:t>
-                      </a:r>
-                      <a:r>
-                        <a:rPr lang="en-US" dirty="0" err="1"/>
-                        <a:t>openat</a:t>
-                      </a:r>
-                      <a:r>
-                        <a:rPr lang="en-US" dirty="0"/>
-                        <a:t>(</a:t>
-                      </a:r>
-                      <a:r>
-                        <a:rPr lang="en-US" dirty="0" err="1"/>
-                        <a:t>dirfd</a:t>
-                      </a:r>
-                      <a:r>
-                        <a:rPr lang="en-US" dirty="0"/>
-                        <a:t>, path, flags) / </a:t>
-                      </a:r>
-                      <a:r>
-                        <a:rPr lang="en-US" dirty="0" err="1"/>
-                        <a:t>mkdirat</a:t>
-                      </a:r>
-                      <a:r>
-                        <a:rPr lang="en-US" dirty="0"/>
-                        <a:t>() / </a:t>
-                      </a:r>
-                      <a:r>
-                        <a:rPr lang="en-US" dirty="0" err="1"/>
-                        <a:t>rmdirat</a:t>
-                      </a:r>
-                      <a:r>
-                        <a:rPr lang="en-US" dirty="0"/>
-                        <a:t>() / </a:t>
-                      </a:r>
-                      <a:r>
-                        <a:rPr lang="en-US" dirty="0" err="1"/>
-                        <a:t>etc</a:t>
-                      </a:r>
-                      <a:endParaRPr lang="en-US" dirty="0"/>
-                    </a:p>
-                  </a:txBody>
-                  <a:tcPr/>
-                </a:tc>
-                <a:extLst>
-                  <a:ext uri="{0D108BD9-81ED-4DB2-BD59-A6C34878D82A}">
-                    <a16:rowId xmlns:a16="http://schemas.microsoft.com/office/drawing/2014/main" val="10004"/>
-                  </a:ext>
-                </a:extLst>
-              </a:tr>
-              <a:tr h="370840">
-                <a:tc>
-                  <a:txBody>
-                    <a:bodyPr/>
-                    <a:lstStyle/>
-                    <a:p>
-                      <a:r>
-                        <a:rPr lang="en-US" dirty="0"/>
-                        <a:t>5. </a:t>
-                      </a:r>
-                      <a:r>
-                        <a:rPr lang="en-US" dirty="0" err="1"/>
-                        <a:t>symlink</a:t>
-                      </a:r>
-                      <a:r>
-                        <a:rPr lang="en-US" dirty="0"/>
-                        <a:t>() / </a:t>
-                      </a:r>
-                      <a:r>
-                        <a:rPr lang="en-US" dirty="0" err="1"/>
-                        <a:t>readlink</a:t>
-                      </a:r>
-                      <a:r>
-                        <a:rPr lang="en-US" dirty="0"/>
-                        <a:t>()</a:t>
-                      </a:r>
-                    </a:p>
-                  </a:txBody>
-                  <a:tcPr/>
-                </a:tc>
-                <a:extLst>
-                  <a:ext uri="{0D108BD9-81ED-4DB2-BD59-A6C34878D82A}">
-                    <a16:rowId xmlns:a16="http://schemas.microsoft.com/office/drawing/2014/main" val="10005"/>
-                  </a:ext>
-                </a:extLst>
-              </a:tr>
-              <a:tr h="370840">
-                <a:tc>
-                  <a:txBody>
-                    <a:bodyPr/>
-                    <a:lstStyle/>
-                    <a:p>
-                      <a:r>
-                        <a:rPr lang="en-US" dirty="0"/>
-                        <a:t>6. link() / unlink()</a:t>
-                      </a:r>
-                    </a:p>
-                  </a:txBody>
-                  <a:tcPr/>
-                </a:tc>
-                <a:extLst>
-                  <a:ext uri="{0D108BD9-81ED-4DB2-BD59-A6C34878D82A}">
-                    <a16:rowId xmlns:a16="http://schemas.microsoft.com/office/drawing/2014/main" val="10006"/>
-                  </a:ext>
-                </a:extLst>
-              </a:tr>
-              <a:tr h="370840">
-                <a:tc>
-                  <a:txBody>
-                    <a:bodyPr/>
-                    <a:lstStyle/>
-                    <a:p>
-                      <a:r>
-                        <a:rPr lang="en-US" dirty="0"/>
-                        <a:t>7. </a:t>
-                      </a:r>
-                      <a:r>
-                        <a:rPr lang="ru-RU" dirty="0"/>
-                        <a:t>Специальные</a:t>
-                      </a:r>
-                      <a:r>
-                        <a:rPr lang="ru-RU" baseline="0" dirty="0"/>
-                        <a:t> файлы</a:t>
-                      </a:r>
-                      <a:r>
-                        <a:rPr lang="en-US" baseline="0" dirty="0"/>
-                        <a:t>.</a:t>
-                      </a:r>
-                    </a:p>
-                  </a:txBody>
-                  <a:tcPr/>
-                </a:tc>
-                <a:extLst>
-                  <a:ext uri="{0D108BD9-81ED-4DB2-BD59-A6C34878D82A}">
-                    <a16:rowId xmlns:a16="http://schemas.microsoft.com/office/drawing/2014/main" val="10007"/>
-                  </a:ext>
-                </a:extLst>
-              </a:tr>
-              <a:tr h="370840">
-                <a:tc>
-                  <a:txBody>
-                    <a:bodyPr/>
-                    <a:lstStyle/>
-                    <a:p>
-                      <a:pPr marL="0" indent="0">
-                        <a:buFont typeface="Arial" panose="020B0604020202020204" pitchFamily="34" charset="0"/>
-                        <a:buNone/>
-                      </a:pPr>
-                      <a:r>
-                        <a:rPr lang="en-US" dirty="0"/>
-                        <a:t>8</a:t>
-                      </a:r>
-                      <a:r>
-                        <a:rPr lang="ru-RU" dirty="0"/>
-                        <a:t>.</a:t>
-                      </a:r>
-                      <a:r>
-                        <a:rPr lang="ru-RU" baseline="0" dirty="0"/>
-                        <a:t> </a:t>
-                      </a:r>
-                      <a:r>
-                        <a:rPr lang="en-US" baseline="0" dirty="0" err="1"/>
-                        <a:t>mmap</a:t>
-                      </a:r>
-                      <a:r>
-                        <a:rPr lang="en-US" baseline="0" dirty="0"/>
-                        <a:t>() / </a:t>
-                      </a:r>
-                      <a:r>
-                        <a:rPr lang="en-US" baseline="0" dirty="0" err="1"/>
-                        <a:t>munmap</a:t>
-                      </a:r>
-                      <a:r>
-                        <a:rPr lang="en-US" baseline="0" dirty="0"/>
-                        <a:t>()</a:t>
-                      </a:r>
-                      <a:endParaRPr lang="en-US" dirty="0"/>
-                    </a:p>
-                  </a:txBody>
-                  <a:tcPr/>
-                </a:tc>
-                <a:extLst>
-                  <a:ext uri="{0D108BD9-81ED-4DB2-BD59-A6C34878D82A}">
-                    <a16:rowId xmlns:a16="http://schemas.microsoft.com/office/drawing/2014/main" val="10008"/>
-                  </a:ext>
-                </a:extLst>
-              </a:tr>
-            </a:tbl>
-          </a:graphicData>
-        </a:graphic>
-      </p:graphicFrame>
-    </p:spTree>
-    <p:extLst>
-      <p:ext uri="{BB962C8B-B14F-4D97-AF65-F5344CB8AC3E}">
-        <p14:creationId xmlns:p14="http://schemas.microsoft.com/office/powerpoint/2010/main" val="2928804381"/>
-      </p:ext>
-    </p:extLst>
-  </p:cSld>
-  <p:clrMapOvr>
-    <a:masterClrMapping/>
-  </p:clrMapOvr>
-</p:sld>
-</file>
-
-<file path=ppt/slides/slide41.xml><?xml version="1.0" encoding="utf-8"?>
-<p:sld xmlns:a="http://schemas.openxmlformats.org/drawingml/2006/main" xmlns:r="http://schemas.openxmlformats.org/officeDocument/2006/relationships" xmlns:p="http://schemas.openxmlformats.org/presentationml/2006/main">
-  <p:cSld>
-    <p:spTree>
-      <p:nvGrpSpPr>
-        <p:cNvPr id="1" name=""/>
-        <p:cNvGrpSpPr/>
-        <p:nvPr/>
-      </p:nvGrpSpPr>
-      <p:grpSpPr>
-        <a:xfrm>
-          <a:off x="0" y="0"/>
-          <a:ext cx="0" cy="0"/>
-          <a:chOff x="0" y="0"/>
-          <a:chExt cx="0" cy="0"/>
-        </a:xfrm>
-      </p:grpSpPr>
-      <p:graphicFrame>
-        <p:nvGraphicFramePr>
-          <p:cNvPr id="5" name="Table 4"/>
-          <p:cNvGraphicFramePr>
-            <a:graphicFrameLocks noGrp="1"/>
-          </p:cNvGraphicFramePr>
-          <p:nvPr>
-            <p:extLst>
-              <p:ext uri="{D42A27DB-BD31-4B8C-83A1-F6EECF244321}">
-                <p14:modId xmlns:p14="http://schemas.microsoft.com/office/powerpoint/2010/main" val="2281224332"/>
-              </p:ext>
-            </p:extLst>
-          </p:nvPr>
-        </p:nvGraphicFramePr>
-        <p:xfrm>
-          <a:off x="0" y="1"/>
-          <a:ext cx="12192000" cy="365760"/>
-        </p:xfrm>
-        <a:graphic>
-          <a:graphicData uri="http://schemas.openxmlformats.org/drawingml/2006/table">
-            <a:tbl>
-              <a:tblPr firstRow="1" bandRow="1">
-                <a:tableStyleId>{5C22544A-7EE6-4342-B048-85BDC9FD1C3A}</a:tableStyleId>
-              </a:tblPr>
-              <a:tblGrid>
-                <a:gridCol w="12192000">
-                  <a:extLst>
-                    <a:ext uri="{9D8B030D-6E8A-4147-A177-3AD203B41FA5}">
-                      <a16:colId xmlns:a16="http://schemas.microsoft.com/office/drawing/2014/main" val="20000"/>
-                    </a:ext>
-                  </a:extLst>
-                </a:gridCol>
-              </a:tblGrid>
-              <a:tr h="321276">
-                <a:tc>
-                  <a:txBody>
-                    <a:bodyPr/>
-                    <a:lstStyle/>
-                    <a:p>
-                      <a:r>
-                        <a:rPr lang="ru-RU" dirty="0"/>
-                        <a:t>Основы</a:t>
-                      </a:r>
-                      <a:r>
-                        <a:rPr lang="ru-RU" baseline="0" dirty="0"/>
-                        <a:t> построения файловых систем</a:t>
-                      </a:r>
-                      <a:endParaRPr lang="ru-RU" dirty="0"/>
-                    </a:p>
-                  </a:txBody>
-                  <a:tcPr/>
-                </a:tc>
-                <a:extLst>
-                  <a:ext uri="{0D108BD9-81ED-4DB2-BD59-A6C34878D82A}">
-                    <a16:rowId xmlns:a16="http://schemas.microsoft.com/office/drawing/2014/main" val="10000"/>
-                  </a:ext>
-                </a:extLst>
-              </a:tr>
-            </a:tbl>
-          </a:graphicData>
-        </a:graphic>
-      </p:graphicFrame>
-      <p:graphicFrame>
-        <p:nvGraphicFramePr>
-          <p:cNvPr id="6" name="Table 5"/>
-          <p:cNvGraphicFramePr>
-            <a:graphicFrameLocks noGrp="1"/>
-          </p:cNvGraphicFramePr>
-          <p:nvPr>
-            <p:extLst>
-              <p:ext uri="{D42A27DB-BD31-4B8C-83A1-F6EECF244321}">
-                <p14:modId xmlns:p14="http://schemas.microsoft.com/office/powerpoint/2010/main" val="4164474727"/>
-              </p:ext>
-            </p:extLst>
-          </p:nvPr>
-        </p:nvGraphicFramePr>
-        <p:xfrm>
-          <a:off x="0" y="6532604"/>
-          <a:ext cx="12192000" cy="365760"/>
-        </p:xfrm>
-        <a:graphic>
-          <a:graphicData uri="http://schemas.openxmlformats.org/drawingml/2006/table">
-            <a:tbl>
-              <a:tblPr firstRow="1" bandRow="1">
-                <a:tableStyleId>{5C22544A-7EE6-4342-B048-85BDC9FD1C3A}</a:tableStyleId>
-              </a:tblPr>
-              <a:tblGrid>
-                <a:gridCol w="12192000">
-                  <a:extLst>
-                    <a:ext uri="{9D8B030D-6E8A-4147-A177-3AD203B41FA5}">
-                      <a16:colId xmlns:a16="http://schemas.microsoft.com/office/drawing/2014/main" val="20000"/>
-                    </a:ext>
-                  </a:extLst>
-                </a:gridCol>
-              </a:tblGrid>
-              <a:tr h="308094">
-                <a:tc>
-                  <a:txBody>
-                    <a:bodyPr/>
-                    <a:lstStyle/>
-                    <a:p>
-                      <a:r>
-                        <a:rPr lang="en-US" dirty="0"/>
-                        <a:t>Acronis @ </a:t>
-                      </a:r>
-                      <a:r>
-                        <a:rPr lang="ru-RU" dirty="0"/>
-                        <a:t>МФТИ</a:t>
-                      </a:r>
-                    </a:p>
-                  </a:txBody>
-                  <a:tcPr/>
-                </a:tc>
-                <a:extLst>
-                  <a:ext uri="{0D108BD9-81ED-4DB2-BD59-A6C34878D82A}">
-                    <a16:rowId xmlns:a16="http://schemas.microsoft.com/office/drawing/2014/main" val="10000"/>
-                  </a:ext>
-                </a:extLst>
-              </a:tr>
-            </a:tbl>
-          </a:graphicData>
-        </a:graphic>
-      </p:graphicFrame>
     </p:spTree>
     <p:extLst>
       <p:ext uri="{BB962C8B-B14F-4D97-AF65-F5344CB8AC3E}">
@@ -30427,9 +29862,7 @@
           <p:cNvGraphicFramePr>
             <a:graphicFrameLocks noGrp="1"/>
           </p:cNvGraphicFramePr>
-          <p:nvPr>
-            <p:extLst/>
-          </p:nvPr>
+          <p:nvPr/>
         </p:nvGraphicFramePr>
         <p:xfrm>
           <a:off x="0" y="1"/>
@@ -30485,9 +29918,7 @@
           <p:cNvGraphicFramePr>
             <a:graphicFrameLocks noGrp="1"/>
           </p:cNvGraphicFramePr>
-          <p:nvPr>
-            <p:extLst/>
-          </p:nvPr>
+          <p:nvPr/>
         </p:nvGraphicFramePr>
         <p:xfrm>
           <a:off x="0" y="6532604"/>
@@ -30542,9 +29973,7 @@
           <p:cNvGraphicFramePr>
             <a:graphicFrameLocks noGrp="1"/>
           </p:cNvGraphicFramePr>
-          <p:nvPr>
-            <p:extLst/>
-          </p:nvPr>
+          <p:nvPr/>
         </p:nvGraphicFramePr>
         <p:xfrm>
           <a:off x="0" y="365760"/>

--- a/talks/src/class00.pptx
+++ b/talks/src/class00.pptx
@@ -6,10 +6,10 @@
     <p:sldMasterId id="2147483660" r:id="rId2"/>
   </p:sldMasterIdLst>
   <p:notesMasterIdLst>
-    <p:notesMasterId r:id="rId43"/>
+    <p:notesMasterId r:id="rId44"/>
   </p:notesMasterIdLst>
   <p:handoutMasterIdLst>
-    <p:handoutMasterId r:id="rId44"/>
+    <p:handoutMasterId r:id="rId45"/>
   </p:handoutMasterIdLst>
   <p:sldIdLst>
     <p:sldId id="280" r:id="rId3"/>
@@ -33,25 +33,26 @@
     <p:sldId id="279" r:id="rId21"/>
     <p:sldId id="283" r:id="rId22"/>
     <p:sldId id="282" r:id="rId23"/>
-    <p:sldId id="281" r:id="rId24"/>
-    <p:sldId id="259" r:id="rId25"/>
-    <p:sldId id="270" r:id="rId26"/>
-    <p:sldId id="275" r:id="rId27"/>
-    <p:sldId id="274" r:id="rId28"/>
-    <p:sldId id="273" r:id="rId29"/>
-    <p:sldId id="286" r:id="rId30"/>
-    <p:sldId id="285" r:id="rId31"/>
-    <p:sldId id="287" r:id="rId32"/>
-    <p:sldId id="288" r:id="rId33"/>
-    <p:sldId id="289" r:id="rId34"/>
-    <p:sldId id="290" r:id="rId35"/>
-    <p:sldId id="299" r:id="rId36"/>
-    <p:sldId id="291" r:id="rId37"/>
-    <p:sldId id="292" r:id="rId38"/>
-    <p:sldId id="293" r:id="rId39"/>
-    <p:sldId id="294" r:id="rId40"/>
-    <p:sldId id="295" r:id="rId41"/>
-    <p:sldId id="284" r:id="rId42"/>
+    <p:sldId id="301" r:id="rId24"/>
+    <p:sldId id="302" r:id="rId25"/>
+    <p:sldId id="259" r:id="rId26"/>
+    <p:sldId id="270" r:id="rId27"/>
+    <p:sldId id="275" r:id="rId28"/>
+    <p:sldId id="274" r:id="rId29"/>
+    <p:sldId id="273" r:id="rId30"/>
+    <p:sldId id="286" r:id="rId31"/>
+    <p:sldId id="285" r:id="rId32"/>
+    <p:sldId id="287" r:id="rId33"/>
+    <p:sldId id="288" r:id="rId34"/>
+    <p:sldId id="289" r:id="rId35"/>
+    <p:sldId id="290" r:id="rId36"/>
+    <p:sldId id="299" r:id="rId37"/>
+    <p:sldId id="291" r:id="rId38"/>
+    <p:sldId id="292" r:id="rId39"/>
+    <p:sldId id="293" r:id="rId40"/>
+    <p:sldId id="294" r:id="rId41"/>
+    <p:sldId id="295" r:id="rId42"/>
+    <p:sldId id="284" r:id="rId43"/>
   </p:sldIdLst>
   <p:sldSz cx="12192000" cy="6858000"/>
   <p:notesSz cx="6858000" cy="9144000"/>
@@ -243,7 +244,7 @@
           <a:p>
             <a:fld id="{56C6788E-680A-49E5-BB93-D456A9D23A29}" type="datetimeFigureOut">
               <a:rPr lang="ru-RU" smtClean="0"/>
-              <a:t>04.09.2019</a:t>
+              <a:t>28.09.2021</a:t>
             </a:fld>
             <a:endParaRPr lang="ru-RU"/>
           </a:p>
@@ -412,7 +413,7 @@
           <a:p>
             <a:fld id="{C4DF4945-C160-4CD5-B124-49B9BE14C0AB}" type="datetimeFigureOut">
               <a:rPr lang="ru-RU" smtClean="0"/>
-              <a:t>04.09.2019</a:t>
+              <a:t>28.09.2021</a:t>
             </a:fld>
             <a:endParaRPr lang="ru-RU"/>
           </a:p>
@@ -2261,7 +2262,7 @@
     </p:spTree>
     <p:extLst>
       <p:ext uri="{BB962C8B-B14F-4D97-AF65-F5344CB8AC3E}">
-        <p14:creationId xmlns:p14="http://schemas.microsoft.com/office/powerpoint/2010/main" val="2749795524"/>
+        <p14:creationId xmlns:p14="http://schemas.microsoft.com/office/powerpoint/2010/main" val="3615796878"/>
       </p:ext>
     </p:extLst>
   </p:cSld>
@@ -2367,7 +2368,7 @@
     </p:spTree>
     <p:extLst>
       <p:ext uri="{BB962C8B-B14F-4D97-AF65-F5344CB8AC3E}">
-        <p14:creationId xmlns:p14="http://schemas.microsoft.com/office/powerpoint/2010/main" val="3471459958"/>
+        <p14:creationId xmlns:p14="http://schemas.microsoft.com/office/powerpoint/2010/main" val="3539227940"/>
       </p:ext>
     </p:extLst>
   </p:cSld>
@@ -2473,7 +2474,7 @@
     </p:spTree>
     <p:extLst>
       <p:ext uri="{BB962C8B-B14F-4D97-AF65-F5344CB8AC3E}">
-        <p14:creationId xmlns:p14="http://schemas.microsoft.com/office/powerpoint/2010/main" val="3104589451"/>
+        <p14:creationId xmlns:p14="http://schemas.microsoft.com/office/powerpoint/2010/main" val="3471459958"/>
       </p:ext>
     </p:extLst>
   </p:cSld>
@@ -2579,7 +2580,7 @@
     </p:spTree>
     <p:extLst>
       <p:ext uri="{BB962C8B-B14F-4D97-AF65-F5344CB8AC3E}">
-        <p14:creationId xmlns:p14="http://schemas.microsoft.com/office/powerpoint/2010/main" val="3089647710"/>
+        <p14:creationId xmlns:p14="http://schemas.microsoft.com/office/powerpoint/2010/main" val="3104589451"/>
       </p:ext>
     </p:extLst>
   </p:cSld>
@@ -2685,7 +2686,7 @@
     </p:spTree>
     <p:extLst>
       <p:ext uri="{BB962C8B-B14F-4D97-AF65-F5344CB8AC3E}">
-        <p14:creationId xmlns:p14="http://schemas.microsoft.com/office/powerpoint/2010/main" val="477853263"/>
+        <p14:creationId xmlns:p14="http://schemas.microsoft.com/office/powerpoint/2010/main" val="3089647710"/>
       </p:ext>
     </p:extLst>
   </p:cSld>
@@ -2791,7 +2792,7 @@
     </p:spTree>
     <p:extLst>
       <p:ext uri="{BB962C8B-B14F-4D97-AF65-F5344CB8AC3E}">
-        <p14:creationId xmlns:p14="http://schemas.microsoft.com/office/powerpoint/2010/main" val="3197921926"/>
+        <p14:creationId xmlns:p14="http://schemas.microsoft.com/office/powerpoint/2010/main" val="477853263"/>
       </p:ext>
     </p:extLst>
   </p:cSld>
@@ -2897,7 +2898,7 @@
     </p:spTree>
     <p:extLst>
       <p:ext uri="{BB962C8B-B14F-4D97-AF65-F5344CB8AC3E}">
-        <p14:creationId xmlns:p14="http://schemas.microsoft.com/office/powerpoint/2010/main" val="1856252035"/>
+        <p14:creationId xmlns:p14="http://schemas.microsoft.com/office/powerpoint/2010/main" val="3197921926"/>
       </p:ext>
     </p:extLst>
   </p:cSld>
@@ -3003,7 +3004,7 @@
     </p:spTree>
     <p:extLst>
       <p:ext uri="{BB962C8B-B14F-4D97-AF65-F5344CB8AC3E}">
-        <p14:creationId xmlns:p14="http://schemas.microsoft.com/office/powerpoint/2010/main" val="2360092116"/>
+        <p14:creationId xmlns:p14="http://schemas.microsoft.com/office/powerpoint/2010/main" val="1856252035"/>
       </p:ext>
     </p:extLst>
   </p:cSld>
@@ -3215,7 +3216,7 @@
     </p:spTree>
     <p:extLst>
       <p:ext uri="{BB962C8B-B14F-4D97-AF65-F5344CB8AC3E}">
-        <p14:creationId xmlns:p14="http://schemas.microsoft.com/office/powerpoint/2010/main" val="3801623072"/>
+        <p14:creationId xmlns:p14="http://schemas.microsoft.com/office/powerpoint/2010/main" val="2360092116"/>
       </p:ext>
     </p:extLst>
   </p:cSld>
@@ -3321,7 +3322,7 @@
     </p:spTree>
     <p:extLst>
       <p:ext uri="{BB962C8B-B14F-4D97-AF65-F5344CB8AC3E}">
-        <p14:creationId xmlns:p14="http://schemas.microsoft.com/office/powerpoint/2010/main" val="3103056123"/>
+        <p14:creationId xmlns:p14="http://schemas.microsoft.com/office/powerpoint/2010/main" val="3801623072"/>
       </p:ext>
     </p:extLst>
   </p:cSld>
@@ -3427,7 +3428,7 @@
     </p:spTree>
     <p:extLst>
       <p:ext uri="{BB962C8B-B14F-4D97-AF65-F5344CB8AC3E}">
-        <p14:creationId xmlns:p14="http://schemas.microsoft.com/office/powerpoint/2010/main" val="3544247710"/>
+        <p14:creationId xmlns:p14="http://schemas.microsoft.com/office/powerpoint/2010/main" val="3103056123"/>
       </p:ext>
     </p:extLst>
   </p:cSld>
@@ -3533,7 +3534,7 @@
     </p:spTree>
     <p:extLst>
       <p:ext uri="{BB962C8B-B14F-4D97-AF65-F5344CB8AC3E}">
-        <p14:creationId xmlns:p14="http://schemas.microsoft.com/office/powerpoint/2010/main" val="3322041196"/>
+        <p14:creationId xmlns:p14="http://schemas.microsoft.com/office/powerpoint/2010/main" val="3544247710"/>
       </p:ext>
     </p:extLst>
   </p:cSld>
@@ -3639,7 +3640,7 @@
     </p:spTree>
     <p:extLst>
       <p:ext uri="{BB962C8B-B14F-4D97-AF65-F5344CB8AC3E}">
-        <p14:creationId xmlns:p14="http://schemas.microsoft.com/office/powerpoint/2010/main" val="71045383"/>
+        <p14:creationId xmlns:p14="http://schemas.microsoft.com/office/powerpoint/2010/main" val="3322041196"/>
       </p:ext>
     </p:extLst>
   </p:cSld>
@@ -3745,7 +3746,7 @@
     </p:spTree>
     <p:extLst>
       <p:ext uri="{BB962C8B-B14F-4D97-AF65-F5344CB8AC3E}">
-        <p14:creationId xmlns:p14="http://schemas.microsoft.com/office/powerpoint/2010/main" val="3785205728"/>
+        <p14:creationId xmlns:p14="http://schemas.microsoft.com/office/powerpoint/2010/main" val="71045383"/>
       </p:ext>
     </p:extLst>
   </p:cSld>
@@ -3851,7 +3852,7 @@
     </p:spTree>
     <p:extLst>
       <p:ext uri="{BB962C8B-B14F-4D97-AF65-F5344CB8AC3E}">
-        <p14:creationId xmlns:p14="http://schemas.microsoft.com/office/powerpoint/2010/main" val="4086434289"/>
+        <p14:creationId xmlns:p14="http://schemas.microsoft.com/office/powerpoint/2010/main" val="3785205728"/>
       </p:ext>
     </p:extLst>
   </p:cSld>
@@ -3957,7 +3958,7 @@
     </p:spTree>
     <p:extLst>
       <p:ext uri="{BB962C8B-B14F-4D97-AF65-F5344CB8AC3E}">
-        <p14:creationId xmlns:p14="http://schemas.microsoft.com/office/powerpoint/2010/main" val="4006915539"/>
+        <p14:creationId xmlns:p14="http://schemas.microsoft.com/office/powerpoint/2010/main" val="4086434289"/>
       </p:ext>
     </p:extLst>
   </p:cSld>
@@ -4063,7 +4064,7 @@
     </p:spTree>
     <p:extLst>
       <p:ext uri="{BB962C8B-B14F-4D97-AF65-F5344CB8AC3E}">
-        <p14:creationId xmlns:p14="http://schemas.microsoft.com/office/powerpoint/2010/main" val="2532074372"/>
+        <p14:creationId xmlns:p14="http://schemas.microsoft.com/office/powerpoint/2010/main" val="4006915539"/>
       </p:ext>
     </p:extLst>
   </p:cSld>
@@ -4169,7 +4170,7 @@
     </p:spTree>
     <p:extLst>
       <p:ext uri="{BB962C8B-B14F-4D97-AF65-F5344CB8AC3E}">
-        <p14:creationId xmlns:p14="http://schemas.microsoft.com/office/powerpoint/2010/main" val="3979752268"/>
+        <p14:creationId xmlns:p14="http://schemas.microsoft.com/office/powerpoint/2010/main" val="2532074372"/>
       </p:ext>
     </p:extLst>
   </p:cSld>
@@ -4351,6 +4352,112 @@
             <a:fld id="{7F33120B-582B-4354-977D-A474A534F6B9}" type="slidenum">
               <a:rPr lang="ru-RU" smtClean="0"/>
               <a:t>40</a:t>
+            </a:fld>
+            <a:endParaRPr lang="ru-RU"/>
+          </a:p>
+        </p:txBody>
+      </p:sp>
+      <p:sp>
+        <p:nvSpPr>
+          <p:cNvPr id="5" name="Header Placeholder 4"/>
+          <p:cNvSpPr>
+            <a:spLocks noGrp="1"/>
+          </p:cNvSpPr>
+          <p:nvPr>
+            <p:ph type="hdr" sz="quarter" idx="11"/>
+          </p:nvPr>
+        </p:nvSpPr>
+        <p:spPr/>
+        <p:txBody>
+          <a:bodyPr/>
+          <a:lstStyle/>
+          <a:p>
+            <a:r>
+              <a:rPr lang="ru-RU"/>
+              <a:t>Основы построения файловых систем</a:t>
+            </a:r>
+          </a:p>
+        </p:txBody>
+      </p:sp>
+    </p:spTree>
+    <p:extLst>
+      <p:ext uri="{BB962C8B-B14F-4D97-AF65-F5344CB8AC3E}">
+        <p14:creationId xmlns:p14="http://schemas.microsoft.com/office/powerpoint/2010/main" val="3979752268"/>
+      </p:ext>
+    </p:extLst>
+  </p:cSld>
+  <p:clrMapOvr>
+    <a:masterClrMapping/>
+  </p:clrMapOvr>
+</p:notes>
+</file>
+
+<file path=ppt/notesSlides/notesSlide41.xml><?xml version="1.0" encoding="utf-8"?>
+<p:notes xmlns:a="http://schemas.openxmlformats.org/drawingml/2006/main" xmlns:r="http://schemas.openxmlformats.org/officeDocument/2006/relationships" xmlns:p="http://schemas.openxmlformats.org/presentationml/2006/main">
+  <p:cSld>
+    <p:spTree>
+      <p:nvGrpSpPr>
+        <p:cNvPr id="1" name=""/>
+        <p:cNvGrpSpPr/>
+        <p:nvPr/>
+      </p:nvGrpSpPr>
+      <p:grpSpPr>
+        <a:xfrm>
+          <a:off x="0" y="0"/>
+          <a:ext cx="0" cy="0"/>
+          <a:chOff x="0" y="0"/>
+          <a:chExt cx="0" cy="0"/>
+        </a:xfrm>
+      </p:grpSpPr>
+      <p:sp>
+        <p:nvSpPr>
+          <p:cNvPr id="2" name="Slide Image Placeholder 1"/>
+          <p:cNvSpPr>
+            <a:spLocks noGrp="1" noRot="1" noChangeAspect="1"/>
+          </p:cNvSpPr>
+          <p:nvPr>
+            <p:ph type="sldImg"/>
+          </p:nvPr>
+        </p:nvSpPr>
+        <p:spPr/>
+      </p:sp>
+      <p:sp>
+        <p:nvSpPr>
+          <p:cNvPr id="3" name="Notes Placeholder 2"/>
+          <p:cNvSpPr>
+            <a:spLocks noGrp="1"/>
+          </p:cNvSpPr>
+          <p:nvPr>
+            <p:ph type="body" idx="1"/>
+          </p:nvPr>
+        </p:nvSpPr>
+        <p:spPr/>
+        <p:txBody>
+          <a:bodyPr/>
+          <a:lstStyle/>
+          <a:p>
+            <a:endParaRPr lang="ru-RU"/>
+          </a:p>
+        </p:txBody>
+      </p:sp>
+      <p:sp>
+        <p:nvSpPr>
+          <p:cNvPr id="4" name="Slide Number Placeholder 3"/>
+          <p:cNvSpPr>
+            <a:spLocks noGrp="1"/>
+          </p:cNvSpPr>
+          <p:nvPr>
+            <p:ph type="sldNum" sz="quarter" idx="10"/>
+          </p:nvPr>
+        </p:nvSpPr>
+        <p:spPr/>
+        <p:txBody>
+          <a:bodyPr/>
+          <a:lstStyle/>
+          <a:p>
+            <a:fld id="{7F33120B-582B-4354-977D-A474A534F6B9}" type="slidenum">
+              <a:rPr lang="ru-RU" smtClean="0"/>
+              <a:t>41</a:t>
             </a:fld>
             <a:endParaRPr lang="ru-RU"/>
           </a:p>
@@ -5052,7 +5159,7 @@
           <a:p>
             <a:fld id="{12C63722-5D9F-4E99-9720-9B6A0C7BB1C9}" type="datetimeFigureOut">
               <a:rPr lang="ru-RU" smtClean="0"/>
-              <a:t>04.09.2019</a:t>
+              <a:t>28.09.2021</a:t>
             </a:fld>
             <a:endParaRPr lang="ru-RU"/>
           </a:p>
@@ -5222,7 +5329,7 @@
           <a:p>
             <a:fld id="{12C63722-5D9F-4E99-9720-9B6A0C7BB1C9}" type="datetimeFigureOut">
               <a:rPr lang="ru-RU" smtClean="0"/>
-              <a:t>04.09.2019</a:t>
+              <a:t>28.09.2021</a:t>
             </a:fld>
             <a:endParaRPr lang="ru-RU"/>
           </a:p>
@@ -5402,7 +5509,7 @@
           <a:p>
             <a:fld id="{12C63722-5D9F-4E99-9720-9B6A0C7BB1C9}" type="datetimeFigureOut">
               <a:rPr lang="ru-RU" smtClean="0"/>
-              <a:t>04.09.2019</a:t>
+              <a:t>28.09.2021</a:t>
             </a:fld>
             <a:endParaRPr lang="ru-RU"/>
           </a:p>
@@ -5594,7 +5701,7 @@
           <a:p>
             <a:fld id="{8C218C88-2408-4CFC-B25C-07450930B282}" type="datetimeFigureOut">
               <a:rPr lang="ru-RU" smtClean="0"/>
-              <a:t>04.09.2019</a:t>
+              <a:t>28.09.2021</a:t>
             </a:fld>
             <a:endParaRPr lang="ru-RU"/>
           </a:p>
@@ -5764,7 +5871,7 @@
           <a:p>
             <a:fld id="{8C218C88-2408-4CFC-B25C-07450930B282}" type="datetimeFigureOut">
               <a:rPr lang="ru-RU" smtClean="0"/>
-              <a:t>04.09.2019</a:t>
+              <a:t>28.09.2021</a:t>
             </a:fld>
             <a:endParaRPr lang="ru-RU"/>
           </a:p>
@@ -6010,7 +6117,7 @@
           <a:p>
             <a:fld id="{8C218C88-2408-4CFC-B25C-07450930B282}" type="datetimeFigureOut">
               <a:rPr lang="ru-RU" smtClean="0"/>
-              <a:t>04.09.2019</a:t>
+              <a:t>28.09.2021</a:t>
             </a:fld>
             <a:endParaRPr lang="ru-RU"/>
           </a:p>
@@ -6242,7 +6349,7 @@
           <a:p>
             <a:fld id="{8C218C88-2408-4CFC-B25C-07450930B282}" type="datetimeFigureOut">
               <a:rPr lang="ru-RU" smtClean="0"/>
-              <a:t>04.09.2019</a:t>
+              <a:t>28.09.2021</a:t>
             </a:fld>
             <a:endParaRPr lang="ru-RU"/>
           </a:p>
@@ -6609,7 +6716,7 @@
           <a:p>
             <a:fld id="{8C218C88-2408-4CFC-B25C-07450930B282}" type="datetimeFigureOut">
               <a:rPr lang="ru-RU" smtClean="0"/>
-              <a:t>04.09.2019</a:t>
+              <a:t>28.09.2021</a:t>
             </a:fld>
             <a:endParaRPr lang="ru-RU"/>
           </a:p>
@@ -6727,7 +6834,7 @@
           <a:p>
             <a:fld id="{8C218C88-2408-4CFC-B25C-07450930B282}" type="datetimeFigureOut">
               <a:rPr lang="ru-RU" smtClean="0"/>
-              <a:t>04.09.2019</a:t>
+              <a:t>28.09.2021</a:t>
             </a:fld>
             <a:endParaRPr lang="ru-RU"/>
           </a:p>
@@ -6822,7 +6929,7 @@
           <a:p>
             <a:fld id="{8C218C88-2408-4CFC-B25C-07450930B282}" type="datetimeFigureOut">
               <a:rPr lang="ru-RU" smtClean="0"/>
-              <a:t>04.09.2019</a:t>
+              <a:t>28.09.2021</a:t>
             </a:fld>
             <a:endParaRPr lang="ru-RU"/>
           </a:p>
@@ -7099,7 +7206,7 @@
           <a:p>
             <a:fld id="{8C218C88-2408-4CFC-B25C-07450930B282}" type="datetimeFigureOut">
               <a:rPr lang="ru-RU" smtClean="0"/>
-              <a:t>04.09.2019</a:t>
+              <a:t>28.09.2021</a:t>
             </a:fld>
             <a:endParaRPr lang="ru-RU"/>
           </a:p>
@@ -7269,7 +7376,7 @@
           <a:p>
             <a:fld id="{12C63722-5D9F-4E99-9720-9B6A0C7BB1C9}" type="datetimeFigureOut">
               <a:rPr lang="ru-RU" smtClean="0"/>
-              <a:t>04.09.2019</a:t>
+              <a:t>28.09.2021</a:t>
             </a:fld>
             <a:endParaRPr lang="ru-RU"/>
           </a:p>
@@ -7522,7 +7629,7 @@
           <a:p>
             <a:fld id="{8C218C88-2408-4CFC-B25C-07450930B282}" type="datetimeFigureOut">
               <a:rPr lang="ru-RU" smtClean="0"/>
-              <a:t>04.09.2019</a:t>
+              <a:t>28.09.2021</a:t>
             </a:fld>
             <a:endParaRPr lang="ru-RU"/>
           </a:p>
@@ -7692,7 +7799,7 @@
           <a:p>
             <a:fld id="{8C218C88-2408-4CFC-B25C-07450930B282}" type="datetimeFigureOut">
               <a:rPr lang="ru-RU" smtClean="0"/>
-              <a:t>04.09.2019</a:t>
+              <a:t>28.09.2021</a:t>
             </a:fld>
             <a:endParaRPr lang="ru-RU"/>
           </a:p>
@@ -7872,7 +7979,7 @@
           <a:p>
             <a:fld id="{8C218C88-2408-4CFC-B25C-07450930B282}" type="datetimeFigureOut">
               <a:rPr lang="ru-RU" smtClean="0"/>
-              <a:t>04.09.2019</a:t>
+              <a:t>28.09.2021</a:t>
             </a:fld>
             <a:endParaRPr lang="ru-RU"/>
           </a:p>
@@ -8118,7 +8225,7 @@
           <a:p>
             <a:fld id="{12C63722-5D9F-4E99-9720-9B6A0C7BB1C9}" type="datetimeFigureOut">
               <a:rPr lang="ru-RU" smtClean="0"/>
-              <a:t>04.09.2019</a:t>
+              <a:t>28.09.2021</a:t>
             </a:fld>
             <a:endParaRPr lang="ru-RU"/>
           </a:p>
@@ -8358,7 +8465,7 @@
           <a:p>
             <a:fld id="{12C63722-5D9F-4E99-9720-9B6A0C7BB1C9}" type="datetimeFigureOut">
               <a:rPr lang="ru-RU" smtClean="0"/>
-              <a:t>04.09.2019</a:t>
+              <a:t>28.09.2021</a:t>
             </a:fld>
             <a:endParaRPr lang="ru-RU"/>
           </a:p>
@@ -8725,7 +8832,7 @@
           <a:p>
             <a:fld id="{12C63722-5D9F-4E99-9720-9B6A0C7BB1C9}" type="datetimeFigureOut">
               <a:rPr lang="ru-RU" smtClean="0"/>
-              <a:t>04.09.2019</a:t>
+              <a:t>28.09.2021</a:t>
             </a:fld>
             <a:endParaRPr lang="ru-RU"/>
           </a:p>
@@ -8843,7 +8950,7 @@
           <a:p>
             <a:fld id="{12C63722-5D9F-4E99-9720-9B6A0C7BB1C9}" type="datetimeFigureOut">
               <a:rPr lang="ru-RU" smtClean="0"/>
-              <a:t>04.09.2019</a:t>
+              <a:t>28.09.2021</a:t>
             </a:fld>
             <a:endParaRPr lang="ru-RU"/>
           </a:p>
@@ -8938,7 +9045,7 @@
           <a:p>
             <a:fld id="{12C63722-5D9F-4E99-9720-9B6A0C7BB1C9}" type="datetimeFigureOut">
               <a:rPr lang="ru-RU" smtClean="0"/>
-              <a:t>04.09.2019</a:t>
+              <a:t>28.09.2021</a:t>
             </a:fld>
             <a:endParaRPr lang="ru-RU"/>
           </a:p>
@@ -9215,7 +9322,7 @@
           <a:p>
             <a:fld id="{12C63722-5D9F-4E99-9720-9B6A0C7BB1C9}" type="datetimeFigureOut">
               <a:rPr lang="ru-RU" smtClean="0"/>
-              <a:t>04.09.2019</a:t>
+              <a:t>28.09.2021</a:t>
             </a:fld>
             <a:endParaRPr lang="ru-RU"/>
           </a:p>
@@ -9468,7 +9575,7 @@
           <a:p>
             <a:fld id="{12C63722-5D9F-4E99-9720-9B6A0C7BB1C9}" type="datetimeFigureOut">
               <a:rPr lang="ru-RU" smtClean="0"/>
-              <a:t>04.09.2019</a:t>
+              <a:t>28.09.2021</a:t>
             </a:fld>
             <a:endParaRPr lang="ru-RU"/>
           </a:p>
@@ -9681,7 +9788,7 @@
           <a:p>
             <a:fld id="{12C63722-5D9F-4E99-9720-9B6A0C7BB1C9}" type="datetimeFigureOut">
               <a:rPr lang="ru-RU" smtClean="0"/>
-              <a:t>04.09.2019</a:t>
+              <a:t>28.09.2021</a:t>
             </a:fld>
             <a:endParaRPr lang="ru-RU"/>
           </a:p>
@@ -10221,7 +10328,7 @@
           <a:p>
             <a:fld id="{8C218C88-2408-4CFC-B25C-07450930B282}" type="datetimeFigureOut">
               <a:rPr lang="ru-RU" smtClean="0"/>
-              <a:t>04.09.2019</a:t>
+              <a:t>28.09.2021</a:t>
             </a:fld>
             <a:endParaRPr lang="ru-RU"/>
           </a:p>
@@ -15186,7 +15293,7 @@
             </a:r>
             <a:r>
               <a:rPr lang="en-US" dirty="0" err="1"/>
-              <a:t>msec</a:t>
+              <a:t>ms</a:t>
             </a:r>
             <a:r>
               <a:rPr lang="en-US" dirty="0"/>
@@ -15228,12 +15335,228 @@
             </a:r>
             <a:r>
               <a:rPr lang="en-US" dirty="0" err="1"/>
-              <a:t>msec</a:t>
+              <a:t>ms</a:t>
             </a:r>
             <a:r>
               <a:rPr lang="ru-RU" dirty="0"/>
               <a:t>.</a:t>
             </a:r>
+          </a:p>
+        </p:txBody>
+      </p:sp>
+      <p:sp>
+        <p:nvSpPr>
+          <p:cNvPr id="3" name="TextBox 2">
+            <a:extLst>
+              <a:ext uri="{FF2B5EF4-FFF2-40B4-BE49-F238E27FC236}">
+                <a16:creationId xmlns:a16="http://schemas.microsoft.com/office/drawing/2014/main" id="{5AC77B5F-8723-E043-A842-41A2C8F5D6E2}"/>
+              </a:ext>
+            </a:extLst>
+          </p:cNvPr>
+          <p:cNvSpPr txBox="1"/>
+          <p:nvPr/>
+        </p:nvSpPr>
+        <p:spPr>
+          <a:xfrm>
+            <a:off x="9324975" y="3978059"/>
+            <a:ext cx="2867025" cy="2554545"/>
+          </a:xfrm>
+          <a:prstGeom prst="rect">
+            <a:avLst/>
+          </a:prstGeom>
+          <a:noFill/>
+        </p:spPr>
+        <p:txBody>
+          <a:bodyPr wrap="square" rtlCol="0">
+            <a:spAutoFit/>
+          </a:bodyPr>
+          <a:lstStyle/>
+          <a:p>
+            <a:r>
+              <a:rPr lang="ru-RU" sz="1600" i="1" dirty="0">
+                <a:solidFill>
+                  <a:schemeClr val="tx1">
+                    <a:lumMod val="50000"/>
+                    <a:lumOff val="50000"/>
+                  </a:schemeClr>
+                </a:solidFill>
+              </a:rPr>
+              <a:t>Современные </a:t>
+            </a:r>
+            <a:r>
+              <a:rPr lang="en-US" sz="1600" i="1" dirty="0">
+                <a:solidFill>
+                  <a:schemeClr val="tx1">
+                    <a:lumMod val="50000"/>
+                    <a:lumOff val="50000"/>
+                  </a:schemeClr>
+                </a:solidFill>
+              </a:rPr>
+              <a:t>HDD </a:t>
+            </a:r>
+            <a:r>
+              <a:rPr lang="ru-RU" sz="1600" i="1" dirty="0">
+                <a:solidFill>
+                  <a:schemeClr val="tx1">
+                    <a:lumMod val="50000"/>
+                    <a:lumOff val="50000"/>
+                  </a:schemeClr>
+                </a:solidFill>
+              </a:rPr>
+              <a:t>работают быстрее. Например, </a:t>
+            </a:r>
+            <a:r>
+              <a:rPr lang="en-US" sz="1600" i="1" dirty="0">
+                <a:solidFill>
+                  <a:schemeClr val="tx1">
+                    <a:lumMod val="50000"/>
+                    <a:lumOff val="50000"/>
+                  </a:schemeClr>
+                </a:solidFill>
+              </a:rPr>
+              <a:t>Seagate </a:t>
+            </a:r>
+            <a:r>
+              <a:rPr lang="en-US" sz="1600" i="1" dirty="0" err="1">
+                <a:solidFill>
+                  <a:schemeClr val="tx1">
+                    <a:lumMod val="50000"/>
+                    <a:lumOff val="50000"/>
+                  </a:schemeClr>
+                </a:solidFill>
+              </a:rPr>
+              <a:t>Exos</a:t>
+            </a:r>
+            <a:r>
+              <a:rPr lang="en-US" sz="1600" i="1" dirty="0">
+                <a:solidFill>
+                  <a:schemeClr val="tx1">
+                    <a:lumMod val="50000"/>
+                    <a:lumOff val="50000"/>
+                  </a:schemeClr>
+                </a:solidFill>
+              </a:rPr>
+              <a:t> 16T </a:t>
+            </a:r>
+            <a:r>
+              <a:rPr lang="ru-RU" sz="1600" i="1" dirty="0">
+                <a:solidFill>
+                  <a:schemeClr val="tx1">
+                    <a:lumMod val="50000"/>
+                    <a:lumOff val="50000"/>
+                  </a:schemeClr>
+                </a:solidFill>
+              </a:rPr>
+              <a:t>имеет скорость линейного чтения до 250</a:t>
+            </a:r>
+            <a:r>
+              <a:rPr lang="en-US" sz="1600" i="1" dirty="0">
+                <a:solidFill>
+                  <a:schemeClr val="tx1">
+                    <a:lumMod val="50000"/>
+                    <a:lumOff val="50000"/>
+                  </a:schemeClr>
+                </a:solidFill>
+              </a:rPr>
+              <a:t>MB/sec, </a:t>
+            </a:r>
+            <a:r>
+              <a:rPr lang="ru-RU" sz="1600" i="1" dirty="0">
+                <a:solidFill>
+                  <a:schemeClr val="tx1">
+                    <a:lumMod val="50000"/>
+                    <a:lumOff val="50000"/>
+                  </a:schemeClr>
+                </a:solidFill>
+              </a:rPr>
+              <a:t>а время случайного доступа </a:t>
+            </a:r>
+            <a:r>
+              <a:rPr lang="en-US" sz="1600" i="1" dirty="0">
+                <a:solidFill>
+                  <a:schemeClr val="tx1">
+                    <a:lumMod val="50000"/>
+                    <a:lumOff val="50000"/>
+                  </a:schemeClr>
+                </a:solidFill>
+              </a:rPr>
+              <a:t>6ms.</a:t>
+            </a:r>
+          </a:p>
+          <a:p>
+            <a:endParaRPr lang="en-US" sz="1600" i="1" dirty="0">
+              <a:solidFill>
+                <a:schemeClr val="tx1">
+                  <a:lumMod val="50000"/>
+                  <a:lumOff val="50000"/>
+                </a:schemeClr>
+              </a:solidFill>
+            </a:endParaRPr>
+          </a:p>
+          <a:p>
+            <a:r>
+              <a:rPr lang="ru-RU" sz="1600" i="1" dirty="0">
+                <a:solidFill>
+                  <a:schemeClr val="tx1">
+                    <a:lumMod val="50000"/>
+                    <a:lumOff val="50000"/>
+                  </a:schemeClr>
+                </a:solidFill>
+              </a:rPr>
+              <a:t>Но значения </a:t>
+            </a:r>
+            <a:r>
+              <a:rPr lang="en-US" sz="1600" i="1" dirty="0">
+                <a:solidFill>
+                  <a:schemeClr val="tx1">
+                    <a:lumMod val="50000"/>
+                    <a:lumOff val="50000"/>
+                  </a:schemeClr>
+                </a:solidFill>
+              </a:rPr>
+              <a:t>100 MB/sec </a:t>
+            </a:r>
+            <a:r>
+              <a:rPr lang="ru-RU" sz="1600" i="1" dirty="0">
+                <a:solidFill>
+                  <a:schemeClr val="tx1">
+                    <a:lumMod val="50000"/>
+                    <a:lumOff val="50000"/>
+                  </a:schemeClr>
+                </a:solidFill>
+              </a:rPr>
+              <a:t>и </a:t>
+            </a:r>
+            <a:r>
+              <a:rPr lang="en-US" sz="1600" i="1" dirty="0">
+                <a:solidFill>
+                  <a:schemeClr val="tx1">
+                    <a:lumMod val="50000"/>
+                    <a:lumOff val="50000"/>
+                  </a:schemeClr>
+                </a:solidFill>
+              </a:rPr>
+              <a:t>10ms </a:t>
+            </a:r>
+            <a:r>
+              <a:rPr lang="ru-RU" sz="1600" i="1" dirty="0">
+                <a:solidFill>
+                  <a:schemeClr val="tx1">
+                    <a:lumMod val="50000"/>
+                    <a:lumOff val="50000"/>
+                  </a:schemeClr>
+                </a:solidFill>
+              </a:rPr>
+              <a:t>намного удобнее для быстрых оценок.</a:t>
+            </a:r>
+            <a:endParaRPr lang="en-RU" sz="1600" i="1" dirty="0">
+              <a:solidFill>
+                <a:schemeClr val="tx1">
+                  <a:lumMod val="50000"/>
+                  <a:lumOff val="50000"/>
+                </a:schemeClr>
+              </a:solidFill>
+            </a:endParaRPr>
           </a:p>
         </p:txBody>
       </p:sp>
@@ -15487,7 +15810,7 @@
             </a:r>
             <a:r>
               <a:rPr lang="en-US" dirty="0" err="1"/>
-              <a:t>msec</a:t>
+              <a:t>ms</a:t>
             </a:r>
             <a:r>
               <a:rPr lang="en-US" dirty="0"/>
@@ -15529,7 +15852,7 @@
             </a:r>
             <a:r>
               <a:rPr lang="en-US" dirty="0" err="1"/>
-              <a:t>msec</a:t>
+              <a:t>ms</a:t>
             </a:r>
             <a:r>
               <a:rPr lang="ru-RU" dirty="0"/>
@@ -16033,7 +16356,7 @@
             </a:r>
             <a:r>
               <a:rPr lang="en-US" dirty="0" err="1"/>
-              <a:t>msec</a:t>
+              <a:t>ms</a:t>
             </a:r>
             <a:r>
               <a:rPr lang="en-US" dirty="0"/>
@@ -16075,7 +16398,7 @@
             </a:r>
             <a:r>
               <a:rPr lang="en-US" dirty="0" err="1"/>
-              <a:t>msec</a:t>
+              <a:t>ms</a:t>
             </a:r>
             <a:r>
               <a:rPr lang="ru-RU" dirty="0"/>
@@ -18046,14 +18369,20 @@
       </p:graphicFrame>
       <p:sp>
         <p:nvSpPr>
-          <p:cNvPr id="3" name="TextBox 2"/>
+          <p:cNvPr id="4" name="TextBox 3">
+            <a:extLst>
+              <a:ext uri="{FF2B5EF4-FFF2-40B4-BE49-F238E27FC236}">
+                <a16:creationId xmlns:a16="http://schemas.microsoft.com/office/drawing/2014/main" id="{4C4C7B6F-92B9-644A-AE8C-21828686E364}"/>
+              </a:ext>
+            </a:extLst>
+          </p:cNvPr>
           <p:cNvSpPr txBox="1"/>
           <p:nvPr/>
         </p:nvSpPr>
         <p:spPr>
           <a:xfrm>
-            <a:off x="65903" y="5947829"/>
-            <a:ext cx="3947427" cy="584775"/>
+            <a:off x="0" y="6194050"/>
+            <a:ext cx="7676204" cy="338554"/>
           </a:xfrm>
           <a:prstGeom prst="rect">
             <a:avLst/>
@@ -18075,20 +18404,7 @@
                   </a:schemeClr>
                 </a:solidFill>
               </a:rPr>
-              <a:t>* IOPS – Input/output Operations Per Second</a:t>
-            </a:r>
-          </a:p>
-          <a:p>
-            <a:r>
-              <a:rPr lang="en-US" sz="1600" i="1" dirty="0">
-                <a:solidFill>
-                  <a:schemeClr val="tx1">
-                    <a:lumMod val="50000"/>
-                    <a:lumOff val="50000"/>
-                  </a:schemeClr>
-                </a:solidFill>
-              </a:rPr>
-              <a:t>* </a:t>
+              <a:t>* IOPS – Input/output Operations Per Second; </a:t>
             </a:r>
             <a:r>
               <a:rPr lang="ru-RU" sz="1600" i="1" dirty="0">
@@ -18110,9 +18426,42 @@
                   </a:schemeClr>
                 </a:solidFill>
               </a:rPr>
-              <a:t>Intel SSD DC S3700</a:t>
-            </a:r>
-            <a:endParaRPr lang="ru-RU" sz="1600" i="1" dirty="0">
+              <a:t>Intel SSD DC S3700 </a:t>
+            </a:r>
+            <a:r>
+              <a:rPr lang="ru-RU" sz="1600" i="1" baseline="0" dirty="0">
+                <a:solidFill>
+                  <a:schemeClr val="tx1">
+                    <a:lumMod val="50000"/>
+                    <a:lumOff val="50000"/>
+                  </a:schemeClr>
+                </a:solidFill>
+              </a:rPr>
+              <a:t>и </a:t>
+            </a:r>
+            <a:r>
+              <a:rPr lang="en-GB" sz="1600" i="1" baseline="0" dirty="0">
+                <a:solidFill>
+                  <a:schemeClr val="tx1">
+                    <a:lumMod val="50000"/>
+                    <a:lumOff val="50000"/>
+                  </a:schemeClr>
+                </a:solidFill>
+              </a:rPr>
+              <a:t>D7-P5600</a:t>
+            </a:r>
+            <a:r>
+              <a:rPr lang="en-US" sz="1600" i="1" baseline="0" dirty="0">
+                <a:solidFill>
+                  <a:schemeClr val="tx1">
+                    <a:lumMod val="50000"/>
+                    <a:lumOff val="50000"/>
+                  </a:schemeClr>
+                </a:solidFill>
+              </a:rPr>
+              <a:t>.</a:t>
+            </a:r>
+            <a:endParaRPr lang="en-GB" sz="1600" i="1" baseline="0" dirty="0">
               <a:solidFill>
                 <a:schemeClr val="tx1">
                   <a:lumMod val="50000"/>
@@ -18846,14 +19195,20 @@
       </p:graphicFrame>
       <p:sp>
         <p:nvSpPr>
-          <p:cNvPr id="3" name="TextBox 2"/>
+          <p:cNvPr id="4" name="TextBox 3">
+            <a:extLst>
+              <a:ext uri="{FF2B5EF4-FFF2-40B4-BE49-F238E27FC236}">
+                <a16:creationId xmlns:a16="http://schemas.microsoft.com/office/drawing/2014/main" id="{1BD28197-CC5C-7F41-824B-6C0889A89FD9}"/>
+              </a:ext>
+            </a:extLst>
+          </p:cNvPr>
           <p:cNvSpPr txBox="1"/>
           <p:nvPr/>
         </p:nvSpPr>
         <p:spPr>
           <a:xfrm>
-            <a:off x="65903" y="5947829"/>
-            <a:ext cx="3947427" cy="584775"/>
+            <a:off x="0" y="6194050"/>
+            <a:ext cx="7676204" cy="338554"/>
           </a:xfrm>
           <a:prstGeom prst="rect">
             <a:avLst/>
@@ -18875,20 +19230,7 @@
                   </a:schemeClr>
                 </a:solidFill>
               </a:rPr>
-              <a:t>* IOPS – Input/output Operations Per Second</a:t>
-            </a:r>
-          </a:p>
-          <a:p>
-            <a:r>
-              <a:rPr lang="en-US" sz="1600" i="1" dirty="0">
-                <a:solidFill>
-                  <a:schemeClr val="tx1">
-                    <a:lumMod val="50000"/>
-                    <a:lumOff val="50000"/>
-                  </a:schemeClr>
-                </a:solidFill>
-              </a:rPr>
-              <a:t>* </a:t>
+              <a:t>* IOPS – Input/output Operations Per Second; </a:t>
             </a:r>
             <a:r>
               <a:rPr lang="ru-RU" sz="1600" i="1" dirty="0">
@@ -18910,9 +19252,42 @@
                   </a:schemeClr>
                 </a:solidFill>
               </a:rPr>
-              <a:t>Intel SSD DC S3700</a:t>
-            </a:r>
-            <a:endParaRPr lang="ru-RU" sz="1600" i="1" dirty="0">
+              <a:t>Intel SSD DC S3700 </a:t>
+            </a:r>
+            <a:r>
+              <a:rPr lang="ru-RU" sz="1600" i="1" baseline="0" dirty="0">
+                <a:solidFill>
+                  <a:schemeClr val="tx1">
+                    <a:lumMod val="50000"/>
+                    <a:lumOff val="50000"/>
+                  </a:schemeClr>
+                </a:solidFill>
+              </a:rPr>
+              <a:t>и </a:t>
+            </a:r>
+            <a:r>
+              <a:rPr lang="en-GB" sz="1600" i="1" baseline="0" dirty="0">
+                <a:solidFill>
+                  <a:schemeClr val="tx1">
+                    <a:lumMod val="50000"/>
+                    <a:lumOff val="50000"/>
+                  </a:schemeClr>
+                </a:solidFill>
+              </a:rPr>
+              <a:t>D7-P5600</a:t>
+            </a:r>
+            <a:r>
+              <a:rPr lang="en-US" sz="1600" i="1" baseline="0" dirty="0">
+                <a:solidFill>
+                  <a:schemeClr val="tx1">
+                    <a:lumMod val="50000"/>
+                    <a:lumOff val="50000"/>
+                  </a:schemeClr>
+                </a:solidFill>
+              </a:rPr>
+              <a:t>.</a:t>
+            </a:r>
+            <a:endParaRPr lang="en-GB" sz="1600" i="1" baseline="0" dirty="0">
               <a:solidFill>
                 <a:schemeClr val="tx1">
                   <a:lumMod val="50000"/>
@@ -19085,7 +19460,7 @@
           <p:nvPr>
             <p:extLst>
               <p:ext uri="{D42A27DB-BD31-4B8C-83A1-F6EECF244321}">
-                <p14:modId xmlns:p14="http://schemas.microsoft.com/office/powerpoint/2010/main" val="380684881"/>
+                <p14:modId xmlns:p14="http://schemas.microsoft.com/office/powerpoint/2010/main" val="816777515"/>
               </p:ext>
             </p:extLst>
           </p:nvPr>
@@ -19372,7 +19747,7 @@
                       </a:r>
                       <a:r>
                         <a:rPr lang="en-US" baseline="0" dirty="0"/>
-                        <a:t> (Solid State Drive)</a:t>
+                        <a:t> (Solid State Drive), SATA</a:t>
                       </a:r>
                       <a:endParaRPr lang="ru-RU" dirty="0"/>
                     </a:p>
@@ -19541,14 +19916,20 @@
       </p:graphicFrame>
       <p:sp>
         <p:nvSpPr>
-          <p:cNvPr id="3" name="TextBox 2"/>
+          <p:cNvPr id="4" name="TextBox 3">
+            <a:extLst>
+              <a:ext uri="{FF2B5EF4-FFF2-40B4-BE49-F238E27FC236}">
+                <a16:creationId xmlns:a16="http://schemas.microsoft.com/office/drawing/2014/main" id="{30235BD5-CBD1-B647-A7B1-89EE65FE68C1}"/>
+              </a:ext>
+            </a:extLst>
+          </p:cNvPr>
           <p:cNvSpPr txBox="1"/>
           <p:nvPr/>
         </p:nvSpPr>
         <p:spPr>
           <a:xfrm>
-            <a:off x="65903" y="5947829"/>
-            <a:ext cx="3947427" cy="584775"/>
+            <a:off x="0" y="6194050"/>
+            <a:ext cx="7676204" cy="338554"/>
           </a:xfrm>
           <a:prstGeom prst="rect">
             <a:avLst/>
@@ -19570,20 +19951,7 @@
                   </a:schemeClr>
                 </a:solidFill>
               </a:rPr>
-              <a:t>* IOPS – Input/output Operations Per Second</a:t>
-            </a:r>
-          </a:p>
-          <a:p>
-            <a:r>
-              <a:rPr lang="en-US" sz="1600" i="1" dirty="0">
-                <a:solidFill>
-                  <a:schemeClr val="tx1">
-                    <a:lumMod val="50000"/>
-                    <a:lumOff val="50000"/>
-                  </a:schemeClr>
-                </a:solidFill>
-              </a:rPr>
-              <a:t>* </a:t>
+              <a:t>* IOPS – Input/output Operations Per Second; </a:t>
             </a:r>
             <a:r>
               <a:rPr lang="ru-RU" sz="1600" i="1" dirty="0">
@@ -19605,9 +19973,42 @@
                   </a:schemeClr>
                 </a:solidFill>
               </a:rPr>
-              <a:t>Intel SSD DC S3700</a:t>
-            </a:r>
-            <a:endParaRPr lang="ru-RU" sz="1600" i="1" dirty="0">
+              <a:t>Intel SSD DC S3700 </a:t>
+            </a:r>
+            <a:r>
+              <a:rPr lang="ru-RU" sz="1600" i="1" baseline="0" dirty="0">
+                <a:solidFill>
+                  <a:schemeClr val="tx1">
+                    <a:lumMod val="50000"/>
+                    <a:lumOff val="50000"/>
+                  </a:schemeClr>
+                </a:solidFill>
+              </a:rPr>
+              <a:t>и </a:t>
+            </a:r>
+            <a:r>
+              <a:rPr lang="en-GB" sz="1600" i="1" baseline="0" dirty="0">
+                <a:solidFill>
+                  <a:schemeClr val="tx1">
+                    <a:lumMod val="50000"/>
+                    <a:lumOff val="50000"/>
+                  </a:schemeClr>
+                </a:solidFill>
+              </a:rPr>
+              <a:t>D7-P5600</a:t>
+            </a:r>
+            <a:r>
+              <a:rPr lang="en-US" sz="1600" i="1" baseline="0" dirty="0">
+                <a:solidFill>
+                  <a:schemeClr val="tx1">
+                    <a:lumMod val="50000"/>
+                    <a:lumOff val="50000"/>
+                  </a:schemeClr>
+                </a:solidFill>
+              </a:rPr>
+              <a:t>.</a:t>
+            </a:r>
+            <a:endParaRPr lang="en-GB" sz="1600" i="1" baseline="0" dirty="0">
               <a:solidFill>
                 <a:schemeClr val="tx1">
                   <a:lumMod val="50000"/>
@@ -19654,13 +20055,7 @@
           <p:cNvGraphicFramePr>
             <a:graphicFrameLocks noGrp="1"/>
           </p:cNvGraphicFramePr>
-          <p:nvPr>
-            <p:extLst>
-              <p:ext uri="{D42A27DB-BD31-4B8C-83A1-F6EECF244321}">
-                <p14:modId xmlns:p14="http://schemas.microsoft.com/office/powerpoint/2010/main" val="2281224332"/>
-              </p:ext>
-            </p:extLst>
-          </p:nvPr>
+          <p:nvPr/>
         </p:nvGraphicFramePr>
         <p:xfrm>
           <a:off x="0" y="1"/>
@@ -19716,13 +20111,7 @@
           <p:cNvGraphicFramePr>
             <a:graphicFrameLocks noGrp="1"/>
           </p:cNvGraphicFramePr>
-          <p:nvPr>
-            <p:extLst>
-              <p:ext uri="{D42A27DB-BD31-4B8C-83A1-F6EECF244321}">
-                <p14:modId xmlns:p14="http://schemas.microsoft.com/office/powerpoint/2010/main" val="4164474727"/>
-              </p:ext>
-            </p:extLst>
-          </p:nvPr>
+          <p:nvPr/>
         </p:nvGraphicFramePr>
         <p:xfrm>
           <a:off x="0" y="6532604"/>
@@ -19780,14 +20169,14 @@
           <p:nvPr>
             <p:extLst>
               <p:ext uri="{D42A27DB-BD31-4B8C-83A1-F6EECF244321}">
-                <p14:modId xmlns:p14="http://schemas.microsoft.com/office/powerpoint/2010/main" val="2897010324"/>
+                <p14:modId xmlns:p14="http://schemas.microsoft.com/office/powerpoint/2010/main" val="1459378188"/>
               </p:ext>
             </p:extLst>
           </p:nvPr>
         </p:nvGraphicFramePr>
         <p:xfrm>
           <a:off x="0" y="365760"/>
-          <a:ext cx="12192000" cy="5302673"/>
+          <a:ext cx="12192000" cy="4661746"/>
         </p:xfrm>
         <a:graphic>
           <a:graphicData uri="http://schemas.openxmlformats.org/drawingml/2006/table">
@@ -20067,7 +20456,7 @@
                       </a:r>
                       <a:r>
                         <a:rPr lang="en-US" baseline="0" dirty="0"/>
-                        <a:t> (Solid State Drive)</a:t>
+                        <a:t> (Solid State Drive), SATA</a:t>
                       </a:r>
                       <a:endParaRPr lang="ru-RU" dirty="0"/>
                     </a:p>
@@ -20238,7 +20627,11 @@
                     <a:p>
                       <a:r>
                         <a:rPr lang="en-US" dirty="0"/>
-                        <a:t>Storage-class memory (3D NAND, 3DXP, etc.)</a:t>
+                        <a:t>SSD, </a:t>
+                      </a:r>
+                      <a:r>
+                        <a:rPr lang="en-US" dirty="0" err="1"/>
+                        <a:t>NVMe</a:t>
                       </a:r>
                       <a:endParaRPr lang="ru-RU" dirty="0"/>
                     </a:p>
@@ -20251,72 +20644,32 @@
                     <a:lstStyle/>
                     <a:p>
                       <a:r>
+                        <a:rPr lang="en-US" baseline="0" dirty="0"/>
+                        <a:t>SSD </a:t>
+                      </a:r>
+                      <a:r>
+                        <a:rPr lang="ru-RU" baseline="0" dirty="0"/>
+                        <a:t>с более быстрым интерфейсом</a:t>
+                      </a:r>
+                      <a:r>
+                        <a:rPr lang="en-US" baseline="0" dirty="0"/>
+                        <a:t>: </a:t>
+                      </a:r>
+                      <a:r>
                         <a:rPr lang="ru-RU" dirty="0"/>
-                        <a:t>Память</a:t>
-                      </a:r>
-                      <a:r>
-                        <a:rPr lang="ru-RU" baseline="0" dirty="0"/>
-                        <a:t> с произвольным доступом</a:t>
-                      </a:r>
-                      <a:r>
-                        <a:rPr lang="en-US" dirty="0"/>
-                        <a:t>, </a:t>
+                        <a:t>≈</a:t>
+                      </a:r>
+                      <a:r>
+                        <a:rPr lang="en-US" baseline="0" dirty="0"/>
+                        <a:t>5 GB/sec sequential read, </a:t>
                       </a:r>
                       <a:r>
                         <a:rPr lang="ru-RU" dirty="0"/>
-                        <a:t>которая</a:t>
-                      </a:r>
-                      <a:r>
-                        <a:rPr lang="ru-RU" baseline="0" dirty="0"/>
-                        <a:t> не стирается при выключении питания.</a:t>
-                      </a:r>
-                    </a:p>
-                    <a:p>
-                      <a:r>
-                        <a:rPr lang="ru-RU" baseline="0" dirty="0"/>
-                        <a:t>+ по скорости сопоставима с </a:t>
+                        <a:t>≈</a:t>
                       </a:r>
                       <a:r>
                         <a:rPr lang="en-US" baseline="0" dirty="0"/>
-                        <a:t>DRAM (</a:t>
-                      </a:r>
-                      <a:r>
-                        <a:rPr lang="ru-RU" baseline="0" dirty="0"/>
-                        <a:t>устанавливается на </a:t>
-                      </a:r>
-                      <a:r>
-                        <a:rPr lang="en-US" baseline="0" dirty="0"/>
-                        <a:t>PCIe- </a:t>
-                      </a:r>
-                      <a:r>
-                        <a:rPr lang="ru-RU" baseline="0" dirty="0"/>
-                        <a:t>или </a:t>
-                      </a:r>
-                      <a:r>
-                        <a:rPr lang="en-US" baseline="0" dirty="0"/>
-                        <a:t>DDR-</a:t>
-                      </a:r>
-                      <a:r>
-                        <a:rPr lang="ru-RU" baseline="0" dirty="0"/>
-                        <a:t>шины)</a:t>
-                      </a:r>
-                      <a:r>
-                        <a:rPr lang="en-US" baseline="0" dirty="0"/>
-                        <a:t>,</a:t>
-                      </a:r>
-                    </a:p>
-                    <a:p>
-                      <a:r>
-                        <a:rPr lang="en-US" baseline="0" dirty="0"/>
-                        <a:t>+ </a:t>
-                      </a:r>
-                      <a:r>
-                        <a:rPr lang="ru-RU" baseline="0" dirty="0"/>
-                        <a:t>объём – единицы терабайт</a:t>
-                      </a:r>
-                      <a:r>
-                        <a:rPr lang="en-US" baseline="0" dirty="0"/>
-                        <a:t>.</a:t>
+                        <a:t>1M IOPS*.</a:t>
                       </a:r>
                     </a:p>
                   </a:txBody>
@@ -20324,7 +20677,7 @@
                 </a:tc>
                 <a:extLst>
                   <a:ext uri="{0D108BD9-81ED-4DB2-BD59-A6C34878D82A}">
-                    <a16:rowId xmlns:a16="http://schemas.microsoft.com/office/drawing/2014/main" val="10004"/>
+                    <a16:rowId xmlns:a16="http://schemas.microsoft.com/office/drawing/2014/main" val="3699355593"/>
                   </a:ext>
                 </a:extLst>
               </a:tr>
@@ -20340,8 +20693,8 @@
         </p:nvSpPr>
         <p:spPr>
           <a:xfrm>
-            <a:off x="65903" y="5947829"/>
-            <a:ext cx="3947427" cy="584775"/>
+            <a:off x="0" y="6194050"/>
+            <a:ext cx="7676204" cy="338554"/>
           </a:xfrm>
           <a:prstGeom prst="rect">
             <a:avLst/>
@@ -20363,20 +20716,7 @@
                   </a:schemeClr>
                 </a:solidFill>
               </a:rPr>
-              <a:t>* IOPS – Input/output Operations Per Second</a:t>
-            </a:r>
-          </a:p>
-          <a:p>
-            <a:r>
-              <a:rPr lang="en-US" sz="1600" i="1" dirty="0">
-                <a:solidFill>
-                  <a:schemeClr val="tx1">
-                    <a:lumMod val="50000"/>
-                    <a:lumOff val="50000"/>
-                  </a:schemeClr>
-                </a:solidFill>
-              </a:rPr>
-              <a:t>* </a:t>
+              <a:t>* IOPS – Input/output Operations Per Second; </a:t>
             </a:r>
             <a:r>
               <a:rPr lang="ru-RU" sz="1600" i="1" dirty="0">
@@ -20398,9 +20738,42 @@
                   </a:schemeClr>
                 </a:solidFill>
               </a:rPr>
-              <a:t>Intel SSD DC S3700</a:t>
-            </a:r>
-            <a:endParaRPr lang="ru-RU" sz="1600" i="1" dirty="0">
+              <a:t>Intel SSD DC S3700 </a:t>
+            </a:r>
+            <a:r>
+              <a:rPr lang="ru-RU" sz="1600" i="1" baseline="0" dirty="0">
+                <a:solidFill>
+                  <a:schemeClr val="tx1">
+                    <a:lumMod val="50000"/>
+                    <a:lumOff val="50000"/>
+                  </a:schemeClr>
+                </a:solidFill>
+              </a:rPr>
+              <a:t>и </a:t>
+            </a:r>
+            <a:r>
+              <a:rPr lang="en-GB" sz="1600" i="1" baseline="0" dirty="0">
+                <a:solidFill>
+                  <a:schemeClr val="tx1">
+                    <a:lumMod val="50000"/>
+                    <a:lumOff val="50000"/>
+                  </a:schemeClr>
+                </a:solidFill>
+              </a:rPr>
+              <a:t>D7-P5600</a:t>
+            </a:r>
+            <a:r>
+              <a:rPr lang="en-US" sz="1600" i="1" baseline="0" dirty="0">
+                <a:solidFill>
+                  <a:schemeClr val="tx1">
+                    <a:lumMod val="50000"/>
+                    <a:lumOff val="50000"/>
+                  </a:schemeClr>
+                </a:solidFill>
+              </a:rPr>
+              <a:t>.</a:t>
+            </a:r>
+            <a:endParaRPr lang="en-GB" sz="1600" i="1" baseline="0" dirty="0">
               <a:solidFill>
                 <a:schemeClr val="tx1">
                   <a:lumMod val="50000"/>
@@ -20414,7 +20787,7 @@
     </p:spTree>
     <p:extLst>
       <p:ext uri="{BB962C8B-B14F-4D97-AF65-F5344CB8AC3E}">
-        <p14:creationId xmlns:p14="http://schemas.microsoft.com/office/powerpoint/2010/main" val="3443260540"/>
+        <p14:creationId xmlns:p14="http://schemas.microsoft.com/office/powerpoint/2010/main" val="45487670"/>
       </p:ext>
     </p:extLst>
   </p:cSld>
@@ -20447,13 +20820,7 @@
           <p:cNvGraphicFramePr>
             <a:graphicFrameLocks noGrp="1"/>
           </p:cNvGraphicFramePr>
-          <p:nvPr>
-            <p:extLst>
-              <p:ext uri="{D42A27DB-BD31-4B8C-83A1-F6EECF244321}">
-                <p14:modId xmlns:p14="http://schemas.microsoft.com/office/powerpoint/2010/main" val="2281224332"/>
-              </p:ext>
-            </p:extLst>
-          </p:nvPr>
+          <p:nvPr/>
         </p:nvGraphicFramePr>
         <p:xfrm>
           <a:off x="0" y="1"/>
@@ -20509,13 +20876,7 @@
           <p:cNvGraphicFramePr>
             <a:graphicFrameLocks noGrp="1"/>
           </p:cNvGraphicFramePr>
-          <p:nvPr>
-            <p:extLst>
-              <p:ext uri="{D42A27DB-BD31-4B8C-83A1-F6EECF244321}">
-                <p14:modId xmlns:p14="http://schemas.microsoft.com/office/powerpoint/2010/main" val="4164474727"/>
-              </p:ext>
-            </p:extLst>
-          </p:nvPr>
+          <p:nvPr/>
         </p:nvGraphicFramePr>
         <p:xfrm>
           <a:off x="0" y="6532604"/>
@@ -20570,6 +20931,875 @@
           <p:cNvGraphicFramePr>
             <a:graphicFrameLocks noGrp="1"/>
           </p:cNvGraphicFramePr>
+          <p:nvPr/>
+        </p:nvGraphicFramePr>
+        <p:xfrm>
+          <a:off x="0" y="365760"/>
+          <a:ext cx="12192000" cy="5850466"/>
+        </p:xfrm>
+        <a:graphic>
+          <a:graphicData uri="http://schemas.openxmlformats.org/drawingml/2006/table">
+            <a:tbl>
+              <a:tblPr firstRow="1" bandRow="1">
+                <a:tableStyleId>{3B4B98B0-60AC-42C2-AFA5-B58CD77FA1E5}</a:tableStyleId>
+              </a:tblPr>
+              <a:tblGrid>
+                <a:gridCol w="4300151">
+                  <a:extLst>
+                    <a:ext uri="{9D8B030D-6E8A-4147-A177-3AD203B41FA5}">
+                      <a16:colId xmlns:a16="http://schemas.microsoft.com/office/drawing/2014/main" val="20000"/>
+                    </a:ext>
+                  </a:extLst>
+                </a:gridCol>
+                <a:gridCol w="7891849">
+                  <a:extLst>
+                    <a:ext uri="{9D8B030D-6E8A-4147-A177-3AD203B41FA5}">
+                      <a16:colId xmlns:a16="http://schemas.microsoft.com/office/drawing/2014/main" val="20001"/>
+                    </a:ext>
+                  </a:extLst>
+                </a:gridCol>
+              </a:tblGrid>
+              <a:tr h="547793">
+                <a:tc>
+                  <a:txBody>
+                    <a:bodyPr/>
+                    <a:lstStyle/>
+                    <a:p>
+                      <a:r>
+                        <a:rPr lang="ru-RU" sz="2400" dirty="0"/>
+                        <a:t>Устройства хранения данных</a:t>
+                      </a:r>
+                      <a:r>
+                        <a:rPr lang="en-US" sz="2400" dirty="0"/>
+                        <a:t>:</a:t>
+                      </a:r>
+                      <a:endParaRPr lang="ru-RU" sz="2400" dirty="0"/>
+                    </a:p>
+                  </a:txBody>
+                  <a:tcPr/>
+                </a:tc>
+                <a:tc>
+                  <a:txBody>
+                    <a:bodyPr/>
+                    <a:lstStyle/>
+                    <a:p>
+                      <a:endParaRPr lang="ru-RU" dirty="0"/>
+                    </a:p>
+                  </a:txBody>
+                  <a:tcPr/>
+                </a:tc>
+                <a:extLst>
+                  <a:ext uri="{0D108BD9-81ED-4DB2-BD59-A6C34878D82A}">
+                    <a16:rowId xmlns:a16="http://schemas.microsoft.com/office/drawing/2014/main" val="10000"/>
+                  </a:ext>
+                </a:extLst>
+              </a:tr>
+              <a:tr h="547793">
+                <a:tc>
+                  <a:txBody>
+                    <a:bodyPr/>
+                    <a:lstStyle/>
+                    <a:p>
+                      <a:r>
+                        <a:rPr lang="en-US" dirty="0"/>
+                        <a:t>HDD (Hard Disk Drive, </a:t>
+                      </a:r>
+                      <a:r>
+                        <a:rPr lang="en-US" dirty="0" err="1"/>
+                        <a:t>a.k.a</a:t>
+                      </a:r>
+                      <a:r>
+                        <a:rPr lang="en-US" baseline="0" dirty="0"/>
+                        <a:t> Rotating drive,</a:t>
+                      </a:r>
+                      <a:br>
+                        <a:rPr lang="en-US" baseline="0" dirty="0"/>
+                      </a:br>
+                      <a:r>
+                        <a:rPr lang="en-US" baseline="0" dirty="0" err="1"/>
+                        <a:t>a.k.a</a:t>
+                      </a:r>
+                      <a:r>
+                        <a:rPr lang="en-US" baseline="0" dirty="0"/>
+                        <a:t> Spinning rust)</a:t>
+                      </a:r>
+                      <a:endParaRPr lang="ru-RU" dirty="0"/>
+                    </a:p>
+                  </a:txBody>
+                  <a:tcPr/>
+                </a:tc>
+                <a:tc>
+                  <a:txBody>
+                    <a:bodyPr/>
+                    <a:lstStyle/>
+                    <a:p>
+                      <a:r>
+                        <a:rPr lang="en-US" dirty="0"/>
+                        <a:t>+ </a:t>
+                      </a:r>
+                      <a:r>
+                        <a:rPr lang="ru-RU" dirty="0"/>
+                        <a:t>достаточно</a:t>
+                      </a:r>
+                      <a:r>
+                        <a:rPr lang="ru-RU" baseline="0" dirty="0"/>
+                        <a:t> быстрое линейное чтение</a:t>
+                      </a:r>
+                      <a:r>
+                        <a:rPr lang="en-US" baseline="0" dirty="0"/>
+                        <a:t> (</a:t>
+                      </a:r>
+                      <a:r>
+                        <a:rPr lang="ru-RU" dirty="0"/>
+                        <a:t>≈</a:t>
+                      </a:r>
+                      <a:r>
+                        <a:rPr lang="en-US" dirty="0"/>
+                        <a:t>100 MB/sec</a:t>
+                      </a:r>
+                      <a:r>
+                        <a:rPr lang="en-US" baseline="0" dirty="0"/>
+                        <a:t>),</a:t>
+                      </a:r>
+                      <a:endParaRPr lang="ru-RU" baseline="0" dirty="0"/>
+                    </a:p>
+                    <a:p>
+                      <a:r>
+                        <a:rPr lang="ru-RU" baseline="0" dirty="0"/>
+                        <a:t>- очень медленный случайный доступ</a:t>
+                      </a:r>
+                      <a:r>
+                        <a:rPr lang="en-US" baseline="0" dirty="0"/>
+                        <a:t> (</a:t>
+                      </a:r>
+                      <a:r>
+                        <a:rPr lang="ru-RU" dirty="0"/>
+                        <a:t>≈</a:t>
+                      </a:r>
+                      <a:r>
+                        <a:rPr lang="en-US" dirty="0"/>
+                        <a:t>100 IOPS</a:t>
+                      </a:r>
+                      <a:r>
+                        <a:rPr lang="en-US" baseline="0" dirty="0"/>
+                        <a:t>).</a:t>
+                      </a:r>
+                      <a:endParaRPr lang="ru-RU" dirty="0"/>
+                    </a:p>
+                  </a:txBody>
+                  <a:tcPr/>
+                </a:tc>
+                <a:extLst>
+                  <a:ext uri="{0D108BD9-81ED-4DB2-BD59-A6C34878D82A}">
+                    <a16:rowId xmlns:a16="http://schemas.microsoft.com/office/drawing/2014/main" val="10001"/>
+                  </a:ext>
+                </a:extLst>
+              </a:tr>
+              <a:tr h="547793">
+                <a:tc>
+                  <a:txBody>
+                    <a:bodyPr/>
+                    <a:lstStyle/>
+                    <a:p>
+                      <a:r>
+                        <a:rPr lang="en-US" dirty="0"/>
+                        <a:t>Flash</a:t>
+                      </a:r>
+                      <a:r>
+                        <a:rPr lang="en-US" baseline="0" dirty="0"/>
+                        <a:t> memory</a:t>
+                      </a:r>
+                      <a:endParaRPr lang="ru-RU" dirty="0"/>
+                    </a:p>
+                  </a:txBody>
+                  <a:tcPr/>
+                </a:tc>
+                <a:tc>
+                  <a:txBody>
+                    <a:bodyPr/>
+                    <a:lstStyle/>
+                    <a:p>
+                      <a:r>
+                        <a:rPr lang="en-US" dirty="0"/>
+                        <a:t>+ </a:t>
+                      </a:r>
+                      <a:r>
+                        <a:rPr lang="ru-RU" dirty="0"/>
+                        <a:t>быстрое линейное чтение</a:t>
+                      </a:r>
+                      <a:r>
+                        <a:rPr lang="en-US" dirty="0"/>
+                        <a:t>,</a:t>
+                      </a:r>
+                      <a:endParaRPr lang="ru-RU" dirty="0"/>
+                    </a:p>
+                    <a:p>
+                      <a:r>
+                        <a:rPr lang="ru-RU" dirty="0"/>
+                        <a:t>+ нет времени</a:t>
+                      </a:r>
+                      <a:r>
+                        <a:rPr lang="ru-RU" baseline="0" dirty="0"/>
+                        <a:t> «позиционирования головок»</a:t>
+                      </a:r>
+                      <a:r>
+                        <a:rPr lang="en-US" baseline="0" dirty="0"/>
+                        <a:t>,</a:t>
+                      </a:r>
+                      <a:endParaRPr lang="ru-RU" baseline="0" dirty="0"/>
+                    </a:p>
+                    <a:p>
+                      <a:pPr marL="285750" indent="-285750">
+                        <a:buFontTx/>
+                        <a:buChar char="-"/>
+                      </a:pPr>
+                      <a:r>
+                        <a:rPr lang="ru-RU" baseline="0" dirty="0"/>
+                        <a:t>перезаписывать можно только </a:t>
+                      </a:r>
+                      <a:r>
+                        <a:rPr lang="en-US" baseline="0" dirty="0"/>
+                        <a:t>“rewrite block”</a:t>
+                      </a:r>
+                      <a:r>
+                        <a:rPr lang="ru-RU" baseline="0" dirty="0"/>
+                        <a:t> целиком, а он несколько </a:t>
+                      </a:r>
+                      <a:r>
+                        <a:rPr lang="en-US" baseline="0" dirty="0"/>
+                        <a:t>MB </a:t>
+                      </a:r>
+                      <a:r>
+                        <a:rPr lang="ru-RU" baseline="0" dirty="0"/>
+                        <a:t>в размере</a:t>
+                      </a:r>
+                      <a:r>
+                        <a:rPr lang="en-US" baseline="0" dirty="0"/>
+                        <a:t>,</a:t>
+                      </a:r>
+                      <a:endParaRPr lang="ru-RU" baseline="0" dirty="0"/>
+                    </a:p>
+                    <a:p>
+                      <a:pPr marL="285750" indent="-285750">
+                        <a:buFontTx/>
+                        <a:buChar char="-"/>
+                      </a:pPr>
+                      <a:r>
+                        <a:rPr lang="ru-RU" baseline="0" dirty="0"/>
+                        <a:t>небольшое число циклов перезаписи</a:t>
+                      </a:r>
+                      <a:r>
+                        <a:rPr lang="en-US" baseline="0" dirty="0"/>
+                        <a:t>.</a:t>
+                      </a:r>
+                      <a:endParaRPr lang="ru-RU" dirty="0"/>
+                    </a:p>
+                  </a:txBody>
+                  <a:tcPr/>
+                </a:tc>
+                <a:extLst>
+                  <a:ext uri="{0D108BD9-81ED-4DB2-BD59-A6C34878D82A}">
+                    <a16:rowId xmlns:a16="http://schemas.microsoft.com/office/drawing/2014/main" val="10002"/>
+                  </a:ext>
+                </a:extLst>
+              </a:tr>
+              <a:tr h="547793">
+                <a:tc>
+                  <a:txBody>
+                    <a:bodyPr/>
+                    <a:lstStyle/>
+                    <a:p>
+                      <a:r>
+                        <a:rPr lang="en-US" dirty="0"/>
+                        <a:t>SSD</a:t>
+                      </a:r>
+                      <a:r>
+                        <a:rPr lang="en-US" baseline="0" dirty="0"/>
+                        <a:t> (Solid State Drive), SATA</a:t>
+                      </a:r>
+                      <a:endParaRPr lang="ru-RU" dirty="0"/>
+                    </a:p>
+                  </a:txBody>
+                  <a:tcPr/>
+                </a:tc>
+                <a:tc>
+                  <a:txBody>
+                    <a:bodyPr/>
+                    <a:lstStyle/>
+                    <a:p>
+                      <a:r>
+                        <a:rPr lang="en-US" dirty="0"/>
+                        <a:t>Flash + </a:t>
+                      </a:r>
+                      <a:r>
+                        <a:rPr lang="ru-RU" baseline="0" dirty="0"/>
+                        <a:t>компьютер, который прячет сложность работы с </a:t>
+                      </a:r>
+                      <a:r>
+                        <a:rPr lang="en-US" baseline="0" dirty="0"/>
+                        <a:t>“rewrite blocks”.</a:t>
+                      </a:r>
+                      <a:endParaRPr lang="ru-RU" baseline="0" dirty="0"/>
+                    </a:p>
+                    <a:p>
+                      <a:r>
+                        <a:rPr lang="ru-RU" baseline="0" dirty="0"/>
+                        <a:t>+ быстрый линейный доступ (</a:t>
+                      </a:r>
+                      <a:r>
+                        <a:rPr lang="ru-RU" dirty="0"/>
+                        <a:t>≈</a:t>
+                      </a:r>
+                      <a:r>
+                        <a:rPr lang="ru-RU" baseline="0" dirty="0"/>
+                        <a:t>500</a:t>
+                      </a:r>
+                      <a:r>
+                        <a:rPr lang="en-US" baseline="0" dirty="0"/>
+                        <a:t> MB/sec sequential read</a:t>
+                      </a:r>
+                      <a:r>
+                        <a:rPr lang="en-US" baseline="30000" dirty="0"/>
+                        <a:t>*</a:t>
+                      </a:r>
+                      <a:r>
+                        <a:rPr lang="ru-RU" baseline="0" dirty="0"/>
+                        <a:t>)</a:t>
+                      </a:r>
+                      <a:r>
+                        <a:rPr lang="en-US" baseline="0" dirty="0"/>
+                        <a:t>,</a:t>
+                      </a:r>
+                    </a:p>
+                    <a:p>
+                      <a:pPr marL="0" marR="0" lvl="0" indent="0" algn="l" defTabSz="914400" rtl="0" eaLnBrk="1" fontAlgn="auto" latinLnBrk="0" hangingPunct="1">
+                        <a:lnSpc>
+                          <a:spcPct val="100000"/>
+                        </a:lnSpc>
+                        <a:spcBef>
+                          <a:spcPts val="0"/>
+                        </a:spcBef>
+                        <a:spcAft>
+                          <a:spcPts val="0"/>
+                        </a:spcAft>
+                        <a:buClrTx/>
+                        <a:buSzTx/>
+                        <a:buFontTx/>
+                        <a:buNone/>
+                        <a:tabLst/>
+                        <a:defRPr/>
+                      </a:pPr>
+                      <a:r>
+                        <a:rPr lang="en-US" baseline="0" dirty="0"/>
+                        <a:t>+ </a:t>
+                      </a:r>
+                      <a:r>
+                        <a:rPr lang="ru-RU" baseline="0" dirty="0"/>
+                        <a:t>быстрый</a:t>
+                      </a:r>
+                      <a:r>
+                        <a:rPr lang="en-US" baseline="0" dirty="0"/>
+                        <a:t> </a:t>
+                      </a:r>
+                      <a:r>
+                        <a:rPr lang="ru-RU" baseline="0" dirty="0"/>
+                        <a:t>произвольный доступ (</a:t>
+                      </a:r>
+                      <a:r>
+                        <a:rPr lang="ru-RU" dirty="0"/>
+                        <a:t>≈</a:t>
+                      </a:r>
+                      <a:r>
+                        <a:rPr lang="en-US" baseline="0" dirty="0"/>
+                        <a:t>75.000 IOPS),</a:t>
+                      </a:r>
+                    </a:p>
+                    <a:p>
+                      <a:pPr marL="285750" marR="0" lvl="0" indent="-285750" algn="l" defTabSz="914400" rtl="0" eaLnBrk="1" fontAlgn="auto" latinLnBrk="0" hangingPunct="1">
+                        <a:lnSpc>
+                          <a:spcPct val="100000"/>
+                        </a:lnSpc>
+                        <a:spcBef>
+                          <a:spcPts val="0"/>
+                        </a:spcBef>
+                        <a:spcAft>
+                          <a:spcPts val="0"/>
+                        </a:spcAft>
+                        <a:buClrTx/>
+                        <a:buSzTx/>
+                        <a:buFontTx/>
+                        <a:buChar char="-"/>
+                        <a:tabLst/>
+                        <a:defRPr/>
+                      </a:pPr>
+                      <a:r>
+                        <a:rPr lang="ru-RU" baseline="0" dirty="0"/>
+                        <a:t>деградация производительности со временем</a:t>
+                      </a:r>
+                      <a:r>
+                        <a:rPr lang="en-US" baseline="0" dirty="0"/>
+                        <a:t>,</a:t>
+                      </a:r>
+                    </a:p>
+                    <a:p>
+                      <a:pPr marL="285750" marR="0" lvl="0" indent="-285750" algn="l" defTabSz="914400" rtl="0" eaLnBrk="1" fontAlgn="auto" latinLnBrk="0" hangingPunct="1">
+                        <a:lnSpc>
+                          <a:spcPct val="100000"/>
+                        </a:lnSpc>
+                        <a:spcBef>
+                          <a:spcPts val="0"/>
+                        </a:spcBef>
+                        <a:spcAft>
+                          <a:spcPts val="0"/>
+                        </a:spcAft>
+                        <a:buClrTx/>
+                        <a:buSzTx/>
+                        <a:buFontTx/>
+                        <a:buChar char="-"/>
+                        <a:tabLst/>
+                        <a:defRPr/>
+                      </a:pPr>
+                      <a:r>
+                        <a:rPr lang="ru-RU" baseline="0" dirty="0"/>
+                        <a:t>желательна специальная поддержки со стороны ОС, например, </a:t>
+                      </a:r>
+                      <a:r>
+                        <a:rPr lang="en-US" baseline="0" dirty="0"/>
+                        <a:t>ATA TRIM.</a:t>
+                      </a:r>
+                      <a:endParaRPr lang="ru-RU" dirty="0"/>
+                    </a:p>
+                  </a:txBody>
+                  <a:tcPr/>
+                </a:tc>
+                <a:extLst>
+                  <a:ext uri="{0D108BD9-81ED-4DB2-BD59-A6C34878D82A}">
+                    <a16:rowId xmlns:a16="http://schemas.microsoft.com/office/drawing/2014/main" val="10003"/>
+                  </a:ext>
+                </a:extLst>
+              </a:tr>
+              <a:tr h="547793">
+                <a:tc>
+                  <a:txBody>
+                    <a:bodyPr/>
+                    <a:lstStyle/>
+                    <a:p>
+                      <a:r>
+                        <a:rPr lang="en-US" dirty="0"/>
+                        <a:t>SSD, </a:t>
+                      </a:r>
+                      <a:r>
+                        <a:rPr lang="en-US" dirty="0" err="1"/>
+                        <a:t>NVMe</a:t>
+                      </a:r>
+                      <a:endParaRPr lang="ru-RU" dirty="0"/>
+                    </a:p>
+                  </a:txBody>
+                  <a:tcPr/>
+                </a:tc>
+                <a:tc>
+                  <a:txBody>
+                    <a:bodyPr/>
+                    <a:lstStyle/>
+                    <a:p>
+                      <a:r>
+                        <a:rPr lang="en-US" baseline="0" dirty="0"/>
+                        <a:t>SSD </a:t>
+                      </a:r>
+                      <a:r>
+                        <a:rPr lang="ru-RU" baseline="0" dirty="0"/>
+                        <a:t>с более быстрым интерфейсом</a:t>
+                      </a:r>
+                      <a:r>
+                        <a:rPr lang="en-US" baseline="0" dirty="0"/>
+                        <a:t>: </a:t>
+                      </a:r>
+                      <a:r>
+                        <a:rPr lang="ru-RU" dirty="0"/>
+                        <a:t>≈</a:t>
+                      </a:r>
+                      <a:r>
+                        <a:rPr lang="en-US" baseline="0" dirty="0"/>
+                        <a:t>5 GB/sec sequential read, </a:t>
+                      </a:r>
+                      <a:r>
+                        <a:rPr lang="ru-RU" dirty="0"/>
+                        <a:t>≈</a:t>
+                      </a:r>
+                      <a:r>
+                        <a:rPr lang="en-US" baseline="0" dirty="0"/>
+                        <a:t>1M IOPS*.</a:t>
+                      </a:r>
+                    </a:p>
+                  </a:txBody>
+                  <a:tcPr/>
+                </a:tc>
+                <a:extLst>
+                  <a:ext uri="{0D108BD9-81ED-4DB2-BD59-A6C34878D82A}">
+                    <a16:rowId xmlns:a16="http://schemas.microsoft.com/office/drawing/2014/main" val="3699355593"/>
+                  </a:ext>
+                </a:extLst>
+              </a:tr>
+              <a:tr h="547793">
+                <a:tc>
+                  <a:txBody>
+                    <a:bodyPr/>
+                    <a:lstStyle/>
+                    <a:p>
+                      <a:r>
+                        <a:rPr lang="en-US" dirty="0"/>
+                        <a:t>Storage-class memory (3D NAND, 3DXP, etc.)</a:t>
+                      </a:r>
+                      <a:endParaRPr lang="ru-RU" dirty="0"/>
+                    </a:p>
+                  </a:txBody>
+                  <a:tcPr/>
+                </a:tc>
+                <a:tc>
+                  <a:txBody>
+                    <a:bodyPr/>
+                    <a:lstStyle/>
+                    <a:p>
+                      <a:r>
+                        <a:rPr lang="ru-RU" dirty="0"/>
+                        <a:t>Память</a:t>
+                      </a:r>
+                      <a:r>
+                        <a:rPr lang="ru-RU" baseline="0" dirty="0"/>
+                        <a:t> с произвольным доступом</a:t>
+                      </a:r>
+                      <a:r>
+                        <a:rPr lang="en-US" dirty="0"/>
+                        <a:t>, </a:t>
+                      </a:r>
+                      <a:r>
+                        <a:rPr lang="ru-RU" dirty="0"/>
+                        <a:t>которая</a:t>
+                      </a:r>
+                      <a:r>
+                        <a:rPr lang="ru-RU" baseline="0" dirty="0"/>
+                        <a:t> не стирается при выключении питания.</a:t>
+                      </a:r>
+                    </a:p>
+                    <a:p>
+                      <a:r>
+                        <a:rPr lang="ru-RU" baseline="0" dirty="0"/>
+                        <a:t>+ по скорости сопоставима с </a:t>
+                      </a:r>
+                      <a:r>
+                        <a:rPr lang="en-US" baseline="0" dirty="0"/>
+                        <a:t>DRAM (</a:t>
+                      </a:r>
+                      <a:r>
+                        <a:rPr lang="ru-RU" baseline="0" dirty="0"/>
+                        <a:t>устанавливается на </a:t>
+                      </a:r>
+                      <a:r>
+                        <a:rPr lang="en-US" baseline="0" dirty="0"/>
+                        <a:t>PCIe- </a:t>
+                      </a:r>
+                      <a:r>
+                        <a:rPr lang="ru-RU" baseline="0" dirty="0"/>
+                        <a:t>или </a:t>
+                      </a:r>
+                      <a:r>
+                        <a:rPr lang="en-US" baseline="0" dirty="0"/>
+                        <a:t>DDR-</a:t>
+                      </a:r>
+                      <a:r>
+                        <a:rPr lang="ru-RU" baseline="0" dirty="0"/>
+                        <a:t>шины)</a:t>
+                      </a:r>
+                      <a:r>
+                        <a:rPr lang="en-US" baseline="0" dirty="0"/>
+                        <a:t>,</a:t>
+                      </a:r>
+                    </a:p>
+                    <a:p>
+                      <a:r>
+                        <a:rPr lang="en-US" baseline="0" dirty="0"/>
+                        <a:t>+ </a:t>
+                      </a:r>
+                      <a:r>
+                        <a:rPr lang="ru-RU" baseline="0" dirty="0"/>
+                        <a:t>объём – единицы терабайт</a:t>
+                      </a:r>
+                      <a:r>
+                        <a:rPr lang="en-US" baseline="0" dirty="0"/>
+                        <a:t>.</a:t>
+                      </a:r>
+                    </a:p>
+                  </a:txBody>
+                  <a:tcPr/>
+                </a:tc>
+                <a:extLst>
+                  <a:ext uri="{0D108BD9-81ED-4DB2-BD59-A6C34878D82A}">
+                    <a16:rowId xmlns:a16="http://schemas.microsoft.com/office/drawing/2014/main" val="10004"/>
+                  </a:ext>
+                </a:extLst>
+              </a:tr>
+            </a:tbl>
+          </a:graphicData>
+        </a:graphic>
+      </p:graphicFrame>
+      <p:sp>
+        <p:nvSpPr>
+          <p:cNvPr id="3" name="TextBox 2"/>
+          <p:cNvSpPr txBox="1"/>
+          <p:nvPr/>
+        </p:nvSpPr>
+        <p:spPr>
+          <a:xfrm>
+            <a:off x="0" y="6194050"/>
+            <a:ext cx="7676204" cy="338554"/>
+          </a:xfrm>
+          <a:prstGeom prst="rect">
+            <a:avLst/>
+          </a:prstGeom>
+          <a:noFill/>
+        </p:spPr>
+        <p:txBody>
+          <a:bodyPr wrap="none" rtlCol="0">
+            <a:spAutoFit/>
+          </a:bodyPr>
+          <a:lstStyle/>
+          <a:p>
+            <a:r>
+              <a:rPr lang="en-US" sz="1600" i="1" dirty="0">
+                <a:solidFill>
+                  <a:schemeClr val="tx1">
+                    <a:lumMod val="50000"/>
+                    <a:lumOff val="50000"/>
+                  </a:schemeClr>
+                </a:solidFill>
+              </a:rPr>
+              <a:t>* IOPS – Input/output Operations Per Second; </a:t>
+            </a:r>
+            <a:r>
+              <a:rPr lang="ru-RU" sz="1600" i="1" dirty="0">
+                <a:solidFill>
+                  <a:schemeClr val="tx1">
+                    <a:lumMod val="50000"/>
+                    <a:lumOff val="50000"/>
+                  </a:schemeClr>
+                </a:solidFill>
+              </a:rPr>
+              <a:t>Данные для </a:t>
+            </a:r>
+            <a:r>
+              <a:rPr lang="en-US" sz="1600" i="1" baseline="0" dirty="0">
+                <a:solidFill>
+                  <a:schemeClr val="tx1">
+                    <a:lumMod val="50000"/>
+                    <a:lumOff val="50000"/>
+                  </a:schemeClr>
+                </a:solidFill>
+              </a:rPr>
+              <a:t>Intel SSD DC S3700 </a:t>
+            </a:r>
+            <a:r>
+              <a:rPr lang="ru-RU" sz="1600" i="1" baseline="0" dirty="0">
+                <a:solidFill>
+                  <a:schemeClr val="tx1">
+                    <a:lumMod val="50000"/>
+                    <a:lumOff val="50000"/>
+                  </a:schemeClr>
+                </a:solidFill>
+              </a:rPr>
+              <a:t>и </a:t>
+            </a:r>
+            <a:r>
+              <a:rPr lang="en-GB" sz="1600" i="1" baseline="0" dirty="0">
+                <a:solidFill>
+                  <a:schemeClr val="tx1">
+                    <a:lumMod val="50000"/>
+                    <a:lumOff val="50000"/>
+                  </a:schemeClr>
+                </a:solidFill>
+              </a:rPr>
+              <a:t>D7-P5600</a:t>
+            </a:r>
+            <a:r>
+              <a:rPr lang="en-US" sz="1600" i="1" baseline="0" dirty="0">
+                <a:solidFill>
+                  <a:schemeClr val="tx1">
+                    <a:lumMod val="50000"/>
+                    <a:lumOff val="50000"/>
+                  </a:schemeClr>
+                </a:solidFill>
+              </a:rPr>
+              <a:t>.</a:t>
+            </a:r>
+            <a:endParaRPr lang="en-GB" sz="1600" i="1" baseline="0" dirty="0">
+              <a:solidFill>
+                <a:schemeClr val="tx1">
+                  <a:lumMod val="50000"/>
+                  <a:lumOff val="50000"/>
+                </a:schemeClr>
+              </a:solidFill>
+            </a:endParaRPr>
+          </a:p>
+        </p:txBody>
+      </p:sp>
+    </p:spTree>
+    <p:extLst>
+      <p:ext uri="{BB962C8B-B14F-4D97-AF65-F5344CB8AC3E}">
+        <p14:creationId xmlns:p14="http://schemas.microsoft.com/office/powerpoint/2010/main" val="2004857792"/>
+      </p:ext>
+    </p:extLst>
+  </p:cSld>
+  <p:clrMapOvr>
+    <a:masterClrMapping/>
+  </p:clrMapOvr>
+</p:sld>
+</file>
+
+<file path=ppt/slides/slide24.xml><?xml version="1.0" encoding="utf-8"?>
+<p:sld xmlns:a="http://schemas.openxmlformats.org/drawingml/2006/main" xmlns:r="http://schemas.openxmlformats.org/officeDocument/2006/relationships" xmlns:p="http://schemas.openxmlformats.org/presentationml/2006/main">
+  <p:cSld>
+    <p:spTree>
+      <p:nvGrpSpPr>
+        <p:cNvPr id="1" name=""/>
+        <p:cNvGrpSpPr/>
+        <p:nvPr/>
+      </p:nvGrpSpPr>
+      <p:grpSpPr>
+        <a:xfrm>
+          <a:off x="0" y="0"/>
+          <a:ext cx="0" cy="0"/>
+          <a:chOff x="0" y="0"/>
+          <a:chExt cx="0" cy="0"/>
+        </a:xfrm>
+      </p:grpSpPr>
+      <p:graphicFrame>
+        <p:nvGraphicFramePr>
+          <p:cNvPr id="5" name="Table 4"/>
+          <p:cNvGraphicFramePr>
+            <a:graphicFrameLocks noGrp="1"/>
+          </p:cNvGraphicFramePr>
+          <p:nvPr>
+            <p:extLst>
+              <p:ext uri="{D42A27DB-BD31-4B8C-83A1-F6EECF244321}">
+                <p14:modId xmlns:p14="http://schemas.microsoft.com/office/powerpoint/2010/main" val="2281224332"/>
+              </p:ext>
+            </p:extLst>
+          </p:nvPr>
+        </p:nvGraphicFramePr>
+        <p:xfrm>
+          <a:off x="0" y="1"/>
+          <a:ext cx="12192000" cy="365760"/>
+        </p:xfrm>
+        <a:graphic>
+          <a:graphicData uri="http://schemas.openxmlformats.org/drawingml/2006/table">
+            <a:tbl>
+              <a:tblPr firstRow="1" bandRow="1">
+                <a:tableStyleId>{5C22544A-7EE6-4342-B048-85BDC9FD1C3A}</a:tableStyleId>
+              </a:tblPr>
+              <a:tblGrid>
+                <a:gridCol w="12192000">
+                  <a:extLst>
+                    <a:ext uri="{9D8B030D-6E8A-4147-A177-3AD203B41FA5}">
+                      <a16:colId xmlns:a16="http://schemas.microsoft.com/office/drawing/2014/main" val="20000"/>
+                    </a:ext>
+                  </a:extLst>
+                </a:gridCol>
+              </a:tblGrid>
+              <a:tr h="321276">
+                <a:tc>
+                  <a:txBody>
+                    <a:bodyPr/>
+                    <a:lstStyle/>
+                    <a:p>
+                      <a:r>
+                        <a:rPr lang="ru-RU" dirty="0"/>
+                        <a:t>Основы</a:t>
+                      </a:r>
+                      <a:r>
+                        <a:rPr lang="ru-RU" baseline="0" dirty="0"/>
+                        <a:t> построения файловых систем</a:t>
+                      </a:r>
+                      <a:endParaRPr lang="ru-RU" dirty="0"/>
+                    </a:p>
+                  </a:txBody>
+                  <a:tcPr/>
+                </a:tc>
+                <a:extLst>
+                  <a:ext uri="{0D108BD9-81ED-4DB2-BD59-A6C34878D82A}">
+                    <a16:rowId xmlns:a16="http://schemas.microsoft.com/office/drawing/2014/main" val="10000"/>
+                  </a:ext>
+                </a:extLst>
+              </a:tr>
+            </a:tbl>
+          </a:graphicData>
+        </a:graphic>
+      </p:graphicFrame>
+      <p:graphicFrame>
+        <p:nvGraphicFramePr>
+          <p:cNvPr id="6" name="Table 5"/>
+          <p:cNvGraphicFramePr>
+            <a:graphicFrameLocks noGrp="1"/>
+          </p:cNvGraphicFramePr>
+          <p:nvPr>
+            <p:extLst>
+              <p:ext uri="{D42A27DB-BD31-4B8C-83A1-F6EECF244321}">
+                <p14:modId xmlns:p14="http://schemas.microsoft.com/office/powerpoint/2010/main" val="4164474727"/>
+              </p:ext>
+            </p:extLst>
+          </p:nvPr>
+        </p:nvGraphicFramePr>
+        <p:xfrm>
+          <a:off x="0" y="6532604"/>
+          <a:ext cx="12192000" cy="365760"/>
+        </p:xfrm>
+        <a:graphic>
+          <a:graphicData uri="http://schemas.openxmlformats.org/drawingml/2006/table">
+            <a:tbl>
+              <a:tblPr firstRow="1" bandRow="1">
+                <a:tableStyleId>{5C22544A-7EE6-4342-B048-85BDC9FD1C3A}</a:tableStyleId>
+              </a:tblPr>
+              <a:tblGrid>
+                <a:gridCol w="12192000">
+                  <a:extLst>
+                    <a:ext uri="{9D8B030D-6E8A-4147-A177-3AD203B41FA5}">
+                      <a16:colId xmlns:a16="http://schemas.microsoft.com/office/drawing/2014/main" val="20000"/>
+                    </a:ext>
+                  </a:extLst>
+                </a:gridCol>
+              </a:tblGrid>
+              <a:tr h="308094">
+                <a:tc>
+                  <a:txBody>
+                    <a:bodyPr/>
+                    <a:lstStyle/>
+                    <a:p>
+                      <a:r>
+                        <a:rPr lang="en-US" dirty="0"/>
+                        <a:t>Acronis @ </a:t>
+                      </a:r>
+                      <a:r>
+                        <a:rPr lang="ru-RU" dirty="0"/>
+                        <a:t>МФТИ</a:t>
+                      </a:r>
+                    </a:p>
+                  </a:txBody>
+                  <a:tcPr/>
+                </a:tc>
+                <a:extLst>
+                  <a:ext uri="{0D108BD9-81ED-4DB2-BD59-A6C34878D82A}">
+                    <a16:rowId xmlns:a16="http://schemas.microsoft.com/office/drawing/2014/main" val="10000"/>
+                  </a:ext>
+                </a:extLst>
+              </a:tr>
+            </a:tbl>
+          </a:graphicData>
+        </a:graphic>
+      </p:graphicFrame>
+      <p:graphicFrame>
+        <p:nvGraphicFramePr>
+          <p:cNvPr id="2" name="Table 1"/>
+          <p:cNvGraphicFramePr>
+            <a:graphicFrameLocks noGrp="1"/>
+          </p:cNvGraphicFramePr>
           <p:nvPr>
             <p:extLst>
               <p:ext uri="{D42A27DB-BD31-4B8C-83A1-F6EECF244321}">
@@ -20717,7 +21947,7 @@
 </p:sld>
 </file>
 
-<file path=ppt/slides/slide24.xml><?xml version="1.0" encoding="utf-8"?>
+<file path=ppt/slides/slide25.xml><?xml version="1.0" encoding="utf-8"?>
 <p:sld xmlns:a="http://schemas.openxmlformats.org/drawingml/2006/main" xmlns:r="http://schemas.openxmlformats.org/officeDocument/2006/relationships" xmlns:p="http://schemas.openxmlformats.org/presentationml/2006/main">
   <p:cSld>
     <p:spTree>
@@ -20972,7 +22202,7 @@
 </p:sld>
 </file>
 
-<file path=ppt/slides/slide25.xml><?xml version="1.0" encoding="utf-8"?>
+<file path=ppt/slides/slide26.xml><?xml version="1.0" encoding="utf-8"?>
 <p:sld xmlns:a="http://schemas.openxmlformats.org/drawingml/2006/main" xmlns:r="http://schemas.openxmlformats.org/officeDocument/2006/relationships" xmlns:p="http://schemas.openxmlformats.org/presentationml/2006/main">
   <p:cSld>
     <p:spTree>
@@ -21369,7 +22599,7 @@
 </p:sld>
 </file>
 
-<file path=ppt/slides/slide26.xml><?xml version="1.0" encoding="utf-8"?>
+<file path=ppt/slides/slide27.xml><?xml version="1.0" encoding="utf-8"?>
 <p:sld xmlns:a="http://schemas.openxmlformats.org/drawingml/2006/main" xmlns:r="http://schemas.openxmlformats.org/officeDocument/2006/relationships" xmlns:p="http://schemas.openxmlformats.org/presentationml/2006/main">
   <p:cSld>
     <p:spTree>
@@ -21824,7 +23054,7 @@
 </p:sld>
 </file>
 
-<file path=ppt/slides/slide27.xml><?xml version="1.0" encoding="utf-8"?>
+<file path=ppt/slides/slide28.xml><?xml version="1.0" encoding="utf-8"?>
 <p:sld xmlns:a="http://schemas.openxmlformats.org/drawingml/2006/main" xmlns:r="http://schemas.openxmlformats.org/officeDocument/2006/relationships" xmlns:p="http://schemas.openxmlformats.org/presentationml/2006/main">
   <p:cSld>
     <p:spTree>
@@ -22282,7 +23512,7 @@
 </p:sld>
 </file>
 
-<file path=ppt/slides/slide28.xml><?xml version="1.0" encoding="utf-8"?>
+<file path=ppt/slides/slide29.xml><?xml version="1.0" encoding="utf-8"?>
 <p:sld xmlns:a="http://schemas.openxmlformats.org/drawingml/2006/main" xmlns:r="http://schemas.openxmlformats.org/officeDocument/2006/relationships" xmlns:p="http://schemas.openxmlformats.org/presentationml/2006/main">
   <p:cSld>
     <p:spTree>
@@ -23122,262 +24352,6 @@
 </p:sld>
 </file>
 
-<file path=ppt/slides/slide29.xml><?xml version="1.0" encoding="utf-8"?>
-<p:sld xmlns:a="http://schemas.openxmlformats.org/drawingml/2006/main" xmlns:r="http://schemas.openxmlformats.org/officeDocument/2006/relationships" xmlns:p="http://schemas.openxmlformats.org/presentationml/2006/main">
-  <p:cSld>
-    <p:spTree>
-      <p:nvGrpSpPr>
-        <p:cNvPr id="1" name=""/>
-        <p:cNvGrpSpPr/>
-        <p:nvPr/>
-      </p:nvGrpSpPr>
-      <p:grpSpPr>
-        <a:xfrm>
-          <a:off x="0" y="0"/>
-          <a:ext cx="0" cy="0"/>
-          <a:chOff x="0" y="0"/>
-          <a:chExt cx="0" cy="0"/>
-        </a:xfrm>
-      </p:grpSpPr>
-      <p:graphicFrame>
-        <p:nvGraphicFramePr>
-          <p:cNvPr id="5" name="Table 4"/>
-          <p:cNvGraphicFramePr>
-            <a:graphicFrameLocks noGrp="1"/>
-          </p:cNvGraphicFramePr>
-          <p:nvPr>
-            <p:extLst>
-              <p:ext uri="{D42A27DB-BD31-4B8C-83A1-F6EECF244321}">
-                <p14:modId xmlns:p14="http://schemas.microsoft.com/office/powerpoint/2010/main" val="2281224332"/>
-              </p:ext>
-            </p:extLst>
-          </p:nvPr>
-        </p:nvGraphicFramePr>
-        <p:xfrm>
-          <a:off x="0" y="1"/>
-          <a:ext cx="12192000" cy="365760"/>
-        </p:xfrm>
-        <a:graphic>
-          <a:graphicData uri="http://schemas.openxmlformats.org/drawingml/2006/table">
-            <a:tbl>
-              <a:tblPr firstRow="1" bandRow="1">
-                <a:tableStyleId>{5C22544A-7EE6-4342-B048-85BDC9FD1C3A}</a:tableStyleId>
-              </a:tblPr>
-              <a:tblGrid>
-                <a:gridCol w="12192000">
-                  <a:extLst>
-                    <a:ext uri="{9D8B030D-6E8A-4147-A177-3AD203B41FA5}">
-                      <a16:colId xmlns:a16="http://schemas.microsoft.com/office/drawing/2014/main" val="20000"/>
-                    </a:ext>
-                  </a:extLst>
-                </a:gridCol>
-              </a:tblGrid>
-              <a:tr h="321276">
-                <a:tc>
-                  <a:txBody>
-                    <a:bodyPr/>
-                    <a:lstStyle/>
-                    <a:p>
-                      <a:r>
-                        <a:rPr lang="ru-RU" dirty="0"/>
-                        <a:t>Основы</a:t>
-                      </a:r>
-                      <a:r>
-                        <a:rPr lang="ru-RU" baseline="0" dirty="0"/>
-                        <a:t> построения файловых систем</a:t>
-                      </a:r>
-                      <a:endParaRPr lang="ru-RU" dirty="0"/>
-                    </a:p>
-                  </a:txBody>
-                  <a:tcPr/>
-                </a:tc>
-                <a:extLst>
-                  <a:ext uri="{0D108BD9-81ED-4DB2-BD59-A6C34878D82A}">
-                    <a16:rowId xmlns:a16="http://schemas.microsoft.com/office/drawing/2014/main" val="10000"/>
-                  </a:ext>
-                </a:extLst>
-              </a:tr>
-            </a:tbl>
-          </a:graphicData>
-        </a:graphic>
-      </p:graphicFrame>
-      <p:graphicFrame>
-        <p:nvGraphicFramePr>
-          <p:cNvPr id="6" name="Table 5"/>
-          <p:cNvGraphicFramePr>
-            <a:graphicFrameLocks noGrp="1"/>
-          </p:cNvGraphicFramePr>
-          <p:nvPr>
-            <p:extLst>
-              <p:ext uri="{D42A27DB-BD31-4B8C-83A1-F6EECF244321}">
-                <p14:modId xmlns:p14="http://schemas.microsoft.com/office/powerpoint/2010/main" val="4164474727"/>
-              </p:ext>
-            </p:extLst>
-          </p:nvPr>
-        </p:nvGraphicFramePr>
-        <p:xfrm>
-          <a:off x="0" y="6532604"/>
-          <a:ext cx="12192000" cy="365760"/>
-        </p:xfrm>
-        <a:graphic>
-          <a:graphicData uri="http://schemas.openxmlformats.org/drawingml/2006/table">
-            <a:tbl>
-              <a:tblPr firstRow="1" bandRow="1">
-                <a:tableStyleId>{5C22544A-7EE6-4342-B048-85BDC9FD1C3A}</a:tableStyleId>
-              </a:tblPr>
-              <a:tblGrid>
-                <a:gridCol w="12192000">
-                  <a:extLst>
-                    <a:ext uri="{9D8B030D-6E8A-4147-A177-3AD203B41FA5}">
-                      <a16:colId xmlns:a16="http://schemas.microsoft.com/office/drawing/2014/main" val="20000"/>
-                    </a:ext>
-                  </a:extLst>
-                </a:gridCol>
-              </a:tblGrid>
-              <a:tr h="308094">
-                <a:tc>
-                  <a:txBody>
-                    <a:bodyPr/>
-                    <a:lstStyle/>
-                    <a:p>
-                      <a:r>
-                        <a:rPr lang="en-US" dirty="0"/>
-                        <a:t>Acronis @ </a:t>
-                      </a:r>
-                      <a:r>
-                        <a:rPr lang="ru-RU" dirty="0"/>
-                        <a:t>МФТИ</a:t>
-                      </a:r>
-                    </a:p>
-                  </a:txBody>
-                  <a:tcPr/>
-                </a:tc>
-                <a:extLst>
-                  <a:ext uri="{0D108BD9-81ED-4DB2-BD59-A6C34878D82A}">
-                    <a16:rowId xmlns:a16="http://schemas.microsoft.com/office/drawing/2014/main" val="10000"/>
-                  </a:ext>
-                </a:extLst>
-              </a:tr>
-            </a:tbl>
-          </a:graphicData>
-        </a:graphic>
-      </p:graphicFrame>
-      <p:graphicFrame>
-        <p:nvGraphicFramePr>
-          <p:cNvPr id="2" name="Table 1"/>
-          <p:cNvGraphicFramePr>
-            <a:graphicFrameLocks noGrp="1"/>
-          </p:cNvGraphicFramePr>
-          <p:nvPr>
-            <p:extLst>
-              <p:ext uri="{D42A27DB-BD31-4B8C-83A1-F6EECF244321}">
-                <p14:modId xmlns:p14="http://schemas.microsoft.com/office/powerpoint/2010/main" val="483353550"/>
-              </p:ext>
-            </p:extLst>
-          </p:nvPr>
-        </p:nvGraphicFramePr>
-        <p:xfrm>
-          <a:off x="0" y="365761"/>
-          <a:ext cx="12192000" cy="828040"/>
-        </p:xfrm>
-        <a:graphic>
-          <a:graphicData uri="http://schemas.openxmlformats.org/drawingml/2006/table">
-            <a:tbl>
-              <a:tblPr firstRow="1" bandRow="1">
-                <a:tableStyleId>{3B4B98B0-60AC-42C2-AFA5-B58CD77FA1E5}</a:tableStyleId>
-              </a:tblPr>
-              <a:tblGrid>
-                <a:gridCol w="12192000">
-                  <a:extLst>
-                    <a:ext uri="{9D8B030D-6E8A-4147-A177-3AD203B41FA5}">
-                      <a16:colId xmlns:a16="http://schemas.microsoft.com/office/drawing/2014/main" val="20000"/>
-                    </a:ext>
-                  </a:extLst>
-                </a:gridCol>
-              </a:tblGrid>
-              <a:tr h="370840">
-                <a:tc>
-                  <a:txBody>
-                    <a:bodyPr/>
-                    <a:lstStyle/>
-                    <a:p>
-                      <a:r>
-                        <a:rPr lang="ru-RU" sz="2400" dirty="0"/>
-                        <a:t>Обзор-напоминание</a:t>
-                      </a:r>
-                      <a:r>
-                        <a:rPr lang="ru-RU" sz="2400" baseline="0" dirty="0"/>
-                        <a:t> о </a:t>
-                      </a:r>
-                      <a:r>
-                        <a:rPr lang="en-US" sz="2400" baseline="0" dirty="0"/>
-                        <a:t>POSIX Filesystem API</a:t>
-                      </a:r>
-                      <a:endParaRPr lang="ru-RU" sz="2400" dirty="0"/>
-                    </a:p>
-                  </a:txBody>
-                  <a:tcPr/>
-                </a:tc>
-                <a:extLst>
-                  <a:ext uri="{0D108BD9-81ED-4DB2-BD59-A6C34878D82A}">
-                    <a16:rowId xmlns:a16="http://schemas.microsoft.com/office/drawing/2014/main" val="10000"/>
-                  </a:ext>
-                </a:extLst>
-              </a:tr>
-              <a:tr h="370840">
-                <a:tc>
-                  <a:txBody>
-                    <a:bodyPr/>
-                    <a:lstStyle/>
-                    <a:p>
-                      <a:r>
-                        <a:rPr lang="en-US" dirty="0"/>
-                        <a:t>1. open(path,</a:t>
-                      </a:r>
-                      <a:r>
-                        <a:rPr lang="en-US" baseline="0" dirty="0"/>
-                        <a:t> flags, mode</a:t>
-                      </a:r>
-                      <a:r>
-                        <a:rPr lang="en-US" dirty="0"/>
-                        <a:t>) / close(</a:t>
-                      </a:r>
-                      <a:r>
-                        <a:rPr lang="en-US" dirty="0" err="1"/>
-                        <a:t>fd</a:t>
-                      </a:r>
-                      <a:r>
-                        <a:rPr lang="en-US" dirty="0"/>
-                        <a:t>)</a:t>
-                      </a:r>
-                      <a:endParaRPr lang="ru-RU" dirty="0"/>
-                    </a:p>
-                  </a:txBody>
-                  <a:tcPr/>
-                </a:tc>
-                <a:extLst>
-                  <a:ext uri="{0D108BD9-81ED-4DB2-BD59-A6C34878D82A}">
-                    <a16:rowId xmlns:a16="http://schemas.microsoft.com/office/drawing/2014/main" val="10001"/>
-                  </a:ext>
-                </a:extLst>
-              </a:tr>
-            </a:tbl>
-          </a:graphicData>
-        </a:graphic>
-      </p:graphicFrame>
-    </p:spTree>
-    <p:extLst>
-      <p:ext uri="{BB962C8B-B14F-4D97-AF65-F5344CB8AC3E}">
-        <p14:creationId xmlns:p14="http://schemas.microsoft.com/office/powerpoint/2010/main" val="860865305"/>
-      </p:ext>
-    </p:extLst>
-  </p:cSld>
-  <p:clrMapOvr>
-    <a:masterClrMapping/>
-  </p:clrMapOvr>
-</p:sld>
-</file>
-
 <file path=ppt/slides/slide3.xml><?xml version="1.0" encoding="utf-8"?>
 <p:sld xmlns:a="http://schemas.openxmlformats.org/drawingml/2006/main" xmlns:r="http://schemas.openxmlformats.org/officeDocument/2006/relationships" xmlns:p="http://schemas.openxmlformats.org/presentationml/2006/main">
   <p:cSld>
@@ -23908,14 +24882,14 @@
           <p:nvPr>
             <p:extLst>
               <p:ext uri="{D42A27DB-BD31-4B8C-83A1-F6EECF244321}">
-                <p14:modId xmlns:p14="http://schemas.microsoft.com/office/powerpoint/2010/main" val="2658096442"/>
+                <p14:modId xmlns:p14="http://schemas.microsoft.com/office/powerpoint/2010/main" val="483353550"/>
               </p:ext>
             </p:extLst>
           </p:nvPr>
         </p:nvGraphicFramePr>
         <p:xfrm>
           <a:off x="0" y="365761"/>
-          <a:ext cx="12192000" cy="2016760"/>
+          <a:ext cx="12192000" cy="828040"/>
         </p:xfrm>
         <a:graphic>
           <a:graphicData uri="http://schemas.openxmlformats.org/drawingml/2006/table">
@@ -23998,61 +24972,6 @@
                   </a:ext>
                 </a:extLst>
               </a:tr>
-              <a:tr h="370840">
-                <a:tc>
-                  <a:txBody>
-                    <a:bodyPr/>
-                    <a:lstStyle/>
-                    <a:p>
-                      <a:pPr marL="285750" indent="-285750">
-                        <a:buFont typeface="Arial" panose="020B0604020202020204" pitchFamily="34" charset="0"/>
-                        <a:buChar char="•"/>
-                      </a:pPr>
-                      <a:r>
-                        <a:rPr lang="en-US" dirty="0"/>
-                        <a:t>O_CREAT,</a:t>
-                      </a:r>
-                    </a:p>
-                    <a:p>
-                      <a:pPr marL="285750" indent="-285750">
-                        <a:buFont typeface="Arial" panose="020B0604020202020204" pitchFamily="34" charset="0"/>
-                        <a:buChar char="•"/>
-                      </a:pPr>
-                      <a:r>
-                        <a:rPr lang="en-US" baseline="0" dirty="0"/>
-                        <a:t>O_EXCL,</a:t>
-                      </a:r>
-                    </a:p>
-                    <a:p>
-                      <a:pPr marL="285750" indent="-285750">
-                        <a:buFont typeface="Arial" panose="020B0604020202020204" pitchFamily="34" charset="0"/>
-                        <a:buChar char="•"/>
-                      </a:pPr>
-                      <a:r>
-                        <a:rPr lang="en-US" baseline="0" dirty="0"/>
-                        <a:t>O_NOATIME,</a:t>
-                      </a:r>
-                    </a:p>
-                    <a:p>
-                      <a:pPr marL="285750" indent="-285750">
-                        <a:buFont typeface="Arial" panose="020B0604020202020204" pitchFamily="34" charset="0"/>
-                        <a:buChar char="•"/>
-                      </a:pPr>
-                      <a:r>
-                        <a:rPr lang="en-US" dirty="0"/>
-                        <a:t>O_CLOEXEC.</a:t>
-                      </a:r>
-                      <a:endParaRPr lang="ru-RU" dirty="0"/>
-                    </a:p>
-                  </a:txBody>
-                  <a:tcPr/>
-                </a:tc>
-                <a:extLst>
-                  <a:ext uri="{0D108BD9-81ED-4DB2-BD59-A6C34878D82A}">
-                    <a16:rowId xmlns:a16="http://schemas.microsoft.com/office/drawing/2014/main" val="10002"/>
-                  </a:ext>
-                </a:extLst>
-              </a:tr>
             </a:tbl>
           </a:graphicData>
         </a:graphic>
@@ -24060,7 +24979,7 @@
     </p:spTree>
     <p:extLst>
       <p:ext uri="{BB962C8B-B14F-4D97-AF65-F5344CB8AC3E}">
-        <p14:creationId xmlns:p14="http://schemas.microsoft.com/office/powerpoint/2010/main" val="646365678"/>
+        <p14:creationId xmlns:p14="http://schemas.microsoft.com/office/powerpoint/2010/main" val="860865305"/>
       </p:ext>
     </p:extLst>
   </p:cSld>
@@ -24219,14 +25138,14 @@
           <p:nvPr>
             <p:extLst>
               <p:ext uri="{D42A27DB-BD31-4B8C-83A1-F6EECF244321}">
-                <p14:modId xmlns:p14="http://schemas.microsoft.com/office/powerpoint/2010/main" val="652238823"/>
+                <p14:modId xmlns:p14="http://schemas.microsoft.com/office/powerpoint/2010/main" val="2658096442"/>
               </p:ext>
             </p:extLst>
           </p:nvPr>
         </p:nvGraphicFramePr>
         <p:xfrm>
           <a:off x="0" y="365761"/>
-          <a:ext cx="12192000" cy="1198880"/>
+          <a:ext cx="12192000" cy="2016760"/>
         </p:xfrm>
         <a:graphic>
           <a:graphicData uri="http://schemas.openxmlformats.org/drawingml/2006/table">
@@ -24315,25 +25234,43 @@
                     <a:bodyPr/>
                     <a:lstStyle/>
                     <a:p>
+                      <a:pPr marL="285750" indent="-285750">
+                        <a:buFont typeface="Arial" panose="020B0604020202020204" pitchFamily="34" charset="0"/>
+                        <a:buChar char="•"/>
+                      </a:pPr>
                       <a:r>
                         <a:rPr lang="en-US" dirty="0"/>
-                        <a:t>2. </a:t>
-                      </a:r>
-                      <a:r>
-                        <a:rPr lang="en-US" dirty="0" err="1"/>
-                        <a:t>mkdir</a:t>
-                      </a:r>
+                        <a:t>O_CREAT,</a:t>
+                      </a:r>
+                    </a:p>
+                    <a:p>
+                      <a:pPr marL="285750" indent="-285750">
+                        <a:buFont typeface="Arial" panose="020B0604020202020204" pitchFamily="34" charset="0"/>
+                        <a:buChar char="•"/>
+                      </a:pPr>
+                      <a:r>
+                        <a:rPr lang="en-US" baseline="0" dirty="0"/>
+                        <a:t>O_EXCL,</a:t>
+                      </a:r>
+                    </a:p>
+                    <a:p>
+                      <a:pPr marL="285750" indent="-285750">
+                        <a:buFont typeface="Arial" panose="020B0604020202020204" pitchFamily="34" charset="0"/>
+                        <a:buChar char="•"/>
+                      </a:pPr>
+                      <a:r>
+                        <a:rPr lang="en-US" baseline="0" dirty="0"/>
+                        <a:t>O_NOATIME,</a:t>
+                      </a:r>
+                    </a:p>
+                    <a:p>
+                      <a:pPr marL="285750" indent="-285750">
+                        <a:buFont typeface="Arial" panose="020B0604020202020204" pitchFamily="34" charset="0"/>
+                        <a:buChar char="•"/>
+                      </a:pPr>
                       <a:r>
                         <a:rPr lang="en-US" dirty="0"/>
-                        <a:t>(path, flags) / </a:t>
-                      </a:r>
-                      <a:r>
-                        <a:rPr lang="en-US" dirty="0" err="1"/>
-                        <a:t>rmdir</a:t>
-                      </a:r>
-                      <a:r>
-                        <a:rPr lang="en-US" dirty="0"/>
-                        <a:t>(path)</a:t>
+                        <a:t>O_CLOEXEC.</a:t>
                       </a:r>
                       <a:endParaRPr lang="ru-RU" dirty="0"/>
                     </a:p>
@@ -24353,7 +25290,7 @@
     </p:spTree>
     <p:extLst>
       <p:ext uri="{BB962C8B-B14F-4D97-AF65-F5344CB8AC3E}">
-        <p14:creationId xmlns:p14="http://schemas.microsoft.com/office/powerpoint/2010/main" val="168796789"/>
+        <p14:creationId xmlns:p14="http://schemas.microsoft.com/office/powerpoint/2010/main" val="646365678"/>
       </p:ext>
     </p:extLst>
   </p:cSld>
@@ -24512,14 +25449,14 @@
           <p:nvPr>
             <p:extLst>
               <p:ext uri="{D42A27DB-BD31-4B8C-83A1-F6EECF244321}">
-                <p14:modId xmlns:p14="http://schemas.microsoft.com/office/powerpoint/2010/main" val="3517014689"/>
+                <p14:modId xmlns:p14="http://schemas.microsoft.com/office/powerpoint/2010/main" val="652238823"/>
               </p:ext>
             </p:extLst>
           </p:nvPr>
         </p:nvGraphicFramePr>
         <p:xfrm>
           <a:off x="0" y="365761"/>
-          <a:ext cx="12192000" cy="1569720"/>
+          <a:ext cx="12192000" cy="1198880"/>
         </p:xfrm>
         <a:graphic>
           <a:graphicData uri="http://schemas.openxmlformats.org/drawingml/2006/table">
@@ -24639,47 +25576,6 @@
                   </a:ext>
                 </a:extLst>
               </a:tr>
-              <a:tr h="370840">
-                <a:tc>
-                  <a:txBody>
-                    <a:bodyPr/>
-                    <a:lstStyle/>
-                    <a:p>
-                      <a:r>
-                        <a:rPr lang="en-US" dirty="0"/>
-                        <a:t>3.</a:t>
-                      </a:r>
-                      <a:r>
-                        <a:rPr lang="en-US" baseline="0" dirty="0"/>
-                        <a:t> </a:t>
-                      </a:r>
-                      <a:r>
-                        <a:rPr lang="en-US" baseline="0" dirty="0" err="1"/>
-                        <a:t>chdir</a:t>
-                      </a:r>
-                      <a:r>
-                        <a:rPr lang="en-US" baseline="0" dirty="0"/>
-                        <a:t>(path), </a:t>
-                      </a:r>
-                      <a:r>
-                        <a:rPr lang="en-US" baseline="0" dirty="0" err="1"/>
-                        <a:t>chroot</a:t>
-                      </a:r>
-                      <a:r>
-                        <a:rPr lang="en-US" baseline="0" dirty="0"/>
-                        <a:t>(path)</a:t>
-                      </a:r>
-                      <a:endParaRPr lang="ru-RU" dirty="0"/>
-                    </a:p>
-                  </a:txBody>
-                  <a:tcPr/>
-                </a:tc>
-                <a:extLst>
-                  <a:ext uri="{0D108BD9-81ED-4DB2-BD59-A6C34878D82A}">
-                    <a16:rowId xmlns:a16="http://schemas.microsoft.com/office/drawing/2014/main" val="10003"/>
-                  </a:ext>
-                </a:extLst>
-              </a:tr>
             </a:tbl>
           </a:graphicData>
         </a:graphic>
@@ -24687,7 +25583,7 @@
     </p:spTree>
     <p:extLst>
       <p:ext uri="{BB962C8B-B14F-4D97-AF65-F5344CB8AC3E}">
-        <p14:creationId xmlns:p14="http://schemas.microsoft.com/office/powerpoint/2010/main" val="2813411199"/>
+        <p14:creationId xmlns:p14="http://schemas.microsoft.com/office/powerpoint/2010/main" val="168796789"/>
       </p:ext>
     </p:extLst>
   </p:cSld>
@@ -24846,6 +25742,340 @@
           <p:nvPr>
             <p:extLst>
               <p:ext uri="{D42A27DB-BD31-4B8C-83A1-F6EECF244321}">
+                <p14:modId xmlns:p14="http://schemas.microsoft.com/office/powerpoint/2010/main" val="3517014689"/>
+              </p:ext>
+            </p:extLst>
+          </p:nvPr>
+        </p:nvGraphicFramePr>
+        <p:xfrm>
+          <a:off x="0" y="365761"/>
+          <a:ext cx="12192000" cy="1569720"/>
+        </p:xfrm>
+        <a:graphic>
+          <a:graphicData uri="http://schemas.openxmlformats.org/drawingml/2006/table">
+            <a:tbl>
+              <a:tblPr firstRow="1" bandRow="1">
+                <a:tableStyleId>{3B4B98B0-60AC-42C2-AFA5-B58CD77FA1E5}</a:tableStyleId>
+              </a:tblPr>
+              <a:tblGrid>
+                <a:gridCol w="12192000">
+                  <a:extLst>
+                    <a:ext uri="{9D8B030D-6E8A-4147-A177-3AD203B41FA5}">
+                      <a16:colId xmlns:a16="http://schemas.microsoft.com/office/drawing/2014/main" val="20000"/>
+                    </a:ext>
+                  </a:extLst>
+                </a:gridCol>
+              </a:tblGrid>
+              <a:tr h="370840">
+                <a:tc>
+                  <a:txBody>
+                    <a:bodyPr/>
+                    <a:lstStyle/>
+                    <a:p>
+                      <a:r>
+                        <a:rPr lang="ru-RU" sz="2400" dirty="0"/>
+                        <a:t>Обзор-напоминание</a:t>
+                      </a:r>
+                      <a:r>
+                        <a:rPr lang="ru-RU" sz="2400" baseline="0" dirty="0"/>
+                        <a:t> о </a:t>
+                      </a:r>
+                      <a:r>
+                        <a:rPr lang="en-US" sz="2400" baseline="0" dirty="0"/>
+                        <a:t>POSIX Filesystem API</a:t>
+                      </a:r>
+                      <a:endParaRPr lang="ru-RU" sz="2400" dirty="0"/>
+                    </a:p>
+                  </a:txBody>
+                  <a:tcPr/>
+                </a:tc>
+                <a:extLst>
+                  <a:ext uri="{0D108BD9-81ED-4DB2-BD59-A6C34878D82A}">
+                    <a16:rowId xmlns:a16="http://schemas.microsoft.com/office/drawing/2014/main" val="10000"/>
+                  </a:ext>
+                </a:extLst>
+              </a:tr>
+              <a:tr h="370840">
+                <a:tc>
+                  <a:txBody>
+                    <a:bodyPr/>
+                    <a:lstStyle/>
+                    <a:p>
+                      <a:r>
+                        <a:rPr lang="en-US" dirty="0"/>
+                        <a:t>1. open(path,</a:t>
+                      </a:r>
+                      <a:r>
+                        <a:rPr lang="en-US" baseline="0" dirty="0"/>
+                        <a:t> flags, mode</a:t>
+                      </a:r>
+                      <a:r>
+                        <a:rPr lang="en-US" dirty="0"/>
+                        <a:t>) / close(</a:t>
+                      </a:r>
+                      <a:r>
+                        <a:rPr lang="en-US" dirty="0" err="1"/>
+                        <a:t>fd</a:t>
+                      </a:r>
+                      <a:r>
+                        <a:rPr lang="en-US" dirty="0"/>
+                        <a:t>)</a:t>
+                      </a:r>
+                      <a:endParaRPr lang="ru-RU" dirty="0"/>
+                    </a:p>
+                  </a:txBody>
+                  <a:tcPr/>
+                </a:tc>
+                <a:extLst>
+                  <a:ext uri="{0D108BD9-81ED-4DB2-BD59-A6C34878D82A}">
+                    <a16:rowId xmlns:a16="http://schemas.microsoft.com/office/drawing/2014/main" val="10001"/>
+                  </a:ext>
+                </a:extLst>
+              </a:tr>
+              <a:tr h="370840">
+                <a:tc>
+                  <a:txBody>
+                    <a:bodyPr/>
+                    <a:lstStyle/>
+                    <a:p>
+                      <a:r>
+                        <a:rPr lang="en-US" dirty="0"/>
+                        <a:t>2. </a:t>
+                      </a:r>
+                      <a:r>
+                        <a:rPr lang="en-US" dirty="0" err="1"/>
+                        <a:t>mkdir</a:t>
+                      </a:r>
+                      <a:r>
+                        <a:rPr lang="en-US" dirty="0"/>
+                        <a:t>(path, flags) / </a:t>
+                      </a:r>
+                      <a:r>
+                        <a:rPr lang="en-US" dirty="0" err="1"/>
+                        <a:t>rmdir</a:t>
+                      </a:r>
+                      <a:r>
+                        <a:rPr lang="en-US" dirty="0"/>
+                        <a:t>(path)</a:t>
+                      </a:r>
+                      <a:endParaRPr lang="ru-RU" dirty="0"/>
+                    </a:p>
+                  </a:txBody>
+                  <a:tcPr/>
+                </a:tc>
+                <a:extLst>
+                  <a:ext uri="{0D108BD9-81ED-4DB2-BD59-A6C34878D82A}">
+                    <a16:rowId xmlns:a16="http://schemas.microsoft.com/office/drawing/2014/main" val="10002"/>
+                  </a:ext>
+                </a:extLst>
+              </a:tr>
+              <a:tr h="370840">
+                <a:tc>
+                  <a:txBody>
+                    <a:bodyPr/>
+                    <a:lstStyle/>
+                    <a:p>
+                      <a:r>
+                        <a:rPr lang="en-US" dirty="0"/>
+                        <a:t>3.</a:t>
+                      </a:r>
+                      <a:r>
+                        <a:rPr lang="en-US" baseline="0" dirty="0"/>
+                        <a:t> </a:t>
+                      </a:r>
+                      <a:r>
+                        <a:rPr lang="en-US" baseline="0" dirty="0" err="1"/>
+                        <a:t>chdir</a:t>
+                      </a:r>
+                      <a:r>
+                        <a:rPr lang="en-US" baseline="0" dirty="0"/>
+                        <a:t>(path), </a:t>
+                      </a:r>
+                      <a:r>
+                        <a:rPr lang="en-US" baseline="0" dirty="0" err="1"/>
+                        <a:t>chroot</a:t>
+                      </a:r>
+                      <a:r>
+                        <a:rPr lang="en-US" baseline="0" dirty="0"/>
+                        <a:t>(path)</a:t>
+                      </a:r>
+                      <a:endParaRPr lang="ru-RU" dirty="0"/>
+                    </a:p>
+                  </a:txBody>
+                  <a:tcPr/>
+                </a:tc>
+                <a:extLst>
+                  <a:ext uri="{0D108BD9-81ED-4DB2-BD59-A6C34878D82A}">
+                    <a16:rowId xmlns:a16="http://schemas.microsoft.com/office/drawing/2014/main" val="10003"/>
+                  </a:ext>
+                </a:extLst>
+              </a:tr>
+            </a:tbl>
+          </a:graphicData>
+        </a:graphic>
+      </p:graphicFrame>
+    </p:spTree>
+    <p:extLst>
+      <p:ext uri="{BB962C8B-B14F-4D97-AF65-F5344CB8AC3E}">
+        <p14:creationId xmlns:p14="http://schemas.microsoft.com/office/powerpoint/2010/main" val="2813411199"/>
+      </p:ext>
+    </p:extLst>
+  </p:cSld>
+  <p:clrMapOvr>
+    <a:masterClrMapping/>
+  </p:clrMapOvr>
+</p:sld>
+</file>
+
+<file path=ppt/slides/slide34.xml><?xml version="1.0" encoding="utf-8"?>
+<p:sld xmlns:a="http://schemas.openxmlformats.org/drawingml/2006/main" xmlns:r="http://schemas.openxmlformats.org/officeDocument/2006/relationships" xmlns:p="http://schemas.openxmlformats.org/presentationml/2006/main">
+  <p:cSld>
+    <p:spTree>
+      <p:nvGrpSpPr>
+        <p:cNvPr id="1" name=""/>
+        <p:cNvGrpSpPr/>
+        <p:nvPr/>
+      </p:nvGrpSpPr>
+      <p:grpSpPr>
+        <a:xfrm>
+          <a:off x="0" y="0"/>
+          <a:ext cx="0" cy="0"/>
+          <a:chOff x="0" y="0"/>
+          <a:chExt cx="0" cy="0"/>
+        </a:xfrm>
+      </p:grpSpPr>
+      <p:graphicFrame>
+        <p:nvGraphicFramePr>
+          <p:cNvPr id="5" name="Table 4"/>
+          <p:cNvGraphicFramePr>
+            <a:graphicFrameLocks noGrp="1"/>
+          </p:cNvGraphicFramePr>
+          <p:nvPr>
+            <p:extLst>
+              <p:ext uri="{D42A27DB-BD31-4B8C-83A1-F6EECF244321}">
+                <p14:modId xmlns:p14="http://schemas.microsoft.com/office/powerpoint/2010/main" val="2281224332"/>
+              </p:ext>
+            </p:extLst>
+          </p:nvPr>
+        </p:nvGraphicFramePr>
+        <p:xfrm>
+          <a:off x="0" y="1"/>
+          <a:ext cx="12192000" cy="365760"/>
+        </p:xfrm>
+        <a:graphic>
+          <a:graphicData uri="http://schemas.openxmlformats.org/drawingml/2006/table">
+            <a:tbl>
+              <a:tblPr firstRow="1" bandRow="1">
+                <a:tableStyleId>{5C22544A-7EE6-4342-B048-85BDC9FD1C3A}</a:tableStyleId>
+              </a:tblPr>
+              <a:tblGrid>
+                <a:gridCol w="12192000">
+                  <a:extLst>
+                    <a:ext uri="{9D8B030D-6E8A-4147-A177-3AD203B41FA5}">
+                      <a16:colId xmlns:a16="http://schemas.microsoft.com/office/drawing/2014/main" val="20000"/>
+                    </a:ext>
+                  </a:extLst>
+                </a:gridCol>
+              </a:tblGrid>
+              <a:tr h="321276">
+                <a:tc>
+                  <a:txBody>
+                    <a:bodyPr/>
+                    <a:lstStyle/>
+                    <a:p>
+                      <a:r>
+                        <a:rPr lang="ru-RU" dirty="0"/>
+                        <a:t>Основы</a:t>
+                      </a:r>
+                      <a:r>
+                        <a:rPr lang="ru-RU" baseline="0" dirty="0"/>
+                        <a:t> построения файловых систем</a:t>
+                      </a:r>
+                      <a:endParaRPr lang="ru-RU" dirty="0"/>
+                    </a:p>
+                  </a:txBody>
+                  <a:tcPr/>
+                </a:tc>
+                <a:extLst>
+                  <a:ext uri="{0D108BD9-81ED-4DB2-BD59-A6C34878D82A}">
+                    <a16:rowId xmlns:a16="http://schemas.microsoft.com/office/drawing/2014/main" val="10000"/>
+                  </a:ext>
+                </a:extLst>
+              </a:tr>
+            </a:tbl>
+          </a:graphicData>
+        </a:graphic>
+      </p:graphicFrame>
+      <p:graphicFrame>
+        <p:nvGraphicFramePr>
+          <p:cNvPr id="6" name="Table 5"/>
+          <p:cNvGraphicFramePr>
+            <a:graphicFrameLocks noGrp="1"/>
+          </p:cNvGraphicFramePr>
+          <p:nvPr>
+            <p:extLst>
+              <p:ext uri="{D42A27DB-BD31-4B8C-83A1-F6EECF244321}">
+                <p14:modId xmlns:p14="http://schemas.microsoft.com/office/powerpoint/2010/main" val="4164474727"/>
+              </p:ext>
+            </p:extLst>
+          </p:nvPr>
+        </p:nvGraphicFramePr>
+        <p:xfrm>
+          <a:off x="0" y="6532604"/>
+          <a:ext cx="12192000" cy="365760"/>
+        </p:xfrm>
+        <a:graphic>
+          <a:graphicData uri="http://schemas.openxmlformats.org/drawingml/2006/table">
+            <a:tbl>
+              <a:tblPr firstRow="1" bandRow="1">
+                <a:tableStyleId>{5C22544A-7EE6-4342-B048-85BDC9FD1C3A}</a:tableStyleId>
+              </a:tblPr>
+              <a:tblGrid>
+                <a:gridCol w="12192000">
+                  <a:extLst>
+                    <a:ext uri="{9D8B030D-6E8A-4147-A177-3AD203B41FA5}">
+                      <a16:colId xmlns:a16="http://schemas.microsoft.com/office/drawing/2014/main" val="20000"/>
+                    </a:ext>
+                  </a:extLst>
+                </a:gridCol>
+              </a:tblGrid>
+              <a:tr h="308094">
+                <a:tc>
+                  <a:txBody>
+                    <a:bodyPr/>
+                    <a:lstStyle/>
+                    <a:p>
+                      <a:r>
+                        <a:rPr lang="en-US" dirty="0"/>
+                        <a:t>Acronis @ </a:t>
+                      </a:r>
+                      <a:r>
+                        <a:rPr lang="ru-RU" dirty="0"/>
+                        <a:t>МФТИ</a:t>
+                      </a:r>
+                    </a:p>
+                  </a:txBody>
+                  <a:tcPr/>
+                </a:tc>
+                <a:extLst>
+                  <a:ext uri="{0D108BD9-81ED-4DB2-BD59-A6C34878D82A}">
+                    <a16:rowId xmlns:a16="http://schemas.microsoft.com/office/drawing/2014/main" val="10000"/>
+                  </a:ext>
+                </a:extLst>
+              </a:tr>
+            </a:tbl>
+          </a:graphicData>
+        </a:graphic>
+      </p:graphicFrame>
+      <p:graphicFrame>
+        <p:nvGraphicFramePr>
+          <p:cNvPr id="2" name="Table 1"/>
+          <p:cNvGraphicFramePr>
+            <a:graphicFrameLocks noGrp="1"/>
+          </p:cNvGraphicFramePr>
+          <p:nvPr>
+            <p:extLst>
+              <p:ext uri="{D42A27DB-BD31-4B8C-83A1-F6EECF244321}">
                 <p14:modId xmlns:p14="http://schemas.microsoft.com/office/powerpoint/2010/main" val="1806128183"/>
               </p:ext>
             </p:extLst>
@@ -25124,7 +26354,7 @@
 </p:sld>
 </file>
 
-<file path=ppt/slides/slide34.xml><?xml version="1.0" encoding="utf-8"?>
+<file path=ppt/slides/slide35.xml><?xml version="1.0" encoding="utf-8"?>
 <p:sld xmlns:a="http://schemas.openxmlformats.org/drawingml/2006/main" xmlns:r="http://schemas.openxmlformats.org/officeDocument/2006/relationships" xmlns:p="http://schemas.openxmlformats.org/presentationml/2006/main">
   <p:cSld>
     <p:spTree>
@@ -25561,7 +26791,7 @@
 </p:sld>
 </file>
 
-<file path=ppt/slides/slide35.xml><?xml version="1.0" encoding="utf-8"?>
+<file path=ppt/slides/slide36.xml><?xml version="1.0" encoding="utf-8"?>
 <p:sld xmlns:a="http://schemas.openxmlformats.org/drawingml/2006/main" xmlns:r="http://schemas.openxmlformats.org/officeDocument/2006/relationships" xmlns:p="http://schemas.openxmlformats.org/presentationml/2006/main">
   <p:cSld>
     <p:spTree>
@@ -25979,490 +27209,6 @@
     <p:extLst>
       <p:ext uri="{BB962C8B-B14F-4D97-AF65-F5344CB8AC3E}">
         <p14:creationId xmlns:p14="http://schemas.microsoft.com/office/powerpoint/2010/main" val="2829276229"/>
-      </p:ext>
-    </p:extLst>
-  </p:cSld>
-  <p:clrMapOvr>
-    <a:masterClrMapping/>
-  </p:clrMapOvr>
-</p:sld>
-</file>
-
-<file path=ppt/slides/slide36.xml><?xml version="1.0" encoding="utf-8"?>
-<p:sld xmlns:a="http://schemas.openxmlformats.org/drawingml/2006/main" xmlns:r="http://schemas.openxmlformats.org/officeDocument/2006/relationships" xmlns:p="http://schemas.openxmlformats.org/presentationml/2006/main">
-  <p:cSld>
-    <p:spTree>
-      <p:nvGrpSpPr>
-        <p:cNvPr id="1" name=""/>
-        <p:cNvGrpSpPr/>
-        <p:nvPr/>
-      </p:nvGrpSpPr>
-      <p:grpSpPr>
-        <a:xfrm>
-          <a:off x="0" y="0"/>
-          <a:ext cx="0" cy="0"/>
-          <a:chOff x="0" y="0"/>
-          <a:chExt cx="0" cy="0"/>
-        </a:xfrm>
-      </p:grpSpPr>
-      <p:graphicFrame>
-        <p:nvGraphicFramePr>
-          <p:cNvPr id="5" name="Table 4"/>
-          <p:cNvGraphicFramePr>
-            <a:graphicFrameLocks noGrp="1"/>
-          </p:cNvGraphicFramePr>
-          <p:nvPr>
-            <p:extLst>
-              <p:ext uri="{D42A27DB-BD31-4B8C-83A1-F6EECF244321}">
-                <p14:modId xmlns:p14="http://schemas.microsoft.com/office/powerpoint/2010/main" val="2281224332"/>
-              </p:ext>
-            </p:extLst>
-          </p:nvPr>
-        </p:nvGraphicFramePr>
-        <p:xfrm>
-          <a:off x="0" y="1"/>
-          <a:ext cx="12192000" cy="365760"/>
-        </p:xfrm>
-        <a:graphic>
-          <a:graphicData uri="http://schemas.openxmlformats.org/drawingml/2006/table">
-            <a:tbl>
-              <a:tblPr firstRow="1" bandRow="1">
-                <a:tableStyleId>{5C22544A-7EE6-4342-B048-85BDC9FD1C3A}</a:tableStyleId>
-              </a:tblPr>
-              <a:tblGrid>
-                <a:gridCol w="12192000">
-                  <a:extLst>
-                    <a:ext uri="{9D8B030D-6E8A-4147-A177-3AD203B41FA5}">
-                      <a16:colId xmlns:a16="http://schemas.microsoft.com/office/drawing/2014/main" val="20000"/>
-                    </a:ext>
-                  </a:extLst>
-                </a:gridCol>
-              </a:tblGrid>
-              <a:tr h="321276">
-                <a:tc>
-                  <a:txBody>
-                    <a:bodyPr/>
-                    <a:lstStyle/>
-                    <a:p>
-                      <a:r>
-                        <a:rPr lang="ru-RU" dirty="0"/>
-                        <a:t>Основы</a:t>
-                      </a:r>
-                      <a:r>
-                        <a:rPr lang="ru-RU" baseline="0" dirty="0"/>
-                        <a:t> построения файловых систем</a:t>
-                      </a:r>
-                      <a:endParaRPr lang="ru-RU" dirty="0"/>
-                    </a:p>
-                  </a:txBody>
-                  <a:tcPr/>
-                </a:tc>
-                <a:extLst>
-                  <a:ext uri="{0D108BD9-81ED-4DB2-BD59-A6C34878D82A}">
-                    <a16:rowId xmlns:a16="http://schemas.microsoft.com/office/drawing/2014/main" val="10000"/>
-                  </a:ext>
-                </a:extLst>
-              </a:tr>
-            </a:tbl>
-          </a:graphicData>
-        </a:graphic>
-      </p:graphicFrame>
-      <p:graphicFrame>
-        <p:nvGraphicFramePr>
-          <p:cNvPr id="6" name="Table 5"/>
-          <p:cNvGraphicFramePr>
-            <a:graphicFrameLocks noGrp="1"/>
-          </p:cNvGraphicFramePr>
-          <p:nvPr>
-            <p:extLst>
-              <p:ext uri="{D42A27DB-BD31-4B8C-83A1-F6EECF244321}">
-                <p14:modId xmlns:p14="http://schemas.microsoft.com/office/powerpoint/2010/main" val="4164474727"/>
-              </p:ext>
-            </p:extLst>
-          </p:nvPr>
-        </p:nvGraphicFramePr>
-        <p:xfrm>
-          <a:off x="0" y="6532604"/>
-          <a:ext cx="12192000" cy="365760"/>
-        </p:xfrm>
-        <a:graphic>
-          <a:graphicData uri="http://schemas.openxmlformats.org/drawingml/2006/table">
-            <a:tbl>
-              <a:tblPr firstRow="1" bandRow="1">
-                <a:tableStyleId>{5C22544A-7EE6-4342-B048-85BDC9FD1C3A}</a:tableStyleId>
-              </a:tblPr>
-              <a:tblGrid>
-                <a:gridCol w="12192000">
-                  <a:extLst>
-                    <a:ext uri="{9D8B030D-6E8A-4147-A177-3AD203B41FA5}">
-                      <a16:colId xmlns:a16="http://schemas.microsoft.com/office/drawing/2014/main" val="20000"/>
-                    </a:ext>
-                  </a:extLst>
-                </a:gridCol>
-              </a:tblGrid>
-              <a:tr h="308094">
-                <a:tc>
-                  <a:txBody>
-                    <a:bodyPr/>
-                    <a:lstStyle/>
-                    <a:p>
-                      <a:r>
-                        <a:rPr lang="en-US" dirty="0"/>
-                        <a:t>Acronis @ </a:t>
-                      </a:r>
-                      <a:r>
-                        <a:rPr lang="ru-RU" dirty="0"/>
-                        <a:t>МФТИ</a:t>
-                      </a:r>
-                    </a:p>
-                  </a:txBody>
-                  <a:tcPr/>
-                </a:tc>
-                <a:extLst>
-                  <a:ext uri="{0D108BD9-81ED-4DB2-BD59-A6C34878D82A}">
-                    <a16:rowId xmlns:a16="http://schemas.microsoft.com/office/drawing/2014/main" val="10000"/>
-                  </a:ext>
-                </a:extLst>
-              </a:tr>
-            </a:tbl>
-          </a:graphicData>
-        </a:graphic>
-      </p:graphicFrame>
-      <p:graphicFrame>
-        <p:nvGraphicFramePr>
-          <p:cNvPr id="2" name="Table 1"/>
-          <p:cNvGraphicFramePr>
-            <a:graphicFrameLocks noGrp="1"/>
-          </p:cNvGraphicFramePr>
-          <p:nvPr>
-            <p:extLst>
-              <p:ext uri="{D42A27DB-BD31-4B8C-83A1-F6EECF244321}">
-                <p14:modId xmlns:p14="http://schemas.microsoft.com/office/powerpoint/2010/main" val="233030361"/>
-              </p:ext>
-            </p:extLst>
-          </p:nvPr>
-        </p:nvGraphicFramePr>
-        <p:xfrm>
-          <a:off x="0" y="365761"/>
-          <a:ext cx="12192000" cy="3774440"/>
-        </p:xfrm>
-        <a:graphic>
-          <a:graphicData uri="http://schemas.openxmlformats.org/drawingml/2006/table">
-            <a:tbl>
-              <a:tblPr firstRow="1" bandRow="1">
-                <a:tableStyleId>{3B4B98B0-60AC-42C2-AFA5-B58CD77FA1E5}</a:tableStyleId>
-              </a:tblPr>
-              <a:tblGrid>
-                <a:gridCol w="12192000">
-                  <a:extLst>
-                    <a:ext uri="{9D8B030D-6E8A-4147-A177-3AD203B41FA5}">
-                      <a16:colId xmlns:a16="http://schemas.microsoft.com/office/drawing/2014/main" val="20000"/>
-                    </a:ext>
-                  </a:extLst>
-                </a:gridCol>
-              </a:tblGrid>
-              <a:tr h="370840">
-                <a:tc>
-                  <a:txBody>
-                    <a:bodyPr/>
-                    <a:lstStyle/>
-                    <a:p>
-                      <a:r>
-                        <a:rPr lang="ru-RU" sz="2400" dirty="0"/>
-                        <a:t>Обзор-напоминание</a:t>
-                      </a:r>
-                      <a:r>
-                        <a:rPr lang="ru-RU" sz="2400" baseline="0" dirty="0"/>
-                        <a:t> о </a:t>
-                      </a:r>
-                      <a:r>
-                        <a:rPr lang="en-US" sz="2400" baseline="0" dirty="0"/>
-                        <a:t>POSIX Filesystem API</a:t>
-                      </a:r>
-                      <a:endParaRPr lang="ru-RU" sz="2400" dirty="0"/>
-                    </a:p>
-                  </a:txBody>
-                  <a:tcPr/>
-                </a:tc>
-                <a:extLst>
-                  <a:ext uri="{0D108BD9-81ED-4DB2-BD59-A6C34878D82A}">
-                    <a16:rowId xmlns:a16="http://schemas.microsoft.com/office/drawing/2014/main" val="10000"/>
-                  </a:ext>
-                </a:extLst>
-              </a:tr>
-              <a:tr h="370840">
-                <a:tc>
-                  <a:txBody>
-                    <a:bodyPr/>
-                    <a:lstStyle/>
-                    <a:p>
-                      <a:r>
-                        <a:rPr lang="en-US" dirty="0"/>
-                        <a:t>1. open(path,</a:t>
-                      </a:r>
-                      <a:r>
-                        <a:rPr lang="en-US" baseline="0" dirty="0"/>
-                        <a:t> flags, mode</a:t>
-                      </a:r>
-                      <a:r>
-                        <a:rPr lang="en-US" dirty="0"/>
-                        <a:t>) / close(</a:t>
-                      </a:r>
-                      <a:r>
-                        <a:rPr lang="en-US" dirty="0" err="1"/>
-                        <a:t>fd</a:t>
-                      </a:r>
-                      <a:r>
-                        <a:rPr lang="en-US" dirty="0"/>
-                        <a:t>)</a:t>
-                      </a:r>
-                      <a:endParaRPr lang="ru-RU" dirty="0"/>
-                    </a:p>
-                  </a:txBody>
-                  <a:tcPr/>
-                </a:tc>
-                <a:extLst>
-                  <a:ext uri="{0D108BD9-81ED-4DB2-BD59-A6C34878D82A}">
-                    <a16:rowId xmlns:a16="http://schemas.microsoft.com/office/drawing/2014/main" val="10001"/>
-                  </a:ext>
-                </a:extLst>
-              </a:tr>
-              <a:tr h="370840">
-                <a:tc>
-                  <a:txBody>
-                    <a:bodyPr/>
-                    <a:lstStyle/>
-                    <a:p>
-                      <a:r>
-                        <a:rPr lang="en-US" dirty="0"/>
-                        <a:t>2. </a:t>
-                      </a:r>
-                      <a:r>
-                        <a:rPr lang="en-US" dirty="0" err="1"/>
-                        <a:t>mkdir</a:t>
-                      </a:r>
-                      <a:r>
-                        <a:rPr lang="en-US" dirty="0"/>
-                        <a:t>(path, flags) / </a:t>
-                      </a:r>
-                      <a:r>
-                        <a:rPr lang="en-US" dirty="0" err="1"/>
-                        <a:t>rmdir</a:t>
-                      </a:r>
-                      <a:r>
-                        <a:rPr lang="en-US" dirty="0"/>
-                        <a:t>(path)</a:t>
-                      </a:r>
-                      <a:endParaRPr lang="ru-RU" dirty="0"/>
-                    </a:p>
-                  </a:txBody>
-                  <a:tcPr/>
-                </a:tc>
-                <a:extLst>
-                  <a:ext uri="{0D108BD9-81ED-4DB2-BD59-A6C34878D82A}">
-                    <a16:rowId xmlns:a16="http://schemas.microsoft.com/office/drawing/2014/main" val="10002"/>
-                  </a:ext>
-                </a:extLst>
-              </a:tr>
-              <a:tr h="370840">
-                <a:tc>
-                  <a:txBody>
-                    <a:bodyPr/>
-                    <a:lstStyle/>
-                    <a:p>
-                      <a:r>
-                        <a:rPr lang="en-US" dirty="0"/>
-                        <a:t>3.</a:t>
-                      </a:r>
-                      <a:r>
-                        <a:rPr lang="en-US" baseline="0" dirty="0"/>
-                        <a:t> </a:t>
-                      </a:r>
-                      <a:r>
-                        <a:rPr lang="en-US" baseline="0" dirty="0" err="1"/>
-                        <a:t>chdir</a:t>
-                      </a:r>
-                      <a:r>
-                        <a:rPr lang="en-US" baseline="0" dirty="0"/>
-                        <a:t>(path), </a:t>
-                      </a:r>
-                      <a:r>
-                        <a:rPr lang="en-US" baseline="0" dirty="0" err="1"/>
-                        <a:t>chroot</a:t>
-                      </a:r>
-                      <a:r>
-                        <a:rPr lang="en-US" baseline="0" dirty="0"/>
-                        <a:t>(path)</a:t>
-                      </a:r>
-                      <a:endParaRPr lang="ru-RU" dirty="0"/>
-                    </a:p>
-                  </a:txBody>
-                  <a:tcPr/>
-                </a:tc>
-                <a:extLst>
-                  <a:ext uri="{0D108BD9-81ED-4DB2-BD59-A6C34878D82A}">
-                    <a16:rowId xmlns:a16="http://schemas.microsoft.com/office/drawing/2014/main" val="10003"/>
-                  </a:ext>
-                </a:extLst>
-              </a:tr>
-              <a:tr h="370840">
-                <a:tc>
-                  <a:txBody>
-                    <a:bodyPr/>
-                    <a:lstStyle/>
-                    <a:p>
-                      <a:r>
-                        <a:rPr lang="en-US" dirty="0"/>
-                        <a:t>4. </a:t>
-                      </a:r>
-                      <a:r>
-                        <a:rPr lang="en-US" dirty="0" err="1"/>
-                        <a:t>openat</a:t>
-                      </a:r>
-                      <a:r>
-                        <a:rPr lang="en-US" dirty="0"/>
-                        <a:t>(</a:t>
-                      </a:r>
-                      <a:r>
-                        <a:rPr lang="en-US" dirty="0" err="1"/>
-                        <a:t>dirfd</a:t>
-                      </a:r>
-                      <a:r>
-                        <a:rPr lang="en-US" dirty="0"/>
-                        <a:t>, path, flags) / </a:t>
-                      </a:r>
-                      <a:r>
-                        <a:rPr lang="en-US" dirty="0" err="1"/>
-                        <a:t>mkdirat</a:t>
-                      </a:r>
-                      <a:r>
-                        <a:rPr lang="en-US" dirty="0"/>
-                        <a:t>() / </a:t>
-                      </a:r>
-                      <a:r>
-                        <a:rPr lang="en-US" dirty="0" err="1"/>
-                        <a:t>rmdirat</a:t>
-                      </a:r>
-                      <a:r>
-                        <a:rPr lang="en-US" dirty="0"/>
-                        <a:t>() / </a:t>
-                      </a:r>
-                      <a:r>
-                        <a:rPr lang="en-US" dirty="0" err="1"/>
-                        <a:t>etc</a:t>
-                      </a:r>
-                      <a:endParaRPr lang="en-US" dirty="0"/>
-                    </a:p>
-                  </a:txBody>
-                  <a:tcPr/>
-                </a:tc>
-                <a:extLst>
-                  <a:ext uri="{0D108BD9-81ED-4DB2-BD59-A6C34878D82A}">
-                    <a16:rowId xmlns:a16="http://schemas.microsoft.com/office/drawing/2014/main" val="10004"/>
-                  </a:ext>
-                </a:extLst>
-              </a:tr>
-              <a:tr h="370840">
-                <a:tc>
-                  <a:txBody>
-                    <a:bodyPr/>
-                    <a:lstStyle/>
-                    <a:p>
-                      <a:r>
-                        <a:rPr lang="en-US" dirty="0"/>
-                        <a:t>5. </a:t>
-                      </a:r>
-                      <a:r>
-                        <a:rPr lang="en-US" dirty="0" err="1"/>
-                        <a:t>symlink</a:t>
-                      </a:r>
-                      <a:r>
-                        <a:rPr lang="en-US" dirty="0"/>
-                        <a:t>() / </a:t>
-                      </a:r>
-                      <a:r>
-                        <a:rPr lang="en-US" dirty="0" err="1"/>
-                        <a:t>readlink</a:t>
-                      </a:r>
-                      <a:r>
-                        <a:rPr lang="en-US" dirty="0"/>
-                        <a:t>()</a:t>
-                      </a:r>
-                    </a:p>
-                  </a:txBody>
-                  <a:tcPr/>
-                </a:tc>
-                <a:extLst>
-                  <a:ext uri="{0D108BD9-81ED-4DB2-BD59-A6C34878D82A}">
-                    <a16:rowId xmlns:a16="http://schemas.microsoft.com/office/drawing/2014/main" val="10005"/>
-                  </a:ext>
-                </a:extLst>
-              </a:tr>
-              <a:tr h="370840">
-                <a:tc>
-                  <a:txBody>
-                    <a:bodyPr/>
-                    <a:lstStyle/>
-                    <a:p>
-                      <a:r>
-                        <a:rPr lang="en-US" dirty="0"/>
-                        <a:t>6. link() / unlink()</a:t>
-                      </a:r>
-                    </a:p>
-                    <a:p>
-                      <a:endParaRPr lang="en-US" dirty="0"/>
-                    </a:p>
-                    <a:p>
-                      <a:r>
-                        <a:rPr lang="ru-RU" dirty="0"/>
-                        <a:t>В </a:t>
-                      </a:r>
-                      <a:r>
-                        <a:rPr lang="en-US" dirty="0"/>
-                        <a:t>POSIX </a:t>
-                      </a:r>
-                      <a:r>
-                        <a:rPr lang="ru-RU" dirty="0"/>
-                        <a:t>файлы и имена существуют отдельно друг от друга. Возможны ситуации:</a:t>
-                      </a:r>
-                    </a:p>
-                    <a:p>
-                      <a:pPr marL="285750" indent="-285750">
-                        <a:buFont typeface="Arial" panose="020B0604020202020204" pitchFamily="34" charset="0"/>
-                        <a:buChar char="•"/>
-                      </a:pPr>
-                      <a:r>
-                        <a:rPr lang="ru-RU" dirty="0"/>
-                        <a:t>файл имеет несколько имён,</a:t>
-                      </a:r>
-                    </a:p>
-                    <a:p>
-                      <a:pPr marL="285750" indent="-285750">
-                        <a:buFont typeface="Arial" panose="020B0604020202020204" pitchFamily="34" charset="0"/>
-                        <a:buChar char="•"/>
-                      </a:pPr>
-                      <a:r>
-                        <a:rPr lang="ru-RU" dirty="0"/>
-                        <a:t>файл не имеет ни одного имени.</a:t>
-                      </a:r>
-                    </a:p>
-                  </a:txBody>
-                  <a:tcPr/>
-                </a:tc>
-                <a:extLst>
-                  <a:ext uri="{0D108BD9-81ED-4DB2-BD59-A6C34878D82A}">
-                    <a16:rowId xmlns:a16="http://schemas.microsoft.com/office/drawing/2014/main" val="10006"/>
-                  </a:ext>
-                </a:extLst>
-              </a:tr>
-            </a:tbl>
-          </a:graphicData>
-        </a:graphic>
-      </p:graphicFrame>
-    </p:spTree>
-    <p:extLst>
-      <p:ext uri="{BB962C8B-B14F-4D97-AF65-F5344CB8AC3E}">
-        <p14:creationId xmlns:p14="http://schemas.microsoft.com/office/powerpoint/2010/main" val="4152298700"/>
       </p:ext>
     </p:extLst>
   </p:cSld>
@@ -26621,14 +27367,14 @@
           <p:nvPr>
             <p:extLst>
               <p:ext uri="{D42A27DB-BD31-4B8C-83A1-F6EECF244321}">
-                <p14:modId xmlns:p14="http://schemas.microsoft.com/office/powerpoint/2010/main" val="2492653987"/>
+                <p14:modId xmlns:p14="http://schemas.microsoft.com/office/powerpoint/2010/main" val="233030361"/>
               </p:ext>
             </p:extLst>
           </p:nvPr>
         </p:nvGraphicFramePr>
         <p:xfrm>
           <a:off x="0" y="365761"/>
-          <a:ext cx="12192000" cy="4323080"/>
+          <a:ext cx="12192000" cy="3774440"/>
         </p:xfrm>
         <a:graphic>
           <a:graphicData uri="http://schemas.openxmlformats.org/drawingml/2006/table">
@@ -26927,38 +27673,8 @@
                       </a:pPr>
                       <a:r>
                         <a:rPr lang="ru-RU" dirty="0"/>
-                        <a:t>файл не имеет ни одного имени</a:t>
-                      </a:r>
-                      <a:r>
-                        <a:rPr lang="en-US" dirty="0"/>
-                        <a:t>.</a:t>
-                      </a:r>
-                    </a:p>
-                    <a:p>
-                      <a:pPr marL="0" indent="0">
-                        <a:buFont typeface="Arial" panose="020B0604020202020204" pitchFamily="34" charset="0"/>
-                        <a:buNone/>
-                      </a:pPr>
-                      <a:endParaRPr lang="ru-RU" dirty="0"/>
-                    </a:p>
-                    <a:p>
-                      <a:pPr marL="0" indent="0">
-                        <a:buFont typeface="Arial" panose="020B0604020202020204" pitchFamily="34" charset="0"/>
-                        <a:buNone/>
-                      </a:pPr>
-                      <a:r>
-                        <a:rPr lang="en-US" dirty="0"/>
-                        <a:t>open(O_TMPFILE)</a:t>
-                      </a:r>
-                      <a:r>
-                        <a:rPr lang="ru-RU" baseline="0" dirty="0"/>
-                        <a:t> создаёт файл, у которого изначально нет имени</a:t>
-                      </a:r>
-                      <a:r>
-                        <a:rPr lang="en-US" dirty="0"/>
-                        <a:t>.</a:t>
-                      </a:r>
-                      <a:endParaRPr lang="ru-RU" dirty="0"/>
+                        <a:t>файл не имеет ни одного имени.</a:t>
+                      </a:r>
                     </a:p>
                   </a:txBody>
                   <a:tcPr/>
@@ -26976,7 +27692,7 @@
     </p:spTree>
     <p:extLst>
       <p:ext uri="{BB962C8B-B14F-4D97-AF65-F5344CB8AC3E}">
-        <p14:creationId xmlns:p14="http://schemas.microsoft.com/office/powerpoint/2010/main" val="3382582635"/>
+        <p14:creationId xmlns:p14="http://schemas.microsoft.com/office/powerpoint/2010/main" val="4152298700"/>
       </p:ext>
     </p:extLst>
   </p:cSld>
@@ -27135,14 +27851,14 @@
           <p:nvPr>
             <p:extLst>
               <p:ext uri="{D42A27DB-BD31-4B8C-83A1-F6EECF244321}">
-                <p14:modId xmlns:p14="http://schemas.microsoft.com/office/powerpoint/2010/main" val="2326181152"/>
+                <p14:modId xmlns:p14="http://schemas.microsoft.com/office/powerpoint/2010/main" val="2492653987"/>
               </p:ext>
             </p:extLst>
           </p:nvPr>
         </p:nvGraphicFramePr>
         <p:xfrm>
           <a:off x="0" y="365761"/>
-          <a:ext cx="12192000" cy="4419600"/>
+          <a:ext cx="12192000" cy="4323080"/>
         </p:xfrm>
         <a:graphic>
           <a:graphicData uri="http://schemas.openxmlformats.org/drawingml/2006/table">
@@ -27407,100 +28123,79 @@
                         <a:t>6. link() / unlink()</a:t>
                       </a:r>
                     </a:p>
+                    <a:p>
+                      <a:endParaRPr lang="en-US" dirty="0"/>
+                    </a:p>
+                    <a:p>
+                      <a:r>
+                        <a:rPr lang="ru-RU" dirty="0"/>
+                        <a:t>В </a:t>
+                      </a:r>
+                      <a:r>
+                        <a:rPr lang="en-US" dirty="0"/>
+                        <a:t>POSIX </a:t>
+                      </a:r>
+                      <a:r>
+                        <a:rPr lang="ru-RU" dirty="0"/>
+                        <a:t>файлы и имена существуют отдельно друг от друга. Возможны ситуации:</a:t>
+                      </a:r>
+                    </a:p>
+                    <a:p>
+                      <a:pPr marL="285750" indent="-285750">
+                        <a:buFont typeface="Arial" panose="020B0604020202020204" pitchFamily="34" charset="0"/>
+                        <a:buChar char="•"/>
+                      </a:pPr>
+                      <a:r>
+                        <a:rPr lang="ru-RU" dirty="0"/>
+                        <a:t>файл имеет несколько имён,</a:t>
+                      </a:r>
+                    </a:p>
+                    <a:p>
+                      <a:pPr marL="285750" indent="-285750">
+                        <a:buFont typeface="Arial" panose="020B0604020202020204" pitchFamily="34" charset="0"/>
+                        <a:buChar char="•"/>
+                      </a:pPr>
+                      <a:r>
+                        <a:rPr lang="ru-RU" dirty="0"/>
+                        <a:t>файл не имеет ни одного имени</a:t>
+                      </a:r>
+                      <a:r>
+                        <a:rPr lang="en-US" dirty="0"/>
+                        <a:t>.</a:t>
+                      </a:r>
+                    </a:p>
+                    <a:p>
+                      <a:pPr marL="0" indent="0">
+                        <a:buFont typeface="Arial" panose="020B0604020202020204" pitchFamily="34" charset="0"/>
+                        <a:buNone/>
+                      </a:pPr>
+                      <a:endParaRPr lang="ru-RU" dirty="0"/>
+                    </a:p>
+                    <a:p>
+                      <a:pPr marL="0" indent="0">
+                        <a:buFont typeface="Arial" panose="020B0604020202020204" pitchFamily="34" charset="0"/>
+                        <a:buNone/>
+                      </a:pPr>
+                      <a:r>
+                        <a:rPr lang="en-US" dirty="0"/>
+                        <a:t>open(O_TMPFILE)</a:t>
+                      </a:r>
+                      <a:r>
+                        <a:rPr lang="ru-RU" baseline="0" dirty="0"/>
+                        <a:t> создаёт файл, у которого изначально нет имени</a:t>
+                      </a:r>
+                      <a:r>
+                        <a:rPr lang="en-US" dirty="0"/>
+                        <a:t>.</a:t>
+                      </a:r>
+                      <a:endParaRPr lang="ru-RU" dirty="0"/>
+                    </a:p>
                   </a:txBody>
                   <a:tcPr/>
                 </a:tc>
                 <a:extLst>
                   <a:ext uri="{0D108BD9-81ED-4DB2-BD59-A6C34878D82A}">
                     <a16:rowId xmlns:a16="http://schemas.microsoft.com/office/drawing/2014/main" val="10006"/>
-                  </a:ext>
-                </a:extLst>
-              </a:tr>
-              <a:tr h="370840">
-                <a:tc>
-                  <a:txBody>
-                    <a:bodyPr/>
-                    <a:lstStyle/>
-                    <a:p>
-                      <a:r>
-                        <a:rPr lang="en-US" dirty="0"/>
-                        <a:t>7. </a:t>
-                      </a:r>
-                      <a:r>
-                        <a:rPr lang="ru-RU" dirty="0"/>
-                        <a:t>Специальные</a:t>
-                      </a:r>
-                      <a:r>
-                        <a:rPr lang="ru-RU" baseline="0" dirty="0"/>
-                        <a:t> файлы:</a:t>
-                      </a:r>
-                      <a:endParaRPr lang="en-US" baseline="0" dirty="0"/>
-                    </a:p>
-                    <a:p>
-                      <a:pPr marL="285750" indent="-285750">
-                        <a:buFont typeface="Arial" panose="020B0604020202020204" pitchFamily="34" charset="0"/>
-                        <a:buChar char="•"/>
-                      </a:pPr>
-                      <a:r>
-                        <a:rPr lang="en-US" dirty="0"/>
-                        <a:t>directory,</a:t>
-                      </a:r>
-                    </a:p>
-                    <a:p>
-                      <a:pPr marL="285750" indent="-285750">
-                        <a:buFont typeface="Arial" panose="020B0604020202020204" pitchFamily="34" charset="0"/>
-                        <a:buChar char="•"/>
-                      </a:pPr>
-                      <a:r>
-                        <a:rPr lang="en-US" dirty="0"/>
-                        <a:t>character</a:t>
-                      </a:r>
-                      <a:r>
-                        <a:rPr lang="en-US" baseline="0" dirty="0"/>
-                        <a:t> devices,</a:t>
-                      </a:r>
-                    </a:p>
-                    <a:p>
-                      <a:pPr marL="285750" indent="-285750">
-                        <a:buFont typeface="Arial" panose="020B0604020202020204" pitchFamily="34" charset="0"/>
-                        <a:buChar char="•"/>
-                      </a:pPr>
-                      <a:r>
-                        <a:rPr lang="en-US" baseline="0" dirty="0"/>
-                        <a:t>block devices,</a:t>
-                      </a:r>
-                    </a:p>
-                    <a:p>
-                      <a:pPr marL="285750" indent="-285750">
-                        <a:buFont typeface="Arial" panose="020B0604020202020204" pitchFamily="34" charset="0"/>
-                        <a:buChar char="•"/>
-                      </a:pPr>
-                      <a:r>
-                        <a:rPr lang="en-US" baseline="0" dirty="0"/>
-                        <a:t>pipes,</a:t>
-                      </a:r>
-                    </a:p>
-                    <a:p>
-                      <a:pPr marL="285750" indent="-285750">
-                        <a:buFont typeface="Arial" panose="020B0604020202020204" pitchFamily="34" charset="0"/>
-                        <a:buChar char="•"/>
-                      </a:pPr>
-                      <a:r>
-                        <a:rPr lang="en-US" baseline="0" dirty="0" err="1"/>
-                        <a:t>unix</a:t>
-                      </a:r>
-                      <a:r>
-                        <a:rPr lang="en-US" baseline="0" dirty="0"/>
-                        <a:t> domain sockets.</a:t>
-                      </a:r>
-                      <a:endParaRPr lang="en-US" dirty="0"/>
-                    </a:p>
-                  </a:txBody>
-                  <a:tcPr/>
-                </a:tc>
-                <a:extLst>
-                  <a:ext uri="{0D108BD9-81ED-4DB2-BD59-A6C34878D82A}">
-                    <a16:rowId xmlns:a16="http://schemas.microsoft.com/office/drawing/2014/main" val="10007"/>
                   </a:ext>
                 </a:extLst>
               </a:tr>
@@ -27511,7 +28206,7 @@
     </p:spTree>
     <p:extLst>
       <p:ext uri="{BB962C8B-B14F-4D97-AF65-F5344CB8AC3E}">
-        <p14:creationId xmlns:p14="http://schemas.microsoft.com/office/powerpoint/2010/main" val="3429008705"/>
+        <p14:creationId xmlns:p14="http://schemas.microsoft.com/office/powerpoint/2010/main" val="3382582635"/>
       </p:ext>
     </p:extLst>
   </p:cSld>
@@ -27670,14 +28365,14 @@
           <p:nvPr>
             <p:extLst>
               <p:ext uri="{D42A27DB-BD31-4B8C-83A1-F6EECF244321}">
-                <p14:modId xmlns:p14="http://schemas.microsoft.com/office/powerpoint/2010/main" val="2446614311"/>
+                <p14:modId xmlns:p14="http://schemas.microsoft.com/office/powerpoint/2010/main" val="2326181152"/>
               </p:ext>
             </p:extLst>
           </p:nvPr>
         </p:nvGraphicFramePr>
         <p:xfrm>
           <a:off x="0" y="365761"/>
-          <a:ext cx="12192000" cy="3423920"/>
+          <a:ext cx="12192000" cy="4419600"/>
         </p:xfrm>
         <a:graphic>
           <a:graphicData uri="http://schemas.openxmlformats.org/drawingml/2006/table">
@@ -27967,12 +28662,68 @@
                       </a:r>
                       <a:r>
                         <a:rPr lang="ru-RU" baseline="0" dirty="0"/>
-                        <a:t> файлы</a:t>
+                        <a:t> файлы:</a:t>
+                      </a:r>
+                      <a:endParaRPr lang="en-US" baseline="0" dirty="0"/>
+                    </a:p>
+                    <a:p>
+                      <a:pPr marL="285750" indent="-285750">
+                        <a:buFont typeface="Arial" panose="020B0604020202020204" pitchFamily="34" charset="0"/>
+                        <a:buChar char="•"/>
+                      </a:pPr>
+                      <a:r>
+                        <a:rPr lang="en-US" dirty="0"/>
+                        <a:t>directory,</a:t>
+                      </a:r>
+                    </a:p>
+                    <a:p>
+                      <a:pPr marL="285750" indent="-285750">
+                        <a:buFont typeface="Arial" panose="020B0604020202020204" pitchFamily="34" charset="0"/>
+                        <a:buChar char="•"/>
+                      </a:pPr>
+                      <a:r>
+                        <a:rPr lang="en-US" dirty="0"/>
+                        <a:t>character</a:t>
                       </a:r>
                       <a:r>
                         <a:rPr lang="en-US" baseline="0" dirty="0"/>
-                        <a:t>.</a:t>
-                      </a:r>
+                        <a:t> devices,</a:t>
+                      </a:r>
+                    </a:p>
+                    <a:p>
+                      <a:pPr marL="285750" indent="-285750">
+                        <a:buFont typeface="Arial" panose="020B0604020202020204" pitchFamily="34" charset="0"/>
+                        <a:buChar char="•"/>
+                      </a:pPr>
+                      <a:r>
+                        <a:rPr lang="en-US" baseline="0" dirty="0"/>
+                        <a:t>block devices,</a:t>
+                      </a:r>
+                    </a:p>
+                    <a:p>
+                      <a:pPr marL="285750" indent="-285750">
+                        <a:buFont typeface="Arial" panose="020B0604020202020204" pitchFamily="34" charset="0"/>
+                        <a:buChar char="•"/>
+                      </a:pPr>
+                      <a:r>
+                        <a:rPr lang="en-US" baseline="0" dirty="0"/>
+                        <a:t>pipes,</a:t>
+                      </a:r>
+                    </a:p>
+                    <a:p>
+                      <a:pPr marL="285750" indent="-285750">
+                        <a:buFont typeface="Arial" panose="020B0604020202020204" pitchFamily="34" charset="0"/>
+                        <a:buChar char="•"/>
+                      </a:pPr>
+                      <a:r>
+                        <a:rPr lang="en-US" baseline="0" dirty="0" err="1"/>
+                        <a:t>unix</a:t>
+                      </a:r>
+                      <a:r>
+                        <a:rPr lang="en-US" baseline="0" dirty="0"/>
+                        <a:t> domain sockets.</a:t>
+                      </a:r>
+                      <a:endParaRPr lang="en-US" dirty="0"/>
                     </a:p>
                   </a:txBody>
                   <a:tcPr/>
@@ -27980,55 +28731,6 @@
                 <a:extLst>
                   <a:ext uri="{0D108BD9-81ED-4DB2-BD59-A6C34878D82A}">
                     <a16:rowId xmlns:a16="http://schemas.microsoft.com/office/drawing/2014/main" val="10007"/>
-                  </a:ext>
-                </a:extLst>
-              </a:tr>
-              <a:tr h="370840">
-                <a:tc>
-                  <a:txBody>
-                    <a:bodyPr/>
-                    <a:lstStyle/>
-                    <a:p>
-                      <a:pPr marL="0" indent="0">
-                        <a:buFont typeface="Arial" panose="020B0604020202020204" pitchFamily="34" charset="0"/>
-                        <a:buNone/>
-                      </a:pPr>
-                      <a:r>
-                        <a:rPr lang="en-US" dirty="0"/>
-                        <a:t>8</a:t>
-                      </a:r>
-                      <a:r>
-                        <a:rPr lang="ru-RU" dirty="0"/>
-                        <a:t>.</a:t>
-                      </a:r>
-                      <a:r>
-                        <a:rPr lang="ru-RU" baseline="0" dirty="0"/>
-                        <a:t> </a:t>
-                      </a:r>
-                      <a:r>
-                        <a:rPr lang="en-US" baseline="0" dirty="0" err="1"/>
-                        <a:t>mmap</a:t>
-                      </a:r>
-                      <a:r>
-                        <a:rPr lang="en-US" baseline="0" dirty="0"/>
-                        <a:t>() / </a:t>
-                      </a:r>
-                      <a:r>
-                        <a:rPr lang="en-US" baseline="0" dirty="0" err="1"/>
-                        <a:t>munmap</a:t>
-                      </a:r>
-                      <a:r>
-                        <a:rPr lang="en-US" baseline="0" dirty="0"/>
-                        <a:t>()</a:t>
-                      </a:r>
-                      <a:endParaRPr lang="en-US" dirty="0"/>
-                    </a:p>
-                  </a:txBody>
-                  <a:tcPr/>
-                </a:tc>
-                <a:extLst>
-                  <a:ext uri="{0D108BD9-81ED-4DB2-BD59-A6C34878D82A}">
-                    <a16:rowId xmlns:a16="http://schemas.microsoft.com/office/drawing/2014/main" val="10008"/>
                   </a:ext>
                 </a:extLst>
               </a:tr>
@@ -28039,7 +28741,7 @@
     </p:spTree>
     <p:extLst>
       <p:ext uri="{BB962C8B-B14F-4D97-AF65-F5344CB8AC3E}">
-        <p14:creationId xmlns:p14="http://schemas.microsoft.com/office/powerpoint/2010/main" val="2928804381"/>
+        <p14:creationId xmlns:p14="http://schemas.microsoft.com/office/powerpoint/2010/main" val="3429008705"/>
       </p:ext>
     </p:extLst>
   </p:cSld>
@@ -28367,6 +29069,534 @@
 </file>
 
 <file path=ppt/slides/slide40.xml><?xml version="1.0" encoding="utf-8"?>
+<p:sld xmlns:a="http://schemas.openxmlformats.org/drawingml/2006/main" xmlns:r="http://schemas.openxmlformats.org/officeDocument/2006/relationships" xmlns:p="http://schemas.openxmlformats.org/presentationml/2006/main">
+  <p:cSld>
+    <p:spTree>
+      <p:nvGrpSpPr>
+        <p:cNvPr id="1" name=""/>
+        <p:cNvGrpSpPr/>
+        <p:nvPr/>
+      </p:nvGrpSpPr>
+      <p:grpSpPr>
+        <a:xfrm>
+          <a:off x="0" y="0"/>
+          <a:ext cx="0" cy="0"/>
+          <a:chOff x="0" y="0"/>
+          <a:chExt cx="0" cy="0"/>
+        </a:xfrm>
+      </p:grpSpPr>
+      <p:graphicFrame>
+        <p:nvGraphicFramePr>
+          <p:cNvPr id="5" name="Table 4"/>
+          <p:cNvGraphicFramePr>
+            <a:graphicFrameLocks noGrp="1"/>
+          </p:cNvGraphicFramePr>
+          <p:nvPr>
+            <p:extLst>
+              <p:ext uri="{D42A27DB-BD31-4B8C-83A1-F6EECF244321}">
+                <p14:modId xmlns:p14="http://schemas.microsoft.com/office/powerpoint/2010/main" val="2281224332"/>
+              </p:ext>
+            </p:extLst>
+          </p:nvPr>
+        </p:nvGraphicFramePr>
+        <p:xfrm>
+          <a:off x="0" y="1"/>
+          <a:ext cx="12192000" cy="365760"/>
+        </p:xfrm>
+        <a:graphic>
+          <a:graphicData uri="http://schemas.openxmlformats.org/drawingml/2006/table">
+            <a:tbl>
+              <a:tblPr firstRow="1" bandRow="1">
+                <a:tableStyleId>{5C22544A-7EE6-4342-B048-85BDC9FD1C3A}</a:tableStyleId>
+              </a:tblPr>
+              <a:tblGrid>
+                <a:gridCol w="12192000">
+                  <a:extLst>
+                    <a:ext uri="{9D8B030D-6E8A-4147-A177-3AD203B41FA5}">
+                      <a16:colId xmlns:a16="http://schemas.microsoft.com/office/drawing/2014/main" val="20000"/>
+                    </a:ext>
+                  </a:extLst>
+                </a:gridCol>
+              </a:tblGrid>
+              <a:tr h="321276">
+                <a:tc>
+                  <a:txBody>
+                    <a:bodyPr/>
+                    <a:lstStyle/>
+                    <a:p>
+                      <a:r>
+                        <a:rPr lang="ru-RU" dirty="0"/>
+                        <a:t>Основы</a:t>
+                      </a:r>
+                      <a:r>
+                        <a:rPr lang="ru-RU" baseline="0" dirty="0"/>
+                        <a:t> построения файловых систем</a:t>
+                      </a:r>
+                      <a:endParaRPr lang="ru-RU" dirty="0"/>
+                    </a:p>
+                  </a:txBody>
+                  <a:tcPr/>
+                </a:tc>
+                <a:extLst>
+                  <a:ext uri="{0D108BD9-81ED-4DB2-BD59-A6C34878D82A}">
+                    <a16:rowId xmlns:a16="http://schemas.microsoft.com/office/drawing/2014/main" val="10000"/>
+                  </a:ext>
+                </a:extLst>
+              </a:tr>
+            </a:tbl>
+          </a:graphicData>
+        </a:graphic>
+      </p:graphicFrame>
+      <p:graphicFrame>
+        <p:nvGraphicFramePr>
+          <p:cNvPr id="6" name="Table 5"/>
+          <p:cNvGraphicFramePr>
+            <a:graphicFrameLocks noGrp="1"/>
+          </p:cNvGraphicFramePr>
+          <p:nvPr>
+            <p:extLst>
+              <p:ext uri="{D42A27DB-BD31-4B8C-83A1-F6EECF244321}">
+                <p14:modId xmlns:p14="http://schemas.microsoft.com/office/powerpoint/2010/main" val="4164474727"/>
+              </p:ext>
+            </p:extLst>
+          </p:nvPr>
+        </p:nvGraphicFramePr>
+        <p:xfrm>
+          <a:off x="0" y="6532604"/>
+          <a:ext cx="12192000" cy="365760"/>
+        </p:xfrm>
+        <a:graphic>
+          <a:graphicData uri="http://schemas.openxmlformats.org/drawingml/2006/table">
+            <a:tbl>
+              <a:tblPr firstRow="1" bandRow="1">
+                <a:tableStyleId>{5C22544A-7EE6-4342-B048-85BDC9FD1C3A}</a:tableStyleId>
+              </a:tblPr>
+              <a:tblGrid>
+                <a:gridCol w="12192000">
+                  <a:extLst>
+                    <a:ext uri="{9D8B030D-6E8A-4147-A177-3AD203B41FA5}">
+                      <a16:colId xmlns:a16="http://schemas.microsoft.com/office/drawing/2014/main" val="20000"/>
+                    </a:ext>
+                  </a:extLst>
+                </a:gridCol>
+              </a:tblGrid>
+              <a:tr h="308094">
+                <a:tc>
+                  <a:txBody>
+                    <a:bodyPr/>
+                    <a:lstStyle/>
+                    <a:p>
+                      <a:r>
+                        <a:rPr lang="en-US" dirty="0"/>
+                        <a:t>Acronis @ </a:t>
+                      </a:r>
+                      <a:r>
+                        <a:rPr lang="ru-RU" dirty="0"/>
+                        <a:t>МФТИ</a:t>
+                      </a:r>
+                    </a:p>
+                  </a:txBody>
+                  <a:tcPr/>
+                </a:tc>
+                <a:extLst>
+                  <a:ext uri="{0D108BD9-81ED-4DB2-BD59-A6C34878D82A}">
+                    <a16:rowId xmlns:a16="http://schemas.microsoft.com/office/drawing/2014/main" val="10000"/>
+                  </a:ext>
+                </a:extLst>
+              </a:tr>
+            </a:tbl>
+          </a:graphicData>
+        </a:graphic>
+      </p:graphicFrame>
+      <p:graphicFrame>
+        <p:nvGraphicFramePr>
+          <p:cNvPr id="2" name="Table 1"/>
+          <p:cNvGraphicFramePr>
+            <a:graphicFrameLocks noGrp="1"/>
+          </p:cNvGraphicFramePr>
+          <p:nvPr>
+            <p:extLst>
+              <p:ext uri="{D42A27DB-BD31-4B8C-83A1-F6EECF244321}">
+                <p14:modId xmlns:p14="http://schemas.microsoft.com/office/powerpoint/2010/main" val="2446614311"/>
+              </p:ext>
+            </p:extLst>
+          </p:nvPr>
+        </p:nvGraphicFramePr>
+        <p:xfrm>
+          <a:off x="0" y="365761"/>
+          <a:ext cx="12192000" cy="3423920"/>
+        </p:xfrm>
+        <a:graphic>
+          <a:graphicData uri="http://schemas.openxmlformats.org/drawingml/2006/table">
+            <a:tbl>
+              <a:tblPr firstRow="1" bandRow="1">
+                <a:tableStyleId>{3B4B98B0-60AC-42C2-AFA5-B58CD77FA1E5}</a:tableStyleId>
+              </a:tblPr>
+              <a:tblGrid>
+                <a:gridCol w="12192000">
+                  <a:extLst>
+                    <a:ext uri="{9D8B030D-6E8A-4147-A177-3AD203B41FA5}">
+                      <a16:colId xmlns:a16="http://schemas.microsoft.com/office/drawing/2014/main" val="20000"/>
+                    </a:ext>
+                  </a:extLst>
+                </a:gridCol>
+              </a:tblGrid>
+              <a:tr h="370840">
+                <a:tc>
+                  <a:txBody>
+                    <a:bodyPr/>
+                    <a:lstStyle/>
+                    <a:p>
+                      <a:r>
+                        <a:rPr lang="ru-RU" sz="2400" dirty="0"/>
+                        <a:t>Обзор-напоминание</a:t>
+                      </a:r>
+                      <a:r>
+                        <a:rPr lang="ru-RU" sz="2400" baseline="0" dirty="0"/>
+                        <a:t> о </a:t>
+                      </a:r>
+                      <a:r>
+                        <a:rPr lang="en-US" sz="2400" baseline="0" dirty="0"/>
+                        <a:t>POSIX Filesystem API</a:t>
+                      </a:r>
+                      <a:endParaRPr lang="ru-RU" sz="2400" dirty="0"/>
+                    </a:p>
+                  </a:txBody>
+                  <a:tcPr/>
+                </a:tc>
+                <a:extLst>
+                  <a:ext uri="{0D108BD9-81ED-4DB2-BD59-A6C34878D82A}">
+                    <a16:rowId xmlns:a16="http://schemas.microsoft.com/office/drawing/2014/main" val="10000"/>
+                  </a:ext>
+                </a:extLst>
+              </a:tr>
+              <a:tr h="370840">
+                <a:tc>
+                  <a:txBody>
+                    <a:bodyPr/>
+                    <a:lstStyle/>
+                    <a:p>
+                      <a:r>
+                        <a:rPr lang="en-US" dirty="0"/>
+                        <a:t>1. open(path,</a:t>
+                      </a:r>
+                      <a:r>
+                        <a:rPr lang="en-US" baseline="0" dirty="0"/>
+                        <a:t> flags, mode</a:t>
+                      </a:r>
+                      <a:r>
+                        <a:rPr lang="en-US" dirty="0"/>
+                        <a:t>) / close(</a:t>
+                      </a:r>
+                      <a:r>
+                        <a:rPr lang="en-US" dirty="0" err="1"/>
+                        <a:t>fd</a:t>
+                      </a:r>
+                      <a:r>
+                        <a:rPr lang="en-US" dirty="0"/>
+                        <a:t>)</a:t>
+                      </a:r>
+                      <a:endParaRPr lang="ru-RU" dirty="0"/>
+                    </a:p>
+                  </a:txBody>
+                  <a:tcPr/>
+                </a:tc>
+                <a:extLst>
+                  <a:ext uri="{0D108BD9-81ED-4DB2-BD59-A6C34878D82A}">
+                    <a16:rowId xmlns:a16="http://schemas.microsoft.com/office/drawing/2014/main" val="10001"/>
+                  </a:ext>
+                </a:extLst>
+              </a:tr>
+              <a:tr h="370840">
+                <a:tc>
+                  <a:txBody>
+                    <a:bodyPr/>
+                    <a:lstStyle/>
+                    <a:p>
+                      <a:r>
+                        <a:rPr lang="en-US" dirty="0"/>
+                        <a:t>2. </a:t>
+                      </a:r>
+                      <a:r>
+                        <a:rPr lang="en-US" dirty="0" err="1"/>
+                        <a:t>mkdir</a:t>
+                      </a:r>
+                      <a:r>
+                        <a:rPr lang="en-US" dirty="0"/>
+                        <a:t>(path, flags) / </a:t>
+                      </a:r>
+                      <a:r>
+                        <a:rPr lang="en-US" dirty="0" err="1"/>
+                        <a:t>rmdir</a:t>
+                      </a:r>
+                      <a:r>
+                        <a:rPr lang="en-US" dirty="0"/>
+                        <a:t>(path)</a:t>
+                      </a:r>
+                      <a:endParaRPr lang="ru-RU" dirty="0"/>
+                    </a:p>
+                  </a:txBody>
+                  <a:tcPr/>
+                </a:tc>
+                <a:extLst>
+                  <a:ext uri="{0D108BD9-81ED-4DB2-BD59-A6C34878D82A}">
+                    <a16:rowId xmlns:a16="http://schemas.microsoft.com/office/drawing/2014/main" val="10002"/>
+                  </a:ext>
+                </a:extLst>
+              </a:tr>
+              <a:tr h="370840">
+                <a:tc>
+                  <a:txBody>
+                    <a:bodyPr/>
+                    <a:lstStyle/>
+                    <a:p>
+                      <a:r>
+                        <a:rPr lang="en-US" dirty="0"/>
+                        <a:t>3.</a:t>
+                      </a:r>
+                      <a:r>
+                        <a:rPr lang="en-US" baseline="0" dirty="0"/>
+                        <a:t> </a:t>
+                      </a:r>
+                      <a:r>
+                        <a:rPr lang="en-US" baseline="0" dirty="0" err="1"/>
+                        <a:t>chdir</a:t>
+                      </a:r>
+                      <a:r>
+                        <a:rPr lang="en-US" baseline="0" dirty="0"/>
+                        <a:t>(path), </a:t>
+                      </a:r>
+                      <a:r>
+                        <a:rPr lang="en-US" baseline="0" dirty="0" err="1"/>
+                        <a:t>chroot</a:t>
+                      </a:r>
+                      <a:r>
+                        <a:rPr lang="en-US" baseline="0" dirty="0"/>
+                        <a:t>(path)</a:t>
+                      </a:r>
+                      <a:endParaRPr lang="ru-RU" dirty="0"/>
+                    </a:p>
+                  </a:txBody>
+                  <a:tcPr/>
+                </a:tc>
+                <a:extLst>
+                  <a:ext uri="{0D108BD9-81ED-4DB2-BD59-A6C34878D82A}">
+                    <a16:rowId xmlns:a16="http://schemas.microsoft.com/office/drawing/2014/main" val="10003"/>
+                  </a:ext>
+                </a:extLst>
+              </a:tr>
+              <a:tr h="370840">
+                <a:tc>
+                  <a:txBody>
+                    <a:bodyPr/>
+                    <a:lstStyle/>
+                    <a:p>
+                      <a:r>
+                        <a:rPr lang="en-US" dirty="0"/>
+                        <a:t>4. </a:t>
+                      </a:r>
+                      <a:r>
+                        <a:rPr lang="en-US" dirty="0" err="1"/>
+                        <a:t>openat</a:t>
+                      </a:r>
+                      <a:r>
+                        <a:rPr lang="en-US" dirty="0"/>
+                        <a:t>(</a:t>
+                      </a:r>
+                      <a:r>
+                        <a:rPr lang="en-US" dirty="0" err="1"/>
+                        <a:t>dirfd</a:t>
+                      </a:r>
+                      <a:r>
+                        <a:rPr lang="en-US" dirty="0"/>
+                        <a:t>, path, flags) / </a:t>
+                      </a:r>
+                      <a:r>
+                        <a:rPr lang="en-US" dirty="0" err="1"/>
+                        <a:t>mkdirat</a:t>
+                      </a:r>
+                      <a:r>
+                        <a:rPr lang="en-US" dirty="0"/>
+                        <a:t>() / </a:t>
+                      </a:r>
+                      <a:r>
+                        <a:rPr lang="en-US" dirty="0" err="1"/>
+                        <a:t>rmdirat</a:t>
+                      </a:r>
+                      <a:r>
+                        <a:rPr lang="en-US" dirty="0"/>
+                        <a:t>() / </a:t>
+                      </a:r>
+                      <a:r>
+                        <a:rPr lang="en-US" dirty="0" err="1"/>
+                        <a:t>etc</a:t>
+                      </a:r>
+                      <a:endParaRPr lang="en-US" dirty="0"/>
+                    </a:p>
+                  </a:txBody>
+                  <a:tcPr/>
+                </a:tc>
+                <a:extLst>
+                  <a:ext uri="{0D108BD9-81ED-4DB2-BD59-A6C34878D82A}">
+                    <a16:rowId xmlns:a16="http://schemas.microsoft.com/office/drawing/2014/main" val="10004"/>
+                  </a:ext>
+                </a:extLst>
+              </a:tr>
+              <a:tr h="370840">
+                <a:tc>
+                  <a:txBody>
+                    <a:bodyPr/>
+                    <a:lstStyle/>
+                    <a:p>
+                      <a:r>
+                        <a:rPr lang="en-US" dirty="0"/>
+                        <a:t>5. </a:t>
+                      </a:r>
+                      <a:r>
+                        <a:rPr lang="en-US" dirty="0" err="1"/>
+                        <a:t>symlink</a:t>
+                      </a:r>
+                      <a:r>
+                        <a:rPr lang="en-US" dirty="0"/>
+                        <a:t>() / </a:t>
+                      </a:r>
+                      <a:r>
+                        <a:rPr lang="en-US" dirty="0" err="1"/>
+                        <a:t>readlink</a:t>
+                      </a:r>
+                      <a:r>
+                        <a:rPr lang="en-US" dirty="0"/>
+                        <a:t>()</a:t>
+                      </a:r>
+                    </a:p>
+                  </a:txBody>
+                  <a:tcPr/>
+                </a:tc>
+                <a:extLst>
+                  <a:ext uri="{0D108BD9-81ED-4DB2-BD59-A6C34878D82A}">
+                    <a16:rowId xmlns:a16="http://schemas.microsoft.com/office/drawing/2014/main" val="10005"/>
+                  </a:ext>
+                </a:extLst>
+              </a:tr>
+              <a:tr h="370840">
+                <a:tc>
+                  <a:txBody>
+                    <a:bodyPr/>
+                    <a:lstStyle/>
+                    <a:p>
+                      <a:r>
+                        <a:rPr lang="en-US" dirty="0"/>
+                        <a:t>6. link() / unlink()</a:t>
+                      </a:r>
+                    </a:p>
+                  </a:txBody>
+                  <a:tcPr/>
+                </a:tc>
+                <a:extLst>
+                  <a:ext uri="{0D108BD9-81ED-4DB2-BD59-A6C34878D82A}">
+                    <a16:rowId xmlns:a16="http://schemas.microsoft.com/office/drawing/2014/main" val="10006"/>
+                  </a:ext>
+                </a:extLst>
+              </a:tr>
+              <a:tr h="370840">
+                <a:tc>
+                  <a:txBody>
+                    <a:bodyPr/>
+                    <a:lstStyle/>
+                    <a:p>
+                      <a:r>
+                        <a:rPr lang="en-US" dirty="0"/>
+                        <a:t>7. </a:t>
+                      </a:r>
+                      <a:r>
+                        <a:rPr lang="ru-RU" dirty="0"/>
+                        <a:t>Специальные</a:t>
+                      </a:r>
+                      <a:r>
+                        <a:rPr lang="ru-RU" baseline="0" dirty="0"/>
+                        <a:t> файлы</a:t>
+                      </a:r>
+                      <a:r>
+                        <a:rPr lang="en-US" baseline="0" dirty="0"/>
+                        <a:t>.</a:t>
+                      </a:r>
+                    </a:p>
+                  </a:txBody>
+                  <a:tcPr/>
+                </a:tc>
+                <a:extLst>
+                  <a:ext uri="{0D108BD9-81ED-4DB2-BD59-A6C34878D82A}">
+                    <a16:rowId xmlns:a16="http://schemas.microsoft.com/office/drawing/2014/main" val="10007"/>
+                  </a:ext>
+                </a:extLst>
+              </a:tr>
+              <a:tr h="370840">
+                <a:tc>
+                  <a:txBody>
+                    <a:bodyPr/>
+                    <a:lstStyle/>
+                    <a:p>
+                      <a:pPr marL="0" indent="0">
+                        <a:buFont typeface="Arial" panose="020B0604020202020204" pitchFamily="34" charset="0"/>
+                        <a:buNone/>
+                      </a:pPr>
+                      <a:r>
+                        <a:rPr lang="en-US" dirty="0"/>
+                        <a:t>8</a:t>
+                      </a:r>
+                      <a:r>
+                        <a:rPr lang="ru-RU" dirty="0"/>
+                        <a:t>.</a:t>
+                      </a:r>
+                      <a:r>
+                        <a:rPr lang="ru-RU" baseline="0" dirty="0"/>
+                        <a:t> </a:t>
+                      </a:r>
+                      <a:r>
+                        <a:rPr lang="en-US" baseline="0" dirty="0" err="1"/>
+                        <a:t>mmap</a:t>
+                      </a:r>
+                      <a:r>
+                        <a:rPr lang="en-US" baseline="0" dirty="0"/>
+                        <a:t>() / </a:t>
+                      </a:r>
+                      <a:r>
+                        <a:rPr lang="en-US" baseline="0" dirty="0" err="1"/>
+                        <a:t>munmap</a:t>
+                      </a:r>
+                      <a:r>
+                        <a:rPr lang="en-US" baseline="0" dirty="0"/>
+                        <a:t>()</a:t>
+                      </a:r>
+                      <a:endParaRPr lang="en-US" dirty="0"/>
+                    </a:p>
+                  </a:txBody>
+                  <a:tcPr/>
+                </a:tc>
+                <a:extLst>
+                  <a:ext uri="{0D108BD9-81ED-4DB2-BD59-A6C34878D82A}">
+                    <a16:rowId xmlns:a16="http://schemas.microsoft.com/office/drawing/2014/main" val="10008"/>
+                  </a:ext>
+                </a:extLst>
+              </a:tr>
+            </a:tbl>
+          </a:graphicData>
+        </a:graphic>
+      </p:graphicFrame>
+    </p:spTree>
+    <p:extLst>
+      <p:ext uri="{BB962C8B-B14F-4D97-AF65-F5344CB8AC3E}">
+        <p14:creationId xmlns:p14="http://schemas.microsoft.com/office/powerpoint/2010/main" val="2928804381"/>
+      </p:ext>
+    </p:extLst>
+  </p:cSld>
+  <p:clrMapOvr>
+    <a:masterClrMapping/>
+  </p:clrMapOvr>
+</p:sld>
+</file>
+
+<file path=ppt/slides/slide41.xml><?xml version="1.0" encoding="utf-8"?>
 <p:sld xmlns:a="http://schemas.openxmlformats.org/drawingml/2006/main" xmlns:r="http://schemas.openxmlformats.org/officeDocument/2006/relationships" xmlns:p="http://schemas.openxmlformats.org/presentationml/2006/main">
   <p:cSld>
     <p:spTree>
